--- a/CYBER360-6.3-6.4-AD.pptx
+++ b/CYBER360-6.3-6.4-AD.pptx
@@ -137,6 +137,435 @@
 <file path=ppt/changesInfos/changesInfo1.xml><?xml version="1.0" encoding="utf-8"?>
 <pc:chgInfo xmlns:a="http://schemas.openxmlformats.org/drawingml/2006/main" xmlns:r="http://schemas.openxmlformats.org/officeDocument/2006/relationships" xmlns:ac="http://schemas.microsoft.com/office/drawing/2013/main/command" xmlns:pc="http://schemas.microsoft.com/office/powerpoint/2013/main/command">
   <pc:docChgLst>
+    <pc:chgData name="Gibbons, Carl" userId="d2b037bc-8fb4-4222-845c-61440543a456" providerId="ADAL" clId="{6DFE05B7-7BB4-417C-8826-34A6C37E3109}"/>
+    <pc:docChg chg="custSel modSld">
+      <pc:chgData name="Gibbons, Carl" userId="d2b037bc-8fb4-4222-845c-61440543a456" providerId="ADAL" clId="{6DFE05B7-7BB4-417C-8826-34A6C37E3109}" dt="2024-02-20T15:40:11.315" v="2156" actId="1076"/>
+      <pc:docMkLst>
+        <pc:docMk/>
+      </pc:docMkLst>
+      <pc:sldChg chg="modSp mod">
+        <pc:chgData name="Gibbons, Carl" userId="d2b037bc-8fb4-4222-845c-61440543a456" providerId="ADAL" clId="{6DFE05B7-7BB4-417C-8826-34A6C37E3109}" dt="2024-02-10T23:25:06.485" v="25" actId="20577"/>
+        <pc:sldMkLst>
+          <pc:docMk/>
+          <pc:sldMk cId="3308175748" sldId="256"/>
+        </pc:sldMkLst>
+        <pc:spChg chg="mod">
+          <ac:chgData name="Gibbons, Carl" userId="d2b037bc-8fb4-4222-845c-61440543a456" providerId="ADAL" clId="{6DFE05B7-7BB4-417C-8826-34A6C37E3109}" dt="2024-02-10T23:25:06.485" v="25" actId="20577"/>
+          <ac:spMkLst>
+            <pc:docMk/>
+            <pc:sldMk cId="3308175748" sldId="256"/>
+            <ac:spMk id="3" creationId="{EEC4D41B-E776-05F2-BE0B-89BB339485AB}"/>
+          </ac:spMkLst>
+        </pc:spChg>
+      </pc:sldChg>
+      <pc:sldChg chg="addSp delSp modSp mod">
+        <pc:chgData name="Gibbons, Carl" userId="d2b037bc-8fb4-4222-845c-61440543a456" providerId="ADAL" clId="{6DFE05B7-7BB4-417C-8826-34A6C37E3109}" dt="2024-02-10T23:47:50.077" v="678" actId="1076"/>
+        <pc:sldMkLst>
+          <pc:docMk/>
+          <pc:sldMk cId="2312486803" sldId="261"/>
+        </pc:sldMkLst>
+        <pc:spChg chg="mod">
+          <ac:chgData name="Gibbons, Carl" userId="d2b037bc-8fb4-4222-845c-61440543a456" providerId="ADAL" clId="{6DFE05B7-7BB4-417C-8826-34A6C37E3109}" dt="2024-02-10T23:25:43.747" v="72" actId="20577"/>
+          <ac:spMkLst>
+            <pc:docMk/>
+            <pc:sldMk cId="2312486803" sldId="261"/>
+            <ac:spMk id="2" creationId="{31B75992-5098-A283-4925-2CCEBB801DC5}"/>
+          </ac:spMkLst>
+        </pc:spChg>
+        <pc:spChg chg="del mod">
+          <ac:chgData name="Gibbons, Carl" userId="d2b037bc-8fb4-4222-845c-61440543a456" providerId="ADAL" clId="{6DFE05B7-7BB4-417C-8826-34A6C37E3109}" dt="2024-02-10T23:35:03.418" v="416"/>
+          <ac:spMkLst>
+            <pc:docMk/>
+            <pc:sldMk cId="2312486803" sldId="261"/>
+            <ac:spMk id="3" creationId="{B5924E0F-A977-1710-779D-EEB74261AF34}"/>
+          </ac:spMkLst>
+        </pc:spChg>
+        <pc:spChg chg="add del mod">
+          <ac:chgData name="Gibbons, Carl" userId="d2b037bc-8fb4-4222-845c-61440543a456" providerId="ADAL" clId="{6DFE05B7-7BB4-417C-8826-34A6C37E3109}" dt="2024-02-10T23:35:18.368" v="421"/>
+          <ac:spMkLst>
+            <pc:docMk/>
+            <pc:sldMk cId="2312486803" sldId="261"/>
+            <ac:spMk id="5" creationId="{5E1F0042-F2D7-082C-DE33-6A607ADAA329}"/>
+          </ac:spMkLst>
+        </pc:spChg>
+        <pc:spChg chg="add mod">
+          <ac:chgData name="Gibbons, Carl" userId="d2b037bc-8fb4-4222-845c-61440543a456" providerId="ADAL" clId="{6DFE05B7-7BB4-417C-8826-34A6C37E3109}" dt="2024-02-10T23:47:50.077" v="678" actId="1076"/>
+          <ac:spMkLst>
+            <pc:docMk/>
+            <pc:sldMk cId="2312486803" sldId="261"/>
+            <ac:spMk id="7" creationId="{F19E524F-C936-E6CE-A06A-9068EF0D1C67}"/>
+          </ac:spMkLst>
+        </pc:spChg>
+        <pc:picChg chg="add mod">
+          <ac:chgData name="Gibbons, Carl" userId="d2b037bc-8fb4-4222-845c-61440543a456" providerId="ADAL" clId="{6DFE05B7-7BB4-417C-8826-34A6C37E3109}" dt="2024-02-10T23:35:03.411" v="414"/>
+          <ac:picMkLst>
+            <pc:docMk/>
+            <pc:sldMk cId="2312486803" sldId="261"/>
+            <ac:picMk id="4" creationId="{96BD58E6-1F26-880B-6B7D-26B06301A218}"/>
+          </ac:picMkLst>
+        </pc:picChg>
+        <pc:picChg chg="add mod">
+          <ac:chgData name="Gibbons, Carl" userId="d2b037bc-8fb4-4222-845c-61440543a456" providerId="ADAL" clId="{6DFE05B7-7BB4-417C-8826-34A6C37E3109}" dt="2024-02-10T23:35:42.045" v="423" actId="1076"/>
+          <ac:picMkLst>
+            <pc:docMk/>
+            <pc:sldMk cId="2312486803" sldId="261"/>
+            <ac:picMk id="6" creationId="{EC52FD38-E213-5177-DDDA-7287F93BD393}"/>
+          </ac:picMkLst>
+        </pc:picChg>
+      </pc:sldChg>
+      <pc:sldChg chg="modSp mod">
+        <pc:chgData name="Gibbons, Carl" userId="d2b037bc-8fb4-4222-845c-61440543a456" providerId="ADAL" clId="{6DFE05B7-7BB4-417C-8826-34A6C37E3109}" dt="2024-02-11T00:43:14.770" v="2154" actId="20577"/>
+        <pc:sldMkLst>
+          <pc:docMk/>
+          <pc:sldMk cId="3885141102" sldId="262"/>
+        </pc:sldMkLst>
+        <pc:spChg chg="mod">
+          <ac:chgData name="Gibbons, Carl" userId="d2b037bc-8fb4-4222-845c-61440543a456" providerId="ADAL" clId="{6DFE05B7-7BB4-417C-8826-34A6C37E3109}" dt="2024-02-11T00:43:14.770" v="2154" actId="20577"/>
+          <ac:spMkLst>
+            <pc:docMk/>
+            <pc:sldMk cId="3885141102" sldId="262"/>
+            <ac:spMk id="3" creationId="{B5924E0F-A977-1710-779D-EEB74261AF34}"/>
+          </ac:spMkLst>
+        </pc:spChg>
+      </pc:sldChg>
+      <pc:sldChg chg="delSp modSp mod">
+        <pc:chgData name="Gibbons, Carl" userId="d2b037bc-8fb4-4222-845c-61440543a456" providerId="ADAL" clId="{6DFE05B7-7BB4-417C-8826-34A6C37E3109}" dt="2024-02-20T15:40:11.315" v="2156" actId="1076"/>
+        <pc:sldMkLst>
+          <pc:docMk/>
+          <pc:sldMk cId="538849350" sldId="263"/>
+        </pc:sldMkLst>
+        <pc:spChg chg="mod">
+          <ac:chgData name="Gibbons, Carl" userId="d2b037bc-8fb4-4222-845c-61440543a456" providerId="ADAL" clId="{6DFE05B7-7BB4-417C-8826-34A6C37E3109}" dt="2024-02-10T23:49:58.261" v="728" actId="20577"/>
+          <ac:spMkLst>
+            <pc:docMk/>
+            <pc:sldMk cId="538849350" sldId="263"/>
+            <ac:spMk id="2" creationId="{3D63CD28-05F6-EAAC-4E88-DBFBCF6B207B}"/>
+          </ac:spMkLst>
+        </pc:spChg>
+        <pc:spChg chg="mod">
+          <ac:chgData name="Gibbons, Carl" userId="d2b037bc-8fb4-4222-845c-61440543a456" providerId="ADAL" clId="{6DFE05B7-7BB4-417C-8826-34A6C37E3109}" dt="2024-02-20T15:40:11.315" v="2156" actId="1076"/>
+          <ac:spMkLst>
+            <pc:docMk/>
+            <pc:sldMk cId="538849350" sldId="263"/>
+            <ac:spMk id="7" creationId="{729440C3-A558-AF83-79BF-585206231CA4}"/>
+          </ac:spMkLst>
+        </pc:spChg>
+        <pc:picChg chg="del">
+          <ac:chgData name="Gibbons, Carl" userId="d2b037bc-8fb4-4222-845c-61440543a456" providerId="ADAL" clId="{6DFE05B7-7BB4-417C-8826-34A6C37E3109}" dt="2024-02-10T23:49:25.054" v="679" actId="478"/>
+          <ac:picMkLst>
+            <pc:docMk/>
+            <pc:sldMk cId="538849350" sldId="263"/>
+            <ac:picMk id="6" creationId="{D4950415-3AFA-6AEB-D962-FC2F30B31239}"/>
+          </ac:picMkLst>
+        </pc:picChg>
+      </pc:sldChg>
+      <pc:sldChg chg="modSp mod">
+        <pc:chgData name="Gibbons, Carl" userId="d2b037bc-8fb4-4222-845c-61440543a456" providerId="ADAL" clId="{6DFE05B7-7BB4-417C-8826-34A6C37E3109}" dt="2024-02-11T00:42:04.856" v="2084" actId="20577"/>
+        <pc:sldMkLst>
+          <pc:docMk/>
+          <pc:sldMk cId="1196559129" sldId="264"/>
+        </pc:sldMkLst>
+        <pc:spChg chg="mod">
+          <ac:chgData name="Gibbons, Carl" userId="d2b037bc-8fb4-4222-845c-61440543a456" providerId="ADAL" clId="{6DFE05B7-7BB4-417C-8826-34A6C37E3109}" dt="2024-02-11T00:28:46.758" v="1489" actId="20577"/>
+          <ac:spMkLst>
+            <pc:docMk/>
+            <pc:sldMk cId="1196559129" sldId="264"/>
+            <ac:spMk id="2" creationId="{0E6A2DEF-4501-FAEA-A31C-4FDCBD076712}"/>
+          </ac:spMkLst>
+        </pc:spChg>
+        <pc:spChg chg="mod">
+          <ac:chgData name="Gibbons, Carl" userId="d2b037bc-8fb4-4222-845c-61440543a456" providerId="ADAL" clId="{6DFE05B7-7BB4-417C-8826-34A6C37E3109}" dt="2024-02-11T00:42:04.856" v="2084" actId="20577"/>
+          <ac:spMkLst>
+            <pc:docMk/>
+            <pc:sldMk cId="1196559129" sldId="264"/>
+            <ac:spMk id="7" creationId="{4247D23F-F3F9-676F-BDEB-E69E1F0AB32C}"/>
+          </ac:spMkLst>
+        </pc:spChg>
+      </pc:sldChg>
+    </pc:docChg>
+  </pc:docChgLst>
+  <pc:docChgLst>
+    <pc:chgData name="Gibbons, Carl" userId="d2b037bc-8fb4-4222-845c-61440543a456" providerId="ADAL" clId="{5B3FBBC5-B788-4A9E-9FD4-842EBD374311}"/>
+    <pc:docChg chg="custSel addSld delSld modSld sldOrd">
+      <pc:chgData name="Gibbons, Carl" userId="d2b037bc-8fb4-4222-845c-61440543a456" providerId="ADAL" clId="{5B3FBBC5-B788-4A9E-9FD4-842EBD374311}" dt="2024-02-20T16:44:24.138" v="4925" actId="20577"/>
+      <pc:docMkLst>
+        <pc:docMk/>
+      </pc:docMkLst>
+      <pc:sldChg chg="modSp mod">
+        <pc:chgData name="Gibbons, Carl" userId="d2b037bc-8fb4-4222-845c-61440543a456" providerId="ADAL" clId="{5B3FBBC5-B788-4A9E-9FD4-842EBD374311}" dt="2024-02-20T15:42:03.020" v="12" actId="20577"/>
+        <pc:sldMkLst>
+          <pc:docMk/>
+          <pc:sldMk cId="3308175748" sldId="256"/>
+        </pc:sldMkLst>
+        <pc:spChg chg="mod">
+          <ac:chgData name="Gibbons, Carl" userId="d2b037bc-8fb4-4222-845c-61440543a456" providerId="ADAL" clId="{5B3FBBC5-B788-4A9E-9FD4-842EBD374311}" dt="2024-02-20T15:42:03.020" v="12" actId="20577"/>
+          <ac:spMkLst>
+            <pc:docMk/>
+            <pc:sldMk cId="3308175748" sldId="256"/>
+            <ac:spMk id="3" creationId="{EEC4D41B-E776-05F2-BE0B-89BB339485AB}"/>
+          </ac:spMkLst>
+        </pc:spChg>
+      </pc:sldChg>
+      <pc:sldChg chg="addSp delSp modSp mod">
+        <pc:chgData name="Gibbons, Carl" userId="d2b037bc-8fb4-4222-845c-61440543a456" providerId="ADAL" clId="{5B3FBBC5-B788-4A9E-9FD4-842EBD374311}" dt="2024-02-20T15:44:52.354" v="158" actId="20577"/>
+        <pc:sldMkLst>
+          <pc:docMk/>
+          <pc:sldMk cId="2312486803" sldId="261"/>
+        </pc:sldMkLst>
+        <pc:spChg chg="mod">
+          <ac:chgData name="Gibbons, Carl" userId="d2b037bc-8fb4-4222-845c-61440543a456" providerId="ADAL" clId="{5B3FBBC5-B788-4A9E-9FD4-842EBD374311}" dt="2024-02-20T15:44:52.354" v="158" actId="20577"/>
+          <ac:spMkLst>
+            <pc:docMk/>
+            <pc:sldMk cId="2312486803" sldId="261"/>
+            <ac:spMk id="2" creationId="{31B75992-5098-A283-4925-2CCEBB801DC5}"/>
+          </ac:spMkLst>
+        </pc:spChg>
+        <pc:spChg chg="del mod">
+          <ac:chgData name="Gibbons, Carl" userId="d2b037bc-8fb4-4222-845c-61440543a456" providerId="ADAL" clId="{5B3FBBC5-B788-4A9E-9FD4-842EBD374311}" dt="2024-02-20T15:44:35.866" v="139" actId="478"/>
+          <ac:spMkLst>
+            <pc:docMk/>
+            <pc:sldMk cId="2312486803" sldId="261"/>
+            <ac:spMk id="7" creationId="{F19E524F-C936-E6CE-A06A-9068EF0D1C67}"/>
+          </ac:spMkLst>
+        </pc:spChg>
+        <pc:picChg chg="add mod">
+          <ac:chgData name="Gibbons, Carl" userId="d2b037bc-8fb4-4222-845c-61440543a456" providerId="ADAL" clId="{5B3FBBC5-B788-4A9E-9FD4-842EBD374311}" dt="2024-02-20T15:44:30.929" v="138" actId="1076"/>
+          <ac:picMkLst>
+            <pc:docMk/>
+            <pc:sldMk cId="2312486803" sldId="261"/>
+            <ac:picMk id="3" creationId="{18F1AD7D-9AA4-CABA-2192-FD95BCEAD031}"/>
+          </ac:picMkLst>
+        </pc:picChg>
+        <pc:picChg chg="del">
+          <ac:chgData name="Gibbons, Carl" userId="d2b037bc-8fb4-4222-845c-61440543a456" providerId="ADAL" clId="{5B3FBBC5-B788-4A9E-9FD4-842EBD374311}" dt="2024-02-20T15:43:38.898" v="35" actId="478"/>
+          <ac:picMkLst>
+            <pc:docMk/>
+            <pc:sldMk cId="2312486803" sldId="261"/>
+            <ac:picMk id="6" creationId="{EC52FD38-E213-5177-DDDA-7287F93BD393}"/>
+          </ac:picMkLst>
+        </pc:picChg>
+      </pc:sldChg>
+      <pc:sldChg chg="modSp mod">
+        <pc:chgData name="Gibbons, Carl" userId="d2b037bc-8fb4-4222-845c-61440543a456" providerId="ADAL" clId="{5B3FBBC5-B788-4A9E-9FD4-842EBD374311}" dt="2024-02-20T16:44:24.138" v="4925" actId="20577"/>
+        <pc:sldMkLst>
+          <pc:docMk/>
+          <pc:sldMk cId="3885141102" sldId="262"/>
+        </pc:sldMkLst>
+        <pc:spChg chg="mod">
+          <ac:chgData name="Gibbons, Carl" userId="d2b037bc-8fb4-4222-845c-61440543a456" providerId="ADAL" clId="{5B3FBBC5-B788-4A9E-9FD4-842EBD374311}" dt="2024-02-20T16:44:24.138" v="4925" actId="20577"/>
+          <ac:spMkLst>
+            <pc:docMk/>
+            <pc:sldMk cId="3885141102" sldId="262"/>
+            <ac:spMk id="3" creationId="{B5924E0F-A977-1710-779D-EEB74261AF34}"/>
+          </ac:spMkLst>
+        </pc:spChg>
+      </pc:sldChg>
+      <pc:sldChg chg="modSp mod">
+        <pc:chgData name="Gibbons, Carl" userId="d2b037bc-8fb4-4222-845c-61440543a456" providerId="ADAL" clId="{5B3FBBC5-B788-4A9E-9FD4-842EBD374311}" dt="2024-02-20T16:02:51.350" v="1842" actId="20577"/>
+        <pc:sldMkLst>
+          <pc:docMk/>
+          <pc:sldMk cId="538849350" sldId="263"/>
+        </pc:sldMkLst>
+        <pc:spChg chg="mod">
+          <ac:chgData name="Gibbons, Carl" userId="d2b037bc-8fb4-4222-845c-61440543a456" providerId="ADAL" clId="{5B3FBBC5-B788-4A9E-9FD4-842EBD374311}" dt="2024-02-20T15:46:18.746" v="223" actId="113"/>
+          <ac:spMkLst>
+            <pc:docMk/>
+            <pc:sldMk cId="538849350" sldId="263"/>
+            <ac:spMk id="2" creationId="{3D63CD28-05F6-EAAC-4E88-DBFBCF6B207B}"/>
+          </ac:spMkLst>
+        </pc:spChg>
+        <pc:spChg chg="mod">
+          <ac:chgData name="Gibbons, Carl" userId="d2b037bc-8fb4-4222-845c-61440543a456" providerId="ADAL" clId="{5B3FBBC5-B788-4A9E-9FD4-842EBD374311}" dt="2024-02-20T16:02:51.350" v="1842" actId="20577"/>
+          <ac:spMkLst>
+            <pc:docMk/>
+            <pc:sldMk cId="538849350" sldId="263"/>
+            <ac:spMk id="7" creationId="{729440C3-A558-AF83-79BF-585206231CA4}"/>
+          </ac:spMkLst>
+        </pc:spChg>
+      </pc:sldChg>
+      <pc:sldChg chg="modSp mod ord">
+        <pc:chgData name="Gibbons, Carl" userId="d2b037bc-8fb4-4222-845c-61440543a456" providerId="ADAL" clId="{5B3FBBC5-B788-4A9E-9FD4-842EBD374311}" dt="2024-02-20T16:40:03.954" v="4664" actId="1076"/>
+        <pc:sldMkLst>
+          <pc:docMk/>
+          <pc:sldMk cId="1196559129" sldId="264"/>
+        </pc:sldMkLst>
+        <pc:spChg chg="mod">
+          <ac:chgData name="Gibbons, Carl" userId="d2b037bc-8fb4-4222-845c-61440543a456" providerId="ADAL" clId="{5B3FBBC5-B788-4A9E-9FD4-842EBD374311}" dt="2024-02-20T16:39:10.385" v="4639" actId="20577"/>
+          <ac:spMkLst>
+            <pc:docMk/>
+            <pc:sldMk cId="1196559129" sldId="264"/>
+            <ac:spMk id="2" creationId="{0E6A2DEF-4501-FAEA-A31C-4FDCBD076712}"/>
+          </ac:spMkLst>
+        </pc:spChg>
+        <pc:spChg chg="mod">
+          <ac:chgData name="Gibbons, Carl" userId="d2b037bc-8fb4-4222-845c-61440543a456" providerId="ADAL" clId="{5B3FBBC5-B788-4A9E-9FD4-842EBD374311}" dt="2024-02-20T16:40:03.954" v="4664" actId="1076"/>
+          <ac:spMkLst>
+            <pc:docMk/>
+            <pc:sldMk cId="1196559129" sldId="264"/>
+            <ac:spMk id="7" creationId="{4247D23F-F3F9-676F-BDEB-E69E1F0AB32C}"/>
+          </ac:spMkLst>
+        </pc:spChg>
+      </pc:sldChg>
+      <pc:sldChg chg="modSp add mod">
+        <pc:chgData name="Gibbons, Carl" userId="d2b037bc-8fb4-4222-845c-61440543a456" providerId="ADAL" clId="{5B3FBBC5-B788-4A9E-9FD4-842EBD374311}" dt="2024-02-20T16:40:54.353" v="4684" actId="1076"/>
+        <pc:sldMkLst>
+          <pc:docMk/>
+          <pc:sldMk cId="1400208519" sldId="265"/>
+        </pc:sldMkLst>
+        <pc:spChg chg="mod">
+          <ac:chgData name="Gibbons, Carl" userId="d2b037bc-8fb4-4222-845c-61440543a456" providerId="ADAL" clId="{5B3FBBC5-B788-4A9E-9FD4-842EBD374311}" dt="2024-02-20T16:40:15.735" v="4677" actId="20577"/>
+          <ac:spMkLst>
+            <pc:docMk/>
+            <pc:sldMk cId="1400208519" sldId="265"/>
+            <ac:spMk id="2" creationId="{832B45BA-6309-D8F6-D552-10D836B4EB21}"/>
+          </ac:spMkLst>
+        </pc:spChg>
+        <pc:spChg chg="mod">
+          <ac:chgData name="Gibbons, Carl" userId="d2b037bc-8fb4-4222-845c-61440543a456" providerId="ADAL" clId="{5B3FBBC5-B788-4A9E-9FD4-842EBD374311}" dt="2024-02-20T16:40:54.353" v="4684" actId="1076"/>
+          <ac:spMkLst>
+            <pc:docMk/>
+            <pc:sldMk cId="1400208519" sldId="265"/>
+            <ac:spMk id="7" creationId="{3CE889EF-4605-DB73-C7B2-D7E3C4957F48}"/>
+          </ac:spMkLst>
+        </pc:spChg>
+      </pc:sldChg>
+      <pc:sldChg chg="add del">
+        <pc:chgData name="Gibbons, Carl" userId="d2b037bc-8fb4-4222-845c-61440543a456" providerId="ADAL" clId="{5B3FBBC5-B788-4A9E-9FD4-842EBD374311}" dt="2024-02-20T16:38:39.593" v="4610" actId="47"/>
+        <pc:sldMkLst>
+          <pc:docMk/>
+          <pc:sldMk cId="312768879" sldId="266"/>
+        </pc:sldMkLst>
+      </pc:sldChg>
+      <pc:sldChg chg="modSp add mod">
+        <pc:chgData name="Gibbons, Carl" userId="d2b037bc-8fb4-4222-845c-61440543a456" providerId="ADAL" clId="{5B3FBBC5-B788-4A9E-9FD4-842EBD374311}" dt="2024-02-20T16:42:04.124" v="4740" actId="20577"/>
+        <pc:sldMkLst>
+          <pc:docMk/>
+          <pc:sldMk cId="1959728496" sldId="266"/>
+        </pc:sldMkLst>
+        <pc:spChg chg="mod">
+          <ac:chgData name="Gibbons, Carl" userId="d2b037bc-8fb4-4222-845c-61440543a456" providerId="ADAL" clId="{5B3FBBC5-B788-4A9E-9FD4-842EBD374311}" dt="2024-02-20T16:41:09.733" v="4697" actId="20577"/>
+          <ac:spMkLst>
+            <pc:docMk/>
+            <pc:sldMk cId="1959728496" sldId="266"/>
+            <ac:spMk id="2" creationId="{CE563C74-E990-3B77-1F46-668B8C1F1663}"/>
+          </ac:spMkLst>
+        </pc:spChg>
+        <pc:spChg chg="mod">
+          <ac:chgData name="Gibbons, Carl" userId="d2b037bc-8fb4-4222-845c-61440543a456" providerId="ADAL" clId="{5B3FBBC5-B788-4A9E-9FD4-842EBD374311}" dt="2024-02-20T16:42:04.124" v="4740" actId="20577"/>
+          <ac:spMkLst>
+            <pc:docMk/>
+            <pc:sldMk cId="1959728496" sldId="266"/>
+            <ac:spMk id="7" creationId="{90027281-906B-E8EC-9F0D-DB9DF0665C9C}"/>
+          </ac:spMkLst>
+        </pc:spChg>
+      </pc:sldChg>
+      <pc:sldChg chg="add del">
+        <pc:chgData name="Gibbons, Carl" userId="d2b037bc-8fb4-4222-845c-61440543a456" providerId="ADAL" clId="{5B3FBBC5-B788-4A9E-9FD4-842EBD374311}" dt="2024-02-20T16:43:04.289" v="4742" actId="2696"/>
+        <pc:sldMkLst>
+          <pc:docMk/>
+          <pc:sldMk cId="2838032763" sldId="267"/>
+        </pc:sldMkLst>
+      </pc:sldChg>
+    </pc:docChg>
+  </pc:docChgLst>
+  <pc:docChgLst>
+    <pc:chgData name="Gibbons, Carl" userId="d2b037bc-8fb4-4222-845c-61440543a456" providerId="ADAL" clId="{930742B8-5264-4285-844A-779DDFAABB41}"/>
+    <pc:docChg chg="custSel delSld modSld">
+      <pc:chgData name="Gibbons, Carl" userId="d2b037bc-8fb4-4222-845c-61440543a456" providerId="ADAL" clId="{930742B8-5264-4285-844A-779DDFAABB41}" dt="2024-02-04T07:28:09.926" v="804" actId="2711"/>
+      <pc:docMkLst>
+        <pc:docMk/>
+      </pc:docMkLst>
+      <pc:sldChg chg="modSp mod">
+        <pc:chgData name="Gibbons, Carl" userId="d2b037bc-8fb4-4222-845c-61440543a456" providerId="ADAL" clId="{930742B8-5264-4285-844A-779DDFAABB41}" dt="2024-02-04T07:19:09.277" v="12" actId="20577"/>
+        <pc:sldMkLst>
+          <pc:docMk/>
+          <pc:sldMk cId="3308175748" sldId="256"/>
+        </pc:sldMkLst>
+        <pc:spChg chg="mod">
+          <ac:chgData name="Gibbons, Carl" userId="d2b037bc-8fb4-4222-845c-61440543a456" providerId="ADAL" clId="{930742B8-5264-4285-844A-779DDFAABB41}" dt="2024-02-04T07:19:09.277" v="12" actId="20577"/>
+          <ac:spMkLst>
+            <pc:docMk/>
+            <pc:sldMk cId="3308175748" sldId="256"/>
+            <ac:spMk id="3" creationId="{EEC4D41B-E776-05F2-BE0B-89BB339485AB}"/>
+          </ac:spMkLst>
+        </pc:spChg>
+      </pc:sldChg>
+      <pc:sldChg chg="modSp mod">
+        <pc:chgData name="Gibbons, Carl" userId="d2b037bc-8fb4-4222-845c-61440543a456" providerId="ADAL" clId="{930742B8-5264-4285-844A-779DDFAABB41}" dt="2024-02-04T07:28:09.926" v="804" actId="2711"/>
+        <pc:sldMkLst>
+          <pc:docMk/>
+          <pc:sldMk cId="2312486803" sldId="261"/>
+        </pc:sldMkLst>
+        <pc:spChg chg="mod">
+          <ac:chgData name="Gibbons, Carl" userId="d2b037bc-8fb4-4222-845c-61440543a456" providerId="ADAL" clId="{930742B8-5264-4285-844A-779DDFAABB41}" dt="2024-02-04T07:19:25.889" v="43" actId="20577"/>
+          <ac:spMkLst>
+            <pc:docMk/>
+            <pc:sldMk cId="2312486803" sldId="261"/>
+            <ac:spMk id="2" creationId="{31B75992-5098-A283-4925-2CCEBB801DC5}"/>
+          </ac:spMkLst>
+        </pc:spChg>
+        <pc:spChg chg="mod">
+          <ac:chgData name="Gibbons, Carl" userId="d2b037bc-8fb4-4222-845c-61440543a456" providerId="ADAL" clId="{930742B8-5264-4285-844A-779DDFAABB41}" dt="2024-02-04T07:28:09.926" v="804" actId="2711"/>
+          <ac:spMkLst>
+            <pc:docMk/>
+            <pc:sldMk cId="2312486803" sldId="261"/>
+            <ac:spMk id="3" creationId="{B5924E0F-A977-1710-779D-EEB74261AF34}"/>
+          </ac:spMkLst>
+        </pc:spChg>
+      </pc:sldChg>
+      <pc:sldChg chg="modSp mod">
+        <pc:chgData name="Gibbons, Carl" userId="d2b037bc-8fb4-4222-845c-61440543a456" providerId="ADAL" clId="{930742B8-5264-4285-844A-779DDFAABB41}" dt="2024-02-04T07:21:38.166" v="247" actId="20577"/>
+        <pc:sldMkLst>
+          <pc:docMk/>
+          <pc:sldMk cId="3885141102" sldId="262"/>
+        </pc:sldMkLst>
+        <pc:spChg chg="mod">
+          <ac:chgData name="Gibbons, Carl" userId="d2b037bc-8fb4-4222-845c-61440543a456" providerId="ADAL" clId="{930742B8-5264-4285-844A-779DDFAABB41}" dt="2024-02-04T07:21:38.166" v="247" actId="20577"/>
+          <ac:spMkLst>
+            <pc:docMk/>
+            <pc:sldMk cId="3885141102" sldId="262"/>
+            <ac:spMk id="3" creationId="{B5924E0F-A977-1710-779D-EEB74261AF34}"/>
+          </ac:spMkLst>
+        </pc:spChg>
+      </pc:sldChg>
+      <pc:sldChg chg="del">
+        <pc:chgData name="Gibbons, Carl" userId="d2b037bc-8fb4-4222-845c-61440543a456" providerId="ADAL" clId="{930742B8-5264-4285-844A-779DDFAABB41}" dt="2024-02-04T07:21:17.454" v="192" actId="2696"/>
+        <pc:sldMkLst>
+          <pc:docMk/>
+          <pc:sldMk cId="2993794741" sldId="265"/>
+        </pc:sldMkLst>
+      </pc:sldChg>
+      <pc:sldChg chg="del">
+        <pc:chgData name="Gibbons, Carl" userId="d2b037bc-8fb4-4222-845c-61440543a456" providerId="ADAL" clId="{930742B8-5264-4285-844A-779DDFAABB41}" dt="2024-02-04T07:21:17.454" v="192" actId="2696"/>
+        <pc:sldMkLst>
+          <pc:docMk/>
+          <pc:sldMk cId="1337022352" sldId="266"/>
+        </pc:sldMkLst>
+      </pc:sldChg>
+      <pc:sldChg chg="del">
+        <pc:chgData name="Gibbons, Carl" userId="d2b037bc-8fb4-4222-845c-61440543a456" providerId="ADAL" clId="{930742B8-5264-4285-844A-779DDFAABB41}" dt="2024-02-04T07:21:17.454" v="192" actId="2696"/>
+        <pc:sldMkLst>
+          <pc:docMk/>
+          <pc:sldMk cId="3576168196" sldId="267"/>
+        </pc:sldMkLst>
+      </pc:sldChg>
+      <pc:sldChg chg="del">
+        <pc:chgData name="Gibbons, Carl" userId="d2b037bc-8fb4-4222-845c-61440543a456" providerId="ADAL" clId="{930742B8-5264-4285-844A-779DDFAABB41}" dt="2024-02-04T07:21:17.454" v="192" actId="2696"/>
+        <pc:sldMkLst>
+          <pc:docMk/>
+          <pc:sldMk cId="1066671753" sldId="268"/>
+        </pc:sldMkLst>
+      </pc:sldChg>
+      <pc:sldChg chg="del">
+        <pc:chgData name="Gibbons, Carl" userId="d2b037bc-8fb4-4222-845c-61440543a456" providerId="ADAL" clId="{930742B8-5264-4285-844A-779DDFAABB41}" dt="2024-02-04T07:21:17.454" v="192" actId="2696"/>
+        <pc:sldMkLst>
+          <pc:docMk/>
+          <pc:sldMk cId="465083765" sldId="269"/>
+        </pc:sldMkLst>
+      </pc:sldChg>
+    </pc:docChg>
+  </pc:docChgLst>
+  <pc:docChgLst>
     <pc:chgData name="Gibbons, Carl" userId="d2b037bc-8fb4-4222-845c-61440543a456" providerId="ADAL" clId="{3CE3119B-1917-4F7B-A5AD-6C146E3F914B}"/>
     <pc:docChg chg="undo custSel addSld delSld modSld sldOrd">
       <pc:chgData name="Gibbons, Carl" userId="d2b037bc-8fb4-4222-845c-61440543a456" providerId="ADAL" clId="{3CE3119B-1917-4F7B-A5AD-6C146E3F914B}" dt="2023-12-28T21:57:42.900" v="13126" actId="20577"/>
@@ -593,6 +1022,495 @@
           </pc:sldLayoutMkLst>
         </pc:sldLayoutChg>
       </pc:sldMasterChg>
+    </pc:docChg>
+  </pc:docChgLst>
+  <pc:docChgLst>
+    <pc:chgData name="Gibbons, Carl" userId="d2b037bc-8fb4-4222-845c-61440543a456" providerId="ADAL" clId="{B22431BF-FF40-422E-84B9-DE35C0B96CC3}"/>
+    <pc:docChg chg="undo custSel delSld modSld">
+      <pc:chgData name="Gibbons, Carl" userId="d2b037bc-8fb4-4222-845c-61440543a456" providerId="ADAL" clId="{B22431BF-FF40-422E-84B9-DE35C0B96CC3}" dt="2024-01-04T23:02:20.392" v="6116" actId="20577"/>
+      <pc:docMkLst>
+        <pc:docMk/>
+      </pc:docMkLst>
+      <pc:sldChg chg="modSp mod">
+        <pc:chgData name="Gibbons, Carl" userId="d2b037bc-8fb4-4222-845c-61440543a456" providerId="ADAL" clId="{B22431BF-FF40-422E-84B9-DE35C0B96CC3}" dt="2023-12-29T21:56:55.022" v="36" actId="20577"/>
+        <pc:sldMkLst>
+          <pc:docMk/>
+          <pc:sldMk cId="3308175748" sldId="256"/>
+        </pc:sldMkLst>
+        <pc:spChg chg="mod">
+          <ac:chgData name="Gibbons, Carl" userId="d2b037bc-8fb4-4222-845c-61440543a456" providerId="ADAL" clId="{B22431BF-FF40-422E-84B9-DE35C0B96CC3}" dt="2023-12-29T21:56:55.022" v="36" actId="20577"/>
+          <ac:spMkLst>
+            <pc:docMk/>
+            <pc:sldMk cId="3308175748" sldId="256"/>
+            <ac:spMk id="3" creationId="{EEC4D41B-E776-05F2-BE0B-89BB339485AB}"/>
+          </ac:spMkLst>
+        </pc:spChg>
+      </pc:sldChg>
+      <pc:sldChg chg="modSp mod">
+        <pc:chgData name="Gibbons, Carl" userId="d2b037bc-8fb4-4222-845c-61440543a456" providerId="ADAL" clId="{B22431BF-FF40-422E-84B9-DE35C0B96CC3}" dt="2024-01-04T23:00:14.898" v="6013" actId="20577"/>
+        <pc:sldMkLst>
+          <pc:docMk/>
+          <pc:sldMk cId="2312486803" sldId="261"/>
+        </pc:sldMkLst>
+        <pc:spChg chg="mod">
+          <ac:chgData name="Gibbons, Carl" userId="d2b037bc-8fb4-4222-845c-61440543a456" providerId="ADAL" clId="{B22431BF-FF40-422E-84B9-DE35C0B96CC3}" dt="2023-12-29T22:08:30.114" v="43" actId="20577"/>
+          <ac:spMkLst>
+            <pc:docMk/>
+            <pc:sldMk cId="2312486803" sldId="261"/>
+            <ac:spMk id="2" creationId="{31B75992-5098-A283-4925-2CCEBB801DC5}"/>
+          </ac:spMkLst>
+        </pc:spChg>
+        <pc:spChg chg="mod">
+          <ac:chgData name="Gibbons, Carl" userId="d2b037bc-8fb4-4222-845c-61440543a456" providerId="ADAL" clId="{B22431BF-FF40-422E-84B9-DE35C0B96CC3}" dt="2024-01-04T23:00:14.898" v="6013" actId="20577"/>
+          <ac:spMkLst>
+            <pc:docMk/>
+            <pc:sldMk cId="2312486803" sldId="261"/>
+            <ac:spMk id="3" creationId="{B5924E0F-A977-1710-779D-EEB74261AF34}"/>
+          </ac:spMkLst>
+        </pc:spChg>
+      </pc:sldChg>
+      <pc:sldChg chg="del">
+        <pc:chgData name="Gibbons, Carl" userId="d2b037bc-8fb4-4222-845c-61440543a456" providerId="ADAL" clId="{B22431BF-FF40-422E-84B9-DE35C0B96CC3}" dt="2023-12-30T00:06:35.373" v="5939" actId="47"/>
+        <pc:sldMkLst>
+          <pc:docMk/>
+          <pc:sldMk cId="657795359" sldId="277"/>
+        </pc:sldMkLst>
+      </pc:sldChg>
+      <pc:sldChg chg="modSp mod">
+        <pc:chgData name="Gibbons, Carl" userId="d2b037bc-8fb4-4222-845c-61440543a456" providerId="ADAL" clId="{B22431BF-FF40-422E-84B9-DE35C0B96CC3}" dt="2023-12-29T22:43:19.687" v="2380" actId="20577"/>
+        <pc:sldMkLst>
+          <pc:docMk/>
+          <pc:sldMk cId="3989541258" sldId="278"/>
+        </pc:sldMkLst>
+        <pc:spChg chg="mod">
+          <ac:chgData name="Gibbons, Carl" userId="d2b037bc-8fb4-4222-845c-61440543a456" providerId="ADAL" clId="{B22431BF-FF40-422E-84B9-DE35C0B96CC3}" dt="2023-12-29T22:43:19.687" v="2380" actId="20577"/>
+          <ac:spMkLst>
+            <pc:docMk/>
+            <pc:sldMk cId="3989541258" sldId="278"/>
+            <ac:spMk id="2" creationId="{31B75992-5098-A283-4925-2CCEBB801DC5}"/>
+          </ac:spMkLst>
+        </pc:spChg>
+        <pc:spChg chg="mod">
+          <ac:chgData name="Gibbons, Carl" userId="d2b037bc-8fb4-4222-845c-61440543a456" providerId="ADAL" clId="{B22431BF-FF40-422E-84B9-DE35C0B96CC3}" dt="2023-12-29T22:42:57.446" v="2316" actId="21"/>
+          <ac:spMkLst>
+            <pc:docMk/>
+            <pc:sldMk cId="3989541258" sldId="278"/>
+            <ac:spMk id="3" creationId="{B5924E0F-A977-1710-779D-EEB74261AF34}"/>
+          </ac:spMkLst>
+        </pc:spChg>
+      </pc:sldChg>
+      <pc:sldChg chg="modSp mod">
+        <pc:chgData name="Gibbons, Carl" userId="d2b037bc-8fb4-4222-845c-61440543a456" providerId="ADAL" clId="{B22431BF-FF40-422E-84B9-DE35C0B96CC3}" dt="2024-01-04T23:02:20.392" v="6116" actId="20577"/>
+        <pc:sldMkLst>
+          <pc:docMk/>
+          <pc:sldMk cId="1861646120" sldId="293"/>
+        </pc:sldMkLst>
+        <pc:spChg chg="mod">
+          <ac:chgData name="Gibbons, Carl" userId="d2b037bc-8fb4-4222-845c-61440543a456" providerId="ADAL" clId="{B22431BF-FF40-422E-84B9-DE35C0B96CC3}" dt="2023-12-29T22:43:38.151" v="2422" actId="20577"/>
+          <ac:spMkLst>
+            <pc:docMk/>
+            <pc:sldMk cId="1861646120" sldId="293"/>
+            <ac:spMk id="2" creationId="{31B75992-5098-A283-4925-2CCEBB801DC5}"/>
+          </ac:spMkLst>
+        </pc:spChg>
+        <pc:spChg chg="mod">
+          <ac:chgData name="Gibbons, Carl" userId="d2b037bc-8fb4-4222-845c-61440543a456" providerId="ADAL" clId="{B22431BF-FF40-422E-84B9-DE35C0B96CC3}" dt="2024-01-04T23:02:20.392" v="6116" actId="20577"/>
+          <ac:spMkLst>
+            <pc:docMk/>
+            <pc:sldMk cId="1861646120" sldId="293"/>
+            <ac:spMk id="3" creationId="{B5924E0F-A977-1710-779D-EEB74261AF34}"/>
+          </ac:spMkLst>
+        </pc:spChg>
+      </pc:sldChg>
+      <pc:sldChg chg="modSp mod">
+        <pc:chgData name="Gibbons, Carl" userId="d2b037bc-8fb4-4222-845c-61440543a456" providerId="ADAL" clId="{B22431BF-FF40-422E-84B9-DE35C0B96CC3}" dt="2023-12-30T00:07:46.447" v="5951" actId="20577"/>
+        <pc:sldMkLst>
+          <pc:docMk/>
+          <pc:sldMk cId="2232562783" sldId="294"/>
+        </pc:sldMkLst>
+        <pc:spChg chg="mod">
+          <ac:chgData name="Gibbons, Carl" userId="d2b037bc-8fb4-4222-845c-61440543a456" providerId="ADAL" clId="{B22431BF-FF40-422E-84B9-DE35C0B96CC3}" dt="2023-12-30T00:07:46.447" v="5951" actId="20577"/>
+          <ac:spMkLst>
+            <pc:docMk/>
+            <pc:sldMk cId="2232562783" sldId="294"/>
+            <ac:spMk id="2" creationId="{31B75992-5098-A283-4925-2CCEBB801DC5}"/>
+          </ac:spMkLst>
+        </pc:spChg>
+        <pc:spChg chg="mod">
+          <ac:chgData name="Gibbons, Carl" userId="d2b037bc-8fb4-4222-845c-61440543a456" providerId="ADAL" clId="{B22431BF-FF40-422E-84B9-DE35C0B96CC3}" dt="2023-12-29T23:10:49.132" v="4131" actId="20577"/>
+          <ac:spMkLst>
+            <pc:docMk/>
+            <pc:sldMk cId="2232562783" sldId="294"/>
+            <ac:spMk id="3" creationId="{B5924E0F-A977-1710-779D-EEB74261AF34}"/>
+          </ac:spMkLst>
+        </pc:spChg>
+      </pc:sldChg>
+      <pc:sldChg chg="modSp del mod">
+        <pc:chgData name="Gibbons, Carl" userId="d2b037bc-8fb4-4222-845c-61440543a456" providerId="ADAL" clId="{B22431BF-FF40-422E-84B9-DE35C0B96CC3}" dt="2023-12-30T00:06:31.761" v="5934" actId="47"/>
+        <pc:sldMkLst>
+          <pc:docMk/>
+          <pc:sldMk cId="806767687" sldId="295"/>
+        </pc:sldMkLst>
+        <pc:spChg chg="mod">
+          <ac:chgData name="Gibbons, Carl" userId="d2b037bc-8fb4-4222-845c-61440543a456" providerId="ADAL" clId="{B22431BF-FF40-422E-84B9-DE35C0B96CC3}" dt="2023-12-29T23:17:23.085" v="4333" actId="20577"/>
+          <ac:spMkLst>
+            <pc:docMk/>
+            <pc:sldMk cId="806767687" sldId="295"/>
+            <ac:spMk id="3" creationId="{B5924E0F-A977-1710-779D-EEB74261AF34}"/>
+          </ac:spMkLst>
+        </pc:spChg>
+      </pc:sldChg>
+      <pc:sldChg chg="del">
+        <pc:chgData name="Gibbons, Carl" userId="d2b037bc-8fb4-4222-845c-61440543a456" providerId="ADAL" clId="{B22431BF-FF40-422E-84B9-DE35C0B96CC3}" dt="2023-12-30T00:06:32.570" v="5935" actId="47"/>
+        <pc:sldMkLst>
+          <pc:docMk/>
+          <pc:sldMk cId="3145157247" sldId="296"/>
+        </pc:sldMkLst>
+      </pc:sldChg>
+      <pc:sldChg chg="del">
+        <pc:chgData name="Gibbons, Carl" userId="d2b037bc-8fb4-4222-845c-61440543a456" providerId="ADAL" clId="{B22431BF-FF40-422E-84B9-DE35C0B96CC3}" dt="2023-12-30T00:06:33.242" v="5936" actId="47"/>
+        <pc:sldMkLst>
+          <pc:docMk/>
+          <pc:sldMk cId="2424714671" sldId="297"/>
+        </pc:sldMkLst>
+      </pc:sldChg>
+      <pc:sldChg chg="del">
+        <pc:chgData name="Gibbons, Carl" userId="d2b037bc-8fb4-4222-845c-61440543a456" providerId="ADAL" clId="{B22431BF-FF40-422E-84B9-DE35C0B96CC3}" dt="2023-12-30T00:06:33.834" v="5937" actId="47"/>
+        <pc:sldMkLst>
+          <pc:docMk/>
+          <pc:sldMk cId="3450195044" sldId="298"/>
+        </pc:sldMkLst>
+      </pc:sldChg>
+      <pc:sldChg chg="del">
+        <pc:chgData name="Gibbons, Carl" userId="d2b037bc-8fb4-4222-845c-61440543a456" providerId="ADAL" clId="{B22431BF-FF40-422E-84B9-DE35C0B96CC3}" dt="2023-12-30T00:06:34.432" v="5938" actId="47"/>
+        <pc:sldMkLst>
+          <pc:docMk/>
+          <pc:sldMk cId="3633122843" sldId="299"/>
+        </pc:sldMkLst>
+      </pc:sldChg>
+      <pc:sldChg chg="modSp mod">
+        <pc:chgData name="Gibbons, Carl" userId="d2b037bc-8fb4-4222-845c-61440543a456" providerId="ADAL" clId="{B22431BF-FF40-422E-84B9-DE35C0B96CC3}" dt="2023-12-30T00:07:51.836" v="5963" actId="20577"/>
+        <pc:sldMkLst>
+          <pc:docMk/>
+          <pc:sldMk cId="845747584" sldId="300"/>
+        </pc:sldMkLst>
+        <pc:spChg chg="mod">
+          <ac:chgData name="Gibbons, Carl" userId="d2b037bc-8fb4-4222-845c-61440543a456" providerId="ADAL" clId="{B22431BF-FF40-422E-84B9-DE35C0B96CC3}" dt="2023-12-30T00:07:51.836" v="5963" actId="20577"/>
+          <ac:spMkLst>
+            <pc:docMk/>
+            <pc:sldMk cId="845747584" sldId="300"/>
+            <ac:spMk id="2" creationId="{31B75992-5098-A283-4925-2CCEBB801DC5}"/>
+          </ac:spMkLst>
+        </pc:spChg>
+        <pc:spChg chg="mod">
+          <ac:chgData name="Gibbons, Carl" userId="d2b037bc-8fb4-4222-845c-61440543a456" providerId="ADAL" clId="{B22431BF-FF40-422E-84B9-DE35C0B96CC3}" dt="2023-12-29T23:21:57.151" v="4600" actId="20577"/>
+          <ac:spMkLst>
+            <pc:docMk/>
+            <pc:sldMk cId="845747584" sldId="300"/>
+            <ac:spMk id="3" creationId="{B5924E0F-A977-1710-779D-EEB74261AF34}"/>
+          </ac:spMkLst>
+        </pc:spChg>
+      </pc:sldChg>
+      <pc:sldChg chg="modSp mod">
+        <pc:chgData name="Gibbons, Carl" userId="d2b037bc-8fb4-4222-845c-61440543a456" providerId="ADAL" clId="{B22431BF-FF40-422E-84B9-DE35C0B96CC3}" dt="2023-12-30T00:07:56.869" v="5975" actId="20577"/>
+        <pc:sldMkLst>
+          <pc:docMk/>
+          <pc:sldMk cId="3372579319" sldId="301"/>
+        </pc:sldMkLst>
+        <pc:spChg chg="mod">
+          <ac:chgData name="Gibbons, Carl" userId="d2b037bc-8fb4-4222-845c-61440543a456" providerId="ADAL" clId="{B22431BF-FF40-422E-84B9-DE35C0B96CC3}" dt="2023-12-30T00:07:56.869" v="5975" actId="20577"/>
+          <ac:spMkLst>
+            <pc:docMk/>
+            <pc:sldMk cId="3372579319" sldId="301"/>
+            <ac:spMk id="2" creationId="{31B75992-5098-A283-4925-2CCEBB801DC5}"/>
+          </ac:spMkLst>
+        </pc:spChg>
+        <pc:spChg chg="mod">
+          <ac:chgData name="Gibbons, Carl" userId="d2b037bc-8fb4-4222-845c-61440543a456" providerId="ADAL" clId="{B22431BF-FF40-422E-84B9-DE35C0B96CC3}" dt="2023-12-30T00:06:13.959" v="5932" actId="20577"/>
+          <ac:spMkLst>
+            <pc:docMk/>
+            <pc:sldMk cId="3372579319" sldId="301"/>
+            <ac:spMk id="3" creationId="{B5924E0F-A977-1710-779D-EEB74261AF34}"/>
+          </ac:spMkLst>
+        </pc:spChg>
+      </pc:sldChg>
+      <pc:sldChg chg="modSp del mod">
+        <pc:chgData name="Gibbons, Carl" userId="d2b037bc-8fb4-4222-845c-61440543a456" providerId="ADAL" clId="{B22431BF-FF40-422E-84B9-DE35C0B96CC3}" dt="2023-12-30T00:06:30.511" v="5933" actId="47"/>
+        <pc:sldMkLst>
+          <pc:docMk/>
+          <pc:sldMk cId="3488854045" sldId="302"/>
+        </pc:sldMkLst>
+        <pc:spChg chg="mod">
+          <ac:chgData name="Gibbons, Carl" userId="d2b037bc-8fb4-4222-845c-61440543a456" providerId="ADAL" clId="{B22431BF-FF40-422E-84B9-DE35C0B96CC3}" dt="2023-12-29T23:32:30.137" v="5532" actId="20577"/>
+          <ac:spMkLst>
+            <pc:docMk/>
+            <pc:sldMk cId="3488854045" sldId="302"/>
+            <ac:spMk id="2" creationId="{31B75992-5098-A283-4925-2CCEBB801DC5}"/>
+          </ac:spMkLst>
+        </pc:spChg>
+        <pc:spChg chg="mod">
+          <ac:chgData name="Gibbons, Carl" userId="d2b037bc-8fb4-4222-845c-61440543a456" providerId="ADAL" clId="{B22431BF-FF40-422E-84B9-DE35C0B96CC3}" dt="2023-12-29T23:35:41.617" v="5912" actId="20577"/>
+          <ac:spMkLst>
+            <pc:docMk/>
+            <pc:sldMk cId="3488854045" sldId="302"/>
+            <ac:spMk id="3" creationId="{B5924E0F-A977-1710-779D-EEB74261AF34}"/>
+          </ac:spMkLst>
+        </pc:spChg>
+      </pc:sldChg>
+    </pc:docChg>
+  </pc:docChgLst>
+  <pc:docChgLst>
+    <pc:chgData name="Gibbons, Carl" userId="d2b037bc-8fb4-4222-845c-61440543a456" providerId="ADAL" clId="{14F797DE-E75B-4062-A6FB-AA9F07155580}"/>
+    <pc:docChg chg="undo custSel addSld modSld">
+      <pc:chgData name="Gibbons, Carl" userId="d2b037bc-8fb4-4222-845c-61440543a456" providerId="ADAL" clId="{14F797DE-E75B-4062-A6FB-AA9F07155580}" dt="2023-12-29T21:55:15.574" v="6853" actId="255"/>
+      <pc:docMkLst>
+        <pc:docMk/>
+      </pc:docMkLst>
+      <pc:sldChg chg="modSp mod">
+        <pc:chgData name="Gibbons, Carl" userId="d2b037bc-8fb4-4222-845c-61440543a456" providerId="ADAL" clId="{14F797DE-E75B-4062-A6FB-AA9F07155580}" dt="2023-12-29T17:10:38.181" v="10" actId="20577"/>
+        <pc:sldMkLst>
+          <pc:docMk/>
+          <pc:sldMk cId="3308175748" sldId="256"/>
+        </pc:sldMkLst>
+        <pc:spChg chg="mod">
+          <ac:chgData name="Gibbons, Carl" userId="d2b037bc-8fb4-4222-845c-61440543a456" providerId="ADAL" clId="{14F797DE-E75B-4062-A6FB-AA9F07155580}" dt="2023-12-29T17:10:38.181" v="10" actId="20577"/>
+          <ac:spMkLst>
+            <pc:docMk/>
+            <pc:sldMk cId="3308175748" sldId="256"/>
+            <ac:spMk id="3" creationId="{EEC4D41B-E776-05F2-BE0B-89BB339485AB}"/>
+          </ac:spMkLst>
+        </pc:spChg>
+      </pc:sldChg>
+      <pc:sldChg chg="modSp mod">
+        <pc:chgData name="Gibbons, Carl" userId="d2b037bc-8fb4-4222-845c-61440543a456" providerId="ADAL" clId="{14F797DE-E75B-4062-A6FB-AA9F07155580}" dt="2023-12-29T17:51:52.012" v="2089" actId="20577"/>
+        <pc:sldMkLst>
+          <pc:docMk/>
+          <pc:sldMk cId="2312486803" sldId="261"/>
+        </pc:sldMkLst>
+        <pc:spChg chg="mod">
+          <ac:chgData name="Gibbons, Carl" userId="d2b037bc-8fb4-4222-845c-61440543a456" providerId="ADAL" clId="{14F797DE-E75B-4062-A6FB-AA9F07155580}" dt="2023-12-29T17:23:59.510" v="341" actId="20577"/>
+          <ac:spMkLst>
+            <pc:docMk/>
+            <pc:sldMk cId="2312486803" sldId="261"/>
+            <ac:spMk id="2" creationId="{31B75992-5098-A283-4925-2CCEBB801DC5}"/>
+          </ac:spMkLst>
+        </pc:spChg>
+        <pc:spChg chg="mod">
+          <ac:chgData name="Gibbons, Carl" userId="d2b037bc-8fb4-4222-845c-61440543a456" providerId="ADAL" clId="{14F797DE-E75B-4062-A6FB-AA9F07155580}" dt="2023-12-29T17:51:52.012" v="2089" actId="20577"/>
+          <ac:spMkLst>
+            <pc:docMk/>
+            <pc:sldMk cId="2312486803" sldId="261"/>
+            <ac:spMk id="3" creationId="{B5924E0F-A977-1710-779D-EEB74261AF34}"/>
+          </ac:spMkLst>
+        </pc:spChg>
+      </pc:sldChg>
+      <pc:sldChg chg="addSp modSp mod">
+        <pc:chgData name="Gibbons, Carl" userId="d2b037bc-8fb4-4222-845c-61440543a456" providerId="ADAL" clId="{14F797DE-E75B-4062-A6FB-AA9F07155580}" dt="2023-12-29T21:53:53.831" v="6845" actId="20577"/>
+        <pc:sldMkLst>
+          <pc:docMk/>
+          <pc:sldMk cId="657795359" sldId="277"/>
+        </pc:sldMkLst>
+        <pc:spChg chg="mod">
+          <ac:chgData name="Gibbons, Carl" userId="d2b037bc-8fb4-4222-845c-61440543a456" providerId="ADAL" clId="{14F797DE-E75B-4062-A6FB-AA9F07155580}" dt="2023-12-29T21:45:47.422" v="6393" actId="20577"/>
+          <ac:spMkLst>
+            <pc:docMk/>
+            <pc:sldMk cId="657795359" sldId="277"/>
+            <ac:spMk id="2" creationId="{1862E903-3C56-BB42-2361-009F2336475A}"/>
+          </ac:spMkLst>
+        </pc:spChg>
+        <pc:spChg chg="add mod">
+          <ac:chgData name="Gibbons, Carl" userId="d2b037bc-8fb4-4222-845c-61440543a456" providerId="ADAL" clId="{14F797DE-E75B-4062-A6FB-AA9F07155580}" dt="2023-12-29T21:53:53.831" v="6845" actId="20577"/>
+          <ac:spMkLst>
+            <pc:docMk/>
+            <pc:sldMk cId="657795359" sldId="277"/>
+            <ac:spMk id="3" creationId="{D9D594D6-F4EE-B0AB-C128-26D2D32F8E21}"/>
+          </ac:spMkLst>
+        </pc:spChg>
+      </pc:sldChg>
+      <pc:sldChg chg="modSp mod">
+        <pc:chgData name="Gibbons, Carl" userId="d2b037bc-8fb4-4222-845c-61440543a456" providerId="ADAL" clId="{14F797DE-E75B-4062-A6FB-AA9F07155580}" dt="2023-12-29T18:26:31.431" v="3669" actId="20577"/>
+        <pc:sldMkLst>
+          <pc:docMk/>
+          <pc:sldMk cId="3989541258" sldId="278"/>
+        </pc:sldMkLst>
+        <pc:spChg chg="mod">
+          <ac:chgData name="Gibbons, Carl" userId="d2b037bc-8fb4-4222-845c-61440543a456" providerId="ADAL" clId="{14F797DE-E75B-4062-A6FB-AA9F07155580}" dt="2023-12-29T17:53:20.837" v="2147" actId="20577"/>
+          <ac:spMkLst>
+            <pc:docMk/>
+            <pc:sldMk cId="3989541258" sldId="278"/>
+            <ac:spMk id="2" creationId="{31B75992-5098-A283-4925-2CCEBB801DC5}"/>
+          </ac:spMkLst>
+        </pc:spChg>
+        <pc:spChg chg="mod">
+          <ac:chgData name="Gibbons, Carl" userId="d2b037bc-8fb4-4222-845c-61440543a456" providerId="ADAL" clId="{14F797DE-E75B-4062-A6FB-AA9F07155580}" dt="2023-12-29T18:26:31.431" v="3669" actId="20577"/>
+          <ac:spMkLst>
+            <pc:docMk/>
+            <pc:sldMk cId="3989541258" sldId="278"/>
+            <ac:spMk id="3" creationId="{B5924E0F-A977-1710-779D-EEB74261AF34}"/>
+          </ac:spMkLst>
+        </pc:spChg>
+      </pc:sldChg>
+      <pc:sldChg chg="modSp mod">
+        <pc:chgData name="Gibbons, Carl" userId="d2b037bc-8fb4-4222-845c-61440543a456" providerId="ADAL" clId="{14F797DE-E75B-4062-A6FB-AA9F07155580}" dt="2023-12-29T21:55:15.574" v="6853" actId="255"/>
+        <pc:sldMkLst>
+          <pc:docMk/>
+          <pc:sldMk cId="1861646120" sldId="293"/>
+        </pc:sldMkLst>
+        <pc:spChg chg="mod">
+          <ac:chgData name="Gibbons, Carl" userId="d2b037bc-8fb4-4222-845c-61440543a456" providerId="ADAL" clId="{14F797DE-E75B-4062-A6FB-AA9F07155580}" dt="2023-12-29T18:01:10.039" v="2767" actId="20577"/>
+          <ac:spMkLst>
+            <pc:docMk/>
+            <pc:sldMk cId="1861646120" sldId="293"/>
+            <ac:spMk id="2" creationId="{31B75992-5098-A283-4925-2CCEBB801DC5}"/>
+          </ac:spMkLst>
+        </pc:spChg>
+        <pc:spChg chg="mod">
+          <ac:chgData name="Gibbons, Carl" userId="d2b037bc-8fb4-4222-845c-61440543a456" providerId="ADAL" clId="{14F797DE-E75B-4062-A6FB-AA9F07155580}" dt="2023-12-29T21:55:15.574" v="6853" actId="255"/>
+          <ac:spMkLst>
+            <pc:docMk/>
+            <pc:sldMk cId="1861646120" sldId="293"/>
+            <ac:spMk id="3" creationId="{B5924E0F-A977-1710-779D-EEB74261AF34}"/>
+          </ac:spMkLst>
+        </pc:spChg>
+      </pc:sldChg>
+      <pc:sldChg chg="modSp mod">
+        <pc:chgData name="Gibbons, Carl" userId="d2b037bc-8fb4-4222-845c-61440543a456" providerId="ADAL" clId="{14F797DE-E75B-4062-A6FB-AA9F07155580}" dt="2023-12-29T21:55:08.313" v="6852" actId="255"/>
+        <pc:sldMkLst>
+          <pc:docMk/>
+          <pc:sldMk cId="2232562783" sldId="294"/>
+        </pc:sldMkLst>
+        <pc:spChg chg="mod">
+          <ac:chgData name="Gibbons, Carl" userId="d2b037bc-8fb4-4222-845c-61440543a456" providerId="ADAL" clId="{14F797DE-E75B-4062-A6FB-AA9F07155580}" dt="2023-12-29T18:24:14.937" v="3546" actId="20577"/>
+          <ac:spMkLst>
+            <pc:docMk/>
+            <pc:sldMk cId="2232562783" sldId="294"/>
+            <ac:spMk id="2" creationId="{31B75992-5098-A283-4925-2CCEBB801DC5}"/>
+          </ac:spMkLst>
+        </pc:spChg>
+        <pc:spChg chg="mod">
+          <ac:chgData name="Gibbons, Carl" userId="d2b037bc-8fb4-4222-845c-61440543a456" providerId="ADAL" clId="{14F797DE-E75B-4062-A6FB-AA9F07155580}" dt="2023-12-29T21:55:08.313" v="6852" actId="255"/>
+          <ac:spMkLst>
+            <pc:docMk/>
+            <pc:sldMk cId="2232562783" sldId="294"/>
+            <ac:spMk id="3" creationId="{B5924E0F-A977-1710-779D-EEB74261AF34}"/>
+          </ac:spMkLst>
+        </pc:spChg>
+      </pc:sldChg>
+      <pc:sldChg chg="modSp add mod">
+        <pc:chgData name="Gibbons, Carl" userId="d2b037bc-8fb4-4222-845c-61440543a456" providerId="ADAL" clId="{14F797DE-E75B-4062-A6FB-AA9F07155580}" dt="2023-12-29T21:55:02.689" v="6851" actId="255"/>
+        <pc:sldMkLst>
+          <pc:docMk/>
+          <pc:sldMk cId="806767687" sldId="295"/>
+        </pc:sldMkLst>
+        <pc:spChg chg="mod">
+          <ac:chgData name="Gibbons, Carl" userId="d2b037bc-8fb4-4222-845c-61440543a456" providerId="ADAL" clId="{14F797DE-E75B-4062-A6FB-AA9F07155580}" dt="2023-12-29T18:50:33.208" v="4036" actId="113"/>
+          <ac:spMkLst>
+            <pc:docMk/>
+            <pc:sldMk cId="806767687" sldId="295"/>
+            <ac:spMk id="2" creationId="{31B75992-5098-A283-4925-2CCEBB801DC5}"/>
+          </ac:spMkLst>
+        </pc:spChg>
+        <pc:spChg chg="mod">
+          <ac:chgData name="Gibbons, Carl" userId="d2b037bc-8fb4-4222-845c-61440543a456" providerId="ADAL" clId="{14F797DE-E75B-4062-A6FB-AA9F07155580}" dt="2023-12-29T21:55:02.689" v="6851" actId="255"/>
+          <ac:spMkLst>
+            <pc:docMk/>
+            <pc:sldMk cId="806767687" sldId="295"/>
+            <ac:spMk id="3" creationId="{B5924E0F-A977-1710-779D-EEB74261AF34}"/>
+          </ac:spMkLst>
+        </pc:spChg>
+      </pc:sldChg>
+      <pc:sldChg chg="modSp mod">
+        <pc:chgData name="Gibbons, Carl" userId="d2b037bc-8fb4-4222-845c-61440543a456" providerId="ADAL" clId="{14F797DE-E75B-4062-A6FB-AA9F07155580}" dt="2023-12-29T21:54:48.370" v="6850" actId="255"/>
+        <pc:sldMkLst>
+          <pc:docMk/>
+          <pc:sldMk cId="3145157247" sldId="296"/>
+        </pc:sldMkLst>
+        <pc:spChg chg="mod">
+          <ac:chgData name="Gibbons, Carl" userId="d2b037bc-8fb4-4222-845c-61440543a456" providerId="ADAL" clId="{14F797DE-E75B-4062-A6FB-AA9F07155580}" dt="2023-12-29T21:07:20.782" v="4695" actId="20577"/>
+          <ac:spMkLst>
+            <pc:docMk/>
+            <pc:sldMk cId="3145157247" sldId="296"/>
+            <ac:spMk id="2" creationId="{31B75992-5098-A283-4925-2CCEBB801DC5}"/>
+          </ac:spMkLst>
+        </pc:spChg>
+        <pc:spChg chg="mod">
+          <ac:chgData name="Gibbons, Carl" userId="d2b037bc-8fb4-4222-845c-61440543a456" providerId="ADAL" clId="{14F797DE-E75B-4062-A6FB-AA9F07155580}" dt="2023-12-29T21:54:48.370" v="6850" actId="255"/>
+          <ac:spMkLst>
+            <pc:docMk/>
+            <pc:sldMk cId="3145157247" sldId="296"/>
+            <ac:spMk id="3" creationId="{B5924E0F-A977-1710-779D-EEB74261AF34}"/>
+          </ac:spMkLst>
+        </pc:spChg>
+      </pc:sldChg>
+      <pc:sldChg chg="modSp mod">
+        <pc:chgData name="Gibbons, Carl" userId="d2b037bc-8fb4-4222-845c-61440543a456" providerId="ADAL" clId="{14F797DE-E75B-4062-A6FB-AA9F07155580}" dt="2023-12-29T21:54:42.630" v="6849" actId="255"/>
+        <pc:sldMkLst>
+          <pc:docMk/>
+          <pc:sldMk cId="2424714671" sldId="297"/>
+        </pc:sldMkLst>
+        <pc:spChg chg="mod">
+          <ac:chgData name="Gibbons, Carl" userId="d2b037bc-8fb4-4222-845c-61440543a456" providerId="ADAL" clId="{14F797DE-E75B-4062-A6FB-AA9F07155580}" dt="2023-12-29T21:07:54.964" v="4712" actId="20577"/>
+          <ac:spMkLst>
+            <pc:docMk/>
+            <pc:sldMk cId="2424714671" sldId="297"/>
+            <ac:spMk id="2" creationId="{31B75992-5098-A283-4925-2CCEBB801DC5}"/>
+          </ac:spMkLst>
+        </pc:spChg>
+        <pc:spChg chg="mod">
+          <ac:chgData name="Gibbons, Carl" userId="d2b037bc-8fb4-4222-845c-61440543a456" providerId="ADAL" clId="{14F797DE-E75B-4062-A6FB-AA9F07155580}" dt="2023-12-29T21:54:42.630" v="6849" actId="255"/>
+          <ac:spMkLst>
+            <pc:docMk/>
+            <pc:sldMk cId="2424714671" sldId="297"/>
+            <ac:spMk id="3" creationId="{B5924E0F-A977-1710-779D-EEB74261AF34}"/>
+          </ac:spMkLst>
+        </pc:spChg>
+      </pc:sldChg>
+      <pc:sldChg chg="modSp mod">
+        <pc:chgData name="Gibbons, Carl" userId="d2b037bc-8fb4-4222-845c-61440543a456" providerId="ADAL" clId="{14F797DE-E75B-4062-A6FB-AA9F07155580}" dt="2023-12-29T21:54:28.975" v="6848" actId="255"/>
+        <pc:sldMkLst>
+          <pc:docMk/>
+          <pc:sldMk cId="3450195044" sldId="298"/>
+        </pc:sldMkLst>
+        <pc:spChg chg="mod">
+          <ac:chgData name="Gibbons, Carl" userId="d2b037bc-8fb4-4222-845c-61440543a456" providerId="ADAL" clId="{14F797DE-E75B-4062-A6FB-AA9F07155580}" dt="2023-12-29T21:23:42.216" v="5202" actId="20577"/>
+          <ac:spMkLst>
+            <pc:docMk/>
+            <pc:sldMk cId="3450195044" sldId="298"/>
+            <ac:spMk id="2" creationId="{31B75992-5098-A283-4925-2CCEBB801DC5}"/>
+          </ac:spMkLst>
+        </pc:spChg>
+        <pc:spChg chg="mod">
+          <ac:chgData name="Gibbons, Carl" userId="d2b037bc-8fb4-4222-845c-61440543a456" providerId="ADAL" clId="{14F797DE-E75B-4062-A6FB-AA9F07155580}" dt="2023-12-29T21:54:28.975" v="6848" actId="255"/>
+          <ac:spMkLst>
+            <pc:docMk/>
+            <pc:sldMk cId="3450195044" sldId="298"/>
+            <ac:spMk id="3" creationId="{B5924E0F-A977-1710-779D-EEB74261AF34}"/>
+          </ac:spMkLst>
+        </pc:spChg>
+      </pc:sldChg>
+      <pc:sldChg chg="modSp mod">
+        <pc:chgData name="Gibbons, Carl" userId="d2b037bc-8fb4-4222-845c-61440543a456" providerId="ADAL" clId="{14F797DE-E75B-4062-A6FB-AA9F07155580}" dt="2023-12-29T21:54:18.720" v="6846" actId="255"/>
+        <pc:sldMkLst>
+          <pc:docMk/>
+          <pc:sldMk cId="3633122843" sldId="299"/>
+        </pc:sldMkLst>
+        <pc:spChg chg="mod">
+          <ac:chgData name="Gibbons, Carl" userId="d2b037bc-8fb4-4222-845c-61440543a456" providerId="ADAL" clId="{14F797DE-E75B-4062-A6FB-AA9F07155580}" dt="2023-12-29T21:31:23.761" v="5684" actId="20577"/>
+          <ac:spMkLst>
+            <pc:docMk/>
+            <pc:sldMk cId="3633122843" sldId="299"/>
+            <ac:spMk id="2" creationId="{31B75992-5098-A283-4925-2CCEBB801DC5}"/>
+          </ac:spMkLst>
+        </pc:spChg>
+        <pc:spChg chg="mod">
+          <ac:chgData name="Gibbons, Carl" userId="d2b037bc-8fb4-4222-845c-61440543a456" providerId="ADAL" clId="{14F797DE-E75B-4062-A6FB-AA9F07155580}" dt="2023-12-29T21:54:18.720" v="6846" actId="255"/>
+          <ac:spMkLst>
+            <pc:docMk/>
+            <pc:sldMk cId="3633122843" sldId="299"/>
+            <ac:spMk id="3" creationId="{B5924E0F-A977-1710-779D-EEB74261AF34}"/>
+          </ac:spMkLst>
+        </pc:spChg>
+      </pc:sldChg>
     </pc:docChg>
   </pc:docChgLst>
   <pc:docChgLst>
@@ -773,6 +1691,1203 @@
     </pc:docChg>
   </pc:docChgLst>
   <pc:docChgLst>
+    <pc:chgData name="Gibbons, Carl" userId="d2b037bc-8fb4-4222-845c-61440543a456" providerId="ADAL" clId="{7CACC70D-A6A7-4797-9CB8-C4485CD93BEE}"/>
+    <pc:docChg chg="undo redo custSel addSld delSld modSld sldOrd">
+      <pc:chgData name="Gibbons, Carl" userId="d2b037bc-8fb4-4222-845c-61440543a456" providerId="ADAL" clId="{7CACC70D-A6A7-4797-9CB8-C4485CD93BEE}" dt="2024-05-24T23:53:47.180" v="15622" actId="20577"/>
+      <pc:docMkLst>
+        <pc:docMk/>
+      </pc:docMkLst>
+      <pc:sldChg chg="modSp mod">
+        <pc:chgData name="Gibbons, Carl" userId="d2b037bc-8fb4-4222-845c-61440543a456" providerId="ADAL" clId="{7CACC70D-A6A7-4797-9CB8-C4485CD93BEE}" dt="2024-05-24T22:32:21.189" v="9622" actId="20577"/>
+        <pc:sldMkLst>
+          <pc:docMk/>
+          <pc:sldMk cId="3308175748" sldId="256"/>
+        </pc:sldMkLst>
+        <pc:spChg chg="mod">
+          <ac:chgData name="Gibbons, Carl" userId="d2b037bc-8fb4-4222-845c-61440543a456" providerId="ADAL" clId="{7CACC70D-A6A7-4797-9CB8-C4485CD93BEE}" dt="2024-05-24T22:32:21.189" v="9622" actId="20577"/>
+          <ac:spMkLst>
+            <pc:docMk/>
+            <pc:sldMk cId="3308175748" sldId="256"/>
+            <ac:spMk id="3" creationId="{EEC4D41B-E776-05F2-BE0B-89BB339485AB}"/>
+          </ac:spMkLst>
+        </pc:spChg>
+      </pc:sldChg>
+      <pc:sldChg chg="modSp mod">
+        <pc:chgData name="Gibbons, Carl" userId="d2b037bc-8fb4-4222-845c-61440543a456" providerId="ADAL" clId="{7CACC70D-A6A7-4797-9CB8-C4485CD93BEE}" dt="2024-05-24T23:53:47.180" v="15622" actId="20577"/>
+        <pc:sldMkLst>
+          <pc:docMk/>
+          <pc:sldMk cId="3885141102" sldId="262"/>
+        </pc:sldMkLst>
+        <pc:spChg chg="mod">
+          <ac:chgData name="Gibbons, Carl" userId="d2b037bc-8fb4-4222-845c-61440543a456" providerId="ADAL" clId="{7CACC70D-A6A7-4797-9CB8-C4485CD93BEE}" dt="2024-05-24T23:52:20.589" v="15333" actId="20577"/>
+          <ac:spMkLst>
+            <pc:docMk/>
+            <pc:sldMk cId="3885141102" sldId="262"/>
+            <ac:spMk id="2" creationId="{31B75992-5098-A283-4925-2CCEBB801DC5}"/>
+          </ac:spMkLst>
+        </pc:spChg>
+        <pc:spChg chg="mod">
+          <ac:chgData name="Gibbons, Carl" userId="d2b037bc-8fb4-4222-845c-61440543a456" providerId="ADAL" clId="{7CACC70D-A6A7-4797-9CB8-C4485CD93BEE}" dt="2024-05-24T23:53:47.180" v="15622" actId="20577"/>
+          <ac:spMkLst>
+            <pc:docMk/>
+            <pc:sldMk cId="3885141102" sldId="262"/>
+            <ac:spMk id="3" creationId="{B5924E0F-A977-1710-779D-EEB74261AF34}"/>
+          </ac:spMkLst>
+        </pc:spChg>
+      </pc:sldChg>
+      <pc:sldChg chg="modSp del mod">
+        <pc:chgData name="Gibbons, Carl" userId="d2b037bc-8fb4-4222-845c-61440543a456" providerId="ADAL" clId="{7CACC70D-A6A7-4797-9CB8-C4485CD93BEE}" dt="2024-05-23T22:50:07.488" v="91" actId="2696"/>
+        <pc:sldMkLst>
+          <pc:docMk/>
+          <pc:sldMk cId="1196559129" sldId="264"/>
+        </pc:sldMkLst>
+        <pc:spChg chg="mod">
+          <ac:chgData name="Gibbons, Carl" userId="d2b037bc-8fb4-4222-845c-61440543a456" providerId="ADAL" clId="{7CACC70D-A6A7-4797-9CB8-C4485CD93BEE}" dt="2024-05-23T22:47:33.814" v="90" actId="14"/>
+          <ac:spMkLst>
+            <pc:docMk/>
+            <pc:sldMk cId="1196559129" sldId="264"/>
+            <ac:spMk id="7" creationId="{4247D23F-F3F9-676F-BDEB-E69E1F0AB32C}"/>
+          </ac:spMkLst>
+        </pc:spChg>
+      </pc:sldChg>
+      <pc:sldChg chg="del">
+        <pc:chgData name="Gibbons, Carl" userId="d2b037bc-8fb4-4222-845c-61440543a456" providerId="ADAL" clId="{7CACC70D-A6A7-4797-9CB8-C4485CD93BEE}" dt="2024-05-23T22:50:55.729" v="152" actId="47"/>
+        <pc:sldMkLst>
+          <pc:docMk/>
+          <pc:sldMk cId="1400208519" sldId="265"/>
+        </pc:sldMkLst>
+      </pc:sldChg>
+      <pc:sldChg chg="modSp mod">
+        <pc:chgData name="Gibbons, Carl" userId="d2b037bc-8fb4-4222-845c-61440543a456" providerId="ADAL" clId="{7CACC70D-A6A7-4797-9CB8-C4485CD93BEE}" dt="2024-05-24T15:35:30.523" v="4358" actId="20577"/>
+        <pc:sldMkLst>
+          <pc:docMk/>
+          <pc:sldMk cId="1467586035" sldId="266"/>
+        </pc:sldMkLst>
+        <pc:spChg chg="mod">
+          <ac:chgData name="Gibbons, Carl" userId="d2b037bc-8fb4-4222-845c-61440543a456" providerId="ADAL" clId="{7CACC70D-A6A7-4797-9CB8-C4485CD93BEE}" dt="2024-05-24T13:50:44.408" v="2703" actId="20577"/>
+          <ac:spMkLst>
+            <pc:docMk/>
+            <pc:sldMk cId="1467586035" sldId="266"/>
+            <ac:spMk id="2" creationId="{F5533765-AE4D-3586-BFF0-C73FF51C6B9B}"/>
+          </ac:spMkLst>
+        </pc:spChg>
+        <pc:spChg chg="mod">
+          <ac:chgData name="Gibbons, Carl" userId="d2b037bc-8fb4-4222-845c-61440543a456" providerId="ADAL" clId="{7CACC70D-A6A7-4797-9CB8-C4485CD93BEE}" dt="2024-05-24T15:35:30.523" v="4358" actId="20577"/>
+          <ac:spMkLst>
+            <pc:docMk/>
+            <pc:sldMk cId="1467586035" sldId="266"/>
+            <ac:spMk id="7" creationId="{56F98B9D-53CB-0D01-51DD-F6B452AAB6C5}"/>
+          </ac:spMkLst>
+        </pc:spChg>
+      </pc:sldChg>
+      <pc:sldChg chg="addSp modSp mod">
+        <pc:chgData name="Gibbons, Carl" userId="d2b037bc-8fb4-4222-845c-61440543a456" providerId="ADAL" clId="{7CACC70D-A6A7-4797-9CB8-C4485CD93BEE}" dt="2024-05-24T15:24:58.091" v="4112" actId="20577"/>
+        <pc:sldMkLst>
+          <pc:docMk/>
+          <pc:sldMk cId="2729151594" sldId="267"/>
+        </pc:sldMkLst>
+        <pc:spChg chg="mod">
+          <ac:chgData name="Gibbons, Carl" userId="d2b037bc-8fb4-4222-845c-61440543a456" providerId="ADAL" clId="{7CACC70D-A6A7-4797-9CB8-C4485CD93BEE}" dt="2024-05-23T22:50:27.587" v="136" actId="20577"/>
+          <ac:spMkLst>
+            <pc:docMk/>
+            <pc:sldMk cId="2729151594" sldId="267"/>
+            <ac:spMk id="2" creationId="{0E6A2DEF-4501-FAEA-A31C-4FDCBD076712}"/>
+          </ac:spMkLst>
+        </pc:spChg>
+        <pc:spChg chg="add mod">
+          <ac:chgData name="Gibbons, Carl" userId="d2b037bc-8fb4-4222-845c-61440543a456" providerId="ADAL" clId="{7CACC70D-A6A7-4797-9CB8-C4485CD93BEE}" dt="2024-05-24T15:00:36.047" v="4018" actId="14100"/>
+          <ac:spMkLst>
+            <pc:docMk/>
+            <pc:sldMk cId="2729151594" sldId="267"/>
+            <ac:spMk id="3" creationId="{C5A1B75E-CEFE-8343-FC1F-830BBA269B50}"/>
+          </ac:spMkLst>
+        </pc:spChg>
+        <pc:spChg chg="add mod">
+          <ac:chgData name="Gibbons, Carl" userId="d2b037bc-8fb4-4222-845c-61440543a456" providerId="ADAL" clId="{7CACC70D-A6A7-4797-9CB8-C4485CD93BEE}" dt="2024-05-24T15:00:40.816" v="4019" actId="14100"/>
+          <ac:spMkLst>
+            <pc:docMk/>
+            <pc:sldMk cId="2729151594" sldId="267"/>
+            <ac:spMk id="4" creationId="{7DB3A720-79F7-4A52-A05E-56E632512320}"/>
+          </ac:spMkLst>
+        </pc:spChg>
+        <pc:spChg chg="mod">
+          <ac:chgData name="Gibbons, Carl" userId="d2b037bc-8fb4-4222-845c-61440543a456" providerId="ADAL" clId="{7CACC70D-A6A7-4797-9CB8-C4485CD93BEE}" dt="2024-05-24T15:24:58.091" v="4112" actId="20577"/>
+          <ac:spMkLst>
+            <pc:docMk/>
+            <pc:sldMk cId="2729151594" sldId="267"/>
+            <ac:spMk id="7" creationId="{4247D23F-F3F9-676F-BDEB-E69E1F0AB32C}"/>
+          </ac:spMkLst>
+        </pc:spChg>
+      </pc:sldChg>
+      <pc:sldChg chg="modSp add mod">
+        <pc:chgData name="Gibbons, Carl" userId="d2b037bc-8fb4-4222-845c-61440543a456" providerId="ADAL" clId="{7CACC70D-A6A7-4797-9CB8-C4485CD93BEE}" dt="2024-05-24T15:43:11.432" v="4796" actId="20577"/>
+        <pc:sldMkLst>
+          <pc:docMk/>
+          <pc:sldMk cId="4065848836" sldId="268"/>
+        </pc:sldMkLst>
+        <pc:spChg chg="mod">
+          <ac:chgData name="Gibbons, Carl" userId="d2b037bc-8fb4-4222-845c-61440543a456" providerId="ADAL" clId="{7CACC70D-A6A7-4797-9CB8-C4485CD93BEE}" dt="2024-05-24T15:37:09.722" v="4394" actId="313"/>
+          <ac:spMkLst>
+            <pc:docMk/>
+            <pc:sldMk cId="4065848836" sldId="268"/>
+            <ac:spMk id="2" creationId="{F5533765-AE4D-3586-BFF0-C73FF51C6B9B}"/>
+          </ac:spMkLst>
+        </pc:spChg>
+        <pc:spChg chg="mod">
+          <ac:chgData name="Gibbons, Carl" userId="d2b037bc-8fb4-4222-845c-61440543a456" providerId="ADAL" clId="{7CACC70D-A6A7-4797-9CB8-C4485CD93BEE}" dt="2024-05-24T15:43:11.432" v="4796" actId="20577"/>
+          <ac:spMkLst>
+            <pc:docMk/>
+            <pc:sldMk cId="4065848836" sldId="268"/>
+            <ac:spMk id="7" creationId="{56F98B9D-53CB-0D01-51DD-F6B452AAB6C5}"/>
+          </ac:spMkLst>
+        </pc:spChg>
+      </pc:sldChg>
+      <pc:sldChg chg="modSp add mod">
+        <pc:chgData name="Gibbons, Carl" userId="d2b037bc-8fb4-4222-845c-61440543a456" providerId="ADAL" clId="{7CACC70D-A6A7-4797-9CB8-C4485CD93BEE}" dt="2024-05-24T17:29:58.121" v="6698" actId="114"/>
+        <pc:sldMkLst>
+          <pc:docMk/>
+          <pc:sldMk cId="1266817191" sldId="269"/>
+        </pc:sldMkLst>
+        <pc:spChg chg="mod">
+          <ac:chgData name="Gibbons, Carl" userId="d2b037bc-8fb4-4222-845c-61440543a456" providerId="ADAL" clId="{7CACC70D-A6A7-4797-9CB8-C4485CD93BEE}" dt="2024-05-24T15:45:57.526" v="5102" actId="5793"/>
+          <ac:spMkLst>
+            <pc:docMk/>
+            <pc:sldMk cId="1266817191" sldId="269"/>
+            <ac:spMk id="2" creationId="{F5533765-AE4D-3586-BFF0-C73FF51C6B9B}"/>
+          </ac:spMkLst>
+        </pc:spChg>
+        <pc:spChg chg="mod">
+          <ac:chgData name="Gibbons, Carl" userId="d2b037bc-8fb4-4222-845c-61440543a456" providerId="ADAL" clId="{7CACC70D-A6A7-4797-9CB8-C4485CD93BEE}" dt="2024-05-24T17:29:58.121" v="6698" actId="114"/>
+          <ac:spMkLst>
+            <pc:docMk/>
+            <pc:sldMk cId="1266817191" sldId="269"/>
+            <ac:spMk id="7" creationId="{56F98B9D-53CB-0D01-51DD-F6B452AAB6C5}"/>
+          </ac:spMkLst>
+        </pc:spChg>
+      </pc:sldChg>
+      <pc:sldChg chg="modSp del mod">
+        <pc:chgData name="Gibbons, Carl" userId="d2b037bc-8fb4-4222-845c-61440543a456" providerId="ADAL" clId="{7CACC70D-A6A7-4797-9CB8-C4485CD93BEE}" dt="2024-05-24T21:43:32.218" v="7099" actId="2696"/>
+        <pc:sldMkLst>
+          <pc:docMk/>
+          <pc:sldMk cId="455738973" sldId="270"/>
+        </pc:sldMkLst>
+        <pc:spChg chg="mod">
+          <ac:chgData name="Gibbons, Carl" userId="d2b037bc-8fb4-4222-845c-61440543a456" providerId="ADAL" clId="{7CACC70D-A6A7-4797-9CB8-C4485CD93BEE}" dt="2024-05-24T17:34:58.433" v="7014" actId="20577"/>
+          <ac:spMkLst>
+            <pc:docMk/>
+            <pc:sldMk cId="455738973" sldId="270"/>
+            <ac:spMk id="2" creationId="{F5533765-AE4D-3586-BFF0-C73FF51C6B9B}"/>
+          </ac:spMkLst>
+        </pc:spChg>
+        <pc:spChg chg="mod">
+          <ac:chgData name="Gibbons, Carl" userId="d2b037bc-8fb4-4222-845c-61440543a456" providerId="ADAL" clId="{7CACC70D-A6A7-4797-9CB8-C4485CD93BEE}" dt="2024-05-24T17:35:51.727" v="7022" actId="20577"/>
+          <ac:spMkLst>
+            <pc:docMk/>
+            <pc:sldMk cId="455738973" sldId="270"/>
+            <ac:spMk id="7" creationId="{56F98B9D-53CB-0D01-51DD-F6B452AAB6C5}"/>
+          </ac:spMkLst>
+        </pc:spChg>
+      </pc:sldChg>
+      <pc:sldChg chg="modSp add mod ord">
+        <pc:chgData name="Gibbons, Carl" userId="d2b037bc-8fb4-4222-845c-61440543a456" providerId="ADAL" clId="{7CACC70D-A6A7-4797-9CB8-C4485CD93BEE}" dt="2024-05-24T23:02:52.656" v="11096" actId="20577"/>
+        <pc:sldMkLst>
+          <pc:docMk/>
+          <pc:sldMk cId="844227169" sldId="271"/>
+        </pc:sldMkLst>
+        <pc:spChg chg="mod">
+          <ac:chgData name="Gibbons, Carl" userId="d2b037bc-8fb4-4222-845c-61440543a456" providerId="ADAL" clId="{7CACC70D-A6A7-4797-9CB8-C4485CD93BEE}" dt="2024-05-24T22:33:23.901" v="9697" actId="20577"/>
+          <ac:spMkLst>
+            <pc:docMk/>
+            <pc:sldMk cId="844227169" sldId="271"/>
+            <ac:spMk id="2" creationId="{F5533765-AE4D-3586-BFF0-C73FF51C6B9B}"/>
+          </ac:spMkLst>
+        </pc:spChg>
+        <pc:spChg chg="mod">
+          <ac:chgData name="Gibbons, Carl" userId="d2b037bc-8fb4-4222-845c-61440543a456" providerId="ADAL" clId="{7CACC70D-A6A7-4797-9CB8-C4485CD93BEE}" dt="2024-05-24T23:02:52.656" v="11096" actId="20577"/>
+          <ac:spMkLst>
+            <pc:docMk/>
+            <pc:sldMk cId="844227169" sldId="271"/>
+            <ac:spMk id="7" creationId="{56F98B9D-53CB-0D01-51DD-F6B452AAB6C5}"/>
+          </ac:spMkLst>
+        </pc:spChg>
+      </pc:sldChg>
+      <pc:sldChg chg="modSp add del mod">
+        <pc:chgData name="Gibbons, Carl" userId="d2b037bc-8fb4-4222-845c-61440543a456" providerId="ADAL" clId="{7CACC70D-A6A7-4797-9CB8-C4485CD93BEE}" dt="2024-05-24T21:55:10.046" v="8139" actId="47"/>
+        <pc:sldMkLst>
+          <pc:docMk/>
+          <pc:sldMk cId="3116464103" sldId="271"/>
+        </pc:sldMkLst>
+        <pc:spChg chg="mod">
+          <ac:chgData name="Gibbons, Carl" userId="d2b037bc-8fb4-4222-845c-61440543a456" providerId="ADAL" clId="{7CACC70D-A6A7-4797-9CB8-C4485CD93BEE}" dt="2024-05-24T17:38:27.217" v="7098" actId="20577"/>
+          <ac:spMkLst>
+            <pc:docMk/>
+            <pc:sldMk cId="3116464103" sldId="271"/>
+            <ac:spMk id="7" creationId="{56F98B9D-53CB-0D01-51DD-F6B452AAB6C5}"/>
+          </ac:spMkLst>
+        </pc:spChg>
+      </pc:sldChg>
+      <pc:sldChg chg="modSp mod">
+        <pc:chgData name="Gibbons, Carl" userId="d2b037bc-8fb4-4222-845c-61440543a456" providerId="ADAL" clId="{7CACC70D-A6A7-4797-9CB8-C4485CD93BEE}" dt="2024-05-24T21:52:08.668" v="7844" actId="20577"/>
+        <pc:sldMkLst>
+          <pc:docMk/>
+          <pc:sldMk cId="331132001" sldId="272"/>
+        </pc:sldMkLst>
+        <pc:spChg chg="mod">
+          <ac:chgData name="Gibbons, Carl" userId="d2b037bc-8fb4-4222-845c-61440543a456" providerId="ADAL" clId="{7CACC70D-A6A7-4797-9CB8-C4485CD93BEE}" dt="2024-05-24T21:43:50.656" v="7111" actId="20577"/>
+          <ac:spMkLst>
+            <pc:docMk/>
+            <pc:sldMk cId="331132001" sldId="272"/>
+            <ac:spMk id="2" creationId="{F5533765-AE4D-3586-BFF0-C73FF51C6B9B}"/>
+          </ac:spMkLst>
+        </pc:spChg>
+        <pc:spChg chg="mod">
+          <ac:chgData name="Gibbons, Carl" userId="d2b037bc-8fb4-4222-845c-61440543a456" providerId="ADAL" clId="{7CACC70D-A6A7-4797-9CB8-C4485CD93BEE}" dt="2024-05-24T21:52:08.668" v="7844" actId="20577"/>
+          <ac:spMkLst>
+            <pc:docMk/>
+            <pc:sldMk cId="331132001" sldId="272"/>
+            <ac:spMk id="7" creationId="{56F98B9D-53CB-0D01-51DD-F6B452AAB6C5}"/>
+          </ac:spMkLst>
+        </pc:spChg>
+      </pc:sldChg>
+      <pc:sldChg chg="modSp mod">
+        <pc:chgData name="Gibbons, Carl" userId="d2b037bc-8fb4-4222-845c-61440543a456" providerId="ADAL" clId="{7CACC70D-A6A7-4797-9CB8-C4485CD93BEE}" dt="2024-05-24T22:13:25.253" v="9111" actId="207"/>
+        <pc:sldMkLst>
+          <pc:docMk/>
+          <pc:sldMk cId="455766816" sldId="273"/>
+        </pc:sldMkLst>
+        <pc:spChg chg="mod">
+          <ac:chgData name="Gibbons, Carl" userId="d2b037bc-8fb4-4222-845c-61440543a456" providerId="ADAL" clId="{7CACC70D-A6A7-4797-9CB8-C4485CD93BEE}" dt="2024-05-24T21:47:51.003" v="7697" actId="20577"/>
+          <ac:spMkLst>
+            <pc:docMk/>
+            <pc:sldMk cId="455766816" sldId="273"/>
+            <ac:spMk id="2" creationId="{F5533765-AE4D-3586-BFF0-C73FF51C6B9B}"/>
+          </ac:spMkLst>
+        </pc:spChg>
+        <pc:spChg chg="mod">
+          <ac:chgData name="Gibbons, Carl" userId="d2b037bc-8fb4-4222-845c-61440543a456" providerId="ADAL" clId="{7CACC70D-A6A7-4797-9CB8-C4485CD93BEE}" dt="2024-05-24T22:13:25.253" v="9111" actId="207"/>
+          <ac:spMkLst>
+            <pc:docMk/>
+            <pc:sldMk cId="455766816" sldId="273"/>
+            <ac:spMk id="7" creationId="{56F98B9D-53CB-0D01-51DD-F6B452AAB6C5}"/>
+          </ac:spMkLst>
+        </pc:spChg>
+      </pc:sldChg>
+      <pc:sldChg chg="modSp mod">
+        <pc:chgData name="Gibbons, Carl" userId="d2b037bc-8fb4-4222-845c-61440543a456" providerId="ADAL" clId="{7CACC70D-A6A7-4797-9CB8-C4485CD93BEE}" dt="2024-05-24T22:30:47.875" v="9576" actId="13926"/>
+        <pc:sldMkLst>
+          <pc:docMk/>
+          <pc:sldMk cId="1350015310" sldId="274"/>
+        </pc:sldMkLst>
+        <pc:spChg chg="mod">
+          <ac:chgData name="Gibbons, Carl" userId="d2b037bc-8fb4-4222-845c-61440543a456" providerId="ADAL" clId="{7CACC70D-A6A7-4797-9CB8-C4485CD93BEE}" dt="2024-05-24T22:10:03.558" v="8818" actId="20577"/>
+          <ac:spMkLst>
+            <pc:docMk/>
+            <pc:sldMk cId="1350015310" sldId="274"/>
+            <ac:spMk id="2" creationId="{F5533765-AE4D-3586-BFF0-C73FF51C6B9B}"/>
+          </ac:spMkLst>
+        </pc:spChg>
+        <pc:spChg chg="mod">
+          <ac:chgData name="Gibbons, Carl" userId="d2b037bc-8fb4-4222-845c-61440543a456" providerId="ADAL" clId="{7CACC70D-A6A7-4797-9CB8-C4485CD93BEE}" dt="2024-05-24T22:30:47.875" v="9576" actId="13926"/>
+          <ac:spMkLst>
+            <pc:docMk/>
+            <pc:sldMk cId="1350015310" sldId="274"/>
+            <ac:spMk id="7" creationId="{56F98B9D-53CB-0D01-51DD-F6B452AAB6C5}"/>
+          </ac:spMkLst>
+        </pc:spChg>
+      </pc:sldChg>
+      <pc:sldChg chg="modSp mod">
+        <pc:chgData name="Gibbons, Carl" userId="d2b037bc-8fb4-4222-845c-61440543a456" providerId="ADAL" clId="{7CACC70D-A6A7-4797-9CB8-C4485CD93BEE}" dt="2024-05-24T22:56:44.021" v="10716" actId="2711"/>
+        <pc:sldMkLst>
+          <pc:docMk/>
+          <pc:sldMk cId="2566493574" sldId="275"/>
+        </pc:sldMkLst>
+        <pc:spChg chg="mod">
+          <ac:chgData name="Gibbons, Carl" userId="d2b037bc-8fb4-4222-845c-61440543a456" providerId="ADAL" clId="{7CACC70D-A6A7-4797-9CB8-C4485CD93BEE}" dt="2024-05-24T22:51:55.087" v="10259" actId="20577"/>
+          <ac:spMkLst>
+            <pc:docMk/>
+            <pc:sldMk cId="2566493574" sldId="275"/>
+            <ac:spMk id="2" creationId="{F5533765-AE4D-3586-BFF0-C73FF51C6B9B}"/>
+          </ac:spMkLst>
+        </pc:spChg>
+        <pc:spChg chg="mod">
+          <ac:chgData name="Gibbons, Carl" userId="d2b037bc-8fb4-4222-845c-61440543a456" providerId="ADAL" clId="{7CACC70D-A6A7-4797-9CB8-C4485CD93BEE}" dt="2024-05-24T22:56:44.021" v="10716" actId="2711"/>
+          <ac:spMkLst>
+            <pc:docMk/>
+            <pc:sldMk cId="2566493574" sldId="275"/>
+            <ac:spMk id="7" creationId="{56F98B9D-53CB-0D01-51DD-F6B452AAB6C5}"/>
+          </ac:spMkLst>
+        </pc:spChg>
+      </pc:sldChg>
+      <pc:sldChg chg="modSp add mod">
+        <pc:chgData name="Gibbons, Carl" userId="d2b037bc-8fb4-4222-845c-61440543a456" providerId="ADAL" clId="{7CACC70D-A6A7-4797-9CB8-C4485CD93BEE}" dt="2024-05-24T23:06:02.967" v="11403" actId="5793"/>
+        <pc:sldMkLst>
+          <pc:docMk/>
+          <pc:sldMk cId="2886391867" sldId="276"/>
+        </pc:sldMkLst>
+        <pc:spChg chg="mod">
+          <ac:chgData name="Gibbons, Carl" userId="d2b037bc-8fb4-4222-845c-61440543a456" providerId="ADAL" clId="{7CACC70D-A6A7-4797-9CB8-C4485CD93BEE}" dt="2024-05-24T23:02:27.840" v="11094" actId="20577"/>
+          <ac:spMkLst>
+            <pc:docMk/>
+            <pc:sldMk cId="2886391867" sldId="276"/>
+            <ac:spMk id="2" creationId="{F5533765-AE4D-3586-BFF0-C73FF51C6B9B}"/>
+          </ac:spMkLst>
+        </pc:spChg>
+        <pc:spChg chg="mod">
+          <ac:chgData name="Gibbons, Carl" userId="d2b037bc-8fb4-4222-845c-61440543a456" providerId="ADAL" clId="{7CACC70D-A6A7-4797-9CB8-C4485CD93BEE}" dt="2024-05-24T23:06:02.967" v="11403" actId="5793"/>
+          <ac:spMkLst>
+            <pc:docMk/>
+            <pc:sldMk cId="2886391867" sldId="276"/>
+            <ac:spMk id="7" creationId="{56F98B9D-53CB-0D01-51DD-F6B452AAB6C5}"/>
+          </ac:spMkLst>
+        </pc:spChg>
+      </pc:sldChg>
+      <pc:sldChg chg="addSp modSp add mod">
+        <pc:chgData name="Gibbons, Carl" userId="d2b037bc-8fb4-4222-845c-61440543a456" providerId="ADAL" clId="{7CACC70D-A6A7-4797-9CB8-C4485CD93BEE}" dt="2024-05-24T23:22:22.393" v="12978" actId="20577"/>
+        <pc:sldMkLst>
+          <pc:docMk/>
+          <pc:sldMk cId="3206843051" sldId="277"/>
+        </pc:sldMkLst>
+        <pc:spChg chg="mod">
+          <ac:chgData name="Gibbons, Carl" userId="d2b037bc-8fb4-4222-845c-61440543a456" providerId="ADAL" clId="{7CACC70D-A6A7-4797-9CB8-C4485CD93BEE}" dt="2024-05-24T23:07:06.487" v="11464" actId="20577"/>
+          <ac:spMkLst>
+            <pc:docMk/>
+            <pc:sldMk cId="3206843051" sldId="277"/>
+            <ac:spMk id="2" creationId="{F5533765-AE4D-3586-BFF0-C73FF51C6B9B}"/>
+          </ac:spMkLst>
+        </pc:spChg>
+        <pc:spChg chg="add mod">
+          <ac:chgData name="Gibbons, Carl" userId="d2b037bc-8fb4-4222-845c-61440543a456" providerId="ADAL" clId="{7CACC70D-A6A7-4797-9CB8-C4485CD93BEE}" dt="2024-05-24T23:19:36.700" v="12679" actId="1076"/>
+          <ac:spMkLst>
+            <pc:docMk/>
+            <pc:sldMk cId="3206843051" sldId="277"/>
+            <ac:spMk id="3" creationId="{B29E0926-5CB9-CEE8-7809-654AEB430393}"/>
+          </ac:spMkLst>
+        </pc:spChg>
+        <pc:spChg chg="add mod">
+          <ac:chgData name="Gibbons, Carl" userId="d2b037bc-8fb4-4222-845c-61440543a456" providerId="ADAL" clId="{7CACC70D-A6A7-4797-9CB8-C4485CD93BEE}" dt="2024-05-24T23:19:40.235" v="12680" actId="1076"/>
+          <ac:spMkLst>
+            <pc:docMk/>
+            <pc:sldMk cId="3206843051" sldId="277"/>
+            <ac:spMk id="4" creationId="{E38F0FD3-24FF-6375-500B-D729B3F19CFE}"/>
+          </ac:spMkLst>
+        </pc:spChg>
+        <pc:spChg chg="add mod">
+          <ac:chgData name="Gibbons, Carl" userId="d2b037bc-8fb4-4222-845c-61440543a456" providerId="ADAL" clId="{7CACC70D-A6A7-4797-9CB8-C4485CD93BEE}" dt="2024-05-24T23:22:22.393" v="12978" actId="20577"/>
+          <ac:spMkLst>
+            <pc:docMk/>
+            <pc:sldMk cId="3206843051" sldId="277"/>
+            <ac:spMk id="5" creationId="{6C0DFF94-9B52-BD01-5C6C-BF26DCD85C14}"/>
+          </ac:spMkLst>
+        </pc:spChg>
+        <pc:spChg chg="add mod">
+          <ac:chgData name="Gibbons, Carl" userId="d2b037bc-8fb4-4222-845c-61440543a456" providerId="ADAL" clId="{7CACC70D-A6A7-4797-9CB8-C4485CD93BEE}" dt="2024-05-24T23:19:57.642" v="12684"/>
+          <ac:spMkLst>
+            <pc:docMk/>
+            <pc:sldMk cId="3206843051" sldId="277"/>
+            <ac:spMk id="6" creationId="{DA5D4BDC-2C31-E0E9-0073-120A41329937}"/>
+          </ac:spMkLst>
+        </pc:spChg>
+        <pc:spChg chg="mod">
+          <ac:chgData name="Gibbons, Carl" userId="d2b037bc-8fb4-4222-845c-61440543a456" providerId="ADAL" clId="{7CACC70D-A6A7-4797-9CB8-C4485CD93BEE}" dt="2024-05-24T23:10:33.233" v="11796" actId="20577"/>
+          <ac:spMkLst>
+            <pc:docMk/>
+            <pc:sldMk cId="3206843051" sldId="277"/>
+            <ac:spMk id="7" creationId="{56F98B9D-53CB-0D01-51DD-F6B452AAB6C5}"/>
+          </ac:spMkLst>
+        </pc:spChg>
+      </pc:sldChg>
+      <pc:sldChg chg="delSp modSp add mod">
+        <pc:chgData name="Gibbons, Carl" userId="d2b037bc-8fb4-4222-845c-61440543a456" providerId="ADAL" clId="{7CACC70D-A6A7-4797-9CB8-C4485CD93BEE}" dt="2024-05-24T23:36:06.155" v="14304" actId="20577"/>
+        <pc:sldMkLst>
+          <pc:docMk/>
+          <pc:sldMk cId="1773917204" sldId="278"/>
+        </pc:sldMkLst>
+        <pc:spChg chg="mod">
+          <ac:chgData name="Gibbons, Carl" userId="d2b037bc-8fb4-4222-845c-61440543a456" providerId="ADAL" clId="{7CACC70D-A6A7-4797-9CB8-C4485CD93BEE}" dt="2024-05-24T23:23:01.783" v="13052" actId="20577"/>
+          <ac:spMkLst>
+            <pc:docMk/>
+            <pc:sldMk cId="1773917204" sldId="278"/>
+            <ac:spMk id="2" creationId="{F5533765-AE4D-3586-BFF0-C73FF51C6B9B}"/>
+          </ac:spMkLst>
+        </pc:spChg>
+        <pc:spChg chg="del">
+          <ac:chgData name="Gibbons, Carl" userId="d2b037bc-8fb4-4222-845c-61440543a456" providerId="ADAL" clId="{7CACC70D-A6A7-4797-9CB8-C4485CD93BEE}" dt="2024-05-24T23:26:16.795" v="13267" actId="478"/>
+          <ac:spMkLst>
+            <pc:docMk/>
+            <pc:sldMk cId="1773917204" sldId="278"/>
+            <ac:spMk id="3" creationId="{B29E0926-5CB9-CEE8-7809-654AEB430393}"/>
+          </ac:spMkLst>
+        </pc:spChg>
+        <pc:spChg chg="del mod">
+          <ac:chgData name="Gibbons, Carl" userId="d2b037bc-8fb4-4222-845c-61440543a456" providerId="ADAL" clId="{7CACC70D-A6A7-4797-9CB8-C4485CD93BEE}" dt="2024-05-24T23:26:13.964" v="13266" actId="478"/>
+          <ac:spMkLst>
+            <pc:docMk/>
+            <pc:sldMk cId="1773917204" sldId="278"/>
+            <ac:spMk id="4" creationId="{E38F0FD3-24FF-6375-500B-D729B3F19CFE}"/>
+          </ac:spMkLst>
+        </pc:spChg>
+        <pc:spChg chg="mod">
+          <ac:chgData name="Gibbons, Carl" userId="d2b037bc-8fb4-4222-845c-61440543a456" providerId="ADAL" clId="{7CACC70D-A6A7-4797-9CB8-C4485CD93BEE}" dt="2024-05-24T23:33:47.342" v="14106" actId="20577"/>
+          <ac:spMkLst>
+            <pc:docMk/>
+            <pc:sldMk cId="1773917204" sldId="278"/>
+            <ac:spMk id="5" creationId="{6C0DFF94-9B52-BD01-5C6C-BF26DCD85C14}"/>
+          </ac:spMkLst>
+        </pc:spChg>
+        <pc:spChg chg="mod">
+          <ac:chgData name="Gibbons, Carl" userId="d2b037bc-8fb4-4222-845c-61440543a456" providerId="ADAL" clId="{7CACC70D-A6A7-4797-9CB8-C4485CD93BEE}" dt="2024-05-24T23:36:06.155" v="14304" actId="20577"/>
+          <ac:spMkLst>
+            <pc:docMk/>
+            <pc:sldMk cId="1773917204" sldId="278"/>
+            <ac:spMk id="7" creationId="{56F98B9D-53CB-0D01-51DD-F6B452AAB6C5}"/>
+          </ac:spMkLst>
+        </pc:spChg>
+      </pc:sldChg>
+      <pc:sldChg chg="delSp modSp mod">
+        <pc:chgData name="Gibbons, Carl" userId="d2b037bc-8fb4-4222-845c-61440543a456" providerId="ADAL" clId="{7CACC70D-A6A7-4797-9CB8-C4485CD93BEE}" dt="2024-05-24T23:52:12.287" v="15332" actId="478"/>
+        <pc:sldMkLst>
+          <pc:docMk/>
+          <pc:sldMk cId="3134089708" sldId="279"/>
+        </pc:sldMkLst>
+        <pc:spChg chg="mod">
+          <ac:chgData name="Gibbons, Carl" userId="d2b037bc-8fb4-4222-845c-61440543a456" providerId="ADAL" clId="{7CACC70D-A6A7-4797-9CB8-C4485CD93BEE}" dt="2024-05-24T23:40:04.634" v="14333" actId="20577"/>
+          <ac:spMkLst>
+            <pc:docMk/>
+            <pc:sldMk cId="3134089708" sldId="279"/>
+            <ac:spMk id="2" creationId="{F5533765-AE4D-3586-BFF0-C73FF51C6B9B}"/>
+          </ac:spMkLst>
+        </pc:spChg>
+        <pc:spChg chg="del mod">
+          <ac:chgData name="Gibbons, Carl" userId="d2b037bc-8fb4-4222-845c-61440543a456" providerId="ADAL" clId="{7CACC70D-A6A7-4797-9CB8-C4485CD93BEE}" dt="2024-05-24T23:52:12.287" v="15332" actId="478"/>
+          <ac:spMkLst>
+            <pc:docMk/>
+            <pc:sldMk cId="3134089708" sldId="279"/>
+            <ac:spMk id="5" creationId="{6C0DFF94-9B52-BD01-5C6C-BF26DCD85C14}"/>
+          </ac:spMkLst>
+        </pc:spChg>
+        <pc:spChg chg="mod">
+          <ac:chgData name="Gibbons, Carl" userId="d2b037bc-8fb4-4222-845c-61440543a456" providerId="ADAL" clId="{7CACC70D-A6A7-4797-9CB8-C4485CD93BEE}" dt="2024-05-24T23:51:37.350" v="15330" actId="20577"/>
+          <ac:spMkLst>
+            <pc:docMk/>
+            <pc:sldMk cId="3134089708" sldId="279"/>
+            <ac:spMk id="7" creationId="{56F98B9D-53CB-0D01-51DD-F6B452AAB6C5}"/>
+          </ac:spMkLst>
+        </pc:spChg>
+      </pc:sldChg>
+    </pc:docChg>
+  </pc:docChgLst>
+  <pc:docChgLst>
+    <pc:chgData name="Gibbons, Carl" userId="d2b037bc-8fb4-4222-845c-61440543a456" providerId="ADAL" clId="{4505F98C-4CC4-4983-9729-597D2A150C85}"/>
+    <pc:docChg chg="undo custSel addSld delSld modSld">
+      <pc:chgData name="Gibbons, Carl" userId="d2b037bc-8fb4-4222-845c-61440543a456" providerId="ADAL" clId="{4505F98C-4CC4-4983-9729-597D2A150C85}" dt="2023-12-29T02:21:47.448" v="17685" actId="20577"/>
+      <pc:docMkLst>
+        <pc:docMk/>
+      </pc:docMkLst>
+      <pc:sldChg chg="modSp mod">
+        <pc:chgData name="Gibbons, Carl" userId="d2b037bc-8fb4-4222-845c-61440543a456" providerId="ADAL" clId="{4505F98C-4CC4-4983-9729-597D2A150C85}" dt="2023-12-28T22:02:31.848" v="28" actId="20577"/>
+        <pc:sldMkLst>
+          <pc:docMk/>
+          <pc:sldMk cId="3308175748" sldId="256"/>
+        </pc:sldMkLst>
+        <pc:spChg chg="mod">
+          <ac:chgData name="Gibbons, Carl" userId="d2b037bc-8fb4-4222-845c-61440543a456" providerId="ADAL" clId="{4505F98C-4CC4-4983-9729-597D2A150C85}" dt="2023-12-28T22:02:31.848" v="28" actId="20577"/>
+          <ac:spMkLst>
+            <pc:docMk/>
+            <pc:sldMk cId="3308175748" sldId="256"/>
+            <ac:spMk id="3" creationId="{EEC4D41B-E776-05F2-BE0B-89BB339485AB}"/>
+          </ac:spMkLst>
+        </pc:spChg>
+      </pc:sldChg>
+      <pc:sldChg chg="modSp mod">
+        <pc:chgData name="Gibbons, Carl" userId="d2b037bc-8fb4-4222-845c-61440543a456" providerId="ADAL" clId="{4505F98C-4CC4-4983-9729-597D2A150C85}" dt="2023-12-28T22:45:53.299" v="4302" actId="20577"/>
+        <pc:sldMkLst>
+          <pc:docMk/>
+          <pc:sldMk cId="2312486803" sldId="261"/>
+        </pc:sldMkLst>
+        <pc:spChg chg="mod">
+          <ac:chgData name="Gibbons, Carl" userId="d2b037bc-8fb4-4222-845c-61440543a456" providerId="ADAL" clId="{4505F98C-4CC4-4983-9729-597D2A150C85}" dt="2023-12-28T22:02:40.492" v="50" actId="20577"/>
+          <ac:spMkLst>
+            <pc:docMk/>
+            <pc:sldMk cId="2312486803" sldId="261"/>
+            <ac:spMk id="2" creationId="{31B75992-5098-A283-4925-2CCEBB801DC5}"/>
+          </ac:spMkLst>
+        </pc:spChg>
+        <pc:spChg chg="mod">
+          <ac:chgData name="Gibbons, Carl" userId="d2b037bc-8fb4-4222-845c-61440543a456" providerId="ADAL" clId="{4505F98C-4CC4-4983-9729-597D2A150C85}" dt="2023-12-28T22:45:53.299" v="4302" actId="20577"/>
+          <ac:spMkLst>
+            <pc:docMk/>
+            <pc:sldMk cId="2312486803" sldId="261"/>
+            <ac:spMk id="3" creationId="{B5924E0F-A977-1710-779D-EEB74261AF34}"/>
+          </ac:spMkLst>
+        </pc:spChg>
+      </pc:sldChg>
+      <pc:sldChg chg="modSp mod">
+        <pc:chgData name="Gibbons, Carl" userId="d2b037bc-8fb4-4222-845c-61440543a456" providerId="ADAL" clId="{4505F98C-4CC4-4983-9729-597D2A150C85}" dt="2023-12-29T02:18:39.170" v="17623" actId="20577"/>
+        <pc:sldMkLst>
+          <pc:docMk/>
+          <pc:sldMk cId="657795359" sldId="277"/>
+        </pc:sldMkLst>
+        <pc:spChg chg="mod">
+          <ac:chgData name="Gibbons, Carl" userId="d2b037bc-8fb4-4222-845c-61440543a456" providerId="ADAL" clId="{4505F98C-4CC4-4983-9729-597D2A150C85}" dt="2023-12-29T02:18:39.170" v="17623" actId="20577"/>
+          <ac:spMkLst>
+            <pc:docMk/>
+            <pc:sldMk cId="657795359" sldId="277"/>
+            <ac:spMk id="3" creationId="{90179172-96B3-95D0-A137-257770BE7642}"/>
+          </ac:spMkLst>
+        </pc:spChg>
+      </pc:sldChg>
+      <pc:sldChg chg="modSp mod">
+        <pc:chgData name="Gibbons, Carl" userId="d2b037bc-8fb4-4222-845c-61440543a456" providerId="ADAL" clId="{4505F98C-4CC4-4983-9729-597D2A150C85}" dt="2023-12-29T02:21:47.448" v="17685" actId="20577"/>
+        <pc:sldMkLst>
+          <pc:docMk/>
+          <pc:sldMk cId="3989541258" sldId="278"/>
+        </pc:sldMkLst>
+        <pc:spChg chg="mod">
+          <ac:chgData name="Gibbons, Carl" userId="d2b037bc-8fb4-4222-845c-61440543a456" providerId="ADAL" clId="{4505F98C-4CC4-4983-9729-597D2A150C85}" dt="2023-12-28T22:23:56.363" v="2262" actId="20577"/>
+          <ac:spMkLst>
+            <pc:docMk/>
+            <pc:sldMk cId="3989541258" sldId="278"/>
+            <ac:spMk id="2" creationId="{31B75992-5098-A283-4925-2CCEBB801DC5}"/>
+          </ac:spMkLst>
+        </pc:spChg>
+        <pc:spChg chg="mod">
+          <ac:chgData name="Gibbons, Carl" userId="d2b037bc-8fb4-4222-845c-61440543a456" providerId="ADAL" clId="{4505F98C-4CC4-4983-9729-597D2A150C85}" dt="2023-12-29T02:21:47.448" v="17685" actId="20577"/>
+          <ac:spMkLst>
+            <pc:docMk/>
+            <pc:sldMk cId="3989541258" sldId="278"/>
+            <ac:spMk id="3" creationId="{B5924E0F-A977-1710-779D-EEB74261AF34}"/>
+          </ac:spMkLst>
+        </pc:spChg>
+      </pc:sldChg>
+      <pc:sldChg chg="modSp mod">
+        <pc:chgData name="Gibbons, Carl" userId="d2b037bc-8fb4-4222-845c-61440543a456" providerId="ADAL" clId="{4505F98C-4CC4-4983-9729-597D2A150C85}" dt="2023-12-29T00:21:55.646" v="8344" actId="20577"/>
+        <pc:sldMkLst>
+          <pc:docMk/>
+          <pc:sldMk cId="2335633195" sldId="279"/>
+        </pc:sldMkLst>
+        <pc:spChg chg="mod">
+          <ac:chgData name="Gibbons, Carl" userId="d2b037bc-8fb4-4222-845c-61440543a456" providerId="ADAL" clId="{4505F98C-4CC4-4983-9729-597D2A150C85}" dt="2023-12-29T00:21:55.646" v="8344" actId="20577"/>
+          <ac:spMkLst>
+            <pc:docMk/>
+            <pc:sldMk cId="2335633195" sldId="279"/>
+            <ac:spMk id="2" creationId="{31B75992-5098-A283-4925-2CCEBB801DC5}"/>
+          </ac:spMkLst>
+        </pc:spChg>
+        <pc:spChg chg="mod">
+          <ac:chgData name="Gibbons, Carl" userId="d2b037bc-8fb4-4222-845c-61440543a456" providerId="ADAL" clId="{4505F98C-4CC4-4983-9729-597D2A150C85}" dt="2023-12-28T22:56:22.080" v="4730" actId="20577"/>
+          <ac:spMkLst>
+            <pc:docMk/>
+            <pc:sldMk cId="2335633195" sldId="279"/>
+            <ac:spMk id="3" creationId="{B5924E0F-A977-1710-779D-EEB74261AF34}"/>
+          </ac:spMkLst>
+        </pc:spChg>
+      </pc:sldChg>
+      <pc:sldChg chg="modSp add mod">
+        <pc:chgData name="Gibbons, Carl" userId="d2b037bc-8fb4-4222-845c-61440543a456" providerId="ADAL" clId="{4505F98C-4CC4-4983-9729-597D2A150C85}" dt="2023-12-28T23:39:19.135" v="5592" actId="20577"/>
+        <pc:sldMkLst>
+          <pc:docMk/>
+          <pc:sldMk cId="1284534978" sldId="280"/>
+        </pc:sldMkLst>
+        <pc:spChg chg="mod">
+          <ac:chgData name="Gibbons, Carl" userId="d2b037bc-8fb4-4222-845c-61440543a456" providerId="ADAL" clId="{4505F98C-4CC4-4983-9729-597D2A150C85}" dt="2023-12-28T23:26:13.166" v="4743" actId="20577"/>
+          <ac:spMkLst>
+            <pc:docMk/>
+            <pc:sldMk cId="1284534978" sldId="280"/>
+            <ac:spMk id="2" creationId="{31B75992-5098-A283-4925-2CCEBB801DC5}"/>
+          </ac:spMkLst>
+        </pc:spChg>
+        <pc:spChg chg="mod">
+          <ac:chgData name="Gibbons, Carl" userId="d2b037bc-8fb4-4222-845c-61440543a456" providerId="ADAL" clId="{4505F98C-4CC4-4983-9729-597D2A150C85}" dt="2023-12-28T23:39:19.135" v="5592" actId="20577"/>
+          <ac:spMkLst>
+            <pc:docMk/>
+            <pc:sldMk cId="1284534978" sldId="280"/>
+            <ac:spMk id="3" creationId="{B5924E0F-A977-1710-779D-EEB74261AF34}"/>
+          </ac:spMkLst>
+        </pc:spChg>
+      </pc:sldChg>
+      <pc:sldChg chg="modSp mod">
+        <pc:chgData name="Gibbons, Carl" userId="d2b037bc-8fb4-4222-845c-61440543a456" providerId="ADAL" clId="{4505F98C-4CC4-4983-9729-597D2A150C85}" dt="2023-12-28T23:42:19.634" v="5967" actId="20577"/>
+        <pc:sldMkLst>
+          <pc:docMk/>
+          <pc:sldMk cId="1802585387" sldId="281"/>
+        </pc:sldMkLst>
+        <pc:spChg chg="mod">
+          <ac:chgData name="Gibbons, Carl" userId="d2b037bc-8fb4-4222-845c-61440543a456" providerId="ADAL" clId="{4505F98C-4CC4-4983-9729-597D2A150C85}" dt="2023-12-28T23:34:47.360" v="5351" actId="20577"/>
+          <ac:spMkLst>
+            <pc:docMk/>
+            <pc:sldMk cId="1802585387" sldId="281"/>
+            <ac:spMk id="2" creationId="{31B75992-5098-A283-4925-2CCEBB801DC5}"/>
+          </ac:spMkLst>
+        </pc:spChg>
+        <pc:spChg chg="mod">
+          <ac:chgData name="Gibbons, Carl" userId="d2b037bc-8fb4-4222-845c-61440543a456" providerId="ADAL" clId="{4505F98C-4CC4-4983-9729-597D2A150C85}" dt="2023-12-28T23:42:19.634" v="5967" actId="20577"/>
+          <ac:spMkLst>
+            <pc:docMk/>
+            <pc:sldMk cId="1802585387" sldId="281"/>
+            <ac:spMk id="3" creationId="{B5924E0F-A977-1710-779D-EEB74261AF34}"/>
+          </ac:spMkLst>
+        </pc:spChg>
+      </pc:sldChg>
+      <pc:sldChg chg="modSp mod">
+        <pc:chgData name="Gibbons, Carl" userId="d2b037bc-8fb4-4222-845c-61440543a456" providerId="ADAL" clId="{4505F98C-4CC4-4983-9729-597D2A150C85}" dt="2023-12-28T23:54:03.356" v="6623"/>
+        <pc:sldMkLst>
+          <pc:docMk/>
+          <pc:sldMk cId="724803187" sldId="282"/>
+        </pc:sldMkLst>
+        <pc:spChg chg="mod">
+          <ac:chgData name="Gibbons, Carl" userId="d2b037bc-8fb4-4222-845c-61440543a456" providerId="ADAL" clId="{4505F98C-4CC4-4983-9729-597D2A150C85}" dt="2023-12-28T23:39:52.399" v="5606" actId="20577"/>
+          <ac:spMkLst>
+            <pc:docMk/>
+            <pc:sldMk cId="724803187" sldId="282"/>
+            <ac:spMk id="2" creationId="{31B75992-5098-A283-4925-2CCEBB801DC5}"/>
+          </ac:spMkLst>
+        </pc:spChg>
+        <pc:spChg chg="mod">
+          <ac:chgData name="Gibbons, Carl" userId="d2b037bc-8fb4-4222-845c-61440543a456" providerId="ADAL" clId="{4505F98C-4CC4-4983-9729-597D2A150C85}" dt="2023-12-28T23:54:03.356" v="6623"/>
+          <ac:spMkLst>
+            <pc:docMk/>
+            <pc:sldMk cId="724803187" sldId="282"/>
+            <ac:spMk id="3" creationId="{B5924E0F-A977-1710-779D-EEB74261AF34}"/>
+          </ac:spMkLst>
+        </pc:spChg>
+      </pc:sldChg>
+      <pc:sldChg chg="modSp mod">
+        <pc:chgData name="Gibbons, Carl" userId="d2b037bc-8fb4-4222-845c-61440543a456" providerId="ADAL" clId="{4505F98C-4CC4-4983-9729-597D2A150C85}" dt="2023-12-29T02:19:53.158" v="17637" actId="20577"/>
+        <pc:sldMkLst>
+          <pc:docMk/>
+          <pc:sldMk cId="1926009205" sldId="283"/>
+        </pc:sldMkLst>
+        <pc:spChg chg="mod">
+          <ac:chgData name="Gibbons, Carl" userId="d2b037bc-8fb4-4222-845c-61440543a456" providerId="ADAL" clId="{4505F98C-4CC4-4983-9729-597D2A150C85}" dt="2023-12-29T00:22:07.704" v="8354" actId="20577"/>
+          <ac:spMkLst>
+            <pc:docMk/>
+            <pc:sldMk cId="1926009205" sldId="283"/>
+            <ac:spMk id="2" creationId="{31B75992-5098-A283-4925-2CCEBB801DC5}"/>
+          </ac:spMkLst>
+        </pc:spChg>
+        <pc:spChg chg="mod">
+          <ac:chgData name="Gibbons, Carl" userId="d2b037bc-8fb4-4222-845c-61440543a456" providerId="ADAL" clId="{4505F98C-4CC4-4983-9729-597D2A150C85}" dt="2023-12-29T02:19:53.158" v="17637" actId="20577"/>
+          <ac:spMkLst>
+            <pc:docMk/>
+            <pc:sldMk cId="1926009205" sldId="283"/>
+            <ac:spMk id="3" creationId="{B5924E0F-A977-1710-779D-EEB74261AF34}"/>
+          </ac:spMkLst>
+        </pc:spChg>
+      </pc:sldChg>
+      <pc:sldChg chg="del">
+        <pc:chgData name="Gibbons, Carl" userId="d2b037bc-8fb4-4222-845c-61440543a456" providerId="ADAL" clId="{4505F98C-4CC4-4983-9729-597D2A150C85}" dt="2023-12-28T22:17:09.732" v="1699" actId="47"/>
+        <pc:sldMkLst>
+          <pc:docMk/>
+          <pc:sldMk cId="2959024232" sldId="283"/>
+        </pc:sldMkLst>
+      </pc:sldChg>
+      <pc:sldChg chg="modSp mod">
+        <pc:chgData name="Gibbons, Carl" userId="d2b037bc-8fb4-4222-845c-61440543a456" providerId="ADAL" clId="{4505F98C-4CC4-4983-9729-597D2A150C85}" dt="2023-12-29T00:22:15.499" v="8364" actId="20577"/>
+        <pc:sldMkLst>
+          <pc:docMk/>
+          <pc:sldMk cId="2366216895" sldId="284"/>
+        </pc:sldMkLst>
+        <pc:spChg chg="mod">
+          <ac:chgData name="Gibbons, Carl" userId="d2b037bc-8fb4-4222-845c-61440543a456" providerId="ADAL" clId="{4505F98C-4CC4-4983-9729-597D2A150C85}" dt="2023-12-29T00:22:15.499" v="8364" actId="20577"/>
+          <ac:spMkLst>
+            <pc:docMk/>
+            <pc:sldMk cId="2366216895" sldId="284"/>
+            <ac:spMk id="2" creationId="{31B75992-5098-A283-4925-2CCEBB801DC5}"/>
+          </ac:spMkLst>
+        </pc:spChg>
+        <pc:spChg chg="mod">
+          <ac:chgData name="Gibbons, Carl" userId="d2b037bc-8fb4-4222-845c-61440543a456" providerId="ADAL" clId="{4505F98C-4CC4-4983-9729-597D2A150C85}" dt="2023-12-29T00:20:51.612" v="8260" actId="20577"/>
+          <ac:spMkLst>
+            <pc:docMk/>
+            <pc:sldMk cId="2366216895" sldId="284"/>
+            <ac:spMk id="3" creationId="{B5924E0F-A977-1710-779D-EEB74261AF34}"/>
+          </ac:spMkLst>
+        </pc:spChg>
+      </pc:sldChg>
+      <pc:sldChg chg="del">
+        <pc:chgData name="Gibbons, Carl" userId="d2b037bc-8fb4-4222-845c-61440543a456" providerId="ADAL" clId="{4505F98C-4CC4-4983-9729-597D2A150C85}" dt="2023-12-28T22:17:08.965" v="1698" actId="47"/>
+        <pc:sldMkLst>
+          <pc:docMk/>
+          <pc:sldMk cId="3114675387" sldId="284"/>
+        </pc:sldMkLst>
+      </pc:sldChg>
+      <pc:sldChg chg="del">
+        <pc:chgData name="Gibbons, Carl" userId="d2b037bc-8fb4-4222-845c-61440543a456" providerId="ADAL" clId="{4505F98C-4CC4-4983-9729-597D2A150C85}" dt="2023-12-28T22:17:08.106" v="1697" actId="47"/>
+        <pc:sldMkLst>
+          <pc:docMk/>
+          <pc:sldMk cId="1243134729" sldId="285"/>
+        </pc:sldMkLst>
+      </pc:sldChg>
+      <pc:sldChg chg="modSp mod">
+        <pc:chgData name="Gibbons, Carl" userId="d2b037bc-8fb4-4222-845c-61440543a456" providerId="ADAL" clId="{4505F98C-4CC4-4983-9729-597D2A150C85}" dt="2023-12-29T01:14:23.500" v="12327" actId="20577"/>
+        <pc:sldMkLst>
+          <pc:docMk/>
+          <pc:sldMk cId="3371896289" sldId="285"/>
+        </pc:sldMkLst>
+        <pc:spChg chg="mod">
+          <ac:chgData name="Gibbons, Carl" userId="d2b037bc-8fb4-4222-845c-61440543a456" providerId="ADAL" clId="{4505F98C-4CC4-4983-9729-597D2A150C85}" dt="2023-12-29T00:22:25.432" v="8374" actId="20577"/>
+          <ac:spMkLst>
+            <pc:docMk/>
+            <pc:sldMk cId="3371896289" sldId="285"/>
+            <ac:spMk id="2" creationId="{31B75992-5098-A283-4925-2CCEBB801DC5}"/>
+          </ac:spMkLst>
+        </pc:spChg>
+        <pc:spChg chg="mod">
+          <ac:chgData name="Gibbons, Carl" userId="d2b037bc-8fb4-4222-845c-61440543a456" providerId="ADAL" clId="{4505F98C-4CC4-4983-9729-597D2A150C85}" dt="2023-12-29T01:14:23.500" v="12327" actId="20577"/>
+          <ac:spMkLst>
+            <pc:docMk/>
+            <pc:sldMk cId="3371896289" sldId="285"/>
+            <ac:spMk id="3" creationId="{B5924E0F-A977-1710-779D-EEB74261AF34}"/>
+          </ac:spMkLst>
+        </pc:spChg>
+      </pc:sldChg>
+      <pc:sldChg chg="add del">
+        <pc:chgData name="Gibbons, Carl" userId="d2b037bc-8fb4-4222-845c-61440543a456" providerId="ADAL" clId="{4505F98C-4CC4-4983-9729-597D2A150C85}" dt="2023-12-29T00:13:59.438" v="7954" actId="2696"/>
+        <pc:sldMkLst>
+          <pc:docMk/>
+          <pc:sldMk cId="3635199420" sldId="285"/>
+        </pc:sldMkLst>
+      </pc:sldChg>
+      <pc:sldChg chg="del">
+        <pc:chgData name="Gibbons, Carl" userId="d2b037bc-8fb4-4222-845c-61440543a456" providerId="ADAL" clId="{4505F98C-4CC4-4983-9729-597D2A150C85}" dt="2023-12-28T22:17:10.620" v="1700" actId="47"/>
+        <pc:sldMkLst>
+          <pc:docMk/>
+          <pc:sldMk cId="954591853" sldId="286"/>
+        </pc:sldMkLst>
+      </pc:sldChg>
+      <pc:sldChg chg="modSp mod">
+        <pc:chgData name="Gibbons, Carl" userId="d2b037bc-8fb4-4222-845c-61440543a456" providerId="ADAL" clId="{4505F98C-4CC4-4983-9729-597D2A150C85}" dt="2023-12-29T01:14:14.317" v="12318" actId="20577"/>
+        <pc:sldMkLst>
+          <pc:docMk/>
+          <pc:sldMk cId="3193160409" sldId="286"/>
+        </pc:sldMkLst>
+        <pc:spChg chg="mod">
+          <ac:chgData name="Gibbons, Carl" userId="d2b037bc-8fb4-4222-845c-61440543a456" providerId="ADAL" clId="{4505F98C-4CC4-4983-9729-597D2A150C85}" dt="2023-12-29T00:33:44.511" v="9517" actId="20577"/>
+          <ac:spMkLst>
+            <pc:docMk/>
+            <pc:sldMk cId="3193160409" sldId="286"/>
+            <ac:spMk id="2" creationId="{31B75992-5098-A283-4925-2CCEBB801DC5}"/>
+          </ac:spMkLst>
+        </pc:spChg>
+        <pc:spChg chg="mod">
+          <ac:chgData name="Gibbons, Carl" userId="d2b037bc-8fb4-4222-845c-61440543a456" providerId="ADAL" clId="{4505F98C-4CC4-4983-9729-597D2A150C85}" dt="2023-12-29T01:14:14.317" v="12318" actId="20577"/>
+          <ac:spMkLst>
+            <pc:docMk/>
+            <pc:sldMk cId="3193160409" sldId="286"/>
+            <ac:spMk id="3" creationId="{B5924E0F-A977-1710-779D-EEB74261AF34}"/>
+          </ac:spMkLst>
+        </pc:spChg>
+      </pc:sldChg>
+      <pc:sldChg chg="del">
+        <pc:chgData name="Gibbons, Carl" userId="d2b037bc-8fb4-4222-845c-61440543a456" providerId="ADAL" clId="{4505F98C-4CC4-4983-9729-597D2A150C85}" dt="2023-12-28T22:17:12.413" v="1702" actId="47"/>
+        <pc:sldMkLst>
+          <pc:docMk/>
+          <pc:sldMk cId="2614091779" sldId="287"/>
+        </pc:sldMkLst>
+      </pc:sldChg>
+      <pc:sldChg chg="modSp mod">
+        <pc:chgData name="Gibbons, Carl" userId="d2b037bc-8fb4-4222-845c-61440543a456" providerId="ADAL" clId="{4505F98C-4CC4-4983-9729-597D2A150C85}" dt="2023-12-29T02:19:05.385" v="17624"/>
+        <pc:sldMkLst>
+          <pc:docMk/>
+          <pc:sldMk cId="2688338374" sldId="287"/>
+        </pc:sldMkLst>
+        <pc:spChg chg="mod">
+          <ac:chgData name="Gibbons, Carl" userId="d2b037bc-8fb4-4222-845c-61440543a456" providerId="ADAL" clId="{4505F98C-4CC4-4983-9729-597D2A150C85}" dt="2023-12-29T00:41:11.438" v="10364" actId="20577"/>
+          <ac:spMkLst>
+            <pc:docMk/>
+            <pc:sldMk cId="2688338374" sldId="287"/>
+            <ac:spMk id="2" creationId="{31B75992-5098-A283-4925-2CCEBB801DC5}"/>
+          </ac:spMkLst>
+        </pc:spChg>
+        <pc:spChg chg="mod">
+          <ac:chgData name="Gibbons, Carl" userId="d2b037bc-8fb4-4222-845c-61440543a456" providerId="ADAL" clId="{4505F98C-4CC4-4983-9729-597D2A150C85}" dt="2023-12-29T02:19:05.385" v="17624"/>
+          <ac:spMkLst>
+            <pc:docMk/>
+            <pc:sldMk cId="2688338374" sldId="287"/>
+            <ac:spMk id="3" creationId="{B5924E0F-A977-1710-779D-EEB74261AF34}"/>
+          </ac:spMkLst>
+        </pc:spChg>
+      </pc:sldChg>
+      <pc:sldChg chg="del">
+        <pc:chgData name="Gibbons, Carl" userId="d2b037bc-8fb4-4222-845c-61440543a456" providerId="ADAL" clId="{4505F98C-4CC4-4983-9729-597D2A150C85}" dt="2023-12-28T22:17:11.407" v="1701" actId="47"/>
+        <pc:sldMkLst>
+          <pc:docMk/>
+          <pc:sldMk cId="1341659426" sldId="288"/>
+        </pc:sldMkLst>
+      </pc:sldChg>
+      <pc:sldChg chg="modSp add mod">
+        <pc:chgData name="Gibbons, Carl" userId="d2b037bc-8fb4-4222-845c-61440543a456" providerId="ADAL" clId="{4505F98C-4CC4-4983-9729-597D2A150C85}" dt="2023-12-29T01:45:37.293" v="15006"/>
+        <pc:sldMkLst>
+          <pc:docMk/>
+          <pc:sldMk cId="2142935017" sldId="288"/>
+        </pc:sldMkLst>
+        <pc:spChg chg="mod">
+          <ac:chgData name="Gibbons, Carl" userId="d2b037bc-8fb4-4222-845c-61440543a456" providerId="ADAL" clId="{4505F98C-4CC4-4983-9729-597D2A150C85}" dt="2023-12-29T01:16:27.501" v="12383" actId="20577"/>
+          <ac:spMkLst>
+            <pc:docMk/>
+            <pc:sldMk cId="2142935017" sldId="288"/>
+            <ac:spMk id="2" creationId="{31B75992-5098-A283-4925-2CCEBB801DC5}"/>
+          </ac:spMkLst>
+        </pc:spChg>
+        <pc:spChg chg="mod">
+          <ac:chgData name="Gibbons, Carl" userId="d2b037bc-8fb4-4222-845c-61440543a456" providerId="ADAL" clId="{4505F98C-4CC4-4983-9729-597D2A150C85}" dt="2023-12-29T01:45:37.293" v="15006"/>
+          <ac:spMkLst>
+            <pc:docMk/>
+            <pc:sldMk cId="2142935017" sldId="288"/>
+            <ac:spMk id="3" creationId="{B5924E0F-A977-1710-779D-EEB74261AF34}"/>
+          </ac:spMkLst>
+        </pc:spChg>
+      </pc:sldChg>
+      <pc:sldChg chg="modSp mod">
+        <pc:chgData name="Gibbons, Carl" userId="d2b037bc-8fb4-4222-845c-61440543a456" providerId="ADAL" clId="{4505F98C-4CC4-4983-9729-597D2A150C85}" dt="2023-12-29T01:50:54.342" v="15124" actId="20577"/>
+        <pc:sldMkLst>
+          <pc:docMk/>
+          <pc:sldMk cId="2784625941" sldId="289"/>
+        </pc:sldMkLst>
+        <pc:spChg chg="mod">
+          <ac:chgData name="Gibbons, Carl" userId="d2b037bc-8fb4-4222-845c-61440543a456" providerId="ADAL" clId="{4505F98C-4CC4-4983-9729-597D2A150C85}" dt="2023-12-29T01:23:40.688" v="13177" actId="20577"/>
+          <ac:spMkLst>
+            <pc:docMk/>
+            <pc:sldMk cId="2784625941" sldId="289"/>
+            <ac:spMk id="2" creationId="{31B75992-5098-A283-4925-2CCEBB801DC5}"/>
+          </ac:spMkLst>
+        </pc:spChg>
+        <pc:spChg chg="mod">
+          <ac:chgData name="Gibbons, Carl" userId="d2b037bc-8fb4-4222-845c-61440543a456" providerId="ADAL" clId="{4505F98C-4CC4-4983-9729-597D2A150C85}" dt="2023-12-29T01:50:54.342" v="15124" actId="20577"/>
+          <ac:spMkLst>
+            <pc:docMk/>
+            <pc:sldMk cId="2784625941" sldId="289"/>
+            <ac:spMk id="3" creationId="{B5924E0F-A977-1710-779D-EEB74261AF34}"/>
+          </ac:spMkLst>
+        </pc:spChg>
+      </pc:sldChg>
+      <pc:sldChg chg="del">
+        <pc:chgData name="Gibbons, Carl" userId="d2b037bc-8fb4-4222-845c-61440543a456" providerId="ADAL" clId="{4505F98C-4CC4-4983-9729-597D2A150C85}" dt="2023-12-28T22:17:05.773" v="1696" actId="47"/>
+        <pc:sldMkLst>
+          <pc:docMk/>
+          <pc:sldMk cId="2966054478" sldId="289"/>
+        </pc:sldMkLst>
+      </pc:sldChg>
+      <pc:sldChg chg="del">
+        <pc:chgData name="Gibbons, Carl" userId="d2b037bc-8fb4-4222-845c-61440543a456" providerId="ADAL" clId="{4505F98C-4CC4-4983-9729-597D2A150C85}" dt="2023-12-28T22:17:13.315" v="1703" actId="47"/>
+        <pc:sldMkLst>
+          <pc:docMk/>
+          <pc:sldMk cId="1014272238" sldId="290"/>
+        </pc:sldMkLst>
+      </pc:sldChg>
+      <pc:sldChg chg="modSp add mod">
+        <pc:chgData name="Gibbons, Carl" userId="d2b037bc-8fb4-4222-845c-61440543a456" providerId="ADAL" clId="{4505F98C-4CC4-4983-9729-597D2A150C85}" dt="2023-12-29T01:50:36.539" v="15123" actId="20577"/>
+        <pc:sldMkLst>
+          <pc:docMk/>
+          <pc:sldMk cId="1677974689" sldId="290"/>
+        </pc:sldMkLst>
+        <pc:spChg chg="mod">
+          <ac:chgData name="Gibbons, Carl" userId="d2b037bc-8fb4-4222-845c-61440543a456" providerId="ADAL" clId="{4505F98C-4CC4-4983-9729-597D2A150C85}" dt="2023-12-29T01:37:36.931" v="14365" actId="20577"/>
+          <ac:spMkLst>
+            <pc:docMk/>
+            <pc:sldMk cId="1677974689" sldId="290"/>
+            <ac:spMk id="2" creationId="{31B75992-5098-A283-4925-2CCEBB801DC5}"/>
+          </ac:spMkLst>
+        </pc:spChg>
+        <pc:spChg chg="mod">
+          <ac:chgData name="Gibbons, Carl" userId="d2b037bc-8fb4-4222-845c-61440543a456" providerId="ADAL" clId="{4505F98C-4CC4-4983-9729-597D2A150C85}" dt="2023-12-29T01:50:36.539" v="15123" actId="20577"/>
+          <ac:spMkLst>
+            <pc:docMk/>
+            <pc:sldMk cId="1677974689" sldId="290"/>
+            <ac:spMk id="3" creationId="{B5924E0F-A977-1710-779D-EEB74261AF34}"/>
+          </ac:spMkLst>
+        </pc:spChg>
+      </pc:sldChg>
+      <pc:sldChg chg="del">
+        <pc:chgData name="Gibbons, Carl" userId="d2b037bc-8fb4-4222-845c-61440543a456" providerId="ADAL" clId="{4505F98C-4CC4-4983-9729-597D2A150C85}" dt="2023-12-28T22:17:05.079" v="1695" actId="47"/>
+        <pc:sldMkLst>
+          <pc:docMk/>
+          <pc:sldMk cId="3689580349" sldId="291"/>
+        </pc:sldMkLst>
+      </pc:sldChg>
+      <pc:sldChg chg="modSp add mod">
+        <pc:chgData name="Gibbons, Carl" userId="d2b037bc-8fb4-4222-845c-61440543a456" providerId="ADAL" clId="{4505F98C-4CC4-4983-9729-597D2A150C85}" dt="2023-12-29T02:03:57.372" v="16335" actId="20577"/>
+        <pc:sldMkLst>
+          <pc:docMk/>
+          <pc:sldMk cId="4219326696" sldId="291"/>
+        </pc:sldMkLst>
+        <pc:spChg chg="mod">
+          <ac:chgData name="Gibbons, Carl" userId="d2b037bc-8fb4-4222-845c-61440543a456" providerId="ADAL" clId="{4505F98C-4CC4-4983-9729-597D2A150C85}" dt="2023-12-29T01:51:52.820" v="15161" actId="20577"/>
+          <ac:spMkLst>
+            <pc:docMk/>
+            <pc:sldMk cId="4219326696" sldId="291"/>
+            <ac:spMk id="2" creationId="{31B75992-5098-A283-4925-2CCEBB801DC5}"/>
+          </ac:spMkLst>
+        </pc:spChg>
+        <pc:spChg chg="mod">
+          <ac:chgData name="Gibbons, Carl" userId="d2b037bc-8fb4-4222-845c-61440543a456" providerId="ADAL" clId="{4505F98C-4CC4-4983-9729-597D2A150C85}" dt="2023-12-29T02:03:57.372" v="16335" actId="20577"/>
+          <ac:spMkLst>
+            <pc:docMk/>
+            <pc:sldMk cId="4219326696" sldId="291"/>
+            <ac:spMk id="3" creationId="{B5924E0F-A977-1710-779D-EEB74261AF34}"/>
+          </ac:spMkLst>
+        </pc:spChg>
+      </pc:sldChg>
+      <pc:sldChg chg="modSp add mod">
+        <pc:chgData name="Gibbons, Carl" userId="d2b037bc-8fb4-4222-845c-61440543a456" providerId="ADAL" clId="{4505F98C-4CC4-4983-9729-597D2A150C85}" dt="2023-12-29T02:16:48.887" v="17543" actId="20577"/>
+        <pc:sldMkLst>
+          <pc:docMk/>
+          <pc:sldMk cId="33911121" sldId="292"/>
+        </pc:sldMkLst>
+        <pc:spChg chg="mod">
+          <ac:chgData name="Gibbons, Carl" userId="d2b037bc-8fb4-4222-845c-61440543a456" providerId="ADAL" clId="{4505F98C-4CC4-4983-9729-597D2A150C85}" dt="2023-12-29T02:06:26.879" v="16405" actId="20577"/>
+          <ac:spMkLst>
+            <pc:docMk/>
+            <pc:sldMk cId="33911121" sldId="292"/>
+            <ac:spMk id="2" creationId="{1862E903-3C56-BB42-2361-009F2336475A}"/>
+          </ac:spMkLst>
+        </pc:spChg>
+        <pc:spChg chg="mod">
+          <ac:chgData name="Gibbons, Carl" userId="d2b037bc-8fb4-4222-845c-61440543a456" providerId="ADAL" clId="{4505F98C-4CC4-4983-9729-597D2A150C85}" dt="2023-12-29T02:16:48.887" v="17543" actId="20577"/>
+          <ac:spMkLst>
+            <pc:docMk/>
+            <pc:sldMk cId="33911121" sldId="292"/>
+            <ac:spMk id="3" creationId="{90179172-96B3-95D0-A137-257770BE7642}"/>
+          </ac:spMkLst>
+        </pc:spChg>
+      </pc:sldChg>
+      <pc:sldChg chg="del">
+        <pc:chgData name="Gibbons, Carl" userId="d2b037bc-8fb4-4222-845c-61440543a456" providerId="ADAL" clId="{4505F98C-4CC4-4983-9729-597D2A150C85}" dt="2023-12-28T22:17:14.720" v="1704" actId="47"/>
+        <pc:sldMkLst>
+          <pc:docMk/>
+          <pc:sldMk cId="2738411615" sldId="292"/>
+        </pc:sldMkLst>
+      </pc:sldChg>
+      <pc:sldChg chg="del">
+        <pc:chgData name="Gibbons, Carl" userId="d2b037bc-8fb4-4222-845c-61440543a456" providerId="ADAL" clId="{4505F98C-4CC4-4983-9729-597D2A150C85}" dt="2023-12-28T22:17:04.103" v="1694" actId="47"/>
+        <pc:sldMkLst>
+          <pc:docMk/>
+          <pc:sldMk cId="852415543" sldId="293"/>
+        </pc:sldMkLst>
+      </pc:sldChg>
+    </pc:docChg>
+  </pc:docChgLst>
+  <pc:docChgLst>
+    <pc:chgData name="Gibbons, Carl" userId="d2b037bc-8fb4-4222-845c-61440543a456" providerId="ADAL" clId="{6BB3E98D-F381-4EFF-81EB-11D831A89BCC}"/>
+    <pc:docChg chg="undo redo custSel addSld modSld">
+      <pc:chgData name="Gibbons, Carl" userId="d2b037bc-8fb4-4222-845c-61440543a456" providerId="ADAL" clId="{6BB3E98D-F381-4EFF-81EB-11D831A89BCC}" dt="2024-02-20T18:56:54.558" v="3667" actId="20577"/>
+      <pc:docMkLst>
+        <pc:docMk/>
+      </pc:docMkLst>
+      <pc:sldChg chg="modSp mod">
+        <pc:chgData name="Gibbons, Carl" userId="d2b037bc-8fb4-4222-845c-61440543a456" providerId="ADAL" clId="{6BB3E98D-F381-4EFF-81EB-11D831A89BCC}" dt="2024-02-20T18:19:38.071" v="41" actId="20577"/>
+        <pc:sldMkLst>
+          <pc:docMk/>
+          <pc:sldMk cId="3308175748" sldId="256"/>
+        </pc:sldMkLst>
+        <pc:spChg chg="mod">
+          <ac:chgData name="Gibbons, Carl" userId="d2b037bc-8fb4-4222-845c-61440543a456" providerId="ADAL" clId="{6BB3E98D-F381-4EFF-81EB-11D831A89BCC}" dt="2024-02-20T18:19:38.071" v="41" actId="20577"/>
+          <ac:spMkLst>
+            <pc:docMk/>
+            <pc:sldMk cId="3308175748" sldId="256"/>
+            <ac:spMk id="3" creationId="{EEC4D41B-E776-05F2-BE0B-89BB339485AB}"/>
+          </ac:spMkLst>
+        </pc:spChg>
+      </pc:sldChg>
+      <pc:sldChg chg="modSp mod">
+        <pc:chgData name="Gibbons, Carl" userId="d2b037bc-8fb4-4222-845c-61440543a456" providerId="ADAL" clId="{6BB3E98D-F381-4EFF-81EB-11D831A89BCC}" dt="2024-02-20T18:56:54.558" v="3667" actId="20577"/>
+        <pc:sldMkLst>
+          <pc:docMk/>
+          <pc:sldMk cId="3885141102" sldId="262"/>
+        </pc:sldMkLst>
+        <pc:spChg chg="mod">
+          <ac:chgData name="Gibbons, Carl" userId="d2b037bc-8fb4-4222-845c-61440543a456" providerId="ADAL" clId="{6BB3E98D-F381-4EFF-81EB-11D831A89BCC}" dt="2024-02-20T18:56:54.558" v="3667" actId="20577"/>
+          <ac:spMkLst>
+            <pc:docMk/>
+            <pc:sldMk cId="3885141102" sldId="262"/>
+            <ac:spMk id="3" creationId="{B5924E0F-A977-1710-779D-EEB74261AF34}"/>
+          </ac:spMkLst>
+        </pc:spChg>
+      </pc:sldChg>
+      <pc:sldChg chg="modSp mod">
+        <pc:chgData name="Gibbons, Carl" userId="d2b037bc-8fb4-4222-845c-61440543a456" providerId="ADAL" clId="{6BB3E98D-F381-4EFF-81EB-11D831A89BCC}" dt="2024-02-20T18:31:47.994" v="1288" actId="20577"/>
+        <pc:sldMkLst>
+          <pc:docMk/>
+          <pc:sldMk cId="1196559129" sldId="264"/>
+        </pc:sldMkLst>
+        <pc:spChg chg="mod">
+          <ac:chgData name="Gibbons, Carl" userId="d2b037bc-8fb4-4222-845c-61440543a456" providerId="ADAL" clId="{6BB3E98D-F381-4EFF-81EB-11D831A89BCC}" dt="2024-02-20T18:24:05.868" v="485" actId="20577"/>
+          <ac:spMkLst>
+            <pc:docMk/>
+            <pc:sldMk cId="1196559129" sldId="264"/>
+            <ac:spMk id="2" creationId="{0E6A2DEF-4501-FAEA-A31C-4FDCBD076712}"/>
+          </ac:spMkLst>
+        </pc:spChg>
+        <pc:spChg chg="mod">
+          <ac:chgData name="Gibbons, Carl" userId="d2b037bc-8fb4-4222-845c-61440543a456" providerId="ADAL" clId="{6BB3E98D-F381-4EFF-81EB-11D831A89BCC}" dt="2024-02-20T18:31:47.994" v="1288" actId="20577"/>
+          <ac:spMkLst>
+            <pc:docMk/>
+            <pc:sldMk cId="1196559129" sldId="264"/>
+            <ac:spMk id="7" creationId="{4247D23F-F3F9-676F-BDEB-E69E1F0AB32C}"/>
+          </ac:spMkLst>
+        </pc:spChg>
+      </pc:sldChg>
+      <pc:sldChg chg="modSp mod">
+        <pc:chgData name="Gibbons, Carl" userId="d2b037bc-8fb4-4222-845c-61440543a456" providerId="ADAL" clId="{6BB3E98D-F381-4EFF-81EB-11D831A89BCC}" dt="2024-02-20T18:43:59.847" v="2393" actId="1076"/>
+        <pc:sldMkLst>
+          <pc:docMk/>
+          <pc:sldMk cId="1400208519" sldId="265"/>
+        </pc:sldMkLst>
+        <pc:spChg chg="mod">
+          <ac:chgData name="Gibbons, Carl" userId="d2b037bc-8fb4-4222-845c-61440543a456" providerId="ADAL" clId="{6BB3E98D-F381-4EFF-81EB-11D831A89BCC}" dt="2024-02-20T18:43:25.492" v="2389" actId="20577"/>
+          <ac:spMkLst>
+            <pc:docMk/>
+            <pc:sldMk cId="1400208519" sldId="265"/>
+            <ac:spMk id="2" creationId="{832B45BA-6309-D8F6-D552-10D836B4EB21}"/>
+          </ac:spMkLst>
+        </pc:spChg>
+        <pc:spChg chg="mod">
+          <ac:chgData name="Gibbons, Carl" userId="d2b037bc-8fb4-4222-845c-61440543a456" providerId="ADAL" clId="{6BB3E98D-F381-4EFF-81EB-11D831A89BCC}" dt="2024-02-20T18:43:59.847" v="2393" actId="1076"/>
+          <ac:spMkLst>
+            <pc:docMk/>
+            <pc:sldMk cId="1400208519" sldId="265"/>
+            <ac:spMk id="7" creationId="{3CE889EF-4605-DB73-C7B2-D7E3C4957F48}"/>
+          </ac:spMkLst>
+        </pc:spChg>
+      </pc:sldChg>
+      <pc:sldChg chg="modSp add mod">
+        <pc:chgData name="Gibbons, Carl" userId="d2b037bc-8fb4-4222-845c-61440543a456" providerId="ADAL" clId="{6BB3E98D-F381-4EFF-81EB-11D831A89BCC}" dt="2024-02-20T18:54:58.017" v="3521" actId="20577"/>
+        <pc:sldMkLst>
+          <pc:docMk/>
+          <pc:sldMk cId="1467586035" sldId="266"/>
+        </pc:sldMkLst>
+        <pc:spChg chg="mod">
+          <ac:chgData name="Gibbons, Carl" userId="d2b037bc-8fb4-4222-845c-61440543a456" providerId="ADAL" clId="{6BB3E98D-F381-4EFF-81EB-11D831A89BCC}" dt="2024-02-20T18:49:47.829" v="3239" actId="20577"/>
+          <ac:spMkLst>
+            <pc:docMk/>
+            <pc:sldMk cId="1467586035" sldId="266"/>
+            <ac:spMk id="2" creationId="{F5533765-AE4D-3586-BFF0-C73FF51C6B9B}"/>
+          </ac:spMkLst>
+        </pc:spChg>
+        <pc:spChg chg="mod">
+          <ac:chgData name="Gibbons, Carl" userId="d2b037bc-8fb4-4222-845c-61440543a456" providerId="ADAL" clId="{6BB3E98D-F381-4EFF-81EB-11D831A89BCC}" dt="2024-02-20T18:54:58.017" v="3521" actId="20577"/>
+          <ac:spMkLst>
+            <pc:docMk/>
+            <pc:sldMk cId="1467586035" sldId="266"/>
+            <ac:spMk id="7" creationId="{56F98B9D-53CB-0D01-51DD-F6B452AAB6C5}"/>
+          </ac:spMkLst>
+        </pc:spChg>
+      </pc:sldChg>
+    </pc:docChg>
+  </pc:docChgLst>
+  <pc:docChgLst>
+    <pc:chgData name="Gibbons, Carl" userId="d2b037bc-8fb4-4222-845c-61440543a456" providerId="ADAL" clId="{8B117223-2596-4D61-9C62-CC9BD4B9A421}"/>
+    <pc:docChg chg="custSel addSld delSld modSld">
+      <pc:chgData name="Gibbons, Carl" userId="d2b037bc-8fb4-4222-845c-61440543a456" providerId="ADAL" clId="{8B117223-2596-4D61-9C62-CC9BD4B9A421}" dt="2024-01-24T22:00:55.310" v="2286" actId="20577"/>
+      <pc:docMkLst>
+        <pc:docMk/>
+      </pc:docMkLst>
+      <pc:sldChg chg="modSp mod">
+        <pc:chgData name="Gibbons, Carl" userId="d2b037bc-8fb4-4222-845c-61440543a456" providerId="ADAL" clId="{8B117223-2596-4D61-9C62-CC9BD4B9A421}" dt="2024-01-16T00:57:55.449" v="2005" actId="20577"/>
+        <pc:sldMkLst>
+          <pc:docMk/>
+          <pc:sldMk cId="3308175748" sldId="256"/>
+        </pc:sldMkLst>
+        <pc:spChg chg="mod">
+          <ac:chgData name="Gibbons, Carl" userId="d2b037bc-8fb4-4222-845c-61440543a456" providerId="ADAL" clId="{8B117223-2596-4D61-9C62-CC9BD4B9A421}" dt="2024-01-16T00:57:55.449" v="2005" actId="20577"/>
+          <ac:spMkLst>
+            <pc:docMk/>
+            <pc:sldMk cId="3308175748" sldId="256"/>
+            <ac:spMk id="3" creationId="{EEC4D41B-E776-05F2-BE0B-89BB339485AB}"/>
+          </ac:spMkLst>
+        </pc:spChg>
+      </pc:sldChg>
+      <pc:sldChg chg="modSp mod">
+        <pc:chgData name="Gibbons, Carl" userId="d2b037bc-8fb4-4222-845c-61440543a456" providerId="ADAL" clId="{8B117223-2596-4D61-9C62-CC9BD4B9A421}" dt="2024-01-24T22:00:55.310" v="2286" actId="20577"/>
+        <pc:sldMkLst>
+          <pc:docMk/>
+          <pc:sldMk cId="2312486803" sldId="261"/>
+        </pc:sldMkLst>
+        <pc:spChg chg="mod">
+          <ac:chgData name="Gibbons, Carl" userId="d2b037bc-8fb4-4222-845c-61440543a456" providerId="ADAL" clId="{8B117223-2596-4D61-9C62-CC9BD4B9A421}" dt="2024-01-16T00:15:29.289" v="286" actId="20577"/>
+          <ac:spMkLst>
+            <pc:docMk/>
+            <pc:sldMk cId="2312486803" sldId="261"/>
+            <ac:spMk id="2" creationId="{31B75992-5098-A283-4925-2CCEBB801DC5}"/>
+          </ac:spMkLst>
+        </pc:spChg>
+        <pc:spChg chg="mod">
+          <ac:chgData name="Gibbons, Carl" userId="d2b037bc-8fb4-4222-845c-61440543a456" providerId="ADAL" clId="{8B117223-2596-4D61-9C62-CC9BD4B9A421}" dt="2024-01-24T22:00:55.310" v="2286" actId="20577"/>
+          <ac:spMkLst>
+            <pc:docMk/>
+            <pc:sldMk cId="2312486803" sldId="261"/>
+            <ac:spMk id="3" creationId="{B5924E0F-A977-1710-779D-EEB74261AF34}"/>
+          </ac:spMkLst>
+        </pc:spChg>
+      </pc:sldChg>
+      <pc:sldChg chg="modSp add mod">
+        <pc:chgData name="Gibbons, Carl" userId="d2b037bc-8fb4-4222-845c-61440543a456" providerId="ADAL" clId="{8B117223-2596-4D61-9C62-CC9BD4B9A421}" dt="2024-01-16T01:00:51.762" v="2281" actId="313"/>
+        <pc:sldMkLst>
+          <pc:docMk/>
+          <pc:sldMk cId="3885141102" sldId="262"/>
+        </pc:sldMkLst>
+        <pc:spChg chg="mod">
+          <ac:chgData name="Gibbons, Carl" userId="d2b037bc-8fb4-4222-845c-61440543a456" providerId="ADAL" clId="{8B117223-2596-4D61-9C62-CC9BD4B9A421}" dt="2024-01-16T00:42:42.463" v="1503" actId="20577"/>
+          <ac:spMkLst>
+            <pc:docMk/>
+            <pc:sldMk cId="3885141102" sldId="262"/>
+            <ac:spMk id="2" creationId="{31B75992-5098-A283-4925-2CCEBB801DC5}"/>
+          </ac:spMkLst>
+        </pc:spChg>
+        <pc:spChg chg="mod">
+          <ac:chgData name="Gibbons, Carl" userId="d2b037bc-8fb4-4222-845c-61440543a456" providerId="ADAL" clId="{8B117223-2596-4D61-9C62-CC9BD4B9A421}" dt="2024-01-16T01:00:51.762" v="2281" actId="313"/>
+          <ac:spMkLst>
+            <pc:docMk/>
+            <pc:sldMk cId="3885141102" sldId="262"/>
+            <ac:spMk id="3" creationId="{B5924E0F-A977-1710-779D-EEB74261AF34}"/>
+          </ac:spMkLst>
+        </pc:spChg>
+      </pc:sldChg>
+      <pc:sldChg chg="add">
+        <pc:chgData name="Gibbons, Carl" userId="d2b037bc-8fb4-4222-845c-61440543a456" providerId="ADAL" clId="{8B117223-2596-4D61-9C62-CC9BD4B9A421}" dt="2024-01-16T00:58:20.162" v="2006"/>
+        <pc:sldMkLst>
+          <pc:docMk/>
+          <pc:sldMk cId="1719402288" sldId="263"/>
+        </pc:sldMkLst>
+      </pc:sldChg>
+      <pc:sldChg chg="del">
+        <pc:chgData name="Gibbons, Carl" userId="d2b037bc-8fb4-4222-845c-61440543a456" providerId="ADAL" clId="{8B117223-2596-4D61-9C62-CC9BD4B9A421}" dt="2024-01-16T00:11:26.015" v="227" actId="47"/>
+        <pc:sldMkLst>
+          <pc:docMk/>
+          <pc:sldMk cId="3989541258" sldId="278"/>
+        </pc:sldMkLst>
+      </pc:sldChg>
+      <pc:sldChg chg="del">
+        <pc:chgData name="Gibbons, Carl" userId="d2b037bc-8fb4-4222-845c-61440543a456" providerId="ADAL" clId="{8B117223-2596-4D61-9C62-CC9BD4B9A421}" dt="2024-01-16T00:11:26.575" v="228" actId="47"/>
+        <pc:sldMkLst>
+          <pc:docMk/>
+          <pc:sldMk cId="1861646120" sldId="293"/>
+        </pc:sldMkLst>
+      </pc:sldChg>
+      <pc:sldChg chg="del">
+        <pc:chgData name="Gibbons, Carl" userId="d2b037bc-8fb4-4222-845c-61440543a456" providerId="ADAL" clId="{8B117223-2596-4D61-9C62-CC9BD4B9A421}" dt="2024-01-16T00:11:27.206" v="229" actId="47"/>
+        <pc:sldMkLst>
+          <pc:docMk/>
+          <pc:sldMk cId="2232562783" sldId="294"/>
+        </pc:sldMkLst>
+      </pc:sldChg>
+      <pc:sldChg chg="del">
+        <pc:chgData name="Gibbons, Carl" userId="d2b037bc-8fb4-4222-845c-61440543a456" providerId="ADAL" clId="{8B117223-2596-4D61-9C62-CC9BD4B9A421}" dt="2024-01-16T00:11:27.766" v="230" actId="47"/>
+        <pc:sldMkLst>
+          <pc:docMk/>
+          <pc:sldMk cId="845747584" sldId="300"/>
+        </pc:sldMkLst>
+      </pc:sldChg>
+      <pc:sldChg chg="del">
+        <pc:chgData name="Gibbons, Carl" userId="d2b037bc-8fb4-4222-845c-61440543a456" providerId="ADAL" clId="{8B117223-2596-4D61-9C62-CC9BD4B9A421}" dt="2024-01-16T00:11:30.314" v="231" actId="47"/>
+        <pc:sldMkLst>
+          <pc:docMk/>
+          <pc:sldMk cId="3372579319" sldId="301"/>
+        </pc:sldMkLst>
+      </pc:sldChg>
+    </pc:docChg>
+  </pc:docChgLst>
+  <pc:docChgLst>
     <pc:chgData name="Gibbons, Carl" userId="d2b037bc-8fb4-4222-845c-61440543a456" providerId="ADAL" clId="{0E0ED151-5F6D-4269-8E91-753BA0E65D54}"/>
     <pc:docChg chg="undo redo custSel addSld delSld modSld">
       <pc:chgData name="Gibbons, Carl" userId="d2b037bc-8fb4-4222-845c-61440543a456" providerId="ADAL" clId="{0E0ED151-5F6D-4269-8E91-753BA0E65D54}" dt="2024-02-20T17:52:12.549" v="3818" actId="20577"/>
@@ -1120,6 +3235,644 @@
             <pc:docMk/>
             <pc:sldMk cId="1959728496" sldId="266"/>
             <ac:spMk id="7" creationId="{90027281-906B-E8EC-9F0D-DB9DF0665C9C}"/>
+          </ac:spMkLst>
+        </pc:spChg>
+      </pc:sldChg>
+    </pc:docChg>
+  </pc:docChgLst>
+  <pc:docChgLst>
+    <pc:chgData name="Gibbons, Carl" userId="d2b037bc-8fb4-4222-845c-61440543a456" providerId="ADAL" clId="{C1E6ABF6-BAED-4B26-97DB-20A1E8B7A1A4}"/>
+    <pc:docChg chg="custSel modSld">
+      <pc:chgData name="Gibbons, Carl" userId="d2b037bc-8fb4-4222-845c-61440543a456" providerId="ADAL" clId="{C1E6ABF6-BAED-4B26-97DB-20A1E8B7A1A4}" dt="2023-12-06T02:23:48.337" v="274" actId="20577"/>
+      <pc:docMkLst>
+        <pc:docMk/>
+      </pc:docMkLst>
+      <pc:sldChg chg="modSp mod">
+        <pc:chgData name="Gibbons, Carl" userId="d2b037bc-8fb4-4222-845c-61440543a456" providerId="ADAL" clId="{C1E6ABF6-BAED-4B26-97DB-20A1E8B7A1A4}" dt="2023-11-21T16:22:17.597" v="97" actId="20577"/>
+        <pc:sldMkLst>
+          <pc:docMk/>
+          <pc:sldMk cId="3308175748" sldId="256"/>
+        </pc:sldMkLst>
+        <pc:spChg chg="mod">
+          <ac:chgData name="Gibbons, Carl" userId="d2b037bc-8fb4-4222-845c-61440543a456" providerId="ADAL" clId="{C1E6ABF6-BAED-4B26-97DB-20A1E8B7A1A4}" dt="2023-11-21T05:49:34.464" v="2"/>
+          <ac:spMkLst>
+            <pc:docMk/>
+            <pc:sldMk cId="3308175748" sldId="256"/>
+            <ac:spMk id="2" creationId="{ACEA2649-DC6B-3373-A7E6-7F0E103D8B8B}"/>
+          </ac:spMkLst>
+        </pc:spChg>
+        <pc:spChg chg="mod">
+          <ac:chgData name="Gibbons, Carl" userId="d2b037bc-8fb4-4222-845c-61440543a456" providerId="ADAL" clId="{C1E6ABF6-BAED-4B26-97DB-20A1E8B7A1A4}" dt="2023-11-21T16:22:17.597" v="97" actId="20577"/>
+          <ac:spMkLst>
+            <pc:docMk/>
+            <pc:sldMk cId="3308175748" sldId="256"/>
+            <ac:spMk id="3" creationId="{EEC4D41B-E776-05F2-BE0B-89BB339485AB}"/>
+          </ac:spMkLst>
+        </pc:spChg>
+        <pc:spChg chg="mod">
+          <ac:chgData name="Gibbons, Carl" userId="d2b037bc-8fb4-4222-845c-61440543a456" providerId="ADAL" clId="{C1E6ABF6-BAED-4B26-97DB-20A1E8B7A1A4}" dt="2023-11-21T05:49:34.464" v="2"/>
+          <ac:spMkLst>
+            <pc:docMk/>
+            <pc:sldMk cId="3308175748" sldId="256"/>
+            <ac:spMk id="4" creationId="{4664ABB7-0B55-0242-2E51-B3286EE7B5EB}"/>
+          </ac:spMkLst>
+        </pc:spChg>
+      </pc:sldChg>
+      <pc:sldChg chg="modSp">
+        <pc:chgData name="Gibbons, Carl" userId="d2b037bc-8fb4-4222-845c-61440543a456" providerId="ADAL" clId="{C1E6ABF6-BAED-4B26-97DB-20A1E8B7A1A4}" dt="2023-11-21T05:49:34.464" v="2"/>
+        <pc:sldMkLst>
+          <pc:docMk/>
+          <pc:sldMk cId="2312486803" sldId="261"/>
+        </pc:sldMkLst>
+        <pc:spChg chg="mod">
+          <ac:chgData name="Gibbons, Carl" userId="d2b037bc-8fb4-4222-845c-61440543a456" providerId="ADAL" clId="{C1E6ABF6-BAED-4B26-97DB-20A1E8B7A1A4}" dt="2023-11-21T05:49:34.464" v="2"/>
+          <ac:spMkLst>
+            <pc:docMk/>
+            <pc:sldMk cId="2312486803" sldId="261"/>
+            <ac:spMk id="2" creationId="{31B75992-5098-A283-4925-2CCEBB801DC5}"/>
+          </ac:spMkLst>
+        </pc:spChg>
+      </pc:sldChg>
+      <pc:sldChg chg="modSp mod">
+        <pc:chgData name="Gibbons, Carl" userId="d2b037bc-8fb4-4222-845c-61440543a456" providerId="ADAL" clId="{C1E6ABF6-BAED-4B26-97DB-20A1E8B7A1A4}" dt="2023-11-21T07:48:19.790" v="77" actId="20577"/>
+        <pc:sldMkLst>
+          <pc:docMk/>
+          <pc:sldMk cId="378743348" sldId="270"/>
+        </pc:sldMkLst>
+        <pc:spChg chg="mod">
+          <ac:chgData name="Gibbons, Carl" userId="d2b037bc-8fb4-4222-845c-61440543a456" providerId="ADAL" clId="{C1E6ABF6-BAED-4B26-97DB-20A1E8B7A1A4}" dt="2023-11-21T07:48:19.790" v="77" actId="20577"/>
+          <ac:spMkLst>
+            <pc:docMk/>
+            <pc:sldMk cId="378743348" sldId="270"/>
+            <ac:spMk id="3" creationId="{80041865-9773-290D-EB35-F8AF8BFC505C}"/>
+          </ac:spMkLst>
+        </pc:spChg>
+      </pc:sldChg>
+      <pc:sldChg chg="modSp mod">
+        <pc:chgData name="Gibbons, Carl" userId="d2b037bc-8fb4-4222-845c-61440543a456" providerId="ADAL" clId="{C1E6ABF6-BAED-4B26-97DB-20A1E8B7A1A4}" dt="2023-12-06T02:23:48.337" v="274" actId="20577"/>
+        <pc:sldMkLst>
+          <pc:docMk/>
+          <pc:sldMk cId="657795359" sldId="277"/>
+        </pc:sldMkLst>
+        <pc:spChg chg="mod">
+          <ac:chgData name="Gibbons, Carl" userId="d2b037bc-8fb4-4222-845c-61440543a456" providerId="ADAL" clId="{C1E6ABF6-BAED-4B26-97DB-20A1E8B7A1A4}" dt="2023-11-21T05:49:34.464" v="2"/>
+          <ac:spMkLst>
+            <pc:docMk/>
+            <pc:sldMk cId="657795359" sldId="277"/>
+            <ac:spMk id="2" creationId="{1862E903-3C56-BB42-2361-009F2336475A}"/>
+          </ac:spMkLst>
+        </pc:spChg>
+        <pc:spChg chg="mod">
+          <ac:chgData name="Gibbons, Carl" userId="d2b037bc-8fb4-4222-845c-61440543a456" providerId="ADAL" clId="{C1E6ABF6-BAED-4B26-97DB-20A1E8B7A1A4}" dt="2023-12-06T02:23:48.337" v="274" actId="20577"/>
+          <ac:spMkLst>
+            <pc:docMk/>
+            <pc:sldMk cId="657795359" sldId="277"/>
+            <ac:spMk id="3" creationId="{90179172-96B3-95D0-A137-257770BE7642}"/>
+          </ac:spMkLst>
+        </pc:spChg>
+      </pc:sldChg>
+    </pc:docChg>
+  </pc:docChgLst>
+  <pc:docChgLst>
+    <pc:chgData name="Gibbons, Carl" userId="d2b037bc-8fb4-4222-845c-61440543a456" providerId="ADAL" clId="{AA20781C-E693-4A15-9A9D-8345B65B3F1D}"/>
+    <pc:docChg chg="undo redo custSel modSld">
+      <pc:chgData name="Gibbons, Carl" userId="d2b037bc-8fb4-4222-845c-61440543a456" providerId="ADAL" clId="{AA20781C-E693-4A15-9A9D-8345B65B3F1D}" dt="2024-05-23T21:31:01.738" v="4787" actId="20577"/>
+      <pc:docMkLst>
+        <pc:docMk/>
+      </pc:docMkLst>
+      <pc:sldChg chg="modSp mod">
+        <pc:chgData name="Gibbons, Carl" userId="d2b037bc-8fb4-4222-845c-61440543a456" providerId="ADAL" clId="{AA20781C-E693-4A15-9A9D-8345B65B3F1D}" dt="2024-05-23T18:19:28.406" v="19" actId="20577"/>
+        <pc:sldMkLst>
+          <pc:docMk/>
+          <pc:sldMk cId="3308175748" sldId="256"/>
+        </pc:sldMkLst>
+        <pc:spChg chg="mod">
+          <ac:chgData name="Gibbons, Carl" userId="d2b037bc-8fb4-4222-845c-61440543a456" providerId="ADAL" clId="{AA20781C-E693-4A15-9A9D-8345B65B3F1D}" dt="2024-05-23T18:19:28.406" v="19" actId="20577"/>
+          <ac:spMkLst>
+            <pc:docMk/>
+            <pc:sldMk cId="3308175748" sldId="256"/>
+            <ac:spMk id="3" creationId="{EEC4D41B-E776-05F2-BE0B-89BB339485AB}"/>
+          </ac:spMkLst>
+        </pc:spChg>
+      </pc:sldChg>
+      <pc:sldChg chg="modSp mod">
+        <pc:chgData name="Gibbons, Carl" userId="d2b037bc-8fb4-4222-845c-61440543a456" providerId="ADAL" clId="{AA20781C-E693-4A15-9A9D-8345B65B3F1D}" dt="2024-05-23T20:24:35.054" v="4771" actId="20577"/>
+        <pc:sldMkLst>
+          <pc:docMk/>
+          <pc:sldMk cId="3885141102" sldId="262"/>
+        </pc:sldMkLst>
+        <pc:spChg chg="mod">
+          <ac:chgData name="Gibbons, Carl" userId="d2b037bc-8fb4-4222-845c-61440543a456" providerId="ADAL" clId="{AA20781C-E693-4A15-9A9D-8345B65B3F1D}" dt="2024-05-23T20:24:35.054" v="4771" actId="20577"/>
+          <ac:spMkLst>
+            <pc:docMk/>
+            <pc:sldMk cId="3885141102" sldId="262"/>
+            <ac:spMk id="3" creationId="{B5924E0F-A977-1710-779D-EEB74261AF34}"/>
+          </ac:spMkLst>
+        </pc:spChg>
+      </pc:sldChg>
+      <pc:sldChg chg="addSp modSp mod">
+        <pc:chgData name="Gibbons, Carl" userId="d2b037bc-8fb4-4222-845c-61440543a456" providerId="ADAL" clId="{AA20781C-E693-4A15-9A9D-8345B65B3F1D}" dt="2024-05-23T21:31:01.738" v="4787" actId="20577"/>
+        <pc:sldMkLst>
+          <pc:docMk/>
+          <pc:sldMk cId="1196559129" sldId="264"/>
+        </pc:sldMkLst>
+        <pc:spChg chg="mod">
+          <ac:chgData name="Gibbons, Carl" userId="d2b037bc-8fb4-4222-845c-61440543a456" providerId="ADAL" clId="{AA20781C-E693-4A15-9A9D-8345B65B3F1D}" dt="2024-05-23T19:41:13.692" v="2966" actId="20577"/>
+          <ac:spMkLst>
+            <pc:docMk/>
+            <pc:sldMk cId="1196559129" sldId="264"/>
+            <ac:spMk id="2" creationId="{0E6A2DEF-4501-FAEA-A31C-4FDCBD076712}"/>
+          </ac:spMkLst>
+        </pc:spChg>
+        <pc:spChg chg="add mod">
+          <ac:chgData name="Gibbons, Carl" userId="d2b037bc-8fb4-4222-845c-61440543a456" providerId="ADAL" clId="{AA20781C-E693-4A15-9A9D-8345B65B3F1D}" dt="2024-05-23T20:01:54.455" v="3649" actId="15"/>
+          <ac:spMkLst>
+            <pc:docMk/>
+            <pc:sldMk cId="1196559129" sldId="264"/>
+            <ac:spMk id="3" creationId="{6DB565A6-DDA9-BD81-B7C7-3069323CA90A}"/>
+          </ac:spMkLst>
+        </pc:spChg>
+        <pc:spChg chg="add mod">
+          <ac:chgData name="Gibbons, Carl" userId="d2b037bc-8fb4-4222-845c-61440543a456" providerId="ADAL" clId="{AA20781C-E693-4A15-9A9D-8345B65B3F1D}" dt="2024-05-23T21:31:01.738" v="4787" actId="20577"/>
+          <ac:spMkLst>
+            <pc:docMk/>
+            <pc:sldMk cId="1196559129" sldId="264"/>
+            <ac:spMk id="4" creationId="{5F95AB98-4F6F-01E3-47E3-C88B1F1E9664}"/>
+          </ac:spMkLst>
+        </pc:spChg>
+        <pc:spChg chg="mod">
+          <ac:chgData name="Gibbons, Carl" userId="d2b037bc-8fb4-4222-845c-61440543a456" providerId="ADAL" clId="{AA20781C-E693-4A15-9A9D-8345B65B3F1D}" dt="2024-05-23T20:01:46.060" v="3645" actId="15"/>
+          <ac:spMkLst>
+            <pc:docMk/>
+            <pc:sldMk cId="1196559129" sldId="264"/>
+            <ac:spMk id="7" creationId="{4247D23F-F3F9-676F-BDEB-E69E1F0AB32C}"/>
+          </ac:spMkLst>
+        </pc:spChg>
+      </pc:sldChg>
+      <pc:sldChg chg="modSp mod">
+        <pc:chgData name="Gibbons, Carl" userId="d2b037bc-8fb4-4222-845c-61440543a456" providerId="ADAL" clId="{AA20781C-E693-4A15-9A9D-8345B65B3F1D}" dt="2024-05-23T19:39:33.179" v="2853" actId="2711"/>
+        <pc:sldMkLst>
+          <pc:docMk/>
+          <pc:sldMk cId="1400208519" sldId="265"/>
+        </pc:sldMkLst>
+        <pc:spChg chg="mod">
+          <ac:chgData name="Gibbons, Carl" userId="d2b037bc-8fb4-4222-845c-61440543a456" providerId="ADAL" clId="{AA20781C-E693-4A15-9A9D-8345B65B3F1D}" dt="2024-05-23T19:01:29.624" v="970" actId="20577"/>
+          <ac:spMkLst>
+            <pc:docMk/>
+            <pc:sldMk cId="1400208519" sldId="265"/>
+            <ac:spMk id="2" creationId="{832B45BA-6309-D8F6-D552-10D836B4EB21}"/>
+          </ac:spMkLst>
+        </pc:spChg>
+        <pc:spChg chg="mod">
+          <ac:chgData name="Gibbons, Carl" userId="d2b037bc-8fb4-4222-845c-61440543a456" providerId="ADAL" clId="{AA20781C-E693-4A15-9A9D-8345B65B3F1D}" dt="2024-05-23T19:39:33.179" v="2853" actId="2711"/>
+          <ac:spMkLst>
+            <pc:docMk/>
+            <pc:sldMk cId="1400208519" sldId="265"/>
+            <ac:spMk id="7" creationId="{3CE889EF-4605-DB73-C7B2-D7E3C4957F48}"/>
+          </ac:spMkLst>
+        </pc:spChg>
+      </pc:sldChg>
+      <pc:sldChg chg="modSp mod">
+        <pc:chgData name="Gibbons, Carl" userId="d2b037bc-8fb4-4222-845c-61440543a456" providerId="ADAL" clId="{AA20781C-E693-4A15-9A9D-8345B65B3F1D}" dt="2024-05-23T20:21:13.456" v="4392" actId="20577"/>
+        <pc:sldMkLst>
+          <pc:docMk/>
+          <pc:sldMk cId="1467586035" sldId="266"/>
+        </pc:sldMkLst>
+        <pc:spChg chg="mod">
+          <ac:chgData name="Gibbons, Carl" userId="d2b037bc-8fb4-4222-845c-61440543a456" providerId="ADAL" clId="{AA20781C-E693-4A15-9A9D-8345B65B3F1D}" dt="2024-05-23T20:06:18.037" v="3951" actId="20577"/>
+          <ac:spMkLst>
+            <pc:docMk/>
+            <pc:sldMk cId="1467586035" sldId="266"/>
+            <ac:spMk id="2" creationId="{F5533765-AE4D-3586-BFF0-C73FF51C6B9B}"/>
+          </ac:spMkLst>
+        </pc:spChg>
+        <pc:spChg chg="mod">
+          <ac:chgData name="Gibbons, Carl" userId="d2b037bc-8fb4-4222-845c-61440543a456" providerId="ADAL" clId="{AA20781C-E693-4A15-9A9D-8345B65B3F1D}" dt="2024-05-23T20:21:13.456" v="4392" actId="20577"/>
+          <ac:spMkLst>
+            <pc:docMk/>
+            <pc:sldMk cId="1467586035" sldId="266"/>
+            <ac:spMk id="7" creationId="{56F98B9D-53CB-0D01-51DD-F6B452AAB6C5}"/>
+          </ac:spMkLst>
+        </pc:spChg>
+      </pc:sldChg>
+    </pc:docChg>
+  </pc:docChgLst>
+  <pc:docChgLst>
+    <pc:chgData name="Gibbons, Carl" userId="d2b037bc-8fb4-4222-845c-61440543a456" providerId="ADAL" clId="{CE68D2EA-6C33-4320-B171-B4C637EE57D5}"/>
+    <pc:docChg chg="undo custSel delSld modSld">
+      <pc:chgData name="Gibbons, Carl" userId="d2b037bc-8fb4-4222-845c-61440543a456" providerId="ADAL" clId="{CE68D2EA-6C33-4320-B171-B4C637EE57D5}" dt="2024-02-04T05:12:30.446" v="2225" actId="5793"/>
+      <pc:docMkLst>
+        <pc:docMk/>
+      </pc:docMkLst>
+      <pc:sldChg chg="modSp mod">
+        <pc:chgData name="Gibbons, Carl" userId="d2b037bc-8fb4-4222-845c-61440543a456" providerId="ADAL" clId="{CE68D2EA-6C33-4320-B171-B4C637EE57D5}" dt="2024-02-04T04:34:37.470" v="1" actId="20577"/>
+        <pc:sldMkLst>
+          <pc:docMk/>
+          <pc:sldMk cId="3308175748" sldId="256"/>
+        </pc:sldMkLst>
+        <pc:spChg chg="mod">
+          <ac:chgData name="Gibbons, Carl" userId="d2b037bc-8fb4-4222-845c-61440543a456" providerId="ADAL" clId="{CE68D2EA-6C33-4320-B171-B4C637EE57D5}" dt="2024-02-04T04:34:37.470" v="1" actId="20577"/>
+          <ac:spMkLst>
+            <pc:docMk/>
+            <pc:sldMk cId="3308175748" sldId="256"/>
+            <ac:spMk id="3" creationId="{EEC4D41B-E776-05F2-BE0B-89BB339485AB}"/>
+          </ac:spMkLst>
+        </pc:spChg>
+      </pc:sldChg>
+      <pc:sldChg chg="modSp mod">
+        <pc:chgData name="Gibbons, Carl" userId="d2b037bc-8fb4-4222-845c-61440543a456" providerId="ADAL" clId="{CE68D2EA-6C33-4320-B171-B4C637EE57D5}" dt="2024-02-04T04:45:39.551" v="829" actId="20577"/>
+        <pc:sldMkLst>
+          <pc:docMk/>
+          <pc:sldMk cId="2312486803" sldId="261"/>
+        </pc:sldMkLst>
+        <pc:spChg chg="mod">
+          <ac:chgData name="Gibbons, Carl" userId="d2b037bc-8fb4-4222-845c-61440543a456" providerId="ADAL" clId="{CE68D2EA-6C33-4320-B171-B4C637EE57D5}" dt="2024-02-04T04:35:06.801" v="27" actId="20577"/>
+          <ac:spMkLst>
+            <pc:docMk/>
+            <pc:sldMk cId="2312486803" sldId="261"/>
+            <ac:spMk id="2" creationId="{31B75992-5098-A283-4925-2CCEBB801DC5}"/>
+          </ac:spMkLst>
+        </pc:spChg>
+        <pc:spChg chg="mod">
+          <ac:chgData name="Gibbons, Carl" userId="d2b037bc-8fb4-4222-845c-61440543a456" providerId="ADAL" clId="{CE68D2EA-6C33-4320-B171-B4C637EE57D5}" dt="2024-02-04T04:45:39.551" v="829" actId="20577"/>
+          <ac:spMkLst>
+            <pc:docMk/>
+            <pc:sldMk cId="2312486803" sldId="261"/>
+            <ac:spMk id="3" creationId="{B5924E0F-A977-1710-779D-EEB74261AF34}"/>
+          </ac:spMkLst>
+        </pc:spChg>
+      </pc:sldChg>
+      <pc:sldChg chg="modSp mod">
+        <pc:chgData name="Gibbons, Carl" userId="d2b037bc-8fb4-4222-845c-61440543a456" providerId="ADAL" clId="{CE68D2EA-6C33-4320-B171-B4C637EE57D5}" dt="2024-02-04T05:12:30.446" v="2225" actId="5793"/>
+        <pc:sldMkLst>
+          <pc:docMk/>
+          <pc:sldMk cId="3885141102" sldId="262"/>
+        </pc:sldMkLst>
+        <pc:spChg chg="mod">
+          <ac:chgData name="Gibbons, Carl" userId="d2b037bc-8fb4-4222-845c-61440543a456" providerId="ADAL" clId="{CE68D2EA-6C33-4320-B171-B4C637EE57D5}" dt="2024-02-04T05:12:30.446" v="2225" actId="5793"/>
+          <ac:spMkLst>
+            <pc:docMk/>
+            <pc:sldMk cId="3885141102" sldId="262"/>
+            <ac:spMk id="3" creationId="{B5924E0F-A977-1710-779D-EEB74261AF34}"/>
+          </ac:spMkLst>
+        </pc:spChg>
+      </pc:sldChg>
+      <pc:sldChg chg="del">
+        <pc:chgData name="Gibbons, Carl" userId="d2b037bc-8fb4-4222-845c-61440543a456" providerId="ADAL" clId="{CE68D2EA-6C33-4320-B171-B4C637EE57D5}" dt="2024-02-04T05:02:32.591" v="1790" actId="2696"/>
+        <pc:sldMkLst>
+          <pc:docMk/>
+          <pc:sldMk cId="1719402288" sldId="263"/>
+        </pc:sldMkLst>
+      </pc:sldChg>
+      <pc:sldChg chg="modSp mod">
+        <pc:chgData name="Gibbons, Carl" userId="d2b037bc-8fb4-4222-845c-61440543a456" providerId="ADAL" clId="{CE68D2EA-6C33-4320-B171-B4C637EE57D5}" dt="2024-02-04T05:01:45.101" v="1789" actId="2711"/>
+        <pc:sldMkLst>
+          <pc:docMk/>
+          <pc:sldMk cId="2993794741" sldId="265"/>
+        </pc:sldMkLst>
+        <pc:spChg chg="mod">
+          <ac:chgData name="Gibbons, Carl" userId="d2b037bc-8fb4-4222-845c-61440543a456" providerId="ADAL" clId="{CE68D2EA-6C33-4320-B171-B4C637EE57D5}" dt="2024-02-04T04:46:22.730" v="881" actId="20577"/>
+          <ac:spMkLst>
+            <pc:docMk/>
+            <pc:sldMk cId="2993794741" sldId="265"/>
+            <ac:spMk id="2" creationId="{31B75992-5098-A283-4925-2CCEBB801DC5}"/>
+          </ac:spMkLst>
+        </pc:spChg>
+        <pc:spChg chg="mod">
+          <ac:chgData name="Gibbons, Carl" userId="d2b037bc-8fb4-4222-845c-61440543a456" providerId="ADAL" clId="{CE68D2EA-6C33-4320-B171-B4C637EE57D5}" dt="2024-02-04T05:01:45.101" v="1789" actId="2711"/>
+          <ac:spMkLst>
+            <pc:docMk/>
+            <pc:sldMk cId="2993794741" sldId="265"/>
+            <ac:spMk id="3" creationId="{B5924E0F-A977-1710-779D-EEB74261AF34}"/>
+          </ac:spMkLst>
+        </pc:spChg>
+      </pc:sldChg>
+    </pc:docChg>
+  </pc:docChgLst>
+  <pc:docChgLst>
+    <pc:chgData name="Gibbons, Carl" userId="d2b037bc-8fb4-4222-845c-61440543a456" providerId="ADAL" clId="{3F16957D-3CF8-4F94-B0D9-126F32AD7D53}"/>
+    <pc:docChg chg="custSel delSld modSld">
+      <pc:chgData name="Gibbons, Carl" userId="d2b037bc-8fb4-4222-845c-61440543a456" providerId="ADAL" clId="{3F16957D-3CF8-4F94-B0D9-126F32AD7D53}" dt="2024-02-20T18:17:07.896" v="2268" actId="20577"/>
+      <pc:docMkLst>
+        <pc:docMk/>
+      </pc:docMkLst>
+      <pc:sldChg chg="modSp mod">
+        <pc:chgData name="Gibbons, Carl" userId="d2b037bc-8fb4-4222-845c-61440543a456" providerId="ADAL" clId="{3F16957D-3CF8-4F94-B0D9-126F32AD7D53}" dt="2024-02-20T17:54:02.532" v="23" actId="20577"/>
+        <pc:sldMkLst>
+          <pc:docMk/>
+          <pc:sldMk cId="3308175748" sldId="256"/>
+        </pc:sldMkLst>
+        <pc:spChg chg="mod">
+          <ac:chgData name="Gibbons, Carl" userId="d2b037bc-8fb4-4222-845c-61440543a456" providerId="ADAL" clId="{3F16957D-3CF8-4F94-B0D9-126F32AD7D53}" dt="2024-02-20T17:54:02.532" v="23" actId="20577"/>
+          <ac:spMkLst>
+            <pc:docMk/>
+            <pc:sldMk cId="3308175748" sldId="256"/>
+            <ac:spMk id="3" creationId="{EEC4D41B-E776-05F2-BE0B-89BB339485AB}"/>
+          </ac:spMkLst>
+        </pc:spChg>
+      </pc:sldChg>
+      <pc:sldChg chg="del">
+        <pc:chgData name="Gibbons, Carl" userId="d2b037bc-8fb4-4222-845c-61440543a456" providerId="ADAL" clId="{3F16957D-3CF8-4F94-B0D9-126F32AD7D53}" dt="2024-02-20T17:54:06.303" v="24" actId="47"/>
+        <pc:sldMkLst>
+          <pc:docMk/>
+          <pc:sldMk cId="3979649407" sldId="259"/>
+        </pc:sldMkLst>
+      </pc:sldChg>
+      <pc:sldChg chg="modSp mod">
+        <pc:chgData name="Gibbons, Carl" userId="d2b037bc-8fb4-4222-845c-61440543a456" providerId="ADAL" clId="{3F16957D-3CF8-4F94-B0D9-126F32AD7D53}" dt="2024-02-20T18:06:52.868" v="1177" actId="313"/>
+        <pc:sldMkLst>
+          <pc:docMk/>
+          <pc:sldMk cId="3885141102" sldId="262"/>
+        </pc:sldMkLst>
+        <pc:spChg chg="mod">
+          <ac:chgData name="Gibbons, Carl" userId="d2b037bc-8fb4-4222-845c-61440543a456" providerId="ADAL" clId="{3F16957D-3CF8-4F94-B0D9-126F32AD7D53}" dt="2024-02-20T18:06:52.868" v="1177" actId="313"/>
+          <ac:spMkLst>
+            <pc:docMk/>
+            <pc:sldMk cId="3885141102" sldId="262"/>
+            <ac:spMk id="3" creationId="{B5924E0F-A977-1710-779D-EEB74261AF34}"/>
+          </ac:spMkLst>
+        </pc:spChg>
+      </pc:sldChg>
+      <pc:sldChg chg="delSp modSp mod">
+        <pc:chgData name="Gibbons, Carl" userId="d2b037bc-8fb4-4222-845c-61440543a456" providerId="ADAL" clId="{3F16957D-3CF8-4F94-B0D9-126F32AD7D53}" dt="2024-02-20T18:04:22.967" v="1114" actId="20577"/>
+        <pc:sldMkLst>
+          <pc:docMk/>
+          <pc:sldMk cId="1196559129" sldId="264"/>
+        </pc:sldMkLst>
+        <pc:spChg chg="mod">
+          <ac:chgData name="Gibbons, Carl" userId="d2b037bc-8fb4-4222-845c-61440543a456" providerId="ADAL" clId="{3F16957D-3CF8-4F94-B0D9-126F32AD7D53}" dt="2024-02-20T17:54:51.385" v="108" actId="20577"/>
+          <ac:spMkLst>
+            <pc:docMk/>
+            <pc:sldMk cId="1196559129" sldId="264"/>
+            <ac:spMk id="2" creationId="{0E6A2DEF-4501-FAEA-A31C-4FDCBD076712}"/>
+          </ac:spMkLst>
+        </pc:spChg>
+        <pc:spChg chg="del">
+          <ac:chgData name="Gibbons, Carl" userId="d2b037bc-8fb4-4222-845c-61440543a456" providerId="ADAL" clId="{3F16957D-3CF8-4F94-B0D9-126F32AD7D53}" dt="2024-02-20T17:55:30.328" v="123" actId="478"/>
+          <ac:spMkLst>
+            <pc:docMk/>
+            <pc:sldMk cId="1196559129" sldId="264"/>
+            <ac:spMk id="3" creationId="{3D14E407-E782-7E7A-34C1-5C9B517D7996}"/>
+          </ac:spMkLst>
+        </pc:spChg>
+        <pc:spChg chg="del">
+          <ac:chgData name="Gibbons, Carl" userId="d2b037bc-8fb4-4222-845c-61440543a456" providerId="ADAL" clId="{3F16957D-3CF8-4F94-B0D9-126F32AD7D53}" dt="2024-02-20T17:55:35.116" v="124" actId="478"/>
+          <ac:spMkLst>
+            <pc:docMk/>
+            <pc:sldMk cId="1196559129" sldId="264"/>
+            <ac:spMk id="4" creationId="{A5C2117C-95FD-BD27-85E2-3A7873734773}"/>
+          </ac:spMkLst>
+        </pc:spChg>
+        <pc:spChg chg="mod">
+          <ac:chgData name="Gibbons, Carl" userId="d2b037bc-8fb4-4222-845c-61440543a456" providerId="ADAL" clId="{3F16957D-3CF8-4F94-B0D9-126F32AD7D53}" dt="2024-02-20T18:04:22.967" v="1114" actId="20577"/>
+          <ac:spMkLst>
+            <pc:docMk/>
+            <pc:sldMk cId="1196559129" sldId="264"/>
+            <ac:spMk id="7" creationId="{4247D23F-F3F9-676F-BDEB-E69E1F0AB32C}"/>
+          </ac:spMkLst>
+        </pc:spChg>
+      </pc:sldChg>
+      <pc:sldChg chg="modSp mod">
+        <pc:chgData name="Gibbons, Carl" userId="d2b037bc-8fb4-4222-845c-61440543a456" providerId="ADAL" clId="{3F16957D-3CF8-4F94-B0D9-126F32AD7D53}" dt="2024-02-20T18:17:07.896" v="2268" actId="20577"/>
+        <pc:sldMkLst>
+          <pc:docMk/>
+          <pc:sldMk cId="1400208519" sldId="265"/>
+        </pc:sldMkLst>
+        <pc:spChg chg="mod">
+          <ac:chgData name="Gibbons, Carl" userId="d2b037bc-8fb4-4222-845c-61440543a456" providerId="ADAL" clId="{3F16957D-3CF8-4F94-B0D9-126F32AD7D53}" dt="2024-02-20T18:06:08.798" v="1133" actId="20577"/>
+          <ac:spMkLst>
+            <pc:docMk/>
+            <pc:sldMk cId="1400208519" sldId="265"/>
+            <ac:spMk id="2" creationId="{832B45BA-6309-D8F6-D552-10D836B4EB21}"/>
+          </ac:spMkLst>
+        </pc:spChg>
+        <pc:spChg chg="mod">
+          <ac:chgData name="Gibbons, Carl" userId="d2b037bc-8fb4-4222-845c-61440543a456" providerId="ADAL" clId="{3F16957D-3CF8-4F94-B0D9-126F32AD7D53}" dt="2024-02-20T18:17:07.896" v="2268" actId="20577"/>
+          <ac:spMkLst>
+            <pc:docMk/>
+            <pc:sldMk cId="1400208519" sldId="265"/>
+            <ac:spMk id="7" creationId="{3CE889EF-4605-DB73-C7B2-D7E3C4957F48}"/>
+          </ac:spMkLst>
+        </pc:spChg>
+      </pc:sldChg>
+      <pc:sldChg chg="del">
+        <pc:chgData name="Gibbons, Carl" userId="d2b037bc-8fb4-4222-845c-61440543a456" providerId="ADAL" clId="{3F16957D-3CF8-4F94-B0D9-126F32AD7D53}" dt="2024-02-20T18:06:16.494" v="1134" actId="2696"/>
+        <pc:sldMkLst>
+          <pc:docMk/>
+          <pc:sldMk cId="1959728496" sldId="266"/>
+        </pc:sldMkLst>
+      </pc:sldChg>
+    </pc:docChg>
+  </pc:docChgLst>
+  <pc:docChgLst>
+    <pc:chgData name="Gibbons, Carl" userId="d2b037bc-8fb4-4222-845c-61440543a456" providerId="ADAL" clId="{8C497311-FA0D-4174-880A-DAA4EEB2BF3B}"/>
+    <pc:docChg chg="custSel delSld modSld">
+      <pc:chgData name="Gibbons, Carl" userId="d2b037bc-8fb4-4222-845c-61440543a456" providerId="ADAL" clId="{8C497311-FA0D-4174-880A-DAA4EEB2BF3B}" dt="2023-12-29T17:07:57.293" v="7187" actId="20577"/>
+      <pc:docMkLst>
+        <pc:docMk/>
+      </pc:docMkLst>
+      <pc:sldChg chg="modSp mod">
+        <pc:chgData name="Gibbons, Carl" userId="d2b037bc-8fb4-4222-845c-61440543a456" providerId="ADAL" clId="{8C497311-FA0D-4174-880A-DAA4EEB2BF3B}" dt="2023-12-29T17:06:57.427" v="7098" actId="20577"/>
+        <pc:sldMkLst>
+          <pc:docMk/>
+          <pc:sldMk cId="3308175748" sldId="256"/>
+        </pc:sldMkLst>
+        <pc:spChg chg="mod">
+          <ac:chgData name="Gibbons, Carl" userId="d2b037bc-8fb4-4222-845c-61440543a456" providerId="ADAL" clId="{8C497311-FA0D-4174-880A-DAA4EEB2BF3B}" dt="2023-12-29T17:06:57.427" v="7098" actId="20577"/>
+          <ac:spMkLst>
+            <pc:docMk/>
+            <pc:sldMk cId="3308175748" sldId="256"/>
+            <ac:spMk id="3" creationId="{EEC4D41B-E776-05F2-BE0B-89BB339485AB}"/>
+          </ac:spMkLst>
+        </pc:spChg>
+      </pc:sldChg>
+      <pc:sldChg chg="modSp mod">
+        <pc:chgData name="Gibbons, Carl" userId="d2b037bc-8fb4-4222-845c-61440543a456" providerId="ADAL" clId="{8C497311-FA0D-4174-880A-DAA4EEB2BF3B}" dt="2023-12-29T15:08:44.674" v="3403" actId="20577"/>
+        <pc:sldMkLst>
+          <pc:docMk/>
+          <pc:sldMk cId="2312486803" sldId="261"/>
+        </pc:sldMkLst>
+        <pc:spChg chg="mod">
+          <ac:chgData name="Gibbons, Carl" userId="d2b037bc-8fb4-4222-845c-61440543a456" providerId="ADAL" clId="{8C497311-FA0D-4174-880A-DAA4EEB2BF3B}" dt="2023-12-29T14:20:41.496" v="51" actId="20577"/>
+          <ac:spMkLst>
+            <pc:docMk/>
+            <pc:sldMk cId="2312486803" sldId="261"/>
+            <ac:spMk id="2" creationId="{31B75992-5098-A283-4925-2CCEBB801DC5}"/>
+          </ac:spMkLst>
+        </pc:spChg>
+        <pc:spChg chg="mod">
+          <ac:chgData name="Gibbons, Carl" userId="d2b037bc-8fb4-4222-845c-61440543a456" providerId="ADAL" clId="{8C497311-FA0D-4174-880A-DAA4EEB2BF3B}" dt="2023-12-29T15:08:44.674" v="3403" actId="20577"/>
+          <ac:spMkLst>
+            <pc:docMk/>
+            <pc:sldMk cId="2312486803" sldId="261"/>
+            <ac:spMk id="3" creationId="{B5924E0F-A977-1710-779D-EEB74261AF34}"/>
+          </ac:spMkLst>
+        </pc:spChg>
+      </pc:sldChg>
+      <pc:sldChg chg="delSp modSp mod">
+        <pc:chgData name="Gibbons, Carl" userId="d2b037bc-8fb4-4222-845c-61440543a456" providerId="ADAL" clId="{8C497311-FA0D-4174-880A-DAA4EEB2BF3B}" dt="2023-12-29T17:07:57.293" v="7187" actId="20577"/>
+        <pc:sldMkLst>
+          <pc:docMk/>
+          <pc:sldMk cId="657795359" sldId="277"/>
+        </pc:sldMkLst>
+        <pc:spChg chg="mod">
+          <ac:chgData name="Gibbons, Carl" userId="d2b037bc-8fb4-4222-845c-61440543a456" providerId="ADAL" clId="{8C497311-FA0D-4174-880A-DAA4EEB2BF3B}" dt="2023-12-29T17:07:57.293" v="7187" actId="20577"/>
+          <ac:spMkLst>
+            <pc:docMk/>
+            <pc:sldMk cId="657795359" sldId="277"/>
+            <ac:spMk id="2" creationId="{1862E903-3C56-BB42-2361-009F2336475A}"/>
+          </ac:spMkLst>
+        </pc:spChg>
+        <pc:spChg chg="del mod">
+          <ac:chgData name="Gibbons, Carl" userId="d2b037bc-8fb4-4222-845c-61440543a456" providerId="ADAL" clId="{8C497311-FA0D-4174-880A-DAA4EEB2BF3B}" dt="2023-12-29T17:07:50.480" v="7185"/>
+          <ac:spMkLst>
+            <pc:docMk/>
+            <pc:sldMk cId="657795359" sldId="277"/>
+            <ac:spMk id="3" creationId="{90179172-96B3-95D0-A137-257770BE7642}"/>
+          </ac:spMkLst>
+        </pc:spChg>
+      </pc:sldChg>
+      <pc:sldChg chg="modSp mod">
+        <pc:chgData name="Gibbons, Carl" userId="d2b037bc-8fb4-4222-845c-61440543a456" providerId="ADAL" clId="{8C497311-FA0D-4174-880A-DAA4EEB2BF3B}" dt="2023-12-29T15:35:37.192" v="6042" actId="5793"/>
+        <pc:sldMkLst>
+          <pc:docMk/>
+          <pc:sldMk cId="3989541258" sldId="278"/>
+        </pc:sldMkLst>
+        <pc:spChg chg="mod">
+          <ac:chgData name="Gibbons, Carl" userId="d2b037bc-8fb4-4222-845c-61440543a456" providerId="ADAL" clId="{8C497311-FA0D-4174-880A-DAA4EEB2BF3B}" dt="2023-12-29T15:09:22.213" v="3411" actId="20577"/>
+          <ac:spMkLst>
+            <pc:docMk/>
+            <pc:sldMk cId="3989541258" sldId="278"/>
+            <ac:spMk id="2" creationId="{31B75992-5098-A283-4925-2CCEBB801DC5}"/>
+          </ac:spMkLst>
+        </pc:spChg>
+        <pc:spChg chg="mod">
+          <ac:chgData name="Gibbons, Carl" userId="d2b037bc-8fb4-4222-845c-61440543a456" providerId="ADAL" clId="{8C497311-FA0D-4174-880A-DAA4EEB2BF3B}" dt="2023-12-29T15:35:37.192" v="6042" actId="5793"/>
+          <ac:spMkLst>
+            <pc:docMk/>
+            <pc:sldMk cId="3989541258" sldId="278"/>
+            <ac:spMk id="3" creationId="{B5924E0F-A977-1710-779D-EEB74261AF34}"/>
+          </ac:spMkLst>
+        </pc:spChg>
+      </pc:sldChg>
+      <pc:sldChg chg="del">
+        <pc:chgData name="Gibbons, Carl" userId="d2b037bc-8fb4-4222-845c-61440543a456" providerId="ADAL" clId="{8C497311-FA0D-4174-880A-DAA4EEB2BF3B}" dt="2023-12-29T17:07:06.467" v="7099" actId="47"/>
+        <pc:sldMkLst>
+          <pc:docMk/>
+          <pc:sldMk cId="2335633195" sldId="279"/>
+        </pc:sldMkLst>
+      </pc:sldChg>
+      <pc:sldChg chg="del">
+        <pc:chgData name="Gibbons, Carl" userId="d2b037bc-8fb4-4222-845c-61440543a456" providerId="ADAL" clId="{8C497311-FA0D-4174-880A-DAA4EEB2BF3B}" dt="2023-12-29T17:07:07.395" v="7100" actId="47"/>
+        <pc:sldMkLst>
+          <pc:docMk/>
+          <pc:sldMk cId="1284534978" sldId="280"/>
+        </pc:sldMkLst>
+      </pc:sldChg>
+      <pc:sldChg chg="del">
+        <pc:chgData name="Gibbons, Carl" userId="d2b037bc-8fb4-4222-845c-61440543a456" providerId="ADAL" clId="{8C497311-FA0D-4174-880A-DAA4EEB2BF3B}" dt="2023-12-29T17:07:07.895" v="7101" actId="47"/>
+        <pc:sldMkLst>
+          <pc:docMk/>
+          <pc:sldMk cId="1802585387" sldId="281"/>
+        </pc:sldMkLst>
+      </pc:sldChg>
+      <pc:sldChg chg="del">
+        <pc:chgData name="Gibbons, Carl" userId="d2b037bc-8fb4-4222-845c-61440543a456" providerId="ADAL" clId="{8C497311-FA0D-4174-880A-DAA4EEB2BF3B}" dt="2023-12-29T17:07:08.365" v="7102" actId="47"/>
+        <pc:sldMkLst>
+          <pc:docMk/>
+          <pc:sldMk cId="724803187" sldId="282"/>
+        </pc:sldMkLst>
+      </pc:sldChg>
+      <pc:sldChg chg="del">
+        <pc:chgData name="Gibbons, Carl" userId="d2b037bc-8fb4-4222-845c-61440543a456" providerId="ADAL" clId="{8C497311-FA0D-4174-880A-DAA4EEB2BF3B}" dt="2023-12-29T17:07:08.842" v="7103" actId="47"/>
+        <pc:sldMkLst>
+          <pc:docMk/>
+          <pc:sldMk cId="1926009205" sldId="283"/>
+        </pc:sldMkLst>
+      </pc:sldChg>
+      <pc:sldChg chg="del">
+        <pc:chgData name="Gibbons, Carl" userId="d2b037bc-8fb4-4222-845c-61440543a456" providerId="ADAL" clId="{8C497311-FA0D-4174-880A-DAA4EEB2BF3B}" dt="2023-12-29T17:07:09.362" v="7104" actId="47"/>
+        <pc:sldMkLst>
+          <pc:docMk/>
+          <pc:sldMk cId="2366216895" sldId="284"/>
+        </pc:sldMkLst>
+      </pc:sldChg>
+      <pc:sldChg chg="del">
+        <pc:chgData name="Gibbons, Carl" userId="d2b037bc-8fb4-4222-845c-61440543a456" providerId="ADAL" clId="{8C497311-FA0D-4174-880A-DAA4EEB2BF3B}" dt="2023-12-29T17:07:09.925" v="7105" actId="47"/>
+        <pc:sldMkLst>
+          <pc:docMk/>
+          <pc:sldMk cId="3371896289" sldId="285"/>
+        </pc:sldMkLst>
+      </pc:sldChg>
+      <pc:sldChg chg="del">
+        <pc:chgData name="Gibbons, Carl" userId="d2b037bc-8fb4-4222-845c-61440543a456" providerId="ADAL" clId="{8C497311-FA0D-4174-880A-DAA4EEB2BF3B}" dt="2023-12-29T17:07:10.474" v="7106" actId="47"/>
+        <pc:sldMkLst>
+          <pc:docMk/>
+          <pc:sldMk cId="3193160409" sldId="286"/>
+        </pc:sldMkLst>
+      </pc:sldChg>
+      <pc:sldChg chg="del">
+        <pc:chgData name="Gibbons, Carl" userId="d2b037bc-8fb4-4222-845c-61440543a456" providerId="ADAL" clId="{8C497311-FA0D-4174-880A-DAA4EEB2BF3B}" dt="2023-12-29T17:07:11.056" v="7107" actId="47"/>
+        <pc:sldMkLst>
+          <pc:docMk/>
+          <pc:sldMk cId="2688338374" sldId="287"/>
+        </pc:sldMkLst>
+      </pc:sldChg>
+      <pc:sldChg chg="del">
+        <pc:chgData name="Gibbons, Carl" userId="d2b037bc-8fb4-4222-845c-61440543a456" providerId="ADAL" clId="{8C497311-FA0D-4174-880A-DAA4EEB2BF3B}" dt="2023-12-29T17:07:11.624" v="7108" actId="47"/>
+        <pc:sldMkLst>
+          <pc:docMk/>
+          <pc:sldMk cId="2142935017" sldId="288"/>
+        </pc:sldMkLst>
+      </pc:sldChg>
+      <pc:sldChg chg="del">
+        <pc:chgData name="Gibbons, Carl" userId="d2b037bc-8fb4-4222-845c-61440543a456" providerId="ADAL" clId="{8C497311-FA0D-4174-880A-DAA4EEB2BF3B}" dt="2023-12-29T17:07:12.218" v="7109" actId="47"/>
+        <pc:sldMkLst>
+          <pc:docMk/>
+          <pc:sldMk cId="2784625941" sldId="289"/>
+        </pc:sldMkLst>
+      </pc:sldChg>
+      <pc:sldChg chg="del">
+        <pc:chgData name="Gibbons, Carl" userId="d2b037bc-8fb4-4222-845c-61440543a456" providerId="ADAL" clId="{8C497311-FA0D-4174-880A-DAA4EEB2BF3B}" dt="2023-12-29T17:07:12.802" v="7110" actId="47"/>
+        <pc:sldMkLst>
+          <pc:docMk/>
+          <pc:sldMk cId="1677974689" sldId="290"/>
+        </pc:sldMkLst>
+      </pc:sldChg>
+      <pc:sldChg chg="del">
+        <pc:chgData name="Gibbons, Carl" userId="d2b037bc-8fb4-4222-845c-61440543a456" providerId="ADAL" clId="{8C497311-FA0D-4174-880A-DAA4EEB2BF3B}" dt="2023-12-29T17:07:13.420" v="7111" actId="47"/>
+        <pc:sldMkLst>
+          <pc:docMk/>
+          <pc:sldMk cId="4219326696" sldId="291"/>
+        </pc:sldMkLst>
+      </pc:sldChg>
+      <pc:sldChg chg="del">
+        <pc:chgData name="Gibbons, Carl" userId="d2b037bc-8fb4-4222-845c-61440543a456" providerId="ADAL" clId="{8C497311-FA0D-4174-880A-DAA4EEB2BF3B}" dt="2023-12-29T17:07:14.054" v="7112" actId="47"/>
+        <pc:sldMkLst>
+          <pc:docMk/>
+          <pc:sldMk cId="33911121" sldId="292"/>
+        </pc:sldMkLst>
+      </pc:sldChg>
+      <pc:sldChg chg="modSp mod">
+        <pc:chgData name="Gibbons, Carl" userId="d2b037bc-8fb4-4222-845c-61440543a456" providerId="ADAL" clId="{8C497311-FA0D-4174-880A-DAA4EEB2BF3B}" dt="2023-12-29T15:43:57.081" v="7062" actId="20577"/>
+        <pc:sldMkLst>
+          <pc:docMk/>
+          <pc:sldMk cId="1861646120" sldId="293"/>
+        </pc:sldMkLst>
+        <pc:spChg chg="mod">
+          <ac:chgData name="Gibbons, Carl" userId="d2b037bc-8fb4-4222-845c-61440543a456" providerId="ADAL" clId="{8C497311-FA0D-4174-880A-DAA4EEB2BF3B}" dt="2023-12-29T15:36:21.703" v="6112" actId="20577"/>
+          <ac:spMkLst>
+            <pc:docMk/>
+            <pc:sldMk cId="1861646120" sldId="293"/>
+            <ac:spMk id="2" creationId="{31B75992-5098-A283-4925-2CCEBB801DC5}"/>
+          </ac:spMkLst>
+        </pc:spChg>
+        <pc:spChg chg="mod">
+          <ac:chgData name="Gibbons, Carl" userId="d2b037bc-8fb4-4222-845c-61440543a456" providerId="ADAL" clId="{8C497311-FA0D-4174-880A-DAA4EEB2BF3B}" dt="2023-12-29T15:43:57.081" v="7062" actId="20577"/>
+          <ac:spMkLst>
+            <pc:docMk/>
+            <pc:sldMk cId="1861646120" sldId="293"/>
+            <ac:spMk id="3" creationId="{B5924E0F-A977-1710-779D-EEB74261AF34}"/>
           </ac:spMkLst>
         </pc:spChg>
       </pc:sldChg>
@@ -1249,556 +4002,6 @@
     </pc:docChg>
   </pc:docChgLst>
   <pc:docChgLst>
-    <pc:chgData name="Gibbons, Carl" userId="d2b037bc-8fb4-4222-845c-61440543a456" providerId="ADAL" clId="{14F797DE-E75B-4062-A6FB-AA9F07155580}"/>
-    <pc:docChg chg="undo custSel addSld modSld">
-      <pc:chgData name="Gibbons, Carl" userId="d2b037bc-8fb4-4222-845c-61440543a456" providerId="ADAL" clId="{14F797DE-E75B-4062-A6FB-AA9F07155580}" dt="2023-12-29T21:55:15.574" v="6853" actId="255"/>
-      <pc:docMkLst>
-        <pc:docMk/>
-      </pc:docMkLst>
-      <pc:sldChg chg="modSp mod">
-        <pc:chgData name="Gibbons, Carl" userId="d2b037bc-8fb4-4222-845c-61440543a456" providerId="ADAL" clId="{14F797DE-E75B-4062-A6FB-AA9F07155580}" dt="2023-12-29T17:10:38.181" v="10" actId="20577"/>
-        <pc:sldMkLst>
-          <pc:docMk/>
-          <pc:sldMk cId="3308175748" sldId="256"/>
-        </pc:sldMkLst>
-        <pc:spChg chg="mod">
-          <ac:chgData name="Gibbons, Carl" userId="d2b037bc-8fb4-4222-845c-61440543a456" providerId="ADAL" clId="{14F797DE-E75B-4062-A6FB-AA9F07155580}" dt="2023-12-29T17:10:38.181" v="10" actId="20577"/>
-          <ac:spMkLst>
-            <pc:docMk/>
-            <pc:sldMk cId="3308175748" sldId="256"/>
-            <ac:spMk id="3" creationId="{EEC4D41B-E776-05F2-BE0B-89BB339485AB}"/>
-          </ac:spMkLst>
-        </pc:spChg>
-      </pc:sldChg>
-      <pc:sldChg chg="modSp mod">
-        <pc:chgData name="Gibbons, Carl" userId="d2b037bc-8fb4-4222-845c-61440543a456" providerId="ADAL" clId="{14F797DE-E75B-4062-A6FB-AA9F07155580}" dt="2023-12-29T17:51:52.012" v="2089" actId="20577"/>
-        <pc:sldMkLst>
-          <pc:docMk/>
-          <pc:sldMk cId="2312486803" sldId="261"/>
-        </pc:sldMkLst>
-        <pc:spChg chg="mod">
-          <ac:chgData name="Gibbons, Carl" userId="d2b037bc-8fb4-4222-845c-61440543a456" providerId="ADAL" clId="{14F797DE-E75B-4062-A6FB-AA9F07155580}" dt="2023-12-29T17:23:59.510" v="341" actId="20577"/>
-          <ac:spMkLst>
-            <pc:docMk/>
-            <pc:sldMk cId="2312486803" sldId="261"/>
-            <ac:spMk id="2" creationId="{31B75992-5098-A283-4925-2CCEBB801DC5}"/>
-          </ac:spMkLst>
-        </pc:spChg>
-        <pc:spChg chg="mod">
-          <ac:chgData name="Gibbons, Carl" userId="d2b037bc-8fb4-4222-845c-61440543a456" providerId="ADAL" clId="{14F797DE-E75B-4062-A6FB-AA9F07155580}" dt="2023-12-29T17:51:52.012" v="2089" actId="20577"/>
-          <ac:spMkLst>
-            <pc:docMk/>
-            <pc:sldMk cId="2312486803" sldId="261"/>
-            <ac:spMk id="3" creationId="{B5924E0F-A977-1710-779D-EEB74261AF34}"/>
-          </ac:spMkLst>
-        </pc:spChg>
-      </pc:sldChg>
-      <pc:sldChg chg="addSp modSp mod">
-        <pc:chgData name="Gibbons, Carl" userId="d2b037bc-8fb4-4222-845c-61440543a456" providerId="ADAL" clId="{14F797DE-E75B-4062-A6FB-AA9F07155580}" dt="2023-12-29T21:53:53.831" v="6845" actId="20577"/>
-        <pc:sldMkLst>
-          <pc:docMk/>
-          <pc:sldMk cId="657795359" sldId="277"/>
-        </pc:sldMkLst>
-        <pc:spChg chg="mod">
-          <ac:chgData name="Gibbons, Carl" userId="d2b037bc-8fb4-4222-845c-61440543a456" providerId="ADAL" clId="{14F797DE-E75B-4062-A6FB-AA9F07155580}" dt="2023-12-29T21:45:47.422" v="6393" actId="20577"/>
-          <ac:spMkLst>
-            <pc:docMk/>
-            <pc:sldMk cId="657795359" sldId="277"/>
-            <ac:spMk id="2" creationId="{1862E903-3C56-BB42-2361-009F2336475A}"/>
-          </ac:spMkLst>
-        </pc:spChg>
-        <pc:spChg chg="add mod">
-          <ac:chgData name="Gibbons, Carl" userId="d2b037bc-8fb4-4222-845c-61440543a456" providerId="ADAL" clId="{14F797DE-E75B-4062-A6FB-AA9F07155580}" dt="2023-12-29T21:53:53.831" v="6845" actId="20577"/>
-          <ac:spMkLst>
-            <pc:docMk/>
-            <pc:sldMk cId="657795359" sldId="277"/>
-            <ac:spMk id="3" creationId="{D9D594D6-F4EE-B0AB-C128-26D2D32F8E21}"/>
-          </ac:spMkLst>
-        </pc:spChg>
-      </pc:sldChg>
-      <pc:sldChg chg="modSp mod">
-        <pc:chgData name="Gibbons, Carl" userId="d2b037bc-8fb4-4222-845c-61440543a456" providerId="ADAL" clId="{14F797DE-E75B-4062-A6FB-AA9F07155580}" dt="2023-12-29T18:26:31.431" v="3669" actId="20577"/>
-        <pc:sldMkLst>
-          <pc:docMk/>
-          <pc:sldMk cId="3989541258" sldId="278"/>
-        </pc:sldMkLst>
-        <pc:spChg chg="mod">
-          <ac:chgData name="Gibbons, Carl" userId="d2b037bc-8fb4-4222-845c-61440543a456" providerId="ADAL" clId="{14F797DE-E75B-4062-A6FB-AA9F07155580}" dt="2023-12-29T17:53:20.837" v="2147" actId="20577"/>
-          <ac:spMkLst>
-            <pc:docMk/>
-            <pc:sldMk cId="3989541258" sldId="278"/>
-            <ac:spMk id="2" creationId="{31B75992-5098-A283-4925-2CCEBB801DC5}"/>
-          </ac:spMkLst>
-        </pc:spChg>
-        <pc:spChg chg="mod">
-          <ac:chgData name="Gibbons, Carl" userId="d2b037bc-8fb4-4222-845c-61440543a456" providerId="ADAL" clId="{14F797DE-E75B-4062-A6FB-AA9F07155580}" dt="2023-12-29T18:26:31.431" v="3669" actId="20577"/>
-          <ac:spMkLst>
-            <pc:docMk/>
-            <pc:sldMk cId="3989541258" sldId="278"/>
-            <ac:spMk id="3" creationId="{B5924E0F-A977-1710-779D-EEB74261AF34}"/>
-          </ac:spMkLst>
-        </pc:spChg>
-      </pc:sldChg>
-      <pc:sldChg chg="modSp mod">
-        <pc:chgData name="Gibbons, Carl" userId="d2b037bc-8fb4-4222-845c-61440543a456" providerId="ADAL" clId="{14F797DE-E75B-4062-A6FB-AA9F07155580}" dt="2023-12-29T21:55:15.574" v="6853" actId="255"/>
-        <pc:sldMkLst>
-          <pc:docMk/>
-          <pc:sldMk cId="1861646120" sldId="293"/>
-        </pc:sldMkLst>
-        <pc:spChg chg="mod">
-          <ac:chgData name="Gibbons, Carl" userId="d2b037bc-8fb4-4222-845c-61440543a456" providerId="ADAL" clId="{14F797DE-E75B-4062-A6FB-AA9F07155580}" dt="2023-12-29T18:01:10.039" v="2767" actId="20577"/>
-          <ac:spMkLst>
-            <pc:docMk/>
-            <pc:sldMk cId="1861646120" sldId="293"/>
-            <ac:spMk id="2" creationId="{31B75992-5098-A283-4925-2CCEBB801DC5}"/>
-          </ac:spMkLst>
-        </pc:spChg>
-        <pc:spChg chg="mod">
-          <ac:chgData name="Gibbons, Carl" userId="d2b037bc-8fb4-4222-845c-61440543a456" providerId="ADAL" clId="{14F797DE-E75B-4062-A6FB-AA9F07155580}" dt="2023-12-29T21:55:15.574" v="6853" actId="255"/>
-          <ac:spMkLst>
-            <pc:docMk/>
-            <pc:sldMk cId="1861646120" sldId="293"/>
-            <ac:spMk id="3" creationId="{B5924E0F-A977-1710-779D-EEB74261AF34}"/>
-          </ac:spMkLst>
-        </pc:spChg>
-      </pc:sldChg>
-      <pc:sldChg chg="modSp mod">
-        <pc:chgData name="Gibbons, Carl" userId="d2b037bc-8fb4-4222-845c-61440543a456" providerId="ADAL" clId="{14F797DE-E75B-4062-A6FB-AA9F07155580}" dt="2023-12-29T21:55:08.313" v="6852" actId="255"/>
-        <pc:sldMkLst>
-          <pc:docMk/>
-          <pc:sldMk cId="2232562783" sldId="294"/>
-        </pc:sldMkLst>
-        <pc:spChg chg="mod">
-          <ac:chgData name="Gibbons, Carl" userId="d2b037bc-8fb4-4222-845c-61440543a456" providerId="ADAL" clId="{14F797DE-E75B-4062-A6FB-AA9F07155580}" dt="2023-12-29T18:24:14.937" v="3546" actId="20577"/>
-          <ac:spMkLst>
-            <pc:docMk/>
-            <pc:sldMk cId="2232562783" sldId="294"/>
-            <ac:spMk id="2" creationId="{31B75992-5098-A283-4925-2CCEBB801DC5}"/>
-          </ac:spMkLst>
-        </pc:spChg>
-        <pc:spChg chg="mod">
-          <ac:chgData name="Gibbons, Carl" userId="d2b037bc-8fb4-4222-845c-61440543a456" providerId="ADAL" clId="{14F797DE-E75B-4062-A6FB-AA9F07155580}" dt="2023-12-29T21:55:08.313" v="6852" actId="255"/>
-          <ac:spMkLst>
-            <pc:docMk/>
-            <pc:sldMk cId="2232562783" sldId="294"/>
-            <ac:spMk id="3" creationId="{B5924E0F-A977-1710-779D-EEB74261AF34}"/>
-          </ac:spMkLst>
-        </pc:spChg>
-      </pc:sldChg>
-      <pc:sldChg chg="modSp add mod">
-        <pc:chgData name="Gibbons, Carl" userId="d2b037bc-8fb4-4222-845c-61440543a456" providerId="ADAL" clId="{14F797DE-E75B-4062-A6FB-AA9F07155580}" dt="2023-12-29T21:55:02.689" v="6851" actId="255"/>
-        <pc:sldMkLst>
-          <pc:docMk/>
-          <pc:sldMk cId="806767687" sldId="295"/>
-        </pc:sldMkLst>
-        <pc:spChg chg="mod">
-          <ac:chgData name="Gibbons, Carl" userId="d2b037bc-8fb4-4222-845c-61440543a456" providerId="ADAL" clId="{14F797DE-E75B-4062-A6FB-AA9F07155580}" dt="2023-12-29T18:50:33.208" v="4036" actId="113"/>
-          <ac:spMkLst>
-            <pc:docMk/>
-            <pc:sldMk cId="806767687" sldId="295"/>
-            <ac:spMk id="2" creationId="{31B75992-5098-A283-4925-2CCEBB801DC5}"/>
-          </ac:spMkLst>
-        </pc:spChg>
-        <pc:spChg chg="mod">
-          <ac:chgData name="Gibbons, Carl" userId="d2b037bc-8fb4-4222-845c-61440543a456" providerId="ADAL" clId="{14F797DE-E75B-4062-A6FB-AA9F07155580}" dt="2023-12-29T21:55:02.689" v="6851" actId="255"/>
-          <ac:spMkLst>
-            <pc:docMk/>
-            <pc:sldMk cId="806767687" sldId="295"/>
-            <ac:spMk id="3" creationId="{B5924E0F-A977-1710-779D-EEB74261AF34}"/>
-          </ac:spMkLst>
-        </pc:spChg>
-      </pc:sldChg>
-      <pc:sldChg chg="modSp mod">
-        <pc:chgData name="Gibbons, Carl" userId="d2b037bc-8fb4-4222-845c-61440543a456" providerId="ADAL" clId="{14F797DE-E75B-4062-A6FB-AA9F07155580}" dt="2023-12-29T21:54:48.370" v="6850" actId="255"/>
-        <pc:sldMkLst>
-          <pc:docMk/>
-          <pc:sldMk cId="3145157247" sldId="296"/>
-        </pc:sldMkLst>
-        <pc:spChg chg="mod">
-          <ac:chgData name="Gibbons, Carl" userId="d2b037bc-8fb4-4222-845c-61440543a456" providerId="ADAL" clId="{14F797DE-E75B-4062-A6FB-AA9F07155580}" dt="2023-12-29T21:07:20.782" v="4695" actId="20577"/>
-          <ac:spMkLst>
-            <pc:docMk/>
-            <pc:sldMk cId="3145157247" sldId="296"/>
-            <ac:spMk id="2" creationId="{31B75992-5098-A283-4925-2CCEBB801DC5}"/>
-          </ac:spMkLst>
-        </pc:spChg>
-        <pc:spChg chg="mod">
-          <ac:chgData name="Gibbons, Carl" userId="d2b037bc-8fb4-4222-845c-61440543a456" providerId="ADAL" clId="{14F797DE-E75B-4062-A6FB-AA9F07155580}" dt="2023-12-29T21:54:48.370" v="6850" actId="255"/>
-          <ac:spMkLst>
-            <pc:docMk/>
-            <pc:sldMk cId="3145157247" sldId="296"/>
-            <ac:spMk id="3" creationId="{B5924E0F-A977-1710-779D-EEB74261AF34}"/>
-          </ac:spMkLst>
-        </pc:spChg>
-      </pc:sldChg>
-      <pc:sldChg chg="modSp mod">
-        <pc:chgData name="Gibbons, Carl" userId="d2b037bc-8fb4-4222-845c-61440543a456" providerId="ADAL" clId="{14F797DE-E75B-4062-A6FB-AA9F07155580}" dt="2023-12-29T21:54:42.630" v="6849" actId="255"/>
-        <pc:sldMkLst>
-          <pc:docMk/>
-          <pc:sldMk cId="2424714671" sldId="297"/>
-        </pc:sldMkLst>
-        <pc:spChg chg="mod">
-          <ac:chgData name="Gibbons, Carl" userId="d2b037bc-8fb4-4222-845c-61440543a456" providerId="ADAL" clId="{14F797DE-E75B-4062-A6FB-AA9F07155580}" dt="2023-12-29T21:07:54.964" v="4712" actId="20577"/>
-          <ac:spMkLst>
-            <pc:docMk/>
-            <pc:sldMk cId="2424714671" sldId="297"/>
-            <ac:spMk id="2" creationId="{31B75992-5098-A283-4925-2CCEBB801DC5}"/>
-          </ac:spMkLst>
-        </pc:spChg>
-        <pc:spChg chg="mod">
-          <ac:chgData name="Gibbons, Carl" userId="d2b037bc-8fb4-4222-845c-61440543a456" providerId="ADAL" clId="{14F797DE-E75B-4062-A6FB-AA9F07155580}" dt="2023-12-29T21:54:42.630" v="6849" actId="255"/>
-          <ac:spMkLst>
-            <pc:docMk/>
-            <pc:sldMk cId="2424714671" sldId="297"/>
-            <ac:spMk id="3" creationId="{B5924E0F-A977-1710-779D-EEB74261AF34}"/>
-          </ac:spMkLst>
-        </pc:spChg>
-      </pc:sldChg>
-      <pc:sldChg chg="modSp mod">
-        <pc:chgData name="Gibbons, Carl" userId="d2b037bc-8fb4-4222-845c-61440543a456" providerId="ADAL" clId="{14F797DE-E75B-4062-A6FB-AA9F07155580}" dt="2023-12-29T21:54:28.975" v="6848" actId="255"/>
-        <pc:sldMkLst>
-          <pc:docMk/>
-          <pc:sldMk cId="3450195044" sldId="298"/>
-        </pc:sldMkLst>
-        <pc:spChg chg="mod">
-          <ac:chgData name="Gibbons, Carl" userId="d2b037bc-8fb4-4222-845c-61440543a456" providerId="ADAL" clId="{14F797DE-E75B-4062-A6FB-AA9F07155580}" dt="2023-12-29T21:23:42.216" v="5202" actId="20577"/>
-          <ac:spMkLst>
-            <pc:docMk/>
-            <pc:sldMk cId="3450195044" sldId="298"/>
-            <ac:spMk id="2" creationId="{31B75992-5098-A283-4925-2CCEBB801DC5}"/>
-          </ac:spMkLst>
-        </pc:spChg>
-        <pc:spChg chg="mod">
-          <ac:chgData name="Gibbons, Carl" userId="d2b037bc-8fb4-4222-845c-61440543a456" providerId="ADAL" clId="{14F797DE-E75B-4062-A6FB-AA9F07155580}" dt="2023-12-29T21:54:28.975" v="6848" actId="255"/>
-          <ac:spMkLst>
-            <pc:docMk/>
-            <pc:sldMk cId="3450195044" sldId="298"/>
-            <ac:spMk id="3" creationId="{B5924E0F-A977-1710-779D-EEB74261AF34}"/>
-          </ac:spMkLst>
-        </pc:spChg>
-      </pc:sldChg>
-      <pc:sldChg chg="modSp mod">
-        <pc:chgData name="Gibbons, Carl" userId="d2b037bc-8fb4-4222-845c-61440543a456" providerId="ADAL" clId="{14F797DE-E75B-4062-A6FB-AA9F07155580}" dt="2023-12-29T21:54:18.720" v="6846" actId="255"/>
-        <pc:sldMkLst>
-          <pc:docMk/>
-          <pc:sldMk cId="3633122843" sldId="299"/>
-        </pc:sldMkLst>
-        <pc:spChg chg="mod">
-          <ac:chgData name="Gibbons, Carl" userId="d2b037bc-8fb4-4222-845c-61440543a456" providerId="ADAL" clId="{14F797DE-E75B-4062-A6FB-AA9F07155580}" dt="2023-12-29T21:31:23.761" v="5684" actId="20577"/>
-          <ac:spMkLst>
-            <pc:docMk/>
-            <pc:sldMk cId="3633122843" sldId="299"/>
-            <ac:spMk id="2" creationId="{31B75992-5098-A283-4925-2CCEBB801DC5}"/>
-          </ac:spMkLst>
-        </pc:spChg>
-        <pc:spChg chg="mod">
-          <ac:chgData name="Gibbons, Carl" userId="d2b037bc-8fb4-4222-845c-61440543a456" providerId="ADAL" clId="{14F797DE-E75B-4062-A6FB-AA9F07155580}" dt="2023-12-29T21:54:18.720" v="6846" actId="255"/>
-          <ac:spMkLst>
-            <pc:docMk/>
-            <pc:sldMk cId="3633122843" sldId="299"/>
-            <ac:spMk id="3" creationId="{B5924E0F-A977-1710-779D-EEB74261AF34}"/>
-          </ac:spMkLst>
-        </pc:spChg>
-      </pc:sldChg>
-    </pc:docChg>
-  </pc:docChgLst>
-  <pc:docChgLst>
-    <pc:chgData name="Gibbons, Carl" userId="d2b037bc-8fb4-4222-845c-61440543a456" providerId="ADAL" clId="{8B117223-2596-4D61-9C62-CC9BD4B9A421}"/>
-    <pc:docChg chg="custSel addSld delSld modSld">
-      <pc:chgData name="Gibbons, Carl" userId="d2b037bc-8fb4-4222-845c-61440543a456" providerId="ADAL" clId="{8B117223-2596-4D61-9C62-CC9BD4B9A421}" dt="2024-01-24T22:00:55.310" v="2286" actId="20577"/>
-      <pc:docMkLst>
-        <pc:docMk/>
-      </pc:docMkLst>
-      <pc:sldChg chg="modSp mod">
-        <pc:chgData name="Gibbons, Carl" userId="d2b037bc-8fb4-4222-845c-61440543a456" providerId="ADAL" clId="{8B117223-2596-4D61-9C62-CC9BD4B9A421}" dt="2024-01-16T00:57:55.449" v="2005" actId="20577"/>
-        <pc:sldMkLst>
-          <pc:docMk/>
-          <pc:sldMk cId="3308175748" sldId="256"/>
-        </pc:sldMkLst>
-        <pc:spChg chg="mod">
-          <ac:chgData name="Gibbons, Carl" userId="d2b037bc-8fb4-4222-845c-61440543a456" providerId="ADAL" clId="{8B117223-2596-4D61-9C62-CC9BD4B9A421}" dt="2024-01-16T00:57:55.449" v="2005" actId="20577"/>
-          <ac:spMkLst>
-            <pc:docMk/>
-            <pc:sldMk cId="3308175748" sldId="256"/>
-            <ac:spMk id="3" creationId="{EEC4D41B-E776-05F2-BE0B-89BB339485AB}"/>
-          </ac:spMkLst>
-        </pc:spChg>
-      </pc:sldChg>
-      <pc:sldChg chg="modSp mod">
-        <pc:chgData name="Gibbons, Carl" userId="d2b037bc-8fb4-4222-845c-61440543a456" providerId="ADAL" clId="{8B117223-2596-4D61-9C62-CC9BD4B9A421}" dt="2024-01-24T22:00:55.310" v="2286" actId="20577"/>
-        <pc:sldMkLst>
-          <pc:docMk/>
-          <pc:sldMk cId="2312486803" sldId="261"/>
-        </pc:sldMkLst>
-        <pc:spChg chg="mod">
-          <ac:chgData name="Gibbons, Carl" userId="d2b037bc-8fb4-4222-845c-61440543a456" providerId="ADAL" clId="{8B117223-2596-4D61-9C62-CC9BD4B9A421}" dt="2024-01-16T00:15:29.289" v="286" actId="20577"/>
-          <ac:spMkLst>
-            <pc:docMk/>
-            <pc:sldMk cId="2312486803" sldId="261"/>
-            <ac:spMk id="2" creationId="{31B75992-5098-A283-4925-2CCEBB801DC5}"/>
-          </ac:spMkLst>
-        </pc:spChg>
-        <pc:spChg chg="mod">
-          <ac:chgData name="Gibbons, Carl" userId="d2b037bc-8fb4-4222-845c-61440543a456" providerId="ADAL" clId="{8B117223-2596-4D61-9C62-CC9BD4B9A421}" dt="2024-01-24T22:00:55.310" v="2286" actId="20577"/>
-          <ac:spMkLst>
-            <pc:docMk/>
-            <pc:sldMk cId="2312486803" sldId="261"/>
-            <ac:spMk id="3" creationId="{B5924E0F-A977-1710-779D-EEB74261AF34}"/>
-          </ac:spMkLst>
-        </pc:spChg>
-      </pc:sldChg>
-      <pc:sldChg chg="modSp add mod">
-        <pc:chgData name="Gibbons, Carl" userId="d2b037bc-8fb4-4222-845c-61440543a456" providerId="ADAL" clId="{8B117223-2596-4D61-9C62-CC9BD4B9A421}" dt="2024-01-16T01:00:51.762" v="2281" actId="313"/>
-        <pc:sldMkLst>
-          <pc:docMk/>
-          <pc:sldMk cId="3885141102" sldId="262"/>
-        </pc:sldMkLst>
-        <pc:spChg chg="mod">
-          <ac:chgData name="Gibbons, Carl" userId="d2b037bc-8fb4-4222-845c-61440543a456" providerId="ADAL" clId="{8B117223-2596-4D61-9C62-CC9BD4B9A421}" dt="2024-01-16T00:42:42.463" v="1503" actId="20577"/>
-          <ac:spMkLst>
-            <pc:docMk/>
-            <pc:sldMk cId="3885141102" sldId="262"/>
-            <ac:spMk id="2" creationId="{31B75992-5098-A283-4925-2CCEBB801DC5}"/>
-          </ac:spMkLst>
-        </pc:spChg>
-        <pc:spChg chg="mod">
-          <ac:chgData name="Gibbons, Carl" userId="d2b037bc-8fb4-4222-845c-61440543a456" providerId="ADAL" clId="{8B117223-2596-4D61-9C62-CC9BD4B9A421}" dt="2024-01-16T01:00:51.762" v="2281" actId="313"/>
-          <ac:spMkLst>
-            <pc:docMk/>
-            <pc:sldMk cId="3885141102" sldId="262"/>
-            <ac:spMk id="3" creationId="{B5924E0F-A977-1710-779D-EEB74261AF34}"/>
-          </ac:spMkLst>
-        </pc:spChg>
-      </pc:sldChg>
-      <pc:sldChg chg="add">
-        <pc:chgData name="Gibbons, Carl" userId="d2b037bc-8fb4-4222-845c-61440543a456" providerId="ADAL" clId="{8B117223-2596-4D61-9C62-CC9BD4B9A421}" dt="2024-01-16T00:58:20.162" v="2006"/>
-        <pc:sldMkLst>
-          <pc:docMk/>
-          <pc:sldMk cId="1719402288" sldId="263"/>
-        </pc:sldMkLst>
-      </pc:sldChg>
-      <pc:sldChg chg="del">
-        <pc:chgData name="Gibbons, Carl" userId="d2b037bc-8fb4-4222-845c-61440543a456" providerId="ADAL" clId="{8B117223-2596-4D61-9C62-CC9BD4B9A421}" dt="2024-01-16T00:11:26.015" v="227" actId="47"/>
-        <pc:sldMkLst>
-          <pc:docMk/>
-          <pc:sldMk cId="3989541258" sldId="278"/>
-        </pc:sldMkLst>
-      </pc:sldChg>
-      <pc:sldChg chg="del">
-        <pc:chgData name="Gibbons, Carl" userId="d2b037bc-8fb4-4222-845c-61440543a456" providerId="ADAL" clId="{8B117223-2596-4D61-9C62-CC9BD4B9A421}" dt="2024-01-16T00:11:26.575" v="228" actId="47"/>
-        <pc:sldMkLst>
-          <pc:docMk/>
-          <pc:sldMk cId="1861646120" sldId="293"/>
-        </pc:sldMkLst>
-      </pc:sldChg>
-      <pc:sldChg chg="del">
-        <pc:chgData name="Gibbons, Carl" userId="d2b037bc-8fb4-4222-845c-61440543a456" providerId="ADAL" clId="{8B117223-2596-4D61-9C62-CC9BD4B9A421}" dt="2024-01-16T00:11:27.206" v="229" actId="47"/>
-        <pc:sldMkLst>
-          <pc:docMk/>
-          <pc:sldMk cId="2232562783" sldId="294"/>
-        </pc:sldMkLst>
-      </pc:sldChg>
-      <pc:sldChg chg="del">
-        <pc:chgData name="Gibbons, Carl" userId="d2b037bc-8fb4-4222-845c-61440543a456" providerId="ADAL" clId="{8B117223-2596-4D61-9C62-CC9BD4B9A421}" dt="2024-01-16T00:11:27.766" v="230" actId="47"/>
-        <pc:sldMkLst>
-          <pc:docMk/>
-          <pc:sldMk cId="845747584" sldId="300"/>
-        </pc:sldMkLst>
-      </pc:sldChg>
-      <pc:sldChg chg="del">
-        <pc:chgData name="Gibbons, Carl" userId="d2b037bc-8fb4-4222-845c-61440543a456" providerId="ADAL" clId="{8B117223-2596-4D61-9C62-CC9BD4B9A421}" dt="2024-01-16T00:11:30.314" v="231" actId="47"/>
-        <pc:sldMkLst>
-          <pc:docMk/>
-          <pc:sldMk cId="3372579319" sldId="301"/>
-        </pc:sldMkLst>
-      </pc:sldChg>
-    </pc:docChg>
-  </pc:docChgLst>
-  <pc:docChgLst>
-    <pc:chgData name="Gibbons, Carl" userId="d2b037bc-8fb4-4222-845c-61440543a456" providerId="ADAL" clId="{5B3FBBC5-B788-4A9E-9FD4-842EBD374311}"/>
-    <pc:docChg chg="custSel addSld delSld modSld sldOrd">
-      <pc:chgData name="Gibbons, Carl" userId="d2b037bc-8fb4-4222-845c-61440543a456" providerId="ADAL" clId="{5B3FBBC5-B788-4A9E-9FD4-842EBD374311}" dt="2024-02-20T16:44:24.138" v="4925" actId="20577"/>
-      <pc:docMkLst>
-        <pc:docMk/>
-      </pc:docMkLst>
-      <pc:sldChg chg="modSp mod">
-        <pc:chgData name="Gibbons, Carl" userId="d2b037bc-8fb4-4222-845c-61440543a456" providerId="ADAL" clId="{5B3FBBC5-B788-4A9E-9FD4-842EBD374311}" dt="2024-02-20T15:42:03.020" v="12" actId="20577"/>
-        <pc:sldMkLst>
-          <pc:docMk/>
-          <pc:sldMk cId="3308175748" sldId="256"/>
-        </pc:sldMkLst>
-        <pc:spChg chg="mod">
-          <ac:chgData name="Gibbons, Carl" userId="d2b037bc-8fb4-4222-845c-61440543a456" providerId="ADAL" clId="{5B3FBBC5-B788-4A9E-9FD4-842EBD374311}" dt="2024-02-20T15:42:03.020" v="12" actId="20577"/>
-          <ac:spMkLst>
-            <pc:docMk/>
-            <pc:sldMk cId="3308175748" sldId="256"/>
-            <ac:spMk id="3" creationId="{EEC4D41B-E776-05F2-BE0B-89BB339485AB}"/>
-          </ac:spMkLst>
-        </pc:spChg>
-      </pc:sldChg>
-      <pc:sldChg chg="addSp delSp modSp mod">
-        <pc:chgData name="Gibbons, Carl" userId="d2b037bc-8fb4-4222-845c-61440543a456" providerId="ADAL" clId="{5B3FBBC5-B788-4A9E-9FD4-842EBD374311}" dt="2024-02-20T15:44:52.354" v="158" actId="20577"/>
-        <pc:sldMkLst>
-          <pc:docMk/>
-          <pc:sldMk cId="2312486803" sldId="261"/>
-        </pc:sldMkLst>
-        <pc:spChg chg="mod">
-          <ac:chgData name="Gibbons, Carl" userId="d2b037bc-8fb4-4222-845c-61440543a456" providerId="ADAL" clId="{5B3FBBC5-B788-4A9E-9FD4-842EBD374311}" dt="2024-02-20T15:44:52.354" v="158" actId="20577"/>
-          <ac:spMkLst>
-            <pc:docMk/>
-            <pc:sldMk cId="2312486803" sldId="261"/>
-            <ac:spMk id="2" creationId="{31B75992-5098-A283-4925-2CCEBB801DC5}"/>
-          </ac:spMkLst>
-        </pc:spChg>
-        <pc:spChg chg="del mod">
-          <ac:chgData name="Gibbons, Carl" userId="d2b037bc-8fb4-4222-845c-61440543a456" providerId="ADAL" clId="{5B3FBBC5-B788-4A9E-9FD4-842EBD374311}" dt="2024-02-20T15:44:35.866" v="139" actId="478"/>
-          <ac:spMkLst>
-            <pc:docMk/>
-            <pc:sldMk cId="2312486803" sldId="261"/>
-            <ac:spMk id="7" creationId="{F19E524F-C936-E6CE-A06A-9068EF0D1C67}"/>
-          </ac:spMkLst>
-        </pc:spChg>
-        <pc:picChg chg="add mod">
-          <ac:chgData name="Gibbons, Carl" userId="d2b037bc-8fb4-4222-845c-61440543a456" providerId="ADAL" clId="{5B3FBBC5-B788-4A9E-9FD4-842EBD374311}" dt="2024-02-20T15:44:30.929" v="138" actId="1076"/>
-          <ac:picMkLst>
-            <pc:docMk/>
-            <pc:sldMk cId="2312486803" sldId="261"/>
-            <ac:picMk id="3" creationId="{18F1AD7D-9AA4-CABA-2192-FD95BCEAD031}"/>
-          </ac:picMkLst>
-        </pc:picChg>
-        <pc:picChg chg="del">
-          <ac:chgData name="Gibbons, Carl" userId="d2b037bc-8fb4-4222-845c-61440543a456" providerId="ADAL" clId="{5B3FBBC5-B788-4A9E-9FD4-842EBD374311}" dt="2024-02-20T15:43:38.898" v="35" actId="478"/>
-          <ac:picMkLst>
-            <pc:docMk/>
-            <pc:sldMk cId="2312486803" sldId="261"/>
-            <ac:picMk id="6" creationId="{EC52FD38-E213-5177-DDDA-7287F93BD393}"/>
-          </ac:picMkLst>
-        </pc:picChg>
-      </pc:sldChg>
-      <pc:sldChg chg="modSp mod">
-        <pc:chgData name="Gibbons, Carl" userId="d2b037bc-8fb4-4222-845c-61440543a456" providerId="ADAL" clId="{5B3FBBC5-B788-4A9E-9FD4-842EBD374311}" dt="2024-02-20T16:44:24.138" v="4925" actId="20577"/>
-        <pc:sldMkLst>
-          <pc:docMk/>
-          <pc:sldMk cId="3885141102" sldId="262"/>
-        </pc:sldMkLst>
-        <pc:spChg chg="mod">
-          <ac:chgData name="Gibbons, Carl" userId="d2b037bc-8fb4-4222-845c-61440543a456" providerId="ADAL" clId="{5B3FBBC5-B788-4A9E-9FD4-842EBD374311}" dt="2024-02-20T16:44:24.138" v="4925" actId="20577"/>
-          <ac:spMkLst>
-            <pc:docMk/>
-            <pc:sldMk cId="3885141102" sldId="262"/>
-            <ac:spMk id="3" creationId="{B5924E0F-A977-1710-779D-EEB74261AF34}"/>
-          </ac:spMkLst>
-        </pc:spChg>
-      </pc:sldChg>
-      <pc:sldChg chg="modSp mod">
-        <pc:chgData name="Gibbons, Carl" userId="d2b037bc-8fb4-4222-845c-61440543a456" providerId="ADAL" clId="{5B3FBBC5-B788-4A9E-9FD4-842EBD374311}" dt="2024-02-20T16:02:51.350" v="1842" actId="20577"/>
-        <pc:sldMkLst>
-          <pc:docMk/>
-          <pc:sldMk cId="538849350" sldId="263"/>
-        </pc:sldMkLst>
-        <pc:spChg chg="mod">
-          <ac:chgData name="Gibbons, Carl" userId="d2b037bc-8fb4-4222-845c-61440543a456" providerId="ADAL" clId="{5B3FBBC5-B788-4A9E-9FD4-842EBD374311}" dt="2024-02-20T15:46:18.746" v="223" actId="113"/>
-          <ac:spMkLst>
-            <pc:docMk/>
-            <pc:sldMk cId="538849350" sldId="263"/>
-            <ac:spMk id="2" creationId="{3D63CD28-05F6-EAAC-4E88-DBFBCF6B207B}"/>
-          </ac:spMkLst>
-        </pc:spChg>
-        <pc:spChg chg="mod">
-          <ac:chgData name="Gibbons, Carl" userId="d2b037bc-8fb4-4222-845c-61440543a456" providerId="ADAL" clId="{5B3FBBC5-B788-4A9E-9FD4-842EBD374311}" dt="2024-02-20T16:02:51.350" v="1842" actId="20577"/>
-          <ac:spMkLst>
-            <pc:docMk/>
-            <pc:sldMk cId="538849350" sldId="263"/>
-            <ac:spMk id="7" creationId="{729440C3-A558-AF83-79BF-585206231CA4}"/>
-          </ac:spMkLst>
-        </pc:spChg>
-      </pc:sldChg>
-      <pc:sldChg chg="modSp mod ord">
-        <pc:chgData name="Gibbons, Carl" userId="d2b037bc-8fb4-4222-845c-61440543a456" providerId="ADAL" clId="{5B3FBBC5-B788-4A9E-9FD4-842EBD374311}" dt="2024-02-20T16:40:03.954" v="4664" actId="1076"/>
-        <pc:sldMkLst>
-          <pc:docMk/>
-          <pc:sldMk cId="1196559129" sldId="264"/>
-        </pc:sldMkLst>
-        <pc:spChg chg="mod">
-          <ac:chgData name="Gibbons, Carl" userId="d2b037bc-8fb4-4222-845c-61440543a456" providerId="ADAL" clId="{5B3FBBC5-B788-4A9E-9FD4-842EBD374311}" dt="2024-02-20T16:39:10.385" v="4639" actId="20577"/>
-          <ac:spMkLst>
-            <pc:docMk/>
-            <pc:sldMk cId="1196559129" sldId="264"/>
-            <ac:spMk id="2" creationId="{0E6A2DEF-4501-FAEA-A31C-4FDCBD076712}"/>
-          </ac:spMkLst>
-        </pc:spChg>
-        <pc:spChg chg="mod">
-          <ac:chgData name="Gibbons, Carl" userId="d2b037bc-8fb4-4222-845c-61440543a456" providerId="ADAL" clId="{5B3FBBC5-B788-4A9E-9FD4-842EBD374311}" dt="2024-02-20T16:40:03.954" v="4664" actId="1076"/>
-          <ac:spMkLst>
-            <pc:docMk/>
-            <pc:sldMk cId="1196559129" sldId="264"/>
-            <ac:spMk id="7" creationId="{4247D23F-F3F9-676F-BDEB-E69E1F0AB32C}"/>
-          </ac:spMkLst>
-        </pc:spChg>
-      </pc:sldChg>
-      <pc:sldChg chg="modSp add mod">
-        <pc:chgData name="Gibbons, Carl" userId="d2b037bc-8fb4-4222-845c-61440543a456" providerId="ADAL" clId="{5B3FBBC5-B788-4A9E-9FD4-842EBD374311}" dt="2024-02-20T16:40:54.353" v="4684" actId="1076"/>
-        <pc:sldMkLst>
-          <pc:docMk/>
-          <pc:sldMk cId="1400208519" sldId="265"/>
-        </pc:sldMkLst>
-        <pc:spChg chg="mod">
-          <ac:chgData name="Gibbons, Carl" userId="d2b037bc-8fb4-4222-845c-61440543a456" providerId="ADAL" clId="{5B3FBBC5-B788-4A9E-9FD4-842EBD374311}" dt="2024-02-20T16:40:15.735" v="4677" actId="20577"/>
-          <ac:spMkLst>
-            <pc:docMk/>
-            <pc:sldMk cId="1400208519" sldId="265"/>
-            <ac:spMk id="2" creationId="{832B45BA-6309-D8F6-D552-10D836B4EB21}"/>
-          </ac:spMkLst>
-        </pc:spChg>
-        <pc:spChg chg="mod">
-          <ac:chgData name="Gibbons, Carl" userId="d2b037bc-8fb4-4222-845c-61440543a456" providerId="ADAL" clId="{5B3FBBC5-B788-4A9E-9FD4-842EBD374311}" dt="2024-02-20T16:40:54.353" v="4684" actId="1076"/>
-          <ac:spMkLst>
-            <pc:docMk/>
-            <pc:sldMk cId="1400208519" sldId="265"/>
-            <ac:spMk id="7" creationId="{3CE889EF-4605-DB73-C7B2-D7E3C4957F48}"/>
-          </ac:spMkLst>
-        </pc:spChg>
-      </pc:sldChg>
-      <pc:sldChg chg="add del">
-        <pc:chgData name="Gibbons, Carl" userId="d2b037bc-8fb4-4222-845c-61440543a456" providerId="ADAL" clId="{5B3FBBC5-B788-4A9E-9FD4-842EBD374311}" dt="2024-02-20T16:38:39.593" v="4610" actId="47"/>
-        <pc:sldMkLst>
-          <pc:docMk/>
-          <pc:sldMk cId="312768879" sldId="266"/>
-        </pc:sldMkLst>
-      </pc:sldChg>
-      <pc:sldChg chg="modSp add mod">
-        <pc:chgData name="Gibbons, Carl" userId="d2b037bc-8fb4-4222-845c-61440543a456" providerId="ADAL" clId="{5B3FBBC5-B788-4A9E-9FD4-842EBD374311}" dt="2024-02-20T16:42:04.124" v="4740" actId="20577"/>
-        <pc:sldMkLst>
-          <pc:docMk/>
-          <pc:sldMk cId="1959728496" sldId="266"/>
-        </pc:sldMkLst>
-        <pc:spChg chg="mod">
-          <ac:chgData name="Gibbons, Carl" userId="d2b037bc-8fb4-4222-845c-61440543a456" providerId="ADAL" clId="{5B3FBBC5-B788-4A9E-9FD4-842EBD374311}" dt="2024-02-20T16:41:09.733" v="4697" actId="20577"/>
-          <ac:spMkLst>
-            <pc:docMk/>
-            <pc:sldMk cId="1959728496" sldId="266"/>
-            <ac:spMk id="2" creationId="{CE563C74-E990-3B77-1F46-668B8C1F1663}"/>
-          </ac:spMkLst>
-        </pc:spChg>
-        <pc:spChg chg="mod">
-          <ac:chgData name="Gibbons, Carl" userId="d2b037bc-8fb4-4222-845c-61440543a456" providerId="ADAL" clId="{5B3FBBC5-B788-4A9E-9FD4-842EBD374311}" dt="2024-02-20T16:42:04.124" v="4740" actId="20577"/>
-          <ac:spMkLst>
-            <pc:docMk/>
-            <pc:sldMk cId="1959728496" sldId="266"/>
-            <ac:spMk id="7" creationId="{90027281-906B-E8EC-9F0D-DB9DF0665C9C}"/>
-          </ac:spMkLst>
-        </pc:spChg>
-      </pc:sldChg>
-      <pc:sldChg chg="add del">
-        <pc:chgData name="Gibbons, Carl" userId="d2b037bc-8fb4-4222-845c-61440543a456" providerId="ADAL" clId="{5B3FBBC5-B788-4A9E-9FD4-842EBD374311}" dt="2024-02-20T16:43:04.289" v="4742" actId="2696"/>
-        <pc:sldMkLst>
-          <pc:docMk/>
-          <pc:sldMk cId="2838032763" sldId="267"/>
-        </pc:sldMkLst>
-      </pc:sldChg>
-    </pc:docChg>
-  </pc:docChgLst>
-  <pc:docChgLst>
     <pc:chgData name="Gibbons, Carl" userId="d2b037bc-8fb4-4222-845c-61440543a456" providerId="ADAL" clId="{3D73FC3D-A932-426E-A7E0-475220CAB957}"/>
     <pc:docChg chg="undo redo custSel addSld delSld modSld">
       <pc:chgData name="Gibbons, Carl" userId="d2b037bc-8fb4-4222-845c-61440543a456" providerId="ADAL" clId="{3D73FC3D-A932-426E-A7E0-475220CAB957}" dt="2023-12-24T03:24:28.415" v="11663" actId="20577"/>
@@ -2049,1723 +4252,6 @@
             <ac:spMk id="3" creationId="{17D02A72-79B4-B4A1-5F2B-4922B2F25909}"/>
           </ac:spMkLst>
         </pc:spChg>
-      </pc:sldChg>
-    </pc:docChg>
-  </pc:docChgLst>
-  <pc:docChgLst>
-    <pc:chgData name="Gibbons, Carl" userId="d2b037bc-8fb4-4222-845c-61440543a456" providerId="ADAL" clId="{6BB3E98D-F381-4EFF-81EB-11D831A89BCC}"/>
-    <pc:docChg chg="undo redo custSel addSld modSld">
-      <pc:chgData name="Gibbons, Carl" userId="d2b037bc-8fb4-4222-845c-61440543a456" providerId="ADAL" clId="{6BB3E98D-F381-4EFF-81EB-11D831A89BCC}" dt="2024-02-20T18:56:54.558" v="3667" actId="20577"/>
-      <pc:docMkLst>
-        <pc:docMk/>
-      </pc:docMkLst>
-      <pc:sldChg chg="modSp mod">
-        <pc:chgData name="Gibbons, Carl" userId="d2b037bc-8fb4-4222-845c-61440543a456" providerId="ADAL" clId="{6BB3E98D-F381-4EFF-81EB-11D831A89BCC}" dt="2024-02-20T18:19:38.071" v="41" actId="20577"/>
-        <pc:sldMkLst>
-          <pc:docMk/>
-          <pc:sldMk cId="3308175748" sldId="256"/>
-        </pc:sldMkLst>
-        <pc:spChg chg="mod">
-          <ac:chgData name="Gibbons, Carl" userId="d2b037bc-8fb4-4222-845c-61440543a456" providerId="ADAL" clId="{6BB3E98D-F381-4EFF-81EB-11D831A89BCC}" dt="2024-02-20T18:19:38.071" v="41" actId="20577"/>
-          <ac:spMkLst>
-            <pc:docMk/>
-            <pc:sldMk cId="3308175748" sldId="256"/>
-            <ac:spMk id="3" creationId="{EEC4D41B-E776-05F2-BE0B-89BB339485AB}"/>
-          </ac:spMkLst>
-        </pc:spChg>
-      </pc:sldChg>
-      <pc:sldChg chg="modSp mod">
-        <pc:chgData name="Gibbons, Carl" userId="d2b037bc-8fb4-4222-845c-61440543a456" providerId="ADAL" clId="{6BB3E98D-F381-4EFF-81EB-11D831A89BCC}" dt="2024-02-20T18:56:54.558" v="3667" actId="20577"/>
-        <pc:sldMkLst>
-          <pc:docMk/>
-          <pc:sldMk cId="3885141102" sldId="262"/>
-        </pc:sldMkLst>
-        <pc:spChg chg="mod">
-          <ac:chgData name="Gibbons, Carl" userId="d2b037bc-8fb4-4222-845c-61440543a456" providerId="ADAL" clId="{6BB3E98D-F381-4EFF-81EB-11D831A89BCC}" dt="2024-02-20T18:56:54.558" v="3667" actId="20577"/>
-          <ac:spMkLst>
-            <pc:docMk/>
-            <pc:sldMk cId="3885141102" sldId="262"/>
-            <ac:spMk id="3" creationId="{B5924E0F-A977-1710-779D-EEB74261AF34}"/>
-          </ac:spMkLst>
-        </pc:spChg>
-      </pc:sldChg>
-      <pc:sldChg chg="modSp mod">
-        <pc:chgData name="Gibbons, Carl" userId="d2b037bc-8fb4-4222-845c-61440543a456" providerId="ADAL" clId="{6BB3E98D-F381-4EFF-81EB-11D831A89BCC}" dt="2024-02-20T18:31:47.994" v="1288" actId="20577"/>
-        <pc:sldMkLst>
-          <pc:docMk/>
-          <pc:sldMk cId="1196559129" sldId="264"/>
-        </pc:sldMkLst>
-        <pc:spChg chg="mod">
-          <ac:chgData name="Gibbons, Carl" userId="d2b037bc-8fb4-4222-845c-61440543a456" providerId="ADAL" clId="{6BB3E98D-F381-4EFF-81EB-11D831A89BCC}" dt="2024-02-20T18:24:05.868" v="485" actId="20577"/>
-          <ac:spMkLst>
-            <pc:docMk/>
-            <pc:sldMk cId="1196559129" sldId="264"/>
-            <ac:spMk id="2" creationId="{0E6A2DEF-4501-FAEA-A31C-4FDCBD076712}"/>
-          </ac:spMkLst>
-        </pc:spChg>
-        <pc:spChg chg="mod">
-          <ac:chgData name="Gibbons, Carl" userId="d2b037bc-8fb4-4222-845c-61440543a456" providerId="ADAL" clId="{6BB3E98D-F381-4EFF-81EB-11D831A89BCC}" dt="2024-02-20T18:31:47.994" v="1288" actId="20577"/>
-          <ac:spMkLst>
-            <pc:docMk/>
-            <pc:sldMk cId="1196559129" sldId="264"/>
-            <ac:spMk id="7" creationId="{4247D23F-F3F9-676F-BDEB-E69E1F0AB32C}"/>
-          </ac:spMkLst>
-        </pc:spChg>
-      </pc:sldChg>
-      <pc:sldChg chg="modSp mod">
-        <pc:chgData name="Gibbons, Carl" userId="d2b037bc-8fb4-4222-845c-61440543a456" providerId="ADAL" clId="{6BB3E98D-F381-4EFF-81EB-11D831A89BCC}" dt="2024-02-20T18:43:59.847" v="2393" actId="1076"/>
-        <pc:sldMkLst>
-          <pc:docMk/>
-          <pc:sldMk cId="1400208519" sldId="265"/>
-        </pc:sldMkLst>
-        <pc:spChg chg="mod">
-          <ac:chgData name="Gibbons, Carl" userId="d2b037bc-8fb4-4222-845c-61440543a456" providerId="ADAL" clId="{6BB3E98D-F381-4EFF-81EB-11D831A89BCC}" dt="2024-02-20T18:43:25.492" v="2389" actId="20577"/>
-          <ac:spMkLst>
-            <pc:docMk/>
-            <pc:sldMk cId="1400208519" sldId="265"/>
-            <ac:spMk id="2" creationId="{832B45BA-6309-D8F6-D552-10D836B4EB21}"/>
-          </ac:spMkLst>
-        </pc:spChg>
-        <pc:spChg chg="mod">
-          <ac:chgData name="Gibbons, Carl" userId="d2b037bc-8fb4-4222-845c-61440543a456" providerId="ADAL" clId="{6BB3E98D-F381-4EFF-81EB-11D831A89BCC}" dt="2024-02-20T18:43:59.847" v="2393" actId="1076"/>
-          <ac:spMkLst>
-            <pc:docMk/>
-            <pc:sldMk cId="1400208519" sldId="265"/>
-            <ac:spMk id="7" creationId="{3CE889EF-4605-DB73-C7B2-D7E3C4957F48}"/>
-          </ac:spMkLst>
-        </pc:spChg>
-      </pc:sldChg>
-      <pc:sldChg chg="modSp add mod">
-        <pc:chgData name="Gibbons, Carl" userId="d2b037bc-8fb4-4222-845c-61440543a456" providerId="ADAL" clId="{6BB3E98D-F381-4EFF-81EB-11D831A89BCC}" dt="2024-02-20T18:54:58.017" v="3521" actId="20577"/>
-        <pc:sldMkLst>
-          <pc:docMk/>
-          <pc:sldMk cId="1467586035" sldId="266"/>
-        </pc:sldMkLst>
-        <pc:spChg chg="mod">
-          <ac:chgData name="Gibbons, Carl" userId="d2b037bc-8fb4-4222-845c-61440543a456" providerId="ADAL" clId="{6BB3E98D-F381-4EFF-81EB-11D831A89BCC}" dt="2024-02-20T18:49:47.829" v="3239" actId="20577"/>
-          <ac:spMkLst>
-            <pc:docMk/>
-            <pc:sldMk cId="1467586035" sldId="266"/>
-            <ac:spMk id="2" creationId="{F5533765-AE4D-3586-BFF0-C73FF51C6B9B}"/>
-          </ac:spMkLst>
-        </pc:spChg>
-        <pc:spChg chg="mod">
-          <ac:chgData name="Gibbons, Carl" userId="d2b037bc-8fb4-4222-845c-61440543a456" providerId="ADAL" clId="{6BB3E98D-F381-4EFF-81EB-11D831A89BCC}" dt="2024-02-20T18:54:58.017" v="3521" actId="20577"/>
-          <ac:spMkLst>
-            <pc:docMk/>
-            <pc:sldMk cId="1467586035" sldId="266"/>
-            <ac:spMk id="7" creationId="{56F98B9D-53CB-0D01-51DD-F6B452AAB6C5}"/>
-          </ac:spMkLst>
-        </pc:spChg>
-      </pc:sldChg>
-    </pc:docChg>
-  </pc:docChgLst>
-  <pc:docChgLst>
-    <pc:chgData name="Gibbons, Carl" userId="d2b037bc-8fb4-4222-845c-61440543a456" providerId="ADAL" clId="{6DFE05B7-7BB4-417C-8826-34A6C37E3109}"/>
-    <pc:docChg chg="custSel modSld">
-      <pc:chgData name="Gibbons, Carl" userId="d2b037bc-8fb4-4222-845c-61440543a456" providerId="ADAL" clId="{6DFE05B7-7BB4-417C-8826-34A6C37E3109}" dt="2024-02-20T15:40:11.315" v="2156" actId="1076"/>
-      <pc:docMkLst>
-        <pc:docMk/>
-      </pc:docMkLst>
-      <pc:sldChg chg="modSp mod">
-        <pc:chgData name="Gibbons, Carl" userId="d2b037bc-8fb4-4222-845c-61440543a456" providerId="ADAL" clId="{6DFE05B7-7BB4-417C-8826-34A6C37E3109}" dt="2024-02-10T23:25:06.485" v="25" actId="20577"/>
-        <pc:sldMkLst>
-          <pc:docMk/>
-          <pc:sldMk cId="3308175748" sldId="256"/>
-        </pc:sldMkLst>
-        <pc:spChg chg="mod">
-          <ac:chgData name="Gibbons, Carl" userId="d2b037bc-8fb4-4222-845c-61440543a456" providerId="ADAL" clId="{6DFE05B7-7BB4-417C-8826-34A6C37E3109}" dt="2024-02-10T23:25:06.485" v="25" actId="20577"/>
-          <ac:spMkLst>
-            <pc:docMk/>
-            <pc:sldMk cId="3308175748" sldId="256"/>
-            <ac:spMk id="3" creationId="{EEC4D41B-E776-05F2-BE0B-89BB339485AB}"/>
-          </ac:spMkLst>
-        </pc:spChg>
-      </pc:sldChg>
-      <pc:sldChg chg="addSp delSp modSp mod">
-        <pc:chgData name="Gibbons, Carl" userId="d2b037bc-8fb4-4222-845c-61440543a456" providerId="ADAL" clId="{6DFE05B7-7BB4-417C-8826-34A6C37E3109}" dt="2024-02-10T23:47:50.077" v="678" actId="1076"/>
-        <pc:sldMkLst>
-          <pc:docMk/>
-          <pc:sldMk cId="2312486803" sldId="261"/>
-        </pc:sldMkLst>
-        <pc:spChg chg="mod">
-          <ac:chgData name="Gibbons, Carl" userId="d2b037bc-8fb4-4222-845c-61440543a456" providerId="ADAL" clId="{6DFE05B7-7BB4-417C-8826-34A6C37E3109}" dt="2024-02-10T23:25:43.747" v="72" actId="20577"/>
-          <ac:spMkLst>
-            <pc:docMk/>
-            <pc:sldMk cId="2312486803" sldId="261"/>
-            <ac:spMk id="2" creationId="{31B75992-5098-A283-4925-2CCEBB801DC5}"/>
-          </ac:spMkLst>
-        </pc:spChg>
-        <pc:spChg chg="del mod">
-          <ac:chgData name="Gibbons, Carl" userId="d2b037bc-8fb4-4222-845c-61440543a456" providerId="ADAL" clId="{6DFE05B7-7BB4-417C-8826-34A6C37E3109}" dt="2024-02-10T23:35:03.418" v="416"/>
-          <ac:spMkLst>
-            <pc:docMk/>
-            <pc:sldMk cId="2312486803" sldId="261"/>
-            <ac:spMk id="3" creationId="{B5924E0F-A977-1710-779D-EEB74261AF34}"/>
-          </ac:spMkLst>
-        </pc:spChg>
-        <pc:spChg chg="add del mod">
-          <ac:chgData name="Gibbons, Carl" userId="d2b037bc-8fb4-4222-845c-61440543a456" providerId="ADAL" clId="{6DFE05B7-7BB4-417C-8826-34A6C37E3109}" dt="2024-02-10T23:35:18.368" v="421"/>
-          <ac:spMkLst>
-            <pc:docMk/>
-            <pc:sldMk cId="2312486803" sldId="261"/>
-            <ac:spMk id="5" creationId="{5E1F0042-F2D7-082C-DE33-6A607ADAA329}"/>
-          </ac:spMkLst>
-        </pc:spChg>
-        <pc:spChg chg="add mod">
-          <ac:chgData name="Gibbons, Carl" userId="d2b037bc-8fb4-4222-845c-61440543a456" providerId="ADAL" clId="{6DFE05B7-7BB4-417C-8826-34A6C37E3109}" dt="2024-02-10T23:47:50.077" v="678" actId="1076"/>
-          <ac:spMkLst>
-            <pc:docMk/>
-            <pc:sldMk cId="2312486803" sldId="261"/>
-            <ac:spMk id="7" creationId="{F19E524F-C936-E6CE-A06A-9068EF0D1C67}"/>
-          </ac:spMkLst>
-        </pc:spChg>
-        <pc:picChg chg="add mod">
-          <ac:chgData name="Gibbons, Carl" userId="d2b037bc-8fb4-4222-845c-61440543a456" providerId="ADAL" clId="{6DFE05B7-7BB4-417C-8826-34A6C37E3109}" dt="2024-02-10T23:35:03.411" v="414"/>
-          <ac:picMkLst>
-            <pc:docMk/>
-            <pc:sldMk cId="2312486803" sldId="261"/>
-            <ac:picMk id="4" creationId="{96BD58E6-1F26-880B-6B7D-26B06301A218}"/>
-          </ac:picMkLst>
-        </pc:picChg>
-        <pc:picChg chg="add mod">
-          <ac:chgData name="Gibbons, Carl" userId="d2b037bc-8fb4-4222-845c-61440543a456" providerId="ADAL" clId="{6DFE05B7-7BB4-417C-8826-34A6C37E3109}" dt="2024-02-10T23:35:42.045" v="423" actId="1076"/>
-          <ac:picMkLst>
-            <pc:docMk/>
-            <pc:sldMk cId="2312486803" sldId="261"/>
-            <ac:picMk id="6" creationId="{EC52FD38-E213-5177-DDDA-7287F93BD393}"/>
-          </ac:picMkLst>
-        </pc:picChg>
-      </pc:sldChg>
-      <pc:sldChg chg="modSp mod">
-        <pc:chgData name="Gibbons, Carl" userId="d2b037bc-8fb4-4222-845c-61440543a456" providerId="ADAL" clId="{6DFE05B7-7BB4-417C-8826-34A6C37E3109}" dt="2024-02-11T00:43:14.770" v="2154" actId="20577"/>
-        <pc:sldMkLst>
-          <pc:docMk/>
-          <pc:sldMk cId="3885141102" sldId="262"/>
-        </pc:sldMkLst>
-        <pc:spChg chg="mod">
-          <ac:chgData name="Gibbons, Carl" userId="d2b037bc-8fb4-4222-845c-61440543a456" providerId="ADAL" clId="{6DFE05B7-7BB4-417C-8826-34A6C37E3109}" dt="2024-02-11T00:43:14.770" v="2154" actId="20577"/>
-          <ac:spMkLst>
-            <pc:docMk/>
-            <pc:sldMk cId="3885141102" sldId="262"/>
-            <ac:spMk id="3" creationId="{B5924E0F-A977-1710-779D-EEB74261AF34}"/>
-          </ac:spMkLst>
-        </pc:spChg>
-      </pc:sldChg>
-      <pc:sldChg chg="delSp modSp mod">
-        <pc:chgData name="Gibbons, Carl" userId="d2b037bc-8fb4-4222-845c-61440543a456" providerId="ADAL" clId="{6DFE05B7-7BB4-417C-8826-34A6C37E3109}" dt="2024-02-20T15:40:11.315" v="2156" actId="1076"/>
-        <pc:sldMkLst>
-          <pc:docMk/>
-          <pc:sldMk cId="538849350" sldId="263"/>
-        </pc:sldMkLst>
-        <pc:spChg chg="mod">
-          <ac:chgData name="Gibbons, Carl" userId="d2b037bc-8fb4-4222-845c-61440543a456" providerId="ADAL" clId="{6DFE05B7-7BB4-417C-8826-34A6C37E3109}" dt="2024-02-10T23:49:58.261" v="728" actId="20577"/>
-          <ac:spMkLst>
-            <pc:docMk/>
-            <pc:sldMk cId="538849350" sldId="263"/>
-            <ac:spMk id="2" creationId="{3D63CD28-05F6-EAAC-4E88-DBFBCF6B207B}"/>
-          </ac:spMkLst>
-        </pc:spChg>
-        <pc:spChg chg="mod">
-          <ac:chgData name="Gibbons, Carl" userId="d2b037bc-8fb4-4222-845c-61440543a456" providerId="ADAL" clId="{6DFE05B7-7BB4-417C-8826-34A6C37E3109}" dt="2024-02-20T15:40:11.315" v="2156" actId="1076"/>
-          <ac:spMkLst>
-            <pc:docMk/>
-            <pc:sldMk cId="538849350" sldId="263"/>
-            <ac:spMk id="7" creationId="{729440C3-A558-AF83-79BF-585206231CA4}"/>
-          </ac:spMkLst>
-        </pc:spChg>
-        <pc:picChg chg="del">
-          <ac:chgData name="Gibbons, Carl" userId="d2b037bc-8fb4-4222-845c-61440543a456" providerId="ADAL" clId="{6DFE05B7-7BB4-417C-8826-34A6C37E3109}" dt="2024-02-10T23:49:25.054" v="679" actId="478"/>
-          <ac:picMkLst>
-            <pc:docMk/>
-            <pc:sldMk cId="538849350" sldId="263"/>
-            <ac:picMk id="6" creationId="{D4950415-3AFA-6AEB-D962-FC2F30B31239}"/>
-          </ac:picMkLst>
-        </pc:picChg>
-      </pc:sldChg>
-      <pc:sldChg chg="modSp mod">
-        <pc:chgData name="Gibbons, Carl" userId="d2b037bc-8fb4-4222-845c-61440543a456" providerId="ADAL" clId="{6DFE05B7-7BB4-417C-8826-34A6C37E3109}" dt="2024-02-11T00:42:04.856" v="2084" actId="20577"/>
-        <pc:sldMkLst>
-          <pc:docMk/>
-          <pc:sldMk cId="1196559129" sldId="264"/>
-        </pc:sldMkLst>
-        <pc:spChg chg="mod">
-          <ac:chgData name="Gibbons, Carl" userId="d2b037bc-8fb4-4222-845c-61440543a456" providerId="ADAL" clId="{6DFE05B7-7BB4-417C-8826-34A6C37E3109}" dt="2024-02-11T00:28:46.758" v="1489" actId="20577"/>
-          <ac:spMkLst>
-            <pc:docMk/>
-            <pc:sldMk cId="1196559129" sldId="264"/>
-            <ac:spMk id="2" creationId="{0E6A2DEF-4501-FAEA-A31C-4FDCBD076712}"/>
-          </ac:spMkLst>
-        </pc:spChg>
-        <pc:spChg chg="mod">
-          <ac:chgData name="Gibbons, Carl" userId="d2b037bc-8fb4-4222-845c-61440543a456" providerId="ADAL" clId="{6DFE05B7-7BB4-417C-8826-34A6C37E3109}" dt="2024-02-11T00:42:04.856" v="2084" actId="20577"/>
-          <ac:spMkLst>
-            <pc:docMk/>
-            <pc:sldMk cId="1196559129" sldId="264"/>
-            <ac:spMk id="7" creationId="{4247D23F-F3F9-676F-BDEB-E69E1F0AB32C}"/>
-          </ac:spMkLst>
-        </pc:spChg>
-      </pc:sldChg>
-    </pc:docChg>
-  </pc:docChgLst>
-  <pc:docChgLst>
-    <pc:chgData name="Gibbons, Carl" userId="d2b037bc-8fb4-4222-845c-61440543a456" providerId="ADAL" clId="{930742B8-5264-4285-844A-779DDFAABB41}"/>
-    <pc:docChg chg="custSel delSld modSld">
-      <pc:chgData name="Gibbons, Carl" userId="d2b037bc-8fb4-4222-845c-61440543a456" providerId="ADAL" clId="{930742B8-5264-4285-844A-779DDFAABB41}" dt="2024-02-04T07:28:09.926" v="804" actId="2711"/>
-      <pc:docMkLst>
-        <pc:docMk/>
-      </pc:docMkLst>
-      <pc:sldChg chg="modSp mod">
-        <pc:chgData name="Gibbons, Carl" userId="d2b037bc-8fb4-4222-845c-61440543a456" providerId="ADAL" clId="{930742B8-5264-4285-844A-779DDFAABB41}" dt="2024-02-04T07:19:09.277" v="12" actId="20577"/>
-        <pc:sldMkLst>
-          <pc:docMk/>
-          <pc:sldMk cId="3308175748" sldId="256"/>
-        </pc:sldMkLst>
-        <pc:spChg chg="mod">
-          <ac:chgData name="Gibbons, Carl" userId="d2b037bc-8fb4-4222-845c-61440543a456" providerId="ADAL" clId="{930742B8-5264-4285-844A-779DDFAABB41}" dt="2024-02-04T07:19:09.277" v="12" actId="20577"/>
-          <ac:spMkLst>
-            <pc:docMk/>
-            <pc:sldMk cId="3308175748" sldId="256"/>
-            <ac:spMk id="3" creationId="{EEC4D41B-E776-05F2-BE0B-89BB339485AB}"/>
-          </ac:spMkLst>
-        </pc:spChg>
-      </pc:sldChg>
-      <pc:sldChg chg="modSp mod">
-        <pc:chgData name="Gibbons, Carl" userId="d2b037bc-8fb4-4222-845c-61440543a456" providerId="ADAL" clId="{930742B8-5264-4285-844A-779DDFAABB41}" dt="2024-02-04T07:28:09.926" v="804" actId="2711"/>
-        <pc:sldMkLst>
-          <pc:docMk/>
-          <pc:sldMk cId="2312486803" sldId="261"/>
-        </pc:sldMkLst>
-        <pc:spChg chg="mod">
-          <ac:chgData name="Gibbons, Carl" userId="d2b037bc-8fb4-4222-845c-61440543a456" providerId="ADAL" clId="{930742B8-5264-4285-844A-779DDFAABB41}" dt="2024-02-04T07:19:25.889" v="43" actId="20577"/>
-          <ac:spMkLst>
-            <pc:docMk/>
-            <pc:sldMk cId="2312486803" sldId="261"/>
-            <ac:spMk id="2" creationId="{31B75992-5098-A283-4925-2CCEBB801DC5}"/>
-          </ac:spMkLst>
-        </pc:spChg>
-        <pc:spChg chg="mod">
-          <ac:chgData name="Gibbons, Carl" userId="d2b037bc-8fb4-4222-845c-61440543a456" providerId="ADAL" clId="{930742B8-5264-4285-844A-779DDFAABB41}" dt="2024-02-04T07:28:09.926" v="804" actId="2711"/>
-          <ac:spMkLst>
-            <pc:docMk/>
-            <pc:sldMk cId="2312486803" sldId="261"/>
-            <ac:spMk id="3" creationId="{B5924E0F-A977-1710-779D-EEB74261AF34}"/>
-          </ac:spMkLst>
-        </pc:spChg>
-      </pc:sldChg>
-      <pc:sldChg chg="modSp mod">
-        <pc:chgData name="Gibbons, Carl" userId="d2b037bc-8fb4-4222-845c-61440543a456" providerId="ADAL" clId="{930742B8-5264-4285-844A-779DDFAABB41}" dt="2024-02-04T07:21:38.166" v="247" actId="20577"/>
-        <pc:sldMkLst>
-          <pc:docMk/>
-          <pc:sldMk cId="3885141102" sldId="262"/>
-        </pc:sldMkLst>
-        <pc:spChg chg="mod">
-          <ac:chgData name="Gibbons, Carl" userId="d2b037bc-8fb4-4222-845c-61440543a456" providerId="ADAL" clId="{930742B8-5264-4285-844A-779DDFAABB41}" dt="2024-02-04T07:21:38.166" v="247" actId="20577"/>
-          <ac:spMkLst>
-            <pc:docMk/>
-            <pc:sldMk cId="3885141102" sldId="262"/>
-            <ac:spMk id="3" creationId="{B5924E0F-A977-1710-779D-EEB74261AF34}"/>
-          </ac:spMkLst>
-        </pc:spChg>
-      </pc:sldChg>
-      <pc:sldChg chg="del">
-        <pc:chgData name="Gibbons, Carl" userId="d2b037bc-8fb4-4222-845c-61440543a456" providerId="ADAL" clId="{930742B8-5264-4285-844A-779DDFAABB41}" dt="2024-02-04T07:21:17.454" v="192" actId="2696"/>
-        <pc:sldMkLst>
-          <pc:docMk/>
-          <pc:sldMk cId="2993794741" sldId="265"/>
-        </pc:sldMkLst>
-      </pc:sldChg>
-      <pc:sldChg chg="del">
-        <pc:chgData name="Gibbons, Carl" userId="d2b037bc-8fb4-4222-845c-61440543a456" providerId="ADAL" clId="{930742B8-5264-4285-844A-779DDFAABB41}" dt="2024-02-04T07:21:17.454" v="192" actId="2696"/>
-        <pc:sldMkLst>
-          <pc:docMk/>
-          <pc:sldMk cId="1337022352" sldId="266"/>
-        </pc:sldMkLst>
-      </pc:sldChg>
-      <pc:sldChg chg="del">
-        <pc:chgData name="Gibbons, Carl" userId="d2b037bc-8fb4-4222-845c-61440543a456" providerId="ADAL" clId="{930742B8-5264-4285-844A-779DDFAABB41}" dt="2024-02-04T07:21:17.454" v="192" actId="2696"/>
-        <pc:sldMkLst>
-          <pc:docMk/>
-          <pc:sldMk cId="3576168196" sldId="267"/>
-        </pc:sldMkLst>
-      </pc:sldChg>
-      <pc:sldChg chg="del">
-        <pc:chgData name="Gibbons, Carl" userId="d2b037bc-8fb4-4222-845c-61440543a456" providerId="ADAL" clId="{930742B8-5264-4285-844A-779DDFAABB41}" dt="2024-02-04T07:21:17.454" v="192" actId="2696"/>
-        <pc:sldMkLst>
-          <pc:docMk/>
-          <pc:sldMk cId="1066671753" sldId="268"/>
-        </pc:sldMkLst>
-      </pc:sldChg>
-      <pc:sldChg chg="del">
-        <pc:chgData name="Gibbons, Carl" userId="d2b037bc-8fb4-4222-845c-61440543a456" providerId="ADAL" clId="{930742B8-5264-4285-844A-779DDFAABB41}" dt="2024-02-04T07:21:17.454" v="192" actId="2696"/>
-        <pc:sldMkLst>
-          <pc:docMk/>
-          <pc:sldMk cId="465083765" sldId="269"/>
-        </pc:sldMkLst>
-      </pc:sldChg>
-    </pc:docChg>
-  </pc:docChgLst>
-  <pc:docChgLst>
-    <pc:chgData name="Gibbons, Carl" userId="d2b037bc-8fb4-4222-845c-61440543a456" providerId="ADAL" clId="{CE68D2EA-6C33-4320-B171-B4C637EE57D5}"/>
-    <pc:docChg chg="undo custSel delSld modSld">
-      <pc:chgData name="Gibbons, Carl" userId="d2b037bc-8fb4-4222-845c-61440543a456" providerId="ADAL" clId="{CE68D2EA-6C33-4320-B171-B4C637EE57D5}" dt="2024-02-04T05:12:30.446" v="2225" actId="5793"/>
-      <pc:docMkLst>
-        <pc:docMk/>
-      </pc:docMkLst>
-      <pc:sldChg chg="modSp mod">
-        <pc:chgData name="Gibbons, Carl" userId="d2b037bc-8fb4-4222-845c-61440543a456" providerId="ADAL" clId="{CE68D2EA-6C33-4320-B171-B4C637EE57D5}" dt="2024-02-04T04:34:37.470" v="1" actId="20577"/>
-        <pc:sldMkLst>
-          <pc:docMk/>
-          <pc:sldMk cId="3308175748" sldId="256"/>
-        </pc:sldMkLst>
-        <pc:spChg chg="mod">
-          <ac:chgData name="Gibbons, Carl" userId="d2b037bc-8fb4-4222-845c-61440543a456" providerId="ADAL" clId="{CE68D2EA-6C33-4320-B171-B4C637EE57D5}" dt="2024-02-04T04:34:37.470" v="1" actId="20577"/>
-          <ac:spMkLst>
-            <pc:docMk/>
-            <pc:sldMk cId="3308175748" sldId="256"/>
-            <ac:spMk id="3" creationId="{EEC4D41B-E776-05F2-BE0B-89BB339485AB}"/>
-          </ac:spMkLst>
-        </pc:spChg>
-      </pc:sldChg>
-      <pc:sldChg chg="modSp mod">
-        <pc:chgData name="Gibbons, Carl" userId="d2b037bc-8fb4-4222-845c-61440543a456" providerId="ADAL" clId="{CE68D2EA-6C33-4320-B171-B4C637EE57D5}" dt="2024-02-04T04:45:39.551" v="829" actId="20577"/>
-        <pc:sldMkLst>
-          <pc:docMk/>
-          <pc:sldMk cId="2312486803" sldId="261"/>
-        </pc:sldMkLst>
-        <pc:spChg chg="mod">
-          <ac:chgData name="Gibbons, Carl" userId="d2b037bc-8fb4-4222-845c-61440543a456" providerId="ADAL" clId="{CE68D2EA-6C33-4320-B171-B4C637EE57D5}" dt="2024-02-04T04:35:06.801" v="27" actId="20577"/>
-          <ac:spMkLst>
-            <pc:docMk/>
-            <pc:sldMk cId="2312486803" sldId="261"/>
-            <ac:spMk id="2" creationId="{31B75992-5098-A283-4925-2CCEBB801DC5}"/>
-          </ac:spMkLst>
-        </pc:spChg>
-        <pc:spChg chg="mod">
-          <ac:chgData name="Gibbons, Carl" userId="d2b037bc-8fb4-4222-845c-61440543a456" providerId="ADAL" clId="{CE68D2EA-6C33-4320-B171-B4C637EE57D5}" dt="2024-02-04T04:45:39.551" v="829" actId="20577"/>
-          <ac:spMkLst>
-            <pc:docMk/>
-            <pc:sldMk cId="2312486803" sldId="261"/>
-            <ac:spMk id="3" creationId="{B5924E0F-A977-1710-779D-EEB74261AF34}"/>
-          </ac:spMkLst>
-        </pc:spChg>
-      </pc:sldChg>
-      <pc:sldChg chg="modSp mod">
-        <pc:chgData name="Gibbons, Carl" userId="d2b037bc-8fb4-4222-845c-61440543a456" providerId="ADAL" clId="{CE68D2EA-6C33-4320-B171-B4C637EE57D5}" dt="2024-02-04T05:12:30.446" v="2225" actId="5793"/>
-        <pc:sldMkLst>
-          <pc:docMk/>
-          <pc:sldMk cId="3885141102" sldId="262"/>
-        </pc:sldMkLst>
-        <pc:spChg chg="mod">
-          <ac:chgData name="Gibbons, Carl" userId="d2b037bc-8fb4-4222-845c-61440543a456" providerId="ADAL" clId="{CE68D2EA-6C33-4320-B171-B4C637EE57D5}" dt="2024-02-04T05:12:30.446" v="2225" actId="5793"/>
-          <ac:spMkLst>
-            <pc:docMk/>
-            <pc:sldMk cId="3885141102" sldId="262"/>
-            <ac:spMk id="3" creationId="{B5924E0F-A977-1710-779D-EEB74261AF34}"/>
-          </ac:spMkLst>
-        </pc:spChg>
-      </pc:sldChg>
-      <pc:sldChg chg="del">
-        <pc:chgData name="Gibbons, Carl" userId="d2b037bc-8fb4-4222-845c-61440543a456" providerId="ADAL" clId="{CE68D2EA-6C33-4320-B171-B4C637EE57D5}" dt="2024-02-04T05:02:32.591" v="1790" actId="2696"/>
-        <pc:sldMkLst>
-          <pc:docMk/>
-          <pc:sldMk cId="1719402288" sldId="263"/>
-        </pc:sldMkLst>
-      </pc:sldChg>
-      <pc:sldChg chg="modSp mod">
-        <pc:chgData name="Gibbons, Carl" userId="d2b037bc-8fb4-4222-845c-61440543a456" providerId="ADAL" clId="{CE68D2EA-6C33-4320-B171-B4C637EE57D5}" dt="2024-02-04T05:01:45.101" v="1789" actId="2711"/>
-        <pc:sldMkLst>
-          <pc:docMk/>
-          <pc:sldMk cId="2993794741" sldId="265"/>
-        </pc:sldMkLst>
-        <pc:spChg chg="mod">
-          <ac:chgData name="Gibbons, Carl" userId="d2b037bc-8fb4-4222-845c-61440543a456" providerId="ADAL" clId="{CE68D2EA-6C33-4320-B171-B4C637EE57D5}" dt="2024-02-04T04:46:22.730" v="881" actId="20577"/>
-          <ac:spMkLst>
-            <pc:docMk/>
-            <pc:sldMk cId="2993794741" sldId="265"/>
-            <ac:spMk id="2" creationId="{31B75992-5098-A283-4925-2CCEBB801DC5}"/>
-          </ac:spMkLst>
-        </pc:spChg>
-        <pc:spChg chg="mod">
-          <ac:chgData name="Gibbons, Carl" userId="d2b037bc-8fb4-4222-845c-61440543a456" providerId="ADAL" clId="{CE68D2EA-6C33-4320-B171-B4C637EE57D5}" dt="2024-02-04T05:01:45.101" v="1789" actId="2711"/>
-          <ac:spMkLst>
-            <pc:docMk/>
-            <pc:sldMk cId="2993794741" sldId="265"/>
-            <ac:spMk id="3" creationId="{B5924E0F-A977-1710-779D-EEB74261AF34}"/>
-          </ac:spMkLst>
-        </pc:spChg>
-      </pc:sldChg>
-    </pc:docChg>
-  </pc:docChgLst>
-  <pc:docChgLst>
-    <pc:chgData name="Gibbons, Carl" userId="d2b037bc-8fb4-4222-845c-61440543a456" providerId="ADAL" clId="{B22431BF-FF40-422E-84B9-DE35C0B96CC3}"/>
-    <pc:docChg chg="undo custSel delSld modSld">
-      <pc:chgData name="Gibbons, Carl" userId="d2b037bc-8fb4-4222-845c-61440543a456" providerId="ADAL" clId="{B22431BF-FF40-422E-84B9-DE35C0B96CC3}" dt="2024-01-04T23:02:20.392" v="6116" actId="20577"/>
-      <pc:docMkLst>
-        <pc:docMk/>
-      </pc:docMkLst>
-      <pc:sldChg chg="modSp mod">
-        <pc:chgData name="Gibbons, Carl" userId="d2b037bc-8fb4-4222-845c-61440543a456" providerId="ADAL" clId="{B22431BF-FF40-422E-84B9-DE35C0B96CC3}" dt="2023-12-29T21:56:55.022" v="36" actId="20577"/>
-        <pc:sldMkLst>
-          <pc:docMk/>
-          <pc:sldMk cId="3308175748" sldId="256"/>
-        </pc:sldMkLst>
-        <pc:spChg chg="mod">
-          <ac:chgData name="Gibbons, Carl" userId="d2b037bc-8fb4-4222-845c-61440543a456" providerId="ADAL" clId="{B22431BF-FF40-422E-84B9-DE35C0B96CC3}" dt="2023-12-29T21:56:55.022" v="36" actId="20577"/>
-          <ac:spMkLst>
-            <pc:docMk/>
-            <pc:sldMk cId="3308175748" sldId="256"/>
-            <ac:spMk id="3" creationId="{EEC4D41B-E776-05F2-BE0B-89BB339485AB}"/>
-          </ac:spMkLst>
-        </pc:spChg>
-      </pc:sldChg>
-      <pc:sldChg chg="modSp mod">
-        <pc:chgData name="Gibbons, Carl" userId="d2b037bc-8fb4-4222-845c-61440543a456" providerId="ADAL" clId="{B22431BF-FF40-422E-84B9-DE35C0B96CC3}" dt="2024-01-04T23:00:14.898" v="6013" actId="20577"/>
-        <pc:sldMkLst>
-          <pc:docMk/>
-          <pc:sldMk cId="2312486803" sldId="261"/>
-        </pc:sldMkLst>
-        <pc:spChg chg="mod">
-          <ac:chgData name="Gibbons, Carl" userId="d2b037bc-8fb4-4222-845c-61440543a456" providerId="ADAL" clId="{B22431BF-FF40-422E-84B9-DE35C0B96CC3}" dt="2023-12-29T22:08:30.114" v="43" actId="20577"/>
-          <ac:spMkLst>
-            <pc:docMk/>
-            <pc:sldMk cId="2312486803" sldId="261"/>
-            <ac:spMk id="2" creationId="{31B75992-5098-A283-4925-2CCEBB801DC5}"/>
-          </ac:spMkLst>
-        </pc:spChg>
-        <pc:spChg chg="mod">
-          <ac:chgData name="Gibbons, Carl" userId="d2b037bc-8fb4-4222-845c-61440543a456" providerId="ADAL" clId="{B22431BF-FF40-422E-84B9-DE35C0B96CC3}" dt="2024-01-04T23:00:14.898" v="6013" actId="20577"/>
-          <ac:spMkLst>
-            <pc:docMk/>
-            <pc:sldMk cId="2312486803" sldId="261"/>
-            <ac:spMk id="3" creationId="{B5924E0F-A977-1710-779D-EEB74261AF34}"/>
-          </ac:spMkLst>
-        </pc:spChg>
-      </pc:sldChg>
-      <pc:sldChg chg="del">
-        <pc:chgData name="Gibbons, Carl" userId="d2b037bc-8fb4-4222-845c-61440543a456" providerId="ADAL" clId="{B22431BF-FF40-422E-84B9-DE35C0B96CC3}" dt="2023-12-30T00:06:35.373" v="5939" actId="47"/>
-        <pc:sldMkLst>
-          <pc:docMk/>
-          <pc:sldMk cId="657795359" sldId="277"/>
-        </pc:sldMkLst>
-      </pc:sldChg>
-      <pc:sldChg chg="modSp mod">
-        <pc:chgData name="Gibbons, Carl" userId="d2b037bc-8fb4-4222-845c-61440543a456" providerId="ADAL" clId="{B22431BF-FF40-422E-84B9-DE35C0B96CC3}" dt="2023-12-29T22:43:19.687" v="2380" actId="20577"/>
-        <pc:sldMkLst>
-          <pc:docMk/>
-          <pc:sldMk cId="3989541258" sldId="278"/>
-        </pc:sldMkLst>
-        <pc:spChg chg="mod">
-          <ac:chgData name="Gibbons, Carl" userId="d2b037bc-8fb4-4222-845c-61440543a456" providerId="ADAL" clId="{B22431BF-FF40-422E-84B9-DE35C0B96CC3}" dt="2023-12-29T22:43:19.687" v="2380" actId="20577"/>
-          <ac:spMkLst>
-            <pc:docMk/>
-            <pc:sldMk cId="3989541258" sldId="278"/>
-            <ac:spMk id="2" creationId="{31B75992-5098-A283-4925-2CCEBB801DC5}"/>
-          </ac:spMkLst>
-        </pc:spChg>
-        <pc:spChg chg="mod">
-          <ac:chgData name="Gibbons, Carl" userId="d2b037bc-8fb4-4222-845c-61440543a456" providerId="ADAL" clId="{B22431BF-FF40-422E-84B9-DE35C0B96CC3}" dt="2023-12-29T22:42:57.446" v="2316" actId="21"/>
-          <ac:spMkLst>
-            <pc:docMk/>
-            <pc:sldMk cId="3989541258" sldId="278"/>
-            <ac:spMk id="3" creationId="{B5924E0F-A977-1710-779D-EEB74261AF34}"/>
-          </ac:spMkLst>
-        </pc:spChg>
-      </pc:sldChg>
-      <pc:sldChg chg="modSp mod">
-        <pc:chgData name="Gibbons, Carl" userId="d2b037bc-8fb4-4222-845c-61440543a456" providerId="ADAL" clId="{B22431BF-FF40-422E-84B9-DE35C0B96CC3}" dt="2024-01-04T23:02:20.392" v="6116" actId="20577"/>
-        <pc:sldMkLst>
-          <pc:docMk/>
-          <pc:sldMk cId="1861646120" sldId="293"/>
-        </pc:sldMkLst>
-        <pc:spChg chg="mod">
-          <ac:chgData name="Gibbons, Carl" userId="d2b037bc-8fb4-4222-845c-61440543a456" providerId="ADAL" clId="{B22431BF-FF40-422E-84B9-DE35C0B96CC3}" dt="2023-12-29T22:43:38.151" v="2422" actId="20577"/>
-          <ac:spMkLst>
-            <pc:docMk/>
-            <pc:sldMk cId="1861646120" sldId="293"/>
-            <ac:spMk id="2" creationId="{31B75992-5098-A283-4925-2CCEBB801DC5}"/>
-          </ac:spMkLst>
-        </pc:spChg>
-        <pc:spChg chg="mod">
-          <ac:chgData name="Gibbons, Carl" userId="d2b037bc-8fb4-4222-845c-61440543a456" providerId="ADAL" clId="{B22431BF-FF40-422E-84B9-DE35C0B96CC3}" dt="2024-01-04T23:02:20.392" v="6116" actId="20577"/>
-          <ac:spMkLst>
-            <pc:docMk/>
-            <pc:sldMk cId="1861646120" sldId="293"/>
-            <ac:spMk id="3" creationId="{B5924E0F-A977-1710-779D-EEB74261AF34}"/>
-          </ac:spMkLst>
-        </pc:spChg>
-      </pc:sldChg>
-      <pc:sldChg chg="modSp mod">
-        <pc:chgData name="Gibbons, Carl" userId="d2b037bc-8fb4-4222-845c-61440543a456" providerId="ADAL" clId="{B22431BF-FF40-422E-84B9-DE35C0B96CC3}" dt="2023-12-30T00:07:46.447" v="5951" actId="20577"/>
-        <pc:sldMkLst>
-          <pc:docMk/>
-          <pc:sldMk cId="2232562783" sldId="294"/>
-        </pc:sldMkLst>
-        <pc:spChg chg="mod">
-          <ac:chgData name="Gibbons, Carl" userId="d2b037bc-8fb4-4222-845c-61440543a456" providerId="ADAL" clId="{B22431BF-FF40-422E-84B9-DE35C0B96CC3}" dt="2023-12-30T00:07:46.447" v="5951" actId="20577"/>
-          <ac:spMkLst>
-            <pc:docMk/>
-            <pc:sldMk cId="2232562783" sldId="294"/>
-            <ac:spMk id="2" creationId="{31B75992-5098-A283-4925-2CCEBB801DC5}"/>
-          </ac:spMkLst>
-        </pc:spChg>
-        <pc:spChg chg="mod">
-          <ac:chgData name="Gibbons, Carl" userId="d2b037bc-8fb4-4222-845c-61440543a456" providerId="ADAL" clId="{B22431BF-FF40-422E-84B9-DE35C0B96CC3}" dt="2023-12-29T23:10:49.132" v="4131" actId="20577"/>
-          <ac:spMkLst>
-            <pc:docMk/>
-            <pc:sldMk cId="2232562783" sldId="294"/>
-            <ac:spMk id="3" creationId="{B5924E0F-A977-1710-779D-EEB74261AF34}"/>
-          </ac:spMkLst>
-        </pc:spChg>
-      </pc:sldChg>
-      <pc:sldChg chg="modSp del mod">
-        <pc:chgData name="Gibbons, Carl" userId="d2b037bc-8fb4-4222-845c-61440543a456" providerId="ADAL" clId="{B22431BF-FF40-422E-84B9-DE35C0B96CC3}" dt="2023-12-30T00:06:31.761" v="5934" actId="47"/>
-        <pc:sldMkLst>
-          <pc:docMk/>
-          <pc:sldMk cId="806767687" sldId="295"/>
-        </pc:sldMkLst>
-        <pc:spChg chg="mod">
-          <ac:chgData name="Gibbons, Carl" userId="d2b037bc-8fb4-4222-845c-61440543a456" providerId="ADAL" clId="{B22431BF-FF40-422E-84B9-DE35C0B96CC3}" dt="2023-12-29T23:17:23.085" v="4333" actId="20577"/>
-          <ac:spMkLst>
-            <pc:docMk/>
-            <pc:sldMk cId="806767687" sldId="295"/>
-            <ac:spMk id="3" creationId="{B5924E0F-A977-1710-779D-EEB74261AF34}"/>
-          </ac:spMkLst>
-        </pc:spChg>
-      </pc:sldChg>
-      <pc:sldChg chg="del">
-        <pc:chgData name="Gibbons, Carl" userId="d2b037bc-8fb4-4222-845c-61440543a456" providerId="ADAL" clId="{B22431BF-FF40-422E-84B9-DE35C0B96CC3}" dt="2023-12-30T00:06:32.570" v="5935" actId="47"/>
-        <pc:sldMkLst>
-          <pc:docMk/>
-          <pc:sldMk cId="3145157247" sldId="296"/>
-        </pc:sldMkLst>
-      </pc:sldChg>
-      <pc:sldChg chg="del">
-        <pc:chgData name="Gibbons, Carl" userId="d2b037bc-8fb4-4222-845c-61440543a456" providerId="ADAL" clId="{B22431BF-FF40-422E-84B9-DE35C0B96CC3}" dt="2023-12-30T00:06:33.242" v="5936" actId="47"/>
-        <pc:sldMkLst>
-          <pc:docMk/>
-          <pc:sldMk cId="2424714671" sldId="297"/>
-        </pc:sldMkLst>
-      </pc:sldChg>
-      <pc:sldChg chg="del">
-        <pc:chgData name="Gibbons, Carl" userId="d2b037bc-8fb4-4222-845c-61440543a456" providerId="ADAL" clId="{B22431BF-FF40-422E-84B9-DE35C0B96CC3}" dt="2023-12-30T00:06:33.834" v="5937" actId="47"/>
-        <pc:sldMkLst>
-          <pc:docMk/>
-          <pc:sldMk cId="3450195044" sldId="298"/>
-        </pc:sldMkLst>
-      </pc:sldChg>
-      <pc:sldChg chg="del">
-        <pc:chgData name="Gibbons, Carl" userId="d2b037bc-8fb4-4222-845c-61440543a456" providerId="ADAL" clId="{B22431BF-FF40-422E-84B9-DE35C0B96CC3}" dt="2023-12-30T00:06:34.432" v="5938" actId="47"/>
-        <pc:sldMkLst>
-          <pc:docMk/>
-          <pc:sldMk cId="3633122843" sldId="299"/>
-        </pc:sldMkLst>
-      </pc:sldChg>
-      <pc:sldChg chg="modSp mod">
-        <pc:chgData name="Gibbons, Carl" userId="d2b037bc-8fb4-4222-845c-61440543a456" providerId="ADAL" clId="{B22431BF-FF40-422E-84B9-DE35C0B96CC3}" dt="2023-12-30T00:07:51.836" v="5963" actId="20577"/>
-        <pc:sldMkLst>
-          <pc:docMk/>
-          <pc:sldMk cId="845747584" sldId="300"/>
-        </pc:sldMkLst>
-        <pc:spChg chg="mod">
-          <ac:chgData name="Gibbons, Carl" userId="d2b037bc-8fb4-4222-845c-61440543a456" providerId="ADAL" clId="{B22431BF-FF40-422E-84B9-DE35C0B96CC3}" dt="2023-12-30T00:07:51.836" v="5963" actId="20577"/>
-          <ac:spMkLst>
-            <pc:docMk/>
-            <pc:sldMk cId="845747584" sldId="300"/>
-            <ac:spMk id="2" creationId="{31B75992-5098-A283-4925-2CCEBB801DC5}"/>
-          </ac:spMkLst>
-        </pc:spChg>
-        <pc:spChg chg="mod">
-          <ac:chgData name="Gibbons, Carl" userId="d2b037bc-8fb4-4222-845c-61440543a456" providerId="ADAL" clId="{B22431BF-FF40-422E-84B9-DE35C0B96CC3}" dt="2023-12-29T23:21:57.151" v="4600" actId="20577"/>
-          <ac:spMkLst>
-            <pc:docMk/>
-            <pc:sldMk cId="845747584" sldId="300"/>
-            <ac:spMk id="3" creationId="{B5924E0F-A977-1710-779D-EEB74261AF34}"/>
-          </ac:spMkLst>
-        </pc:spChg>
-      </pc:sldChg>
-      <pc:sldChg chg="modSp mod">
-        <pc:chgData name="Gibbons, Carl" userId="d2b037bc-8fb4-4222-845c-61440543a456" providerId="ADAL" clId="{B22431BF-FF40-422E-84B9-DE35C0B96CC3}" dt="2023-12-30T00:07:56.869" v="5975" actId="20577"/>
-        <pc:sldMkLst>
-          <pc:docMk/>
-          <pc:sldMk cId="3372579319" sldId="301"/>
-        </pc:sldMkLst>
-        <pc:spChg chg="mod">
-          <ac:chgData name="Gibbons, Carl" userId="d2b037bc-8fb4-4222-845c-61440543a456" providerId="ADAL" clId="{B22431BF-FF40-422E-84B9-DE35C0B96CC3}" dt="2023-12-30T00:07:56.869" v="5975" actId="20577"/>
-          <ac:spMkLst>
-            <pc:docMk/>
-            <pc:sldMk cId="3372579319" sldId="301"/>
-            <ac:spMk id="2" creationId="{31B75992-5098-A283-4925-2CCEBB801DC5}"/>
-          </ac:spMkLst>
-        </pc:spChg>
-        <pc:spChg chg="mod">
-          <ac:chgData name="Gibbons, Carl" userId="d2b037bc-8fb4-4222-845c-61440543a456" providerId="ADAL" clId="{B22431BF-FF40-422E-84B9-DE35C0B96CC3}" dt="2023-12-30T00:06:13.959" v="5932" actId="20577"/>
-          <ac:spMkLst>
-            <pc:docMk/>
-            <pc:sldMk cId="3372579319" sldId="301"/>
-            <ac:spMk id="3" creationId="{B5924E0F-A977-1710-779D-EEB74261AF34}"/>
-          </ac:spMkLst>
-        </pc:spChg>
-      </pc:sldChg>
-      <pc:sldChg chg="modSp del mod">
-        <pc:chgData name="Gibbons, Carl" userId="d2b037bc-8fb4-4222-845c-61440543a456" providerId="ADAL" clId="{B22431BF-FF40-422E-84B9-DE35C0B96CC3}" dt="2023-12-30T00:06:30.511" v="5933" actId="47"/>
-        <pc:sldMkLst>
-          <pc:docMk/>
-          <pc:sldMk cId="3488854045" sldId="302"/>
-        </pc:sldMkLst>
-        <pc:spChg chg="mod">
-          <ac:chgData name="Gibbons, Carl" userId="d2b037bc-8fb4-4222-845c-61440543a456" providerId="ADAL" clId="{B22431BF-FF40-422E-84B9-DE35C0B96CC3}" dt="2023-12-29T23:32:30.137" v="5532" actId="20577"/>
-          <ac:spMkLst>
-            <pc:docMk/>
-            <pc:sldMk cId="3488854045" sldId="302"/>
-            <ac:spMk id="2" creationId="{31B75992-5098-A283-4925-2CCEBB801DC5}"/>
-          </ac:spMkLst>
-        </pc:spChg>
-        <pc:spChg chg="mod">
-          <ac:chgData name="Gibbons, Carl" userId="d2b037bc-8fb4-4222-845c-61440543a456" providerId="ADAL" clId="{B22431BF-FF40-422E-84B9-DE35C0B96CC3}" dt="2023-12-29T23:35:41.617" v="5912" actId="20577"/>
-          <ac:spMkLst>
-            <pc:docMk/>
-            <pc:sldMk cId="3488854045" sldId="302"/>
-            <ac:spMk id="3" creationId="{B5924E0F-A977-1710-779D-EEB74261AF34}"/>
-          </ac:spMkLst>
-        </pc:spChg>
-      </pc:sldChg>
-    </pc:docChg>
-  </pc:docChgLst>
-  <pc:docChgLst>
-    <pc:chgData name="Gibbons, Carl" userId="d2b037bc-8fb4-4222-845c-61440543a456" providerId="ADAL" clId="{C1E6ABF6-BAED-4B26-97DB-20A1E8B7A1A4}"/>
-    <pc:docChg chg="custSel modSld">
-      <pc:chgData name="Gibbons, Carl" userId="d2b037bc-8fb4-4222-845c-61440543a456" providerId="ADAL" clId="{C1E6ABF6-BAED-4B26-97DB-20A1E8B7A1A4}" dt="2023-12-06T02:23:48.337" v="274" actId="20577"/>
-      <pc:docMkLst>
-        <pc:docMk/>
-      </pc:docMkLst>
-      <pc:sldChg chg="modSp mod">
-        <pc:chgData name="Gibbons, Carl" userId="d2b037bc-8fb4-4222-845c-61440543a456" providerId="ADAL" clId="{C1E6ABF6-BAED-4B26-97DB-20A1E8B7A1A4}" dt="2023-11-21T16:22:17.597" v="97" actId="20577"/>
-        <pc:sldMkLst>
-          <pc:docMk/>
-          <pc:sldMk cId="3308175748" sldId="256"/>
-        </pc:sldMkLst>
-        <pc:spChg chg="mod">
-          <ac:chgData name="Gibbons, Carl" userId="d2b037bc-8fb4-4222-845c-61440543a456" providerId="ADAL" clId="{C1E6ABF6-BAED-4B26-97DB-20A1E8B7A1A4}" dt="2023-11-21T05:49:34.464" v="2"/>
-          <ac:spMkLst>
-            <pc:docMk/>
-            <pc:sldMk cId="3308175748" sldId="256"/>
-            <ac:spMk id="2" creationId="{ACEA2649-DC6B-3373-A7E6-7F0E103D8B8B}"/>
-          </ac:spMkLst>
-        </pc:spChg>
-        <pc:spChg chg="mod">
-          <ac:chgData name="Gibbons, Carl" userId="d2b037bc-8fb4-4222-845c-61440543a456" providerId="ADAL" clId="{C1E6ABF6-BAED-4B26-97DB-20A1E8B7A1A4}" dt="2023-11-21T16:22:17.597" v="97" actId="20577"/>
-          <ac:spMkLst>
-            <pc:docMk/>
-            <pc:sldMk cId="3308175748" sldId="256"/>
-            <ac:spMk id="3" creationId="{EEC4D41B-E776-05F2-BE0B-89BB339485AB}"/>
-          </ac:spMkLst>
-        </pc:spChg>
-        <pc:spChg chg="mod">
-          <ac:chgData name="Gibbons, Carl" userId="d2b037bc-8fb4-4222-845c-61440543a456" providerId="ADAL" clId="{C1E6ABF6-BAED-4B26-97DB-20A1E8B7A1A4}" dt="2023-11-21T05:49:34.464" v="2"/>
-          <ac:spMkLst>
-            <pc:docMk/>
-            <pc:sldMk cId="3308175748" sldId="256"/>
-            <ac:spMk id="4" creationId="{4664ABB7-0B55-0242-2E51-B3286EE7B5EB}"/>
-          </ac:spMkLst>
-        </pc:spChg>
-      </pc:sldChg>
-      <pc:sldChg chg="modSp">
-        <pc:chgData name="Gibbons, Carl" userId="d2b037bc-8fb4-4222-845c-61440543a456" providerId="ADAL" clId="{C1E6ABF6-BAED-4B26-97DB-20A1E8B7A1A4}" dt="2023-11-21T05:49:34.464" v="2"/>
-        <pc:sldMkLst>
-          <pc:docMk/>
-          <pc:sldMk cId="2312486803" sldId="261"/>
-        </pc:sldMkLst>
-        <pc:spChg chg="mod">
-          <ac:chgData name="Gibbons, Carl" userId="d2b037bc-8fb4-4222-845c-61440543a456" providerId="ADAL" clId="{C1E6ABF6-BAED-4B26-97DB-20A1E8B7A1A4}" dt="2023-11-21T05:49:34.464" v="2"/>
-          <ac:spMkLst>
-            <pc:docMk/>
-            <pc:sldMk cId="2312486803" sldId="261"/>
-            <ac:spMk id="2" creationId="{31B75992-5098-A283-4925-2CCEBB801DC5}"/>
-          </ac:spMkLst>
-        </pc:spChg>
-      </pc:sldChg>
-      <pc:sldChg chg="modSp mod">
-        <pc:chgData name="Gibbons, Carl" userId="d2b037bc-8fb4-4222-845c-61440543a456" providerId="ADAL" clId="{C1E6ABF6-BAED-4B26-97DB-20A1E8B7A1A4}" dt="2023-11-21T07:48:19.790" v="77" actId="20577"/>
-        <pc:sldMkLst>
-          <pc:docMk/>
-          <pc:sldMk cId="378743348" sldId="270"/>
-        </pc:sldMkLst>
-        <pc:spChg chg="mod">
-          <ac:chgData name="Gibbons, Carl" userId="d2b037bc-8fb4-4222-845c-61440543a456" providerId="ADAL" clId="{C1E6ABF6-BAED-4B26-97DB-20A1E8B7A1A4}" dt="2023-11-21T07:48:19.790" v="77" actId="20577"/>
-          <ac:spMkLst>
-            <pc:docMk/>
-            <pc:sldMk cId="378743348" sldId="270"/>
-            <ac:spMk id="3" creationId="{80041865-9773-290D-EB35-F8AF8BFC505C}"/>
-          </ac:spMkLst>
-        </pc:spChg>
-      </pc:sldChg>
-      <pc:sldChg chg="modSp mod">
-        <pc:chgData name="Gibbons, Carl" userId="d2b037bc-8fb4-4222-845c-61440543a456" providerId="ADAL" clId="{C1E6ABF6-BAED-4B26-97DB-20A1E8B7A1A4}" dt="2023-12-06T02:23:48.337" v="274" actId="20577"/>
-        <pc:sldMkLst>
-          <pc:docMk/>
-          <pc:sldMk cId="657795359" sldId="277"/>
-        </pc:sldMkLst>
-        <pc:spChg chg="mod">
-          <ac:chgData name="Gibbons, Carl" userId="d2b037bc-8fb4-4222-845c-61440543a456" providerId="ADAL" clId="{C1E6ABF6-BAED-4B26-97DB-20A1E8B7A1A4}" dt="2023-11-21T05:49:34.464" v="2"/>
-          <ac:spMkLst>
-            <pc:docMk/>
-            <pc:sldMk cId="657795359" sldId="277"/>
-            <ac:spMk id="2" creationId="{1862E903-3C56-BB42-2361-009F2336475A}"/>
-          </ac:spMkLst>
-        </pc:spChg>
-        <pc:spChg chg="mod">
-          <ac:chgData name="Gibbons, Carl" userId="d2b037bc-8fb4-4222-845c-61440543a456" providerId="ADAL" clId="{C1E6ABF6-BAED-4B26-97DB-20A1E8B7A1A4}" dt="2023-12-06T02:23:48.337" v="274" actId="20577"/>
-          <ac:spMkLst>
-            <pc:docMk/>
-            <pc:sldMk cId="657795359" sldId="277"/>
-            <ac:spMk id="3" creationId="{90179172-96B3-95D0-A137-257770BE7642}"/>
-          </ac:spMkLst>
-        </pc:spChg>
-      </pc:sldChg>
-    </pc:docChg>
-  </pc:docChgLst>
-  <pc:docChgLst>
-    <pc:chgData name="Gibbons, Carl" userId="d2b037bc-8fb4-4222-845c-61440543a456" providerId="ADAL" clId="{AA20781C-E693-4A15-9A9D-8345B65B3F1D}"/>
-    <pc:docChg chg="undo redo custSel modSld">
-      <pc:chgData name="Gibbons, Carl" userId="d2b037bc-8fb4-4222-845c-61440543a456" providerId="ADAL" clId="{AA20781C-E693-4A15-9A9D-8345B65B3F1D}" dt="2024-05-23T21:31:01.738" v="4787" actId="20577"/>
-      <pc:docMkLst>
-        <pc:docMk/>
-      </pc:docMkLst>
-      <pc:sldChg chg="modSp mod">
-        <pc:chgData name="Gibbons, Carl" userId="d2b037bc-8fb4-4222-845c-61440543a456" providerId="ADAL" clId="{AA20781C-E693-4A15-9A9D-8345B65B3F1D}" dt="2024-05-23T18:19:28.406" v="19" actId="20577"/>
-        <pc:sldMkLst>
-          <pc:docMk/>
-          <pc:sldMk cId="3308175748" sldId="256"/>
-        </pc:sldMkLst>
-        <pc:spChg chg="mod">
-          <ac:chgData name="Gibbons, Carl" userId="d2b037bc-8fb4-4222-845c-61440543a456" providerId="ADAL" clId="{AA20781C-E693-4A15-9A9D-8345B65B3F1D}" dt="2024-05-23T18:19:28.406" v="19" actId="20577"/>
-          <ac:spMkLst>
-            <pc:docMk/>
-            <pc:sldMk cId="3308175748" sldId="256"/>
-            <ac:spMk id="3" creationId="{EEC4D41B-E776-05F2-BE0B-89BB339485AB}"/>
-          </ac:spMkLst>
-        </pc:spChg>
-      </pc:sldChg>
-      <pc:sldChg chg="modSp mod">
-        <pc:chgData name="Gibbons, Carl" userId="d2b037bc-8fb4-4222-845c-61440543a456" providerId="ADAL" clId="{AA20781C-E693-4A15-9A9D-8345B65B3F1D}" dt="2024-05-23T20:24:35.054" v="4771" actId="20577"/>
-        <pc:sldMkLst>
-          <pc:docMk/>
-          <pc:sldMk cId="3885141102" sldId="262"/>
-        </pc:sldMkLst>
-        <pc:spChg chg="mod">
-          <ac:chgData name="Gibbons, Carl" userId="d2b037bc-8fb4-4222-845c-61440543a456" providerId="ADAL" clId="{AA20781C-E693-4A15-9A9D-8345B65B3F1D}" dt="2024-05-23T20:24:35.054" v="4771" actId="20577"/>
-          <ac:spMkLst>
-            <pc:docMk/>
-            <pc:sldMk cId="3885141102" sldId="262"/>
-            <ac:spMk id="3" creationId="{B5924E0F-A977-1710-779D-EEB74261AF34}"/>
-          </ac:spMkLst>
-        </pc:spChg>
-      </pc:sldChg>
-      <pc:sldChg chg="addSp modSp mod">
-        <pc:chgData name="Gibbons, Carl" userId="d2b037bc-8fb4-4222-845c-61440543a456" providerId="ADAL" clId="{AA20781C-E693-4A15-9A9D-8345B65B3F1D}" dt="2024-05-23T21:31:01.738" v="4787" actId="20577"/>
-        <pc:sldMkLst>
-          <pc:docMk/>
-          <pc:sldMk cId="1196559129" sldId="264"/>
-        </pc:sldMkLst>
-        <pc:spChg chg="mod">
-          <ac:chgData name="Gibbons, Carl" userId="d2b037bc-8fb4-4222-845c-61440543a456" providerId="ADAL" clId="{AA20781C-E693-4A15-9A9D-8345B65B3F1D}" dt="2024-05-23T19:41:13.692" v="2966" actId="20577"/>
-          <ac:spMkLst>
-            <pc:docMk/>
-            <pc:sldMk cId="1196559129" sldId="264"/>
-            <ac:spMk id="2" creationId="{0E6A2DEF-4501-FAEA-A31C-4FDCBD076712}"/>
-          </ac:spMkLst>
-        </pc:spChg>
-        <pc:spChg chg="add mod">
-          <ac:chgData name="Gibbons, Carl" userId="d2b037bc-8fb4-4222-845c-61440543a456" providerId="ADAL" clId="{AA20781C-E693-4A15-9A9D-8345B65B3F1D}" dt="2024-05-23T20:01:54.455" v="3649" actId="15"/>
-          <ac:spMkLst>
-            <pc:docMk/>
-            <pc:sldMk cId="1196559129" sldId="264"/>
-            <ac:spMk id="3" creationId="{6DB565A6-DDA9-BD81-B7C7-3069323CA90A}"/>
-          </ac:spMkLst>
-        </pc:spChg>
-        <pc:spChg chg="add mod">
-          <ac:chgData name="Gibbons, Carl" userId="d2b037bc-8fb4-4222-845c-61440543a456" providerId="ADAL" clId="{AA20781C-E693-4A15-9A9D-8345B65B3F1D}" dt="2024-05-23T21:31:01.738" v="4787" actId="20577"/>
-          <ac:spMkLst>
-            <pc:docMk/>
-            <pc:sldMk cId="1196559129" sldId="264"/>
-            <ac:spMk id="4" creationId="{5F95AB98-4F6F-01E3-47E3-C88B1F1E9664}"/>
-          </ac:spMkLst>
-        </pc:spChg>
-        <pc:spChg chg="mod">
-          <ac:chgData name="Gibbons, Carl" userId="d2b037bc-8fb4-4222-845c-61440543a456" providerId="ADAL" clId="{AA20781C-E693-4A15-9A9D-8345B65B3F1D}" dt="2024-05-23T20:01:46.060" v="3645" actId="15"/>
-          <ac:spMkLst>
-            <pc:docMk/>
-            <pc:sldMk cId="1196559129" sldId="264"/>
-            <ac:spMk id="7" creationId="{4247D23F-F3F9-676F-BDEB-E69E1F0AB32C}"/>
-          </ac:spMkLst>
-        </pc:spChg>
-      </pc:sldChg>
-      <pc:sldChg chg="modSp mod">
-        <pc:chgData name="Gibbons, Carl" userId="d2b037bc-8fb4-4222-845c-61440543a456" providerId="ADAL" clId="{AA20781C-E693-4A15-9A9D-8345B65B3F1D}" dt="2024-05-23T19:39:33.179" v="2853" actId="2711"/>
-        <pc:sldMkLst>
-          <pc:docMk/>
-          <pc:sldMk cId="1400208519" sldId="265"/>
-        </pc:sldMkLst>
-        <pc:spChg chg="mod">
-          <ac:chgData name="Gibbons, Carl" userId="d2b037bc-8fb4-4222-845c-61440543a456" providerId="ADAL" clId="{AA20781C-E693-4A15-9A9D-8345B65B3F1D}" dt="2024-05-23T19:01:29.624" v="970" actId="20577"/>
-          <ac:spMkLst>
-            <pc:docMk/>
-            <pc:sldMk cId="1400208519" sldId="265"/>
-            <ac:spMk id="2" creationId="{832B45BA-6309-D8F6-D552-10D836B4EB21}"/>
-          </ac:spMkLst>
-        </pc:spChg>
-        <pc:spChg chg="mod">
-          <ac:chgData name="Gibbons, Carl" userId="d2b037bc-8fb4-4222-845c-61440543a456" providerId="ADAL" clId="{AA20781C-E693-4A15-9A9D-8345B65B3F1D}" dt="2024-05-23T19:39:33.179" v="2853" actId="2711"/>
-          <ac:spMkLst>
-            <pc:docMk/>
-            <pc:sldMk cId="1400208519" sldId="265"/>
-            <ac:spMk id="7" creationId="{3CE889EF-4605-DB73-C7B2-D7E3C4957F48}"/>
-          </ac:spMkLst>
-        </pc:spChg>
-      </pc:sldChg>
-      <pc:sldChg chg="modSp mod">
-        <pc:chgData name="Gibbons, Carl" userId="d2b037bc-8fb4-4222-845c-61440543a456" providerId="ADAL" clId="{AA20781C-E693-4A15-9A9D-8345B65B3F1D}" dt="2024-05-23T20:21:13.456" v="4392" actId="20577"/>
-        <pc:sldMkLst>
-          <pc:docMk/>
-          <pc:sldMk cId="1467586035" sldId="266"/>
-        </pc:sldMkLst>
-        <pc:spChg chg="mod">
-          <ac:chgData name="Gibbons, Carl" userId="d2b037bc-8fb4-4222-845c-61440543a456" providerId="ADAL" clId="{AA20781C-E693-4A15-9A9D-8345B65B3F1D}" dt="2024-05-23T20:06:18.037" v="3951" actId="20577"/>
-          <ac:spMkLst>
-            <pc:docMk/>
-            <pc:sldMk cId="1467586035" sldId="266"/>
-            <ac:spMk id="2" creationId="{F5533765-AE4D-3586-BFF0-C73FF51C6B9B}"/>
-          </ac:spMkLst>
-        </pc:spChg>
-        <pc:spChg chg="mod">
-          <ac:chgData name="Gibbons, Carl" userId="d2b037bc-8fb4-4222-845c-61440543a456" providerId="ADAL" clId="{AA20781C-E693-4A15-9A9D-8345B65B3F1D}" dt="2024-05-23T20:21:13.456" v="4392" actId="20577"/>
-          <ac:spMkLst>
-            <pc:docMk/>
-            <pc:sldMk cId="1467586035" sldId="266"/>
-            <ac:spMk id="7" creationId="{56F98B9D-53CB-0D01-51DD-F6B452AAB6C5}"/>
-          </ac:spMkLst>
-        </pc:spChg>
-      </pc:sldChg>
-    </pc:docChg>
-  </pc:docChgLst>
-  <pc:docChgLst>
-    <pc:chgData name="Gibbons, Carl" userId="d2b037bc-8fb4-4222-845c-61440543a456" providerId="ADAL" clId="{3F16957D-3CF8-4F94-B0D9-126F32AD7D53}"/>
-    <pc:docChg chg="custSel delSld modSld">
-      <pc:chgData name="Gibbons, Carl" userId="d2b037bc-8fb4-4222-845c-61440543a456" providerId="ADAL" clId="{3F16957D-3CF8-4F94-B0D9-126F32AD7D53}" dt="2024-02-20T18:17:07.896" v="2268" actId="20577"/>
-      <pc:docMkLst>
-        <pc:docMk/>
-      </pc:docMkLst>
-      <pc:sldChg chg="modSp mod">
-        <pc:chgData name="Gibbons, Carl" userId="d2b037bc-8fb4-4222-845c-61440543a456" providerId="ADAL" clId="{3F16957D-3CF8-4F94-B0D9-126F32AD7D53}" dt="2024-02-20T17:54:02.532" v="23" actId="20577"/>
-        <pc:sldMkLst>
-          <pc:docMk/>
-          <pc:sldMk cId="3308175748" sldId="256"/>
-        </pc:sldMkLst>
-        <pc:spChg chg="mod">
-          <ac:chgData name="Gibbons, Carl" userId="d2b037bc-8fb4-4222-845c-61440543a456" providerId="ADAL" clId="{3F16957D-3CF8-4F94-B0D9-126F32AD7D53}" dt="2024-02-20T17:54:02.532" v="23" actId="20577"/>
-          <ac:spMkLst>
-            <pc:docMk/>
-            <pc:sldMk cId="3308175748" sldId="256"/>
-            <ac:spMk id="3" creationId="{EEC4D41B-E776-05F2-BE0B-89BB339485AB}"/>
-          </ac:spMkLst>
-        </pc:spChg>
-      </pc:sldChg>
-      <pc:sldChg chg="del">
-        <pc:chgData name="Gibbons, Carl" userId="d2b037bc-8fb4-4222-845c-61440543a456" providerId="ADAL" clId="{3F16957D-3CF8-4F94-B0D9-126F32AD7D53}" dt="2024-02-20T17:54:06.303" v="24" actId="47"/>
-        <pc:sldMkLst>
-          <pc:docMk/>
-          <pc:sldMk cId="3979649407" sldId="259"/>
-        </pc:sldMkLst>
-      </pc:sldChg>
-      <pc:sldChg chg="modSp mod">
-        <pc:chgData name="Gibbons, Carl" userId="d2b037bc-8fb4-4222-845c-61440543a456" providerId="ADAL" clId="{3F16957D-3CF8-4F94-B0D9-126F32AD7D53}" dt="2024-02-20T18:06:52.868" v="1177" actId="313"/>
-        <pc:sldMkLst>
-          <pc:docMk/>
-          <pc:sldMk cId="3885141102" sldId="262"/>
-        </pc:sldMkLst>
-        <pc:spChg chg="mod">
-          <ac:chgData name="Gibbons, Carl" userId="d2b037bc-8fb4-4222-845c-61440543a456" providerId="ADAL" clId="{3F16957D-3CF8-4F94-B0D9-126F32AD7D53}" dt="2024-02-20T18:06:52.868" v="1177" actId="313"/>
-          <ac:spMkLst>
-            <pc:docMk/>
-            <pc:sldMk cId="3885141102" sldId="262"/>
-            <ac:spMk id="3" creationId="{B5924E0F-A977-1710-779D-EEB74261AF34}"/>
-          </ac:spMkLst>
-        </pc:spChg>
-      </pc:sldChg>
-      <pc:sldChg chg="delSp modSp mod">
-        <pc:chgData name="Gibbons, Carl" userId="d2b037bc-8fb4-4222-845c-61440543a456" providerId="ADAL" clId="{3F16957D-3CF8-4F94-B0D9-126F32AD7D53}" dt="2024-02-20T18:04:22.967" v="1114" actId="20577"/>
-        <pc:sldMkLst>
-          <pc:docMk/>
-          <pc:sldMk cId="1196559129" sldId="264"/>
-        </pc:sldMkLst>
-        <pc:spChg chg="mod">
-          <ac:chgData name="Gibbons, Carl" userId="d2b037bc-8fb4-4222-845c-61440543a456" providerId="ADAL" clId="{3F16957D-3CF8-4F94-B0D9-126F32AD7D53}" dt="2024-02-20T17:54:51.385" v="108" actId="20577"/>
-          <ac:spMkLst>
-            <pc:docMk/>
-            <pc:sldMk cId="1196559129" sldId="264"/>
-            <ac:spMk id="2" creationId="{0E6A2DEF-4501-FAEA-A31C-4FDCBD076712}"/>
-          </ac:spMkLst>
-        </pc:spChg>
-        <pc:spChg chg="del">
-          <ac:chgData name="Gibbons, Carl" userId="d2b037bc-8fb4-4222-845c-61440543a456" providerId="ADAL" clId="{3F16957D-3CF8-4F94-B0D9-126F32AD7D53}" dt="2024-02-20T17:55:30.328" v="123" actId="478"/>
-          <ac:spMkLst>
-            <pc:docMk/>
-            <pc:sldMk cId="1196559129" sldId="264"/>
-            <ac:spMk id="3" creationId="{3D14E407-E782-7E7A-34C1-5C9B517D7996}"/>
-          </ac:spMkLst>
-        </pc:spChg>
-        <pc:spChg chg="del">
-          <ac:chgData name="Gibbons, Carl" userId="d2b037bc-8fb4-4222-845c-61440543a456" providerId="ADAL" clId="{3F16957D-3CF8-4F94-B0D9-126F32AD7D53}" dt="2024-02-20T17:55:35.116" v="124" actId="478"/>
-          <ac:spMkLst>
-            <pc:docMk/>
-            <pc:sldMk cId="1196559129" sldId="264"/>
-            <ac:spMk id="4" creationId="{A5C2117C-95FD-BD27-85E2-3A7873734773}"/>
-          </ac:spMkLst>
-        </pc:spChg>
-        <pc:spChg chg="mod">
-          <ac:chgData name="Gibbons, Carl" userId="d2b037bc-8fb4-4222-845c-61440543a456" providerId="ADAL" clId="{3F16957D-3CF8-4F94-B0D9-126F32AD7D53}" dt="2024-02-20T18:04:22.967" v="1114" actId="20577"/>
-          <ac:spMkLst>
-            <pc:docMk/>
-            <pc:sldMk cId="1196559129" sldId="264"/>
-            <ac:spMk id="7" creationId="{4247D23F-F3F9-676F-BDEB-E69E1F0AB32C}"/>
-          </ac:spMkLst>
-        </pc:spChg>
-      </pc:sldChg>
-      <pc:sldChg chg="modSp mod">
-        <pc:chgData name="Gibbons, Carl" userId="d2b037bc-8fb4-4222-845c-61440543a456" providerId="ADAL" clId="{3F16957D-3CF8-4F94-B0D9-126F32AD7D53}" dt="2024-02-20T18:17:07.896" v="2268" actId="20577"/>
-        <pc:sldMkLst>
-          <pc:docMk/>
-          <pc:sldMk cId="1400208519" sldId="265"/>
-        </pc:sldMkLst>
-        <pc:spChg chg="mod">
-          <ac:chgData name="Gibbons, Carl" userId="d2b037bc-8fb4-4222-845c-61440543a456" providerId="ADAL" clId="{3F16957D-3CF8-4F94-B0D9-126F32AD7D53}" dt="2024-02-20T18:06:08.798" v="1133" actId="20577"/>
-          <ac:spMkLst>
-            <pc:docMk/>
-            <pc:sldMk cId="1400208519" sldId="265"/>
-            <ac:spMk id="2" creationId="{832B45BA-6309-D8F6-D552-10D836B4EB21}"/>
-          </ac:spMkLst>
-        </pc:spChg>
-        <pc:spChg chg="mod">
-          <ac:chgData name="Gibbons, Carl" userId="d2b037bc-8fb4-4222-845c-61440543a456" providerId="ADAL" clId="{3F16957D-3CF8-4F94-B0D9-126F32AD7D53}" dt="2024-02-20T18:17:07.896" v="2268" actId="20577"/>
-          <ac:spMkLst>
-            <pc:docMk/>
-            <pc:sldMk cId="1400208519" sldId="265"/>
-            <ac:spMk id="7" creationId="{3CE889EF-4605-DB73-C7B2-D7E3C4957F48}"/>
-          </ac:spMkLst>
-        </pc:spChg>
-      </pc:sldChg>
-      <pc:sldChg chg="del">
-        <pc:chgData name="Gibbons, Carl" userId="d2b037bc-8fb4-4222-845c-61440543a456" providerId="ADAL" clId="{3F16957D-3CF8-4F94-B0D9-126F32AD7D53}" dt="2024-02-20T18:06:16.494" v="1134" actId="2696"/>
-        <pc:sldMkLst>
-          <pc:docMk/>
-          <pc:sldMk cId="1959728496" sldId="266"/>
-        </pc:sldMkLst>
-      </pc:sldChg>
-    </pc:docChg>
-  </pc:docChgLst>
-  <pc:docChgLst>
-    <pc:chgData name="Gibbons, Carl" userId="d2b037bc-8fb4-4222-845c-61440543a456" providerId="ADAL" clId="{8C497311-FA0D-4174-880A-DAA4EEB2BF3B}"/>
-    <pc:docChg chg="custSel delSld modSld">
-      <pc:chgData name="Gibbons, Carl" userId="d2b037bc-8fb4-4222-845c-61440543a456" providerId="ADAL" clId="{8C497311-FA0D-4174-880A-DAA4EEB2BF3B}" dt="2023-12-29T17:07:57.293" v="7187" actId="20577"/>
-      <pc:docMkLst>
-        <pc:docMk/>
-      </pc:docMkLst>
-      <pc:sldChg chg="modSp mod">
-        <pc:chgData name="Gibbons, Carl" userId="d2b037bc-8fb4-4222-845c-61440543a456" providerId="ADAL" clId="{8C497311-FA0D-4174-880A-DAA4EEB2BF3B}" dt="2023-12-29T17:06:57.427" v="7098" actId="20577"/>
-        <pc:sldMkLst>
-          <pc:docMk/>
-          <pc:sldMk cId="3308175748" sldId="256"/>
-        </pc:sldMkLst>
-        <pc:spChg chg="mod">
-          <ac:chgData name="Gibbons, Carl" userId="d2b037bc-8fb4-4222-845c-61440543a456" providerId="ADAL" clId="{8C497311-FA0D-4174-880A-DAA4EEB2BF3B}" dt="2023-12-29T17:06:57.427" v="7098" actId="20577"/>
-          <ac:spMkLst>
-            <pc:docMk/>
-            <pc:sldMk cId="3308175748" sldId="256"/>
-            <ac:spMk id="3" creationId="{EEC4D41B-E776-05F2-BE0B-89BB339485AB}"/>
-          </ac:spMkLst>
-        </pc:spChg>
-      </pc:sldChg>
-      <pc:sldChg chg="modSp mod">
-        <pc:chgData name="Gibbons, Carl" userId="d2b037bc-8fb4-4222-845c-61440543a456" providerId="ADAL" clId="{8C497311-FA0D-4174-880A-DAA4EEB2BF3B}" dt="2023-12-29T15:08:44.674" v="3403" actId="20577"/>
-        <pc:sldMkLst>
-          <pc:docMk/>
-          <pc:sldMk cId="2312486803" sldId="261"/>
-        </pc:sldMkLst>
-        <pc:spChg chg="mod">
-          <ac:chgData name="Gibbons, Carl" userId="d2b037bc-8fb4-4222-845c-61440543a456" providerId="ADAL" clId="{8C497311-FA0D-4174-880A-DAA4EEB2BF3B}" dt="2023-12-29T14:20:41.496" v="51" actId="20577"/>
-          <ac:spMkLst>
-            <pc:docMk/>
-            <pc:sldMk cId="2312486803" sldId="261"/>
-            <ac:spMk id="2" creationId="{31B75992-5098-A283-4925-2CCEBB801DC5}"/>
-          </ac:spMkLst>
-        </pc:spChg>
-        <pc:spChg chg="mod">
-          <ac:chgData name="Gibbons, Carl" userId="d2b037bc-8fb4-4222-845c-61440543a456" providerId="ADAL" clId="{8C497311-FA0D-4174-880A-DAA4EEB2BF3B}" dt="2023-12-29T15:08:44.674" v="3403" actId="20577"/>
-          <ac:spMkLst>
-            <pc:docMk/>
-            <pc:sldMk cId="2312486803" sldId="261"/>
-            <ac:spMk id="3" creationId="{B5924E0F-A977-1710-779D-EEB74261AF34}"/>
-          </ac:spMkLst>
-        </pc:spChg>
-      </pc:sldChg>
-      <pc:sldChg chg="delSp modSp mod">
-        <pc:chgData name="Gibbons, Carl" userId="d2b037bc-8fb4-4222-845c-61440543a456" providerId="ADAL" clId="{8C497311-FA0D-4174-880A-DAA4EEB2BF3B}" dt="2023-12-29T17:07:57.293" v="7187" actId="20577"/>
-        <pc:sldMkLst>
-          <pc:docMk/>
-          <pc:sldMk cId="657795359" sldId="277"/>
-        </pc:sldMkLst>
-        <pc:spChg chg="mod">
-          <ac:chgData name="Gibbons, Carl" userId="d2b037bc-8fb4-4222-845c-61440543a456" providerId="ADAL" clId="{8C497311-FA0D-4174-880A-DAA4EEB2BF3B}" dt="2023-12-29T17:07:57.293" v="7187" actId="20577"/>
-          <ac:spMkLst>
-            <pc:docMk/>
-            <pc:sldMk cId="657795359" sldId="277"/>
-            <ac:spMk id="2" creationId="{1862E903-3C56-BB42-2361-009F2336475A}"/>
-          </ac:spMkLst>
-        </pc:spChg>
-        <pc:spChg chg="del mod">
-          <ac:chgData name="Gibbons, Carl" userId="d2b037bc-8fb4-4222-845c-61440543a456" providerId="ADAL" clId="{8C497311-FA0D-4174-880A-DAA4EEB2BF3B}" dt="2023-12-29T17:07:50.480" v="7185"/>
-          <ac:spMkLst>
-            <pc:docMk/>
-            <pc:sldMk cId="657795359" sldId="277"/>
-            <ac:spMk id="3" creationId="{90179172-96B3-95D0-A137-257770BE7642}"/>
-          </ac:spMkLst>
-        </pc:spChg>
-      </pc:sldChg>
-      <pc:sldChg chg="modSp mod">
-        <pc:chgData name="Gibbons, Carl" userId="d2b037bc-8fb4-4222-845c-61440543a456" providerId="ADAL" clId="{8C497311-FA0D-4174-880A-DAA4EEB2BF3B}" dt="2023-12-29T15:35:37.192" v="6042" actId="5793"/>
-        <pc:sldMkLst>
-          <pc:docMk/>
-          <pc:sldMk cId="3989541258" sldId="278"/>
-        </pc:sldMkLst>
-        <pc:spChg chg="mod">
-          <ac:chgData name="Gibbons, Carl" userId="d2b037bc-8fb4-4222-845c-61440543a456" providerId="ADAL" clId="{8C497311-FA0D-4174-880A-DAA4EEB2BF3B}" dt="2023-12-29T15:09:22.213" v="3411" actId="20577"/>
-          <ac:spMkLst>
-            <pc:docMk/>
-            <pc:sldMk cId="3989541258" sldId="278"/>
-            <ac:spMk id="2" creationId="{31B75992-5098-A283-4925-2CCEBB801DC5}"/>
-          </ac:spMkLst>
-        </pc:spChg>
-        <pc:spChg chg="mod">
-          <ac:chgData name="Gibbons, Carl" userId="d2b037bc-8fb4-4222-845c-61440543a456" providerId="ADAL" clId="{8C497311-FA0D-4174-880A-DAA4EEB2BF3B}" dt="2023-12-29T15:35:37.192" v="6042" actId="5793"/>
-          <ac:spMkLst>
-            <pc:docMk/>
-            <pc:sldMk cId="3989541258" sldId="278"/>
-            <ac:spMk id="3" creationId="{B5924E0F-A977-1710-779D-EEB74261AF34}"/>
-          </ac:spMkLst>
-        </pc:spChg>
-      </pc:sldChg>
-      <pc:sldChg chg="del">
-        <pc:chgData name="Gibbons, Carl" userId="d2b037bc-8fb4-4222-845c-61440543a456" providerId="ADAL" clId="{8C497311-FA0D-4174-880A-DAA4EEB2BF3B}" dt="2023-12-29T17:07:06.467" v="7099" actId="47"/>
-        <pc:sldMkLst>
-          <pc:docMk/>
-          <pc:sldMk cId="2335633195" sldId="279"/>
-        </pc:sldMkLst>
-      </pc:sldChg>
-      <pc:sldChg chg="del">
-        <pc:chgData name="Gibbons, Carl" userId="d2b037bc-8fb4-4222-845c-61440543a456" providerId="ADAL" clId="{8C497311-FA0D-4174-880A-DAA4EEB2BF3B}" dt="2023-12-29T17:07:07.395" v="7100" actId="47"/>
-        <pc:sldMkLst>
-          <pc:docMk/>
-          <pc:sldMk cId="1284534978" sldId="280"/>
-        </pc:sldMkLst>
-      </pc:sldChg>
-      <pc:sldChg chg="del">
-        <pc:chgData name="Gibbons, Carl" userId="d2b037bc-8fb4-4222-845c-61440543a456" providerId="ADAL" clId="{8C497311-FA0D-4174-880A-DAA4EEB2BF3B}" dt="2023-12-29T17:07:07.895" v="7101" actId="47"/>
-        <pc:sldMkLst>
-          <pc:docMk/>
-          <pc:sldMk cId="1802585387" sldId="281"/>
-        </pc:sldMkLst>
-      </pc:sldChg>
-      <pc:sldChg chg="del">
-        <pc:chgData name="Gibbons, Carl" userId="d2b037bc-8fb4-4222-845c-61440543a456" providerId="ADAL" clId="{8C497311-FA0D-4174-880A-DAA4EEB2BF3B}" dt="2023-12-29T17:07:08.365" v="7102" actId="47"/>
-        <pc:sldMkLst>
-          <pc:docMk/>
-          <pc:sldMk cId="724803187" sldId="282"/>
-        </pc:sldMkLst>
-      </pc:sldChg>
-      <pc:sldChg chg="del">
-        <pc:chgData name="Gibbons, Carl" userId="d2b037bc-8fb4-4222-845c-61440543a456" providerId="ADAL" clId="{8C497311-FA0D-4174-880A-DAA4EEB2BF3B}" dt="2023-12-29T17:07:08.842" v="7103" actId="47"/>
-        <pc:sldMkLst>
-          <pc:docMk/>
-          <pc:sldMk cId="1926009205" sldId="283"/>
-        </pc:sldMkLst>
-      </pc:sldChg>
-      <pc:sldChg chg="del">
-        <pc:chgData name="Gibbons, Carl" userId="d2b037bc-8fb4-4222-845c-61440543a456" providerId="ADAL" clId="{8C497311-FA0D-4174-880A-DAA4EEB2BF3B}" dt="2023-12-29T17:07:09.362" v="7104" actId="47"/>
-        <pc:sldMkLst>
-          <pc:docMk/>
-          <pc:sldMk cId="2366216895" sldId="284"/>
-        </pc:sldMkLst>
-      </pc:sldChg>
-      <pc:sldChg chg="del">
-        <pc:chgData name="Gibbons, Carl" userId="d2b037bc-8fb4-4222-845c-61440543a456" providerId="ADAL" clId="{8C497311-FA0D-4174-880A-DAA4EEB2BF3B}" dt="2023-12-29T17:07:09.925" v="7105" actId="47"/>
-        <pc:sldMkLst>
-          <pc:docMk/>
-          <pc:sldMk cId="3371896289" sldId="285"/>
-        </pc:sldMkLst>
-      </pc:sldChg>
-      <pc:sldChg chg="del">
-        <pc:chgData name="Gibbons, Carl" userId="d2b037bc-8fb4-4222-845c-61440543a456" providerId="ADAL" clId="{8C497311-FA0D-4174-880A-DAA4EEB2BF3B}" dt="2023-12-29T17:07:10.474" v="7106" actId="47"/>
-        <pc:sldMkLst>
-          <pc:docMk/>
-          <pc:sldMk cId="3193160409" sldId="286"/>
-        </pc:sldMkLst>
-      </pc:sldChg>
-      <pc:sldChg chg="del">
-        <pc:chgData name="Gibbons, Carl" userId="d2b037bc-8fb4-4222-845c-61440543a456" providerId="ADAL" clId="{8C497311-FA0D-4174-880A-DAA4EEB2BF3B}" dt="2023-12-29T17:07:11.056" v="7107" actId="47"/>
-        <pc:sldMkLst>
-          <pc:docMk/>
-          <pc:sldMk cId="2688338374" sldId="287"/>
-        </pc:sldMkLst>
-      </pc:sldChg>
-      <pc:sldChg chg="del">
-        <pc:chgData name="Gibbons, Carl" userId="d2b037bc-8fb4-4222-845c-61440543a456" providerId="ADAL" clId="{8C497311-FA0D-4174-880A-DAA4EEB2BF3B}" dt="2023-12-29T17:07:11.624" v="7108" actId="47"/>
-        <pc:sldMkLst>
-          <pc:docMk/>
-          <pc:sldMk cId="2142935017" sldId="288"/>
-        </pc:sldMkLst>
-      </pc:sldChg>
-      <pc:sldChg chg="del">
-        <pc:chgData name="Gibbons, Carl" userId="d2b037bc-8fb4-4222-845c-61440543a456" providerId="ADAL" clId="{8C497311-FA0D-4174-880A-DAA4EEB2BF3B}" dt="2023-12-29T17:07:12.218" v="7109" actId="47"/>
-        <pc:sldMkLst>
-          <pc:docMk/>
-          <pc:sldMk cId="2784625941" sldId="289"/>
-        </pc:sldMkLst>
-      </pc:sldChg>
-      <pc:sldChg chg="del">
-        <pc:chgData name="Gibbons, Carl" userId="d2b037bc-8fb4-4222-845c-61440543a456" providerId="ADAL" clId="{8C497311-FA0D-4174-880A-DAA4EEB2BF3B}" dt="2023-12-29T17:07:12.802" v="7110" actId="47"/>
-        <pc:sldMkLst>
-          <pc:docMk/>
-          <pc:sldMk cId="1677974689" sldId="290"/>
-        </pc:sldMkLst>
-      </pc:sldChg>
-      <pc:sldChg chg="del">
-        <pc:chgData name="Gibbons, Carl" userId="d2b037bc-8fb4-4222-845c-61440543a456" providerId="ADAL" clId="{8C497311-FA0D-4174-880A-DAA4EEB2BF3B}" dt="2023-12-29T17:07:13.420" v="7111" actId="47"/>
-        <pc:sldMkLst>
-          <pc:docMk/>
-          <pc:sldMk cId="4219326696" sldId="291"/>
-        </pc:sldMkLst>
-      </pc:sldChg>
-      <pc:sldChg chg="del">
-        <pc:chgData name="Gibbons, Carl" userId="d2b037bc-8fb4-4222-845c-61440543a456" providerId="ADAL" clId="{8C497311-FA0D-4174-880A-DAA4EEB2BF3B}" dt="2023-12-29T17:07:14.054" v="7112" actId="47"/>
-        <pc:sldMkLst>
-          <pc:docMk/>
-          <pc:sldMk cId="33911121" sldId="292"/>
-        </pc:sldMkLst>
-      </pc:sldChg>
-      <pc:sldChg chg="modSp mod">
-        <pc:chgData name="Gibbons, Carl" userId="d2b037bc-8fb4-4222-845c-61440543a456" providerId="ADAL" clId="{8C497311-FA0D-4174-880A-DAA4EEB2BF3B}" dt="2023-12-29T15:43:57.081" v="7062" actId="20577"/>
-        <pc:sldMkLst>
-          <pc:docMk/>
-          <pc:sldMk cId="1861646120" sldId="293"/>
-        </pc:sldMkLst>
-        <pc:spChg chg="mod">
-          <ac:chgData name="Gibbons, Carl" userId="d2b037bc-8fb4-4222-845c-61440543a456" providerId="ADAL" clId="{8C497311-FA0D-4174-880A-DAA4EEB2BF3B}" dt="2023-12-29T15:36:21.703" v="6112" actId="20577"/>
-          <ac:spMkLst>
-            <pc:docMk/>
-            <pc:sldMk cId="1861646120" sldId="293"/>
-            <ac:spMk id="2" creationId="{31B75992-5098-A283-4925-2CCEBB801DC5}"/>
-          </ac:spMkLst>
-        </pc:spChg>
-        <pc:spChg chg="mod">
-          <ac:chgData name="Gibbons, Carl" userId="d2b037bc-8fb4-4222-845c-61440543a456" providerId="ADAL" clId="{8C497311-FA0D-4174-880A-DAA4EEB2BF3B}" dt="2023-12-29T15:43:57.081" v="7062" actId="20577"/>
-          <ac:spMkLst>
-            <pc:docMk/>
-            <pc:sldMk cId="1861646120" sldId="293"/>
-            <ac:spMk id="3" creationId="{B5924E0F-A977-1710-779D-EEB74261AF34}"/>
-          </ac:spMkLst>
-        </pc:spChg>
-      </pc:sldChg>
-    </pc:docChg>
-  </pc:docChgLst>
-  <pc:docChgLst>
-    <pc:chgData name="Gibbons, Carl" userId="d2b037bc-8fb4-4222-845c-61440543a456" providerId="ADAL" clId="{4505F98C-4CC4-4983-9729-597D2A150C85}"/>
-    <pc:docChg chg="undo custSel addSld delSld modSld">
-      <pc:chgData name="Gibbons, Carl" userId="d2b037bc-8fb4-4222-845c-61440543a456" providerId="ADAL" clId="{4505F98C-4CC4-4983-9729-597D2A150C85}" dt="2023-12-29T02:21:47.448" v="17685" actId="20577"/>
-      <pc:docMkLst>
-        <pc:docMk/>
-      </pc:docMkLst>
-      <pc:sldChg chg="modSp mod">
-        <pc:chgData name="Gibbons, Carl" userId="d2b037bc-8fb4-4222-845c-61440543a456" providerId="ADAL" clId="{4505F98C-4CC4-4983-9729-597D2A150C85}" dt="2023-12-28T22:02:31.848" v="28" actId="20577"/>
-        <pc:sldMkLst>
-          <pc:docMk/>
-          <pc:sldMk cId="3308175748" sldId="256"/>
-        </pc:sldMkLst>
-        <pc:spChg chg="mod">
-          <ac:chgData name="Gibbons, Carl" userId="d2b037bc-8fb4-4222-845c-61440543a456" providerId="ADAL" clId="{4505F98C-4CC4-4983-9729-597D2A150C85}" dt="2023-12-28T22:02:31.848" v="28" actId="20577"/>
-          <ac:spMkLst>
-            <pc:docMk/>
-            <pc:sldMk cId="3308175748" sldId="256"/>
-            <ac:spMk id="3" creationId="{EEC4D41B-E776-05F2-BE0B-89BB339485AB}"/>
-          </ac:spMkLst>
-        </pc:spChg>
-      </pc:sldChg>
-      <pc:sldChg chg="modSp mod">
-        <pc:chgData name="Gibbons, Carl" userId="d2b037bc-8fb4-4222-845c-61440543a456" providerId="ADAL" clId="{4505F98C-4CC4-4983-9729-597D2A150C85}" dt="2023-12-28T22:45:53.299" v="4302" actId="20577"/>
-        <pc:sldMkLst>
-          <pc:docMk/>
-          <pc:sldMk cId="2312486803" sldId="261"/>
-        </pc:sldMkLst>
-        <pc:spChg chg="mod">
-          <ac:chgData name="Gibbons, Carl" userId="d2b037bc-8fb4-4222-845c-61440543a456" providerId="ADAL" clId="{4505F98C-4CC4-4983-9729-597D2A150C85}" dt="2023-12-28T22:02:40.492" v="50" actId="20577"/>
-          <ac:spMkLst>
-            <pc:docMk/>
-            <pc:sldMk cId="2312486803" sldId="261"/>
-            <ac:spMk id="2" creationId="{31B75992-5098-A283-4925-2CCEBB801DC5}"/>
-          </ac:spMkLst>
-        </pc:spChg>
-        <pc:spChg chg="mod">
-          <ac:chgData name="Gibbons, Carl" userId="d2b037bc-8fb4-4222-845c-61440543a456" providerId="ADAL" clId="{4505F98C-4CC4-4983-9729-597D2A150C85}" dt="2023-12-28T22:45:53.299" v="4302" actId="20577"/>
-          <ac:spMkLst>
-            <pc:docMk/>
-            <pc:sldMk cId="2312486803" sldId="261"/>
-            <ac:spMk id="3" creationId="{B5924E0F-A977-1710-779D-EEB74261AF34}"/>
-          </ac:spMkLst>
-        </pc:spChg>
-      </pc:sldChg>
-      <pc:sldChg chg="modSp mod">
-        <pc:chgData name="Gibbons, Carl" userId="d2b037bc-8fb4-4222-845c-61440543a456" providerId="ADAL" clId="{4505F98C-4CC4-4983-9729-597D2A150C85}" dt="2023-12-29T02:18:39.170" v="17623" actId="20577"/>
-        <pc:sldMkLst>
-          <pc:docMk/>
-          <pc:sldMk cId="657795359" sldId="277"/>
-        </pc:sldMkLst>
-        <pc:spChg chg="mod">
-          <ac:chgData name="Gibbons, Carl" userId="d2b037bc-8fb4-4222-845c-61440543a456" providerId="ADAL" clId="{4505F98C-4CC4-4983-9729-597D2A150C85}" dt="2023-12-29T02:18:39.170" v="17623" actId="20577"/>
-          <ac:spMkLst>
-            <pc:docMk/>
-            <pc:sldMk cId="657795359" sldId="277"/>
-            <ac:spMk id="3" creationId="{90179172-96B3-95D0-A137-257770BE7642}"/>
-          </ac:spMkLst>
-        </pc:spChg>
-      </pc:sldChg>
-      <pc:sldChg chg="modSp mod">
-        <pc:chgData name="Gibbons, Carl" userId="d2b037bc-8fb4-4222-845c-61440543a456" providerId="ADAL" clId="{4505F98C-4CC4-4983-9729-597D2A150C85}" dt="2023-12-29T02:21:47.448" v="17685" actId="20577"/>
-        <pc:sldMkLst>
-          <pc:docMk/>
-          <pc:sldMk cId="3989541258" sldId="278"/>
-        </pc:sldMkLst>
-        <pc:spChg chg="mod">
-          <ac:chgData name="Gibbons, Carl" userId="d2b037bc-8fb4-4222-845c-61440543a456" providerId="ADAL" clId="{4505F98C-4CC4-4983-9729-597D2A150C85}" dt="2023-12-28T22:23:56.363" v="2262" actId="20577"/>
-          <ac:spMkLst>
-            <pc:docMk/>
-            <pc:sldMk cId="3989541258" sldId="278"/>
-            <ac:spMk id="2" creationId="{31B75992-5098-A283-4925-2CCEBB801DC5}"/>
-          </ac:spMkLst>
-        </pc:spChg>
-        <pc:spChg chg="mod">
-          <ac:chgData name="Gibbons, Carl" userId="d2b037bc-8fb4-4222-845c-61440543a456" providerId="ADAL" clId="{4505F98C-4CC4-4983-9729-597D2A150C85}" dt="2023-12-29T02:21:47.448" v="17685" actId="20577"/>
-          <ac:spMkLst>
-            <pc:docMk/>
-            <pc:sldMk cId="3989541258" sldId="278"/>
-            <ac:spMk id="3" creationId="{B5924E0F-A977-1710-779D-EEB74261AF34}"/>
-          </ac:spMkLst>
-        </pc:spChg>
-      </pc:sldChg>
-      <pc:sldChg chg="modSp mod">
-        <pc:chgData name="Gibbons, Carl" userId="d2b037bc-8fb4-4222-845c-61440543a456" providerId="ADAL" clId="{4505F98C-4CC4-4983-9729-597D2A150C85}" dt="2023-12-29T00:21:55.646" v="8344" actId="20577"/>
-        <pc:sldMkLst>
-          <pc:docMk/>
-          <pc:sldMk cId="2335633195" sldId="279"/>
-        </pc:sldMkLst>
-        <pc:spChg chg="mod">
-          <ac:chgData name="Gibbons, Carl" userId="d2b037bc-8fb4-4222-845c-61440543a456" providerId="ADAL" clId="{4505F98C-4CC4-4983-9729-597D2A150C85}" dt="2023-12-29T00:21:55.646" v="8344" actId="20577"/>
-          <ac:spMkLst>
-            <pc:docMk/>
-            <pc:sldMk cId="2335633195" sldId="279"/>
-            <ac:spMk id="2" creationId="{31B75992-5098-A283-4925-2CCEBB801DC5}"/>
-          </ac:spMkLst>
-        </pc:spChg>
-        <pc:spChg chg="mod">
-          <ac:chgData name="Gibbons, Carl" userId="d2b037bc-8fb4-4222-845c-61440543a456" providerId="ADAL" clId="{4505F98C-4CC4-4983-9729-597D2A150C85}" dt="2023-12-28T22:56:22.080" v="4730" actId="20577"/>
-          <ac:spMkLst>
-            <pc:docMk/>
-            <pc:sldMk cId="2335633195" sldId="279"/>
-            <ac:spMk id="3" creationId="{B5924E0F-A977-1710-779D-EEB74261AF34}"/>
-          </ac:spMkLst>
-        </pc:spChg>
-      </pc:sldChg>
-      <pc:sldChg chg="modSp add mod">
-        <pc:chgData name="Gibbons, Carl" userId="d2b037bc-8fb4-4222-845c-61440543a456" providerId="ADAL" clId="{4505F98C-4CC4-4983-9729-597D2A150C85}" dt="2023-12-28T23:39:19.135" v="5592" actId="20577"/>
-        <pc:sldMkLst>
-          <pc:docMk/>
-          <pc:sldMk cId="1284534978" sldId="280"/>
-        </pc:sldMkLst>
-        <pc:spChg chg="mod">
-          <ac:chgData name="Gibbons, Carl" userId="d2b037bc-8fb4-4222-845c-61440543a456" providerId="ADAL" clId="{4505F98C-4CC4-4983-9729-597D2A150C85}" dt="2023-12-28T23:26:13.166" v="4743" actId="20577"/>
-          <ac:spMkLst>
-            <pc:docMk/>
-            <pc:sldMk cId="1284534978" sldId="280"/>
-            <ac:spMk id="2" creationId="{31B75992-5098-A283-4925-2CCEBB801DC5}"/>
-          </ac:spMkLst>
-        </pc:spChg>
-        <pc:spChg chg="mod">
-          <ac:chgData name="Gibbons, Carl" userId="d2b037bc-8fb4-4222-845c-61440543a456" providerId="ADAL" clId="{4505F98C-4CC4-4983-9729-597D2A150C85}" dt="2023-12-28T23:39:19.135" v="5592" actId="20577"/>
-          <ac:spMkLst>
-            <pc:docMk/>
-            <pc:sldMk cId="1284534978" sldId="280"/>
-            <ac:spMk id="3" creationId="{B5924E0F-A977-1710-779D-EEB74261AF34}"/>
-          </ac:spMkLst>
-        </pc:spChg>
-      </pc:sldChg>
-      <pc:sldChg chg="modSp mod">
-        <pc:chgData name="Gibbons, Carl" userId="d2b037bc-8fb4-4222-845c-61440543a456" providerId="ADAL" clId="{4505F98C-4CC4-4983-9729-597D2A150C85}" dt="2023-12-28T23:42:19.634" v="5967" actId="20577"/>
-        <pc:sldMkLst>
-          <pc:docMk/>
-          <pc:sldMk cId="1802585387" sldId="281"/>
-        </pc:sldMkLst>
-        <pc:spChg chg="mod">
-          <ac:chgData name="Gibbons, Carl" userId="d2b037bc-8fb4-4222-845c-61440543a456" providerId="ADAL" clId="{4505F98C-4CC4-4983-9729-597D2A150C85}" dt="2023-12-28T23:34:47.360" v="5351" actId="20577"/>
-          <ac:spMkLst>
-            <pc:docMk/>
-            <pc:sldMk cId="1802585387" sldId="281"/>
-            <ac:spMk id="2" creationId="{31B75992-5098-A283-4925-2CCEBB801DC5}"/>
-          </ac:spMkLst>
-        </pc:spChg>
-        <pc:spChg chg="mod">
-          <ac:chgData name="Gibbons, Carl" userId="d2b037bc-8fb4-4222-845c-61440543a456" providerId="ADAL" clId="{4505F98C-4CC4-4983-9729-597D2A150C85}" dt="2023-12-28T23:42:19.634" v="5967" actId="20577"/>
-          <ac:spMkLst>
-            <pc:docMk/>
-            <pc:sldMk cId="1802585387" sldId="281"/>
-            <ac:spMk id="3" creationId="{B5924E0F-A977-1710-779D-EEB74261AF34}"/>
-          </ac:spMkLst>
-        </pc:spChg>
-      </pc:sldChg>
-      <pc:sldChg chg="modSp mod">
-        <pc:chgData name="Gibbons, Carl" userId="d2b037bc-8fb4-4222-845c-61440543a456" providerId="ADAL" clId="{4505F98C-4CC4-4983-9729-597D2A150C85}" dt="2023-12-28T23:54:03.356" v="6623"/>
-        <pc:sldMkLst>
-          <pc:docMk/>
-          <pc:sldMk cId="724803187" sldId="282"/>
-        </pc:sldMkLst>
-        <pc:spChg chg="mod">
-          <ac:chgData name="Gibbons, Carl" userId="d2b037bc-8fb4-4222-845c-61440543a456" providerId="ADAL" clId="{4505F98C-4CC4-4983-9729-597D2A150C85}" dt="2023-12-28T23:39:52.399" v="5606" actId="20577"/>
-          <ac:spMkLst>
-            <pc:docMk/>
-            <pc:sldMk cId="724803187" sldId="282"/>
-            <ac:spMk id="2" creationId="{31B75992-5098-A283-4925-2CCEBB801DC5}"/>
-          </ac:spMkLst>
-        </pc:spChg>
-        <pc:spChg chg="mod">
-          <ac:chgData name="Gibbons, Carl" userId="d2b037bc-8fb4-4222-845c-61440543a456" providerId="ADAL" clId="{4505F98C-4CC4-4983-9729-597D2A150C85}" dt="2023-12-28T23:54:03.356" v="6623"/>
-          <ac:spMkLst>
-            <pc:docMk/>
-            <pc:sldMk cId="724803187" sldId="282"/>
-            <ac:spMk id="3" creationId="{B5924E0F-A977-1710-779D-EEB74261AF34}"/>
-          </ac:spMkLst>
-        </pc:spChg>
-      </pc:sldChg>
-      <pc:sldChg chg="modSp mod">
-        <pc:chgData name="Gibbons, Carl" userId="d2b037bc-8fb4-4222-845c-61440543a456" providerId="ADAL" clId="{4505F98C-4CC4-4983-9729-597D2A150C85}" dt="2023-12-29T02:19:53.158" v="17637" actId="20577"/>
-        <pc:sldMkLst>
-          <pc:docMk/>
-          <pc:sldMk cId="1926009205" sldId="283"/>
-        </pc:sldMkLst>
-        <pc:spChg chg="mod">
-          <ac:chgData name="Gibbons, Carl" userId="d2b037bc-8fb4-4222-845c-61440543a456" providerId="ADAL" clId="{4505F98C-4CC4-4983-9729-597D2A150C85}" dt="2023-12-29T00:22:07.704" v="8354" actId="20577"/>
-          <ac:spMkLst>
-            <pc:docMk/>
-            <pc:sldMk cId="1926009205" sldId="283"/>
-            <ac:spMk id="2" creationId="{31B75992-5098-A283-4925-2CCEBB801DC5}"/>
-          </ac:spMkLst>
-        </pc:spChg>
-        <pc:spChg chg="mod">
-          <ac:chgData name="Gibbons, Carl" userId="d2b037bc-8fb4-4222-845c-61440543a456" providerId="ADAL" clId="{4505F98C-4CC4-4983-9729-597D2A150C85}" dt="2023-12-29T02:19:53.158" v="17637" actId="20577"/>
-          <ac:spMkLst>
-            <pc:docMk/>
-            <pc:sldMk cId="1926009205" sldId="283"/>
-            <ac:spMk id="3" creationId="{B5924E0F-A977-1710-779D-EEB74261AF34}"/>
-          </ac:spMkLst>
-        </pc:spChg>
-      </pc:sldChg>
-      <pc:sldChg chg="del">
-        <pc:chgData name="Gibbons, Carl" userId="d2b037bc-8fb4-4222-845c-61440543a456" providerId="ADAL" clId="{4505F98C-4CC4-4983-9729-597D2A150C85}" dt="2023-12-28T22:17:09.732" v="1699" actId="47"/>
-        <pc:sldMkLst>
-          <pc:docMk/>
-          <pc:sldMk cId="2959024232" sldId="283"/>
-        </pc:sldMkLst>
-      </pc:sldChg>
-      <pc:sldChg chg="modSp mod">
-        <pc:chgData name="Gibbons, Carl" userId="d2b037bc-8fb4-4222-845c-61440543a456" providerId="ADAL" clId="{4505F98C-4CC4-4983-9729-597D2A150C85}" dt="2023-12-29T00:22:15.499" v="8364" actId="20577"/>
-        <pc:sldMkLst>
-          <pc:docMk/>
-          <pc:sldMk cId="2366216895" sldId="284"/>
-        </pc:sldMkLst>
-        <pc:spChg chg="mod">
-          <ac:chgData name="Gibbons, Carl" userId="d2b037bc-8fb4-4222-845c-61440543a456" providerId="ADAL" clId="{4505F98C-4CC4-4983-9729-597D2A150C85}" dt="2023-12-29T00:22:15.499" v="8364" actId="20577"/>
-          <ac:spMkLst>
-            <pc:docMk/>
-            <pc:sldMk cId="2366216895" sldId="284"/>
-            <ac:spMk id="2" creationId="{31B75992-5098-A283-4925-2CCEBB801DC5}"/>
-          </ac:spMkLst>
-        </pc:spChg>
-        <pc:spChg chg="mod">
-          <ac:chgData name="Gibbons, Carl" userId="d2b037bc-8fb4-4222-845c-61440543a456" providerId="ADAL" clId="{4505F98C-4CC4-4983-9729-597D2A150C85}" dt="2023-12-29T00:20:51.612" v="8260" actId="20577"/>
-          <ac:spMkLst>
-            <pc:docMk/>
-            <pc:sldMk cId="2366216895" sldId="284"/>
-            <ac:spMk id="3" creationId="{B5924E0F-A977-1710-779D-EEB74261AF34}"/>
-          </ac:spMkLst>
-        </pc:spChg>
-      </pc:sldChg>
-      <pc:sldChg chg="del">
-        <pc:chgData name="Gibbons, Carl" userId="d2b037bc-8fb4-4222-845c-61440543a456" providerId="ADAL" clId="{4505F98C-4CC4-4983-9729-597D2A150C85}" dt="2023-12-28T22:17:08.965" v="1698" actId="47"/>
-        <pc:sldMkLst>
-          <pc:docMk/>
-          <pc:sldMk cId="3114675387" sldId="284"/>
-        </pc:sldMkLst>
-      </pc:sldChg>
-      <pc:sldChg chg="del">
-        <pc:chgData name="Gibbons, Carl" userId="d2b037bc-8fb4-4222-845c-61440543a456" providerId="ADAL" clId="{4505F98C-4CC4-4983-9729-597D2A150C85}" dt="2023-12-28T22:17:08.106" v="1697" actId="47"/>
-        <pc:sldMkLst>
-          <pc:docMk/>
-          <pc:sldMk cId="1243134729" sldId="285"/>
-        </pc:sldMkLst>
-      </pc:sldChg>
-      <pc:sldChg chg="modSp mod">
-        <pc:chgData name="Gibbons, Carl" userId="d2b037bc-8fb4-4222-845c-61440543a456" providerId="ADAL" clId="{4505F98C-4CC4-4983-9729-597D2A150C85}" dt="2023-12-29T01:14:23.500" v="12327" actId="20577"/>
-        <pc:sldMkLst>
-          <pc:docMk/>
-          <pc:sldMk cId="3371896289" sldId="285"/>
-        </pc:sldMkLst>
-        <pc:spChg chg="mod">
-          <ac:chgData name="Gibbons, Carl" userId="d2b037bc-8fb4-4222-845c-61440543a456" providerId="ADAL" clId="{4505F98C-4CC4-4983-9729-597D2A150C85}" dt="2023-12-29T00:22:25.432" v="8374" actId="20577"/>
-          <ac:spMkLst>
-            <pc:docMk/>
-            <pc:sldMk cId="3371896289" sldId="285"/>
-            <ac:spMk id="2" creationId="{31B75992-5098-A283-4925-2CCEBB801DC5}"/>
-          </ac:spMkLst>
-        </pc:spChg>
-        <pc:spChg chg="mod">
-          <ac:chgData name="Gibbons, Carl" userId="d2b037bc-8fb4-4222-845c-61440543a456" providerId="ADAL" clId="{4505F98C-4CC4-4983-9729-597D2A150C85}" dt="2023-12-29T01:14:23.500" v="12327" actId="20577"/>
-          <ac:spMkLst>
-            <pc:docMk/>
-            <pc:sldMk cId="3371896289" sldId="285"/>
-            <ac:spMk id="3" creationId="{B5924E0F-A977-1710-779D-EEB74261AF34}"/>
-          </ac:spMkLst>
-        </pc:spChg>
-      </pc:sldChg>
-      <pc:sldChg chg="add del">
-        <pc:chgData name="Gibbons, Carl" userId="d2b037bc-8fb4-4222-845c-61440543a456" providerId="ADAL" clId="{4505F98C-4CC4-4983-9729-597D2A150C85}" dt="2023-12-29T00:13:59.438" v="7954" actId="2696"/>
-        <pc:sldMkLst>
-          <pc:docMk/>
-          <pc:sldMk cId="3635199420" sldId="285"/>
-        </pc:sldMkLst>
-      </pc:sldChg>
-      <pc:sldChg chg="del">
-        <pc:chgData name="Gibbons, Carl" userId="d2b037bc-8fb4-4222-845c-61440543a456" providerId="ADAL" clId="{4505F98C-4CC4-4983-9729-597D2A150C85}" dt="2023-12-28T22:17:10.620" v="1700" actId="47"/>
-        <pc:sldMkLst>
-          <pc:docMk/>
-          <pc:sldMk cId="954591853" sldId="286"/>
-        </pc:sldMkLst>
-      </pc:sldChg>
-      <pc:sldChg chg="modSp mod">
-        <pc:chgData name="Gibbons, Carl" userId="d2b037bc-8fb4-4222-845c-61440543a456" providerId="ADAL" clId="{4505F98C-4CC4-4983-9729-597D2A150C85}" dt="2023-12-29T01:14:14.317" v="12318" actId="20577"/>
-        <pc:sldMkLst>
-          <pc:docMk/>
-          <pc:sldMk cId="3193160409" sldId="286"/>
-        </pc:sldMkLst>
-        <pc:spChg chg="mod">
-          <ac:chgData name="Gibbons, Carl" userId="d2b037bc-8fb4-4222-845c-61440543a456" providerId="ADAL" clId="{4505F98C-4CC4-4983-9729-597D2A150C85}" dt="2023-12-29T00:33:44.511" v="9517" actId="20577"/>
-          <ac:spMkLst>
-            <pc:docMk/>
-            <pc:sldMk cId="3193160409" sldId="286"/>
-            <ac:spMk id="2" creationId="{31B75992-5098-A283-4925-2CCEBB801DC5}"/>
-          </ac:spMkLst>
-        </pc:spChg>
-        <pc:spChg chg="mod">
-          <ac:chgData name="Gibbons, Carl" userId="d2b037bc-8fb4-4222-845c-61440543a456" providerId="ADAL" clId="{4505F98C-4CC4-4983-9729-597D2A150C85}" dt="2023-12-29T01:14:14.317" v="12318" actId="20577"/>
-          <ac:spMkLst>
-            <pc:docMk/>
-            <pc:sldMk cId="3193160409" sldId="286"/>
-            <ac:spMk id="3" creationId="{B5924E0F-A977-1710-779D-EEB74261AF34}"/>
-          </ac:spMkLst>
-        </pc:spChg>
-      </pc:sldChg>
-      <pc:sldChg chg="del">
-        <pc:chgData name="Gibbons, Carl" userId="d2b037bc-8fb4-4222-845c-61440543a456" providerId="ADAL" clId="{4505F98C-4CC4-4983-9729-597D2A150C85}" dt="2023-12-28T22:17:12.413" v="1702" actId="47"/>
-        <pc:sldMkLst>
-          <pc:docMk/>
-          <pc:sldMk cId="2614091779" sldId="287"/>
-        </pc:sldMkLst>
-      </pc:sldChg>
-      <pc:sldChg chg="modSp mod">
-        <pc:chgData name="Gibbons, Carl" userId="d2b037bc-8fb4-4222-845c-61440543a456" providerId="ADAL" clId="{4505F98C-4CC4-4983-9729-597D2A150C85}" dt="2023-12-29T02:19:05.385" v="17624"/>
-        <pc:sldMkLst>
-          <pc:docMk/>
-          <pc:sldMk cId="2688338374" sldId="287"/>
-        </pc:sldMkLst>
-        <pc:spChg chg="mod">
-          <ac:chgData name="Gibbons, Carl" userId="d2b037bc-8fb4-4222-845c-61440543a456" providerId="ADAL" clId="{4505F98C-4CC4-4983-9729-597D2A150C85}" dt="2023-12-29T00:41:11.438" v="10364" actId="20577"/>
-          <ac:spMkLst>
-            <pc:docMk/>
-            <pc:sldMk cId="2688338374" sldId="287"/>
-            <ac:spMk id="2" creationId="{31B75992-5098-A283-4925-2CCEBB801DC5}"/>
-          </ac:spMkLst>
-        </pc:spChg>
-        <pc:spChg chg="mod">
-          <ac:chgData name="Gibbons, Carl" userId="d2b037bc-8fb4-4222-845c-61440543a456" providerId="ADAL" clId="{4505F98C-4CC4-4983-9729-597D2A150C85}" dt="2023-12-29T02:19:05.385" v="17624"/>
-          <ac:spMkLst>
-            <pc:docMk/>
-            <pc:sldMk cId="2688338374" sldId="287"/>
-            <ac:spMk id="3" creationId="{B5924E0F-A977-1710-779D-EEB74261AF34}"/>
-          </ac:spMkLst>
-        </pc:spChg>
-      </pc:sldChg>
-      <pc:sldChg chg="del">
-        <pc:chgData name="Gibbons, Carl" userId="d2b037bc-8fb4-4222-845c-61440543a456" providerId="ADAL" clId="{4505F98C-4CC4-4983-9729-597D2A150C85}" dt="2023-12-28T22:17:11.407" v="1701" actId="47"/>
-        <pc:sldMkLst>
-          <pc:docMk/>
-          <pc:sldMk cId="1341659426" sldId="288"/>
-        </pc:sldMkLst>
-      </pc:sldChg>
-      <pc:sldChg chg="modSp add mod">
-        <pc:chgData name="Gibbons, Carl" userId="d2b037bc-8fb4-4222-845c-61440543a456" providerId="ADAL" clId="{4505F98C-4CC4-4983-9729-597D2A150C85}" dt="2023-12-29T01:45:37.293" v="15006"/>
-        <pc:sldMkLst>
-          <pc:docMk/>
-          <pc:sldMk cId="2142935017" sldId="288"/>
-        </pc:sldMkLst>
-        <pc:spChg chg="mod">
-          <ac:chgData name="Gibbons, Carl" userId="d2b037bc-8fb4-4222-845c-61440543a456" providerId="ADAL" clId="{4505F98C-4CC4-4983-9729-597D2A150C85}" dt="2023-12-29T01:16:27.501" v="12383" actId="20577"/>
-          <ac:spMkLst>
-            <pc:docMk/>
-            <pc:sldMk cId="2142935017" sldId="288"/>
-            <ac:spMk id="2" creationId="{31B75992-5098-A283-4925-2CCEBB801DC5}"/>
-          </ac:spMkLst>
-        </pc:spChg>
-        <pc:spChg chg="mod">
-          <ac:chgData name="Gibbons, Carl" userId="d2b037bc-8fb4-4222-845c-61440543a456" providerId="ADAL" clId="{4505F98C-4CC4-4983-9729-597D2A150C85}" dt="2023-12-29T01:45:37.293" v="15006"/>
-          <ac:spMkLst>
-            <pc:docMk/>
-            <pc:sldMk cId="2142935017" sldId="288"/>
-            <ac:spMk id="3" creationId="{B5924E0F-A977-1710-779D-EEB74261AF34}"/>
-          </ac:spMkLst>
-        </pc:spChg>
-      </pc:sldChg>
-      <pc:sldChg chg="modSp mod">
-        <pc:chgData name="Gibbons, Carl" userId="d2b037bc-8fb4-4222-845c-61440543a456" providerId="ADAL" clId="{4505F98C-4CC4-4983-9729-597D2A150C85}" dt="2023-12-29T01:50:54.342" v="15124" actId="20577"/>
-        <pc:sldMkLst>
-          <pc:docMk/>
-          <pc:sldMk cId="2784625941" sldId="289"/>
-        </pc:sldMkLst>
-        <pc:spChg chg="mod">
-          <ac:chgData name="Gibbons, Carl" userId="d2b037bc-8fb4-4222-845c-61440543a456" providerId="ADAL" clId="{4505F98C-4CC4-4983-9729-597D2A150C85}" dt="2023-12-29T01:23:40.688" v="13177" actId="20577"/>
-          <ac:spMkLst>
-            <pc:docMk/>
-            <pc:sldMk cId="2784625941" sldId="289"/>
-            <ac:spMk id="2" creationId="{31B75992-5098-A283-4925-2CCEBB801DC5}"/>
-          </ac:spMkLst>
-        </pc:spChg>
-        <pc:spChg chg="mod">
-          <ac:chgData name="Gibbons, Carl" userId="d2b037bc-8fb4-4222-845c-61440543a456" providerId="ADAL" clId="{4505F98C-4CC4-4983-9729-597D2A150C85}" dt="2023-12-29T01:50:54.342" v="15124" actId="20577"/>
-          <ac:spMkLst>
-            <pc:docMk/>
-            <pc:sldMk cId="2784625941" sldId="289"/>
-            <ac:spMk id="3" creationId="{B5924E0F-A977-1710-779D-EEB74261AF34}"/>
-          </ac:spMkLst>
-        </pc:spChg>
-      </pc:sldChg>
-      <pc:sldChg chg="del">
-        <pc:chgData name="Gibbons, Carl" userId="d2b037bc-8fb4-4222-845c-61440543a456" providerId="ADAL" clId="{4505F98C-4CC4-4983-9729-597D2A150C85}" dt="2023-12-28T22:17:05.773" v="1696" actId="47"/>
-        <pc:sldMkLst>
-          <pc:docMk/>
-          <pc:sldMk cId="2966054478" sldId="289"/>
-        </pc:sldMkLst>
-      </pc:sldChg>
-      <pc:sldChg chg="del">
-        <pc:chgData name="Gibbons, Carl" userId="d2b037bc-8fb4-4222-845c-61440543a456" providerId="ADAL" clId="{4505F98C-4CC4-4983-9729-597D2A150C85}" dt="2023-12-28T22:17:13.315" v="1703" actId="47"/>
-        <pc:sldMkLst>
-          <pc:docMk/>
-          <pc:sldMk cId="1014272238" sldId="290"/>
-        </pc:sldMkLst>
-      </pc:sldChg>
-      <pc:sldChg chg="modSp add mod">
-        <pc:chgData name="Gibbons, Carl" userId="d2b037bc-8fb4-4222-845c-61440543a456" providerId="ADAL" clId="{4505F98C-4CC4-4983-9729-597D2A150C85}" dt="2023-12-29T01:50:36.539" v="15123" actId="20577"/>
-        <pc:sldMkLst>
-          <pc:docMk/>
-          <pc:sldMk cId="1677974689" sldId="290"/>
-        </pc:sldMkLst>
-        <pc:spChg chg="mod">
-          <ac:chgData name="Gibbons, Carl" userId="d2b037bc-8fb4-4222-845c-61440543a456" providerId="ADAL" clId="{4505F98C-4CC4-4983-9729-597D2A150C85}" dt="2023-12-29T01:37:36.931" v="14365" actId="20577"/>
-          <ac:spMkLst>
-            <pc:docMk/>
-            <pc:sldMk cId="1677974689" sldId="290"/>
-            <ac:spMk id="2" creationId="{31B75992-5098-A283-4925-2CCEBB801DC5}"/>
-          </ac:spMkLst>
-        </pc:spChg>
-        <pc:spChg chg="mod">
-          <ac:chgData name="Gibbons, Carl" userId="d2b037bc-8fb4-4222-845c-61440543a456" providerId="ADAL" clId="{4505F98C-4CC4-4983-9729-597D2A150C85}" dt="2023-12-29T01:50:36.539" v="15123" actId="20577"/>
-          <ac:spMkLst>
-            <pc:docMk/>
-            <pc:sldMk cId="1677974689" sldId="290"/>
-            <ac:spMk id="3" creationId="{B5924E0F-A977-1710-779D-EEB74261AF34}"/>
-          </ac:spMkLst>
-        </pc:spChg>
-      </pc:sldChg>
-      <pc:sldChg chg="del">
-        <pc:chgData name="Gibbons, Carl" userId="d2b037bc-8fb4-4222-845c-61440543a456" providerId="ADAL" clId="{4505F98C-4CC4-4983-9729-597D2A150C85}" dt="2023-12-28T22:17:05.079" v="1695" actId="47"/>
-        <pc:sldMkLst>
-          <pc:docMk/>
-          <pc:sldMk cId="3689580349" sldId="291"/>
-        </pc:sldMkLst>
-      </pc:sldChg>
-      <pc:sldChg chg="modSp add mod">
-        <pc:chgData name="Gibbons, Carl" userId="d2b037bc-8fb4-4222-845c-61440543a456" providerId="ADAL" clId="{4505F98C-4CC4-4983-9729-597D2A150C85}" dt="2023-12-29T02:03:57.372" v="16335" actId="20577"/>
-        <pc:sldMkLst>
-          <pc:docMk/>
-          <pc:sldMk cId="4219326696" sldId="291"/>
-        </pc:sldMkLst>
-        <pc:spChg chg="mod">
-          <ac:chgData name="Gibbons, Carl" userId="d2b037bc-8fb4-4222-845c-61440543a456" providerId="ADAL" clId="{4505F98C-4CC4-4983-9729-597D2A150C85}" dt="2023-12-29T01:51:52.820" v="15161" actId="20577"/>
-          <ac:spMkLst>
-            <pc:docMk/>
-            <pc:sldMk cId="4219326696" sldId="291"/>
-            <ac:spMk id="2" creationId="{31B75992-5098-A283-4925-2CCEBB801DC5}"/>
-          </ac:spMkLst>
-        </pc:spChg>
-        <pc:spChg chg="mod">
-          <ac:chgData name="Gibbons, Carl" userId="d2b037bc-8fb4-4222-845c-61440543a456" providerId="ADAL" clId="{4505F98C-4CC4-4983-9729-597D2A150C85}" dt="2023-12-29T02:03:57.372" v="16335" actId="20577"/>
-          <ac:spMkLst>
-            <pc:docMk/>
-            <pc:sldMk cId="4219326696" sldId="291"/>
-            <ac:spMk id="3" creationId="{B5924E0F-A977-1710-779D-EEB74261AF34}"/>
-          </ac:spMkLst>
-        </pc:spChg>
-      </pc:sldChg>
-      <pc:sldChg chg="modSp add mod">
-        <pc:chgData name="Gibbons, Carl" userId="d2b037bc-8fb4-4222-845c-61440543a456" providerId="ADAL" clId="{4505F98C-4CC4-4983-9729-597D2A150C85}" dt="2023-12-29T02:16:48.887" v="17543" actId="20577"/>
-        <pc:sldMkLst>
-          <pc:docMk/>
-          <pc:sldMk cId="33911121" sldId="292"/>
-        </pc:sldMkLst>
-        <pc:spChg chg="mod">
-          <ac:chgData name="Gibbons, Carl" userId="d2b037bc-8fb4-4222-845c-61440543a456" providerId="ADAL" clId="{4505F98C-4CC4-4983-9729-597D2A150C85}" dt="2023-12-29T02:06:26.879" v="16405" actId="20577"/>
-          <ac:spMkLst>
-            <pc:docMk/>
-            <pc:sldMk cId="33911121" sldId="292"/>
-            <ac:spMk id="2" creationId="{1862E903-3C56-BB42-2361-009F2336475A}"/>
-          </ac:spMkLst>
-        </pc:spChg>
-        <pc:spChg chg="mod">
-          <ac:chgData name="Gibbons, Carl" userId="d2b037bc-8fb4-4222-845c-61440543a456" providerId="ADAL" clId="{4505F98C-4CC4-4983-9729-597D2A150C85}" dt="2023-12-29T02:16:48.887" v="17543" actId="20577"/>
-          <ac:spMkLst>
-            <pc:docMk/>
-            <pc:sldMk cId="33911121" sldId="292"/>
-            <ac:spMk id="3" creationId="{90179172-96B3-95D0-A137-257770BE7642}"/>
-          </ac:spMkLst>
-        </pc:spChg>
-      </pc:sldChg>
-      <pc:sldChg chg="del">
-        <pc:chgData name="Gibbons, Carl" userId="d2b037bc-8fb4-4222-845c-61440543a456" providerId="ADAL" clId="{4505F98C-4CC4-4983-9729-597D2A150C85}" dt="2023-12-28T22:17:14.720" v="1704" actId="47"/>
-        <pc:sldMkLst>
-          <pc:docMk/>
-          <pc:sldMk cId="2738411615" sldId="292"/>
-        </pc:sldMkLst>
-      </pc:sldChg>
-      <pc:sldChg chg="del">
-        <pc:chgData name="Gibbons, Carl" userId="d2b037bc-8fb4-4222-845c-61440543a456" providerId="ADAL" clId="{4505F98C-4CC4-4983-9729-597D2A150C85}" dt="2023-12-28T22:17:04.103" v="1694" actId="47"/>
-        <pc:sldMkLst>
-          <pc:docMk/>
-          <pc:sldMk cId="852415543" sldId="293"/>
-        </pc:sldMkLst>
       </pc:sldChg>
     </pc:docChg>
   </pc:docChgLst>
@@ -3949,492 +4435,6 @@
             <pc:docMk/>
             <pc:sldMk cId="465083765" sldId="269"/>
             <ac:spMk id="3" creationId="{76A2A896-1BFA-0E85-4155-672FD7F5CC95}"/>
-          </ac:spMkLst>
-        </pc:spChg>
-      </pc:sldChg>
-    </pc:docChg>
-  </pc:docChgLst>
-  <pc:docChgLst>
-    <pc:chgData name="Gibbons, Carl" userId="d2b037bc-8fb4-4222-845c-61440543a456" providerId="ADAL" clId="{7CACC70D-A6A7-4797-9CB8-C4485CD93BEE}"/>
-    <pc:docChg chg="undo redo custSel addSld delSld modSld sldOrd">
-      <pc:chgData name="Gibbons, Carl" userId="d2b037bc-8fb4-4222-845c-61440543a456" providerId="ADAL" clId="{7CACC70D-A6A7-4797-9CB8-C4485CD93BEE}" dt="2024-05-24T23:53:47.180" v="15622" actId="20577"/>
-      <pc:docMkLst>
-        <pc:docMk/>
-      </pc:docMkLst>
-      <pc:sldChg chg="modSp mod">
-        <pc:chgData name="Gibbons, Carl" userId="d2b037bc-8fb4-4222-845c-61440543a456" providerId="ADAL" clId="{7CACC70D-A6A7-4797-9CB8-C4485CD93BEE}" dt="2024-05-24T22:32:21.189" v="9622" actId="20577"/>
-        <pc:sldMkLst>
-          <pc:docMk/>
-          <pc:sldMk cId="3308175748" sldId="256"/>
-        </pc:sldMkLst>
-        <pc:spChg chg="mod">
-          <ac:chgData name="Gibbons, Carl" userId="d2b037bc-8fb4-4222-845c-61440543a456" providerId="ADAL" clId="{7CACC70D-A6A7-4797-9CB8-C4485CD93BEE}" dt="2024-05-24T22:32:21.189" v="9622" actId="20577"/>
-          <ac:spMkLst>
-            <pc:docMk/>
-            <pc:sldMk cId="3308175748" sldId="256"/>
-            <ac:spMk id="3" creationId="{EEC4D41B-E776-05F2-BE0B-89BB339485AB}"/>
-          </ac:spMkLst>
-        </pc:spChg>
-      </pc:sldChg>
-      <pc:sldChg chg="modSp mod">
-        <pc:chgData name="Gibbons, Carl" userId="d2b037bc-8fb4-4222-845c-61440543a456" providerId="ADAL" clId="{7CACC70D-A6A7-4797-9CB8-C4485CD93BEE}" dt="2024-05-24T23:53:47.180" v="15622" actId="20577"/>
-        <pc:sldMkLst>
-          <pc:docMk/>
-          <pc:sldMk cId="3885141102" sldId="262"/>
-        </pc:sldMkLst>
-        <pc:spChg chg="mod">
-          <ac:chgData name="Gibbons, Carl" userId="d2b037bc-8fb4-4222-845c-61440543a456" providerId="ADAL" clId="{7CACC70D-A6A7-4797-9CB8-C4485CD93BEE}" dt="2024-05-24T23:52:20.589" v="15333" actId="20577"/>
-          <ac:spMkLst>
-            <pc:docMk/>
-            <pc:sldMk cId="3885141102" sldId="262"/>
-            <ac:spMk id="2" creationId="{31B75992-5098-A283-4925-2CCEBB801DC5}"/>
-          </ac:spMkLst>
-        </pc:spChg>
-        <pc:spChg chg="mod">
-          <ac:chgData name="Gibbons, Carl" userId="d2b037bc-8fb4-4222-845c-61440543a456" providerId="ADAL" clId="{7CACC70D-A6A7-4797-9CB8-C4485CD93BEE}" dt="2024-05-24T23:53:47.180" v="15622" actId="20577"/>
-          <ac:spMkLst>
-            <pc:docMk/>
-            <pc:sldMk cId="3885141102" sldId="262"/>
-            <ac:spMk id="3" creationId="{B5924E0F-A977-1710-779D-EEB74261AF34}"/>
-          </ac:spMkLst>
-        </pc:spChg>
-      </pc:sldChg>
-      <pc:sldChg chg="modSp del mod">
-        <pc:chgData name="Gibbons, Carl" userId="d2b037bc-8fb4-4222-845c-61440543a456" providerId="ADAL" clId="{7CACC70D-A6A7-4797-9CB8-C4485CD93BEE}" dt="2024-05-23T22:50:07.488" v="91" actId="2696"/>
-        <pc:sldMkLst>
-          <pc:docMk/>
-          <pc:sldMk cId="1196559129" sldId="264"/>
-        </pc:sldMkLst>
-        <pc:spChg chg="mod">
-          <ac:chgData name="Gibbons, Carl" userId="d2b037bc-8fb4-4222-845c-61440543a456" providerId="ADAL" clId="{7CACC70D-A6A7-4797-9CB8-C4485CD93BEE}" dt="2024-05-23T22:47:33.814" v="90" actId="14"/>
-          <ac:spMkLst>
-            <pc:docMk/>
-            <pc:sldMk cId="1196559129" sldId="264"/>
-            <ac:spMk id="7" creationId="{4247D23F-F3F9-676F-BDEB-E69E1F0AB32C}"/>
-          </ac:spMkLst>
-        </pc:spChg>
-      </pc:sldChg>
-      <pc:sldChg chg="del">
-        <pc:chgData name="Gibbons, Carl" userId="d2b037bc-8fb4-4222-845c-61440543a456" providerId="ADAL" clId="{7CACC70D-A6A7-4797-9CB8-C4485CD93BEE}" dt="2024-05-23T22:50:55.729" v="152" actId="47"/>
-        <pc:sldMkLst>
-          <pc:docMk/>
-          <pc:sldMk cId="1400208519" sldId="265"/>
-        </pc:sldMkLst>
-      </pc:sldChg>
-      <pc:sldChg chg="modSp mod">
-        <pc:chgData name="Gibbons, Carl" userId="d2b037bc-8fb4-4222-845c-61440543a456" providerId="ADAL" clId="{7CACC70D-A6A7-4797-9CB8-C4485CD93BEE}" dt="2024-05-24T15:35:30.523" v="4358" actId="20577"/>
-        <pc:sldMkLst>
-          <pc:docMk/>
-          <pc:sldMk cId="1467586035" sldId="266"/>
-        </pc:sldMkLst>
-        <pc:spChg chg="mod">
-          <ac:chgData name="Gibbons, Carl" userId="d2b037bc-8fb4-4222-845c-61440543a456" providerId="ADAL" clId="{7CACC70D-A6A7-4797-9CB8-C4485CD93BEE}" dt="2024-05-24T13:50:44.408" v="2703" actId="20577"/>
-          <ac:spMkLst>
-            <pc:docMk/>
-            <pc:sldMk cId="1467586035" sldId="266"/>
-            <ac:spMk id="2" creationId="{F5533765-AE4D-3586-BFF0-C73FF51C6B9B}"/>
-          </ac:spMkLst>
-        </pc:spChg>
-        <pc:spChg chg="mod">
-          <ac:chgData name="Gibbons, Carl" userId="d2b037bc-8fb4-4222-845c-61440543a456" providerId="ADAL" clId="{7CACC70D-A6A7-4797-9CB8-C4485CD93BEE}" dt="2024-05-24T15:35:30.523" v="4358" actId="20577"/>
-          <ac:spMkLst>
-            <pc:docMk/>
-            <pc:sldMk cId="1467586035" sldId="266"/>
-            <ac:spMk id="7" creationId="{56F98B9D-53CB-0D01-51DD-F6B452AAB6C5}"/>
-          </ac:spMkLst>
-        </pc:spChg>
-      </pc:sldChg>
-      <pc:sldChg chg="addSp modSp mod">
-        <pc:chgData name="Gibbons, Carl" userId="d2b037bc-8fb4-4222-845c-61440543a456" providerId="ADAL" clId="{7CACC70D-A6A7-4797-9CB8-C4485CD93BEE}" dt="2024-05-24T15:24:58.091" v="4112" actId="20577"/>
-        <pc:sldMkLst>
-          <pc:docMk/>
-          <pc:sldMk cId="2729151594" sldId="267"/>
-        </pc:sldMkLst>
-        <pc:spChg chg="mod">
-          <ac:chgData name="Gibbons, Carl" userId="d2b037bc-8fb4-4222-845c-61440543a456" providerId="ADAL" clId="{7CACC70D-A6A7-4797-9CB8-C4485CD93BEE}" dt="2024-05-23T22:50:27.587" v="136" actId="20577"/>
-          <ac:spMkLst>
-            <pc:docMk/>
-            <pc:sldMk cId="2729151594" sldId="267"/>
-            <ac:spMk id="2" creationId="{0E6A2DEF-4501-FAEA-A31C-4FDCBD076712}"/>
-          </ac:spMkLst>
-        </pc:spChg>
-        <pc:spChg chg="add mod">
-          <ac:chgData name="Gibbons, Carl" userId="d2b037bc-8fb4-4222-845c-61440543a456" providerId="ADAL" clId="{7CACC70D-A6A7-4797-9CB8-C4485CD93BEE}" dt="2024-05-24T15:00:36.047" v="4018" actId="14100"/>
-          <ac:spMkLst>
-            <pc:docMk/>
-            <pc:sldMk cId="2729151594" sldId="267"/>
-            <ac:spMk id="3" creationId="{C5A1B75E-CEFE-8343-FC1F-830BBA269B50}"/>
-          </ac:spMkLst>
-        </pc:spChg>
-        <pc:spChg chg="add mod">
-          <ac:chgData name="Gibbons, Carl" userId="d2b037bc-8fb4-4222-845c-61440543a456" providerId="ADAL" clId="{7CACC70D-A6A7-4797-9CB8-C4485CD93BEE}" dt="2024-05-24T15:00:40.816" v="4019" actId="14100"/>
-          <ac:spMkLst>
-            <pc:docMk/>
-            <pc:sldMk cId="2729151594" sldId="267"/>
-            <ac:spMk id="4" creationId="{7DB3A720-79F7-4A52-A05E-56E632512320}"/>
-          </ac:spMkLst>
-        </pc:spChg>
-        <pc:spChg chg="mod">
-          <ac:chgData name="Gibbons, Carl" userId="d2b037bc-8fb4-4222-845c-61440543a456" providerId="ADAL" clId="{7CACC70D-A6A7-4797-9CB8-C4485CD93BEE}" dt="2024-05-24T15:24:58.091" v="4112" actId="20577"/>
-          <ac:spMkLst>
-            <pc:docMk/>
-            <pc:sldMk cId="2729151594" sldId="267"/>
-            <ac:spMk id="7" creationId="{4247D23F-F3F9-676F-BDEB-E69E1F0AB32C}"/>
-          </ac:spMkLst>
-        </pc:spChg>
-      </pc:sldChg>
-      <pc:sldChg chg="modSp add mod">
-        <pc:chgData name="Gibbons, Carl" userId="d2b037bc-8fb4-4222-845c-61440543a456" providerId="ADAL" clId="{7CACC70D-A6A7-4797-9CB8-C4485CD93BEE}" dt="2024-05-24T15:43:11.432" v="4796" actId="20577"/>
-        <pc:sldMkLst>
-          <pc:docMk/>
-          <pc:sldMk cId="4065848836" sldId="268"/>
-        </pc:sldMkLst>
-        <pc:spChg chg="mod">
-          <ac:chgData name="Gibbons, Carl" userId="d2b037bc-8fb4-4222-845c-61440543a456" providerId="ADAL" clId="{7CACC70D-A6A7-4797-9CB8-C4485CD93BEE}" dt="2024-05-24T15:37:09.722" v="4394" actId="313"/>
-          <ac:spMkLst>
-            <pc:docMk/>
-            <pc:sldMk cId="4065848836" sldId="268"/>
-            <ac:spMk id="2" creationId="{F5533765-AE4D-3586-BFF0-C73FF51C6B9B}"/>
-          </ac:spMkLst>
-        </pc:spChg>
-        <pc:spChg chg="mod">
-          <ac:chgData name="Gibbons, Carl" userId="d2b037bc-8fb4-4222-845c-61440543a456" providerId="ADAL" clId="{7CACC70D-A6A7-4797-9CB8-C4485CD93BEE}" dt="2024-05-24T15:43:11.432" v="4796" actId="20577"/>
-          <ac:spMkLst>
-            <pc:docMk/>
-            <pc:sldMk cId="4065848836" sldId="268"/>
-            <ac:spMk id="7" creationId="{56F98B9D-53CB-0D01-51DD-F6B452AAB6C5}"/>
-          </ac:spMkLst>
-        </pc:spChg>
-      </pc:sldChg>
-      <pc:sldChg chg="modSp add mod">
-        <pc:chgData name="Gibbons, Carl" userId="d2b037bc-8fb4-4222-845c-61440543a456" providerId="ADAL" clId="{7CACC70D-A6A7-4797-9CB8-C4485CD93BEE}" dt="2024-05-24T17:29:58.121" v="6698" actId="114"/>
-        <pc:sldMkLst>
-          <pc:docMk/>
-          <pc:sldMk cId="1266817191" sldId="269"/>
-        </pc:sldMkLst>
-        <pc:spChg chg="mod">
-          <ac:chgData name="Gibbons, Carl" userId="d2b037bc-8fb4-4222-845c-61440543a456" providerId="ADAL" clId="{7CACC70D-A6A7-4797-9CB8-C4485CD93BEE}" dt="2024-05-24T15:45:57.526" v="5102" actId="5793"/>
-          <ac:spMkLst>
-            <pc:docMk/>
-            <pc:sldMk cId="1266817191" sldId="269"/>
-            <ac:spMk id="2" creationId="{F5533765-AE4D-3586-BFF0-C73FF51C6B9B}"/>
-          </ac:spMkLst>
-        </pc:spChg>
-        <pc:spChg chg="mod">
-          <ac:chgData name="Gibbons, Carl" userId="d2b037bc-8fb4-4222-845c-61440543a456" providerId="ADAL" clId="{7CACC70D-A6A7-4797-9CB8-C4485CD93BEE}" dt="2024-05-24T17:29:58.121" v="6698" actId="114"/>
-          <ac:spMkLst>
-            <pc:docMk/>
-            <pc:sldMk cId="1266817191" sldId="269"/>
-            <ac:spMk id="7" creationId="{56F98B9D-53CB-0D01-51DD-F6B452AAB6C5}"/>
-          </ac:spMkLst>
-        </pc:spChg>
-      </pc:sldChg>
-      <pc:sldChg chg="modSp del mod">
-        <pc:chgData name="Gibbons, Carl" userId="d2b037bc-8fb4-4222-845c-61440543a456" providerId="ADAL" clId="{7CACC70D-A6A7-4797-9CB8-C4485CD93BEE}" dt="2024-05-24T21:43:32.218" v="7099" actId="2696"/>
-        <pc:sldMkLst>
-          <pc:docMk/>
-          <pc:sldMk cId="455738973" sldId="270"/>
-        </pc:sldMkLst>
-        <pc:spChg chg="mod">
-          <ac:chgData name="Gibbons, Carl" userId="d2b037bc-8fb4-4222-845c-61440543a456" providerId="ADAL" clId="{7CACC70D-A6A7-4797-9CB8-C4485CD93BEE}" dt="2024-05-24T17:34:58.433" v="7014" actId="20577"/>
-          <ac:spMkLst>
-            <pc:docMk/>
-            <pc:sldMk cId="455738973" sldId="270"/>
-            <ac:spMk id="2" creationId="{F5533765-AE4D-3586-BFF0-C73FF51C6B9B}"/>
-          </ac:spMkLst>
-        </pc:spChg>
-        <pc:spChg chg="mod">
-          <ac:chgData name="Gibbons, Carl" userId="d2b037bc-8fb4-4222-845c-61440543a456" providerId="ADAL" clId="{7CACC70D-A6A7-4797-9CB8-C4485CD93BEE}" dt="2024-05-24T17:35:51.727" v="7022" actId="20577"/>
-          <ac:spMkLst>
-            <pc:docMk/>
-            <pc:sldMk cId="455738973" sldId="270"/>
-            <ac:spMk id="7" creationId="{56F98B9D-53CB-0D01-51DD-F6B452AAB6C5}"/>
-          </ac:spMkLst>
-        </pc:spChg>
-      </pc:sldChg>
-      <pc:sldChg chg="modSp add mod ord">
-        <pc:chgData name="Gibbons, Carl" userId="d2b037bc-8fb4-4222-845c-61440543a456" providerId="ADAL" clId="{7CACC70D-A6A7-4797-9CB8-C4485CD93BEE}" dt="2024-05-24T23:02:52.656" v="11096" actId="20577"/>
-        <pc:sldMkLst>
-          <pc:docMk/>
-          <pc:sldMk cId="844227169" sldId="271"/>
-        </pc:sldMkLst>
-        <pc:spChg chg="mod">
-          <ac:chgData name="Gibbons, Carl" userId="d2b037bc-8fb4-4222-845c-61440543a456" providerId="ADAL" clId="{7CACC70D-A6A7-4797-9CB8-C4485CD93BEE}" dt="2024-05-24T22:33:23.901" v="9697" actId="20577"/>
-          <ac:spMkLst>
-            <pc:docMk/>
-            <pc:sldMk cId="844227169" sldId="271"/>
-            <ac:spMk id="2" creationId="{F5533765-AE4D-3586-BFF0-C73FF51C6B9B}"/>
-          </ac:spMkLst>
-        </pc:spChg>
-        <pc:spChg chg="mod">
-          <ac:chgData name="Gibbons, Carl" userId="d2b037bc-8fb4-4222-845c-61440543a456" providerId="ADAL" clId="{7CACC70D-A6A7-4797-9CB8-C4485CD93BEE}" dt="2024-05-24T23:02:52.656" v="11096" actId="20577"/>
-          <ac:spMkLst>
-            <pc:docMk/>
-            <pc:sldMk cId="844227169" sldId="271"/>
-            <ac:spMk id="7" creationId="{56F98B9D-53CB-0D01-51DD-F6B452AAB6C5}"/>
-          </ac:spMkLst>
-        </pc:spChg>
-      </pc:sldChg>
-      <pc:sldChg chg="modSp add del mod">
-        <pc:chgData name="Gibbons, Carl" userId="d2b037bc-8fb4-4222-845c-61440543a456" providerId="ADAL" clId="{7CACC70D-A6A7-4797-9CB8-C4485CD93BEE}" dt="2024-05-24T21:55:10.046" v="8139" actId="47"/>
-        <pc:sldMkLst>
-          <pc:docMk/>
-          <pc:sldMk cId="3116464103" sldId="271"/>
-        </pc:sldMkLst>
-        <pc:spChg chg="mod">
-          <ac:chgData name="Gibbons, Carl" userId="d2b037bc-8fb4-4222-845c-61440543a456" providerId="ADAL" clId="{7CACC70D-A6A7-4797-9CB8-C4485CD93BEE}" dt="2024-05-24T17:38:27.217" v="7098" actId="20577"/>
-          <ac:spMkLst>
-            <pc:docMk/>
-            <pc:sldMk cId="3116464103" sldId="271"/>
-            <ac:spMk id="7" creationId="{56F98B9D-53CB-0D01-51DD-F6B452AAB6C5}"/>
-          </ac:spMkLst>
-        </pc:spChg>
-      </pc:sldChg>
-      <pc:sldChg chg="modSp mod">
-        <pc:chgData name="Gibbons, Carl" userId="d2b037bc-8fb4-4222-845c-61440543a456" providerId="ADAL" clId="{7CACC70D-A6A7-4797-9CB8-C4485CD93BEE}" dt="2024-05-24T21:52:08.668" v="7844" actId="20577"/>
-        <pc:sldMkLst>
-          <pc:docMk/>
-          <pc:sldMk cId="331132001" sldId="272"/>
-        </pc:sldMkLst>
-        <pc:spChg chg="mod">
-          <ac:chgData name="Gibbons, Carl" userId="d2b037bc-8fb4-4222-845c-61440543a456" providerId="ADAL" clId="{7CACC70D-A6A7-4797-9CB8-C4485CD93BEE}" dt="2024-05-24T21:43:50.656" v="7111" actId="20577"/>
-          <ac:spMkLst>
-            <pc:docMk/>
-            <pc:sldMk cId="331132001" sldId="272"/>
-            <ac:spMk id="2" creationId="{F5533765-AE4D-3586-BFF0-C73FF51C6B9B}"/>
-          </ac:spMkLst>
-        </pc:spChg>
-        <pc:spChg chg="mod">
-          <ac:chgData name="Gibbons, Carl" userId="d2b037bc-8fb4-4222-845c-61440543a456" providerId="ADAL" clId="{7CACC70D-A6A7-4797-9CB8-C4485CD93BEE}" dt="2024-05-24T21:52:08.668" v="7844" actId="20577"/>
-          <ac:spMkLst>
-            <pc:docMk/>
-            <pc:sldMk cId="331132001" sldId="272"/>
-            <ac:spMk id="7" creationId="{56F98B9D-53CB-0D01-51DD-F6B452AAB6C5}"/>
-          </ac:spMkLst>
-        </pc:spChg>
-      </pc:sldChg>
-      <pc:sldChg chg="modSp mod">
-        <pc:chgData name="Gibbons, Carl" userId="d2b037bc-8fb4-4222-845c-61440543a456" providerId="ADAL" clId="{7CACC70D-A6A7-4797-9CB8-C4485CD93BEE}" dt="2024-05-24T22:13:25.253" v="9111" actId="207"/>
-        <pc:sldMkLst>
-          <pc:docMk/>
-          <pc:sldMk cId="455766816" sldId="273"/>
-        </pc:sldMkLst>
-        <pc:spChg chg="mod">
-          <ac:chgData name="Gibbons, Carl" userId="d2b037bc-8fb4-4222-845c-61440543a456" providerId="ADAL" clId="{7CACC70D-A6A7-4797-9CB8-C4485CD93BEE}" dt="2024-05-24T21:47:51.003" v="7697" actId="20577"/>
-          <ac:spMkLst>
-            <pc:docMk/>
-            <pc:sldMk cId="455766816" sldId="273"/>
-            <ac:spMk id="2" creationId="{F5533765-AE4D-3586-BFF0-C73FF51C6B9B}"/>
-          </ac:spMkLst>
-        </pc:spChg>
-        <pc:spChg chg="mod">
-          <ac:chgData name="Gibbons, Carl" userId="d2b037bc-8fb4-4222-845c-61440543a456" providerId="ADAL" clId="{7CACC70D-A6A7-4797-9CB8-C4485CD93BEE}" dt="2024-05-24T22:13:25.253" v="9111" actId="207"/>
-          <ac:spMkLst>
-            <pc:docMk/>
-            <pc:sldMk cId="455766816" sldId="273"/>
-            <ac:spMk id="7" creationId="{56F98B9D-53CB-0D01-51DD-F6B452AAB6C5}"/>
-          </ac:spMkLst>
-        </pc:spChg>
-      </pc:sldChg>
-      <pc:sldChg chg="modSp mod">
-        <pc:chgData name="Gibbons, Carl" userId="d2b037bc-8fb4-4222-845c-61440543a456" providerId="ADAL" clId="{7CACC70D-A6A7-4797-9CB8-C4485CD93BEE}" dt="2024-05-24T22:30:47.875" v="9576" actId="13926"/>
-        <pc:sldMkLst>
-          <pc:docMk/>
-          <pc:sldMk cId="1350015310" sldId="274"/>
-        </pc:sldMkLst>
-        <pc:spChg chg="mod">
-          <ac:chgData name="Gibbons, Carl" userId="d2b037bc-8fb4-4222-845c-61440543a456" providerId="ADAL" clId="{7CACC70D-A6A7-4797-9CB8-C4485CD93BEE}" dt="2024-05-24T22:10:03.558" v="8818" actId="20577"/>
-          <ac:spMkLst>
-            <pc:docMk/>
-            <pc:sldMk cId="1350015310" sldId="274"/>
-            <ac:spMk id="2" creationId="{F5533765-AE4D-3586-BFF0-C73FF51C6B9B}"/>
-          </ac:spMkLst>
-        </pc:spChg>
-        <pc:spChg chg="mod">
-          <ac:chgData name="Gibbons, Carl" userId="d2b037bc-8fb4-4222-845c-61440543a456" providerId="ADAL" clId="{7CACC70D-A6A7-4797-9CB8-C4485CD93BEE}" dt="2024-05-24T22:30:47.875" v="9576" actId="13926"/>
-          <ac:spMkLst>
-            <pc:docMk/>
-            <pc:sldMk cId="1350015310" sldId="274"/>
-            <ac:spMk id="7" creationId="{56F98B9D-53CB-0D01-51DD-F6B452AAB6C5}"/>
-          </ac:spMkLst>
-        </pc:spChg>
-      </pc:sldChg>
-      <pc:sldChg chg="modSp mod">
-        <pc:chgData name="Gibbons, Carl" userId="d2b037bc-8fb4-4222-845c-61440543a456" providerId="ADAL" clId="{7CACC70D-A6A7-4797-9CB8-C4485CD93BEE}" dt="2024-05-24T22:56:44.021" v="10716" actId="2711"/>
-        <pc:sldMkLst>
-          <pc:docMk/>
-          <pc:sldMk cId="2566493574" sldId="275"/>
-        </pc:sldMkLst>
-        <pc:spChg chg="mod">
-          <ac:chgData name="Gibbons, Carl" userId="d2b037bc-8fb4-4222-845c-61440543a456" providerId="ADAL" clId="{7CACC70D-A6A7-4797-9CB8-C4485CD93BEE}" dt="2024-05-24T22:51:55.087" v="10259" actId="20577"/>
-          <ac:spMkLst>
-            <pc:docMk/>
-            <pc:sldMk cId="2566493574" sldId="275"/>
-            <ac:spMk id="2" creationId="{F5533765-AE4D-3586-BFF0-C73FF51C6B9B}"/>
-          </ac:spMkLst>
-        </pc:spChg>
-        <pc:spChg chg="mod">
-          <ac:chgData name="Gibbons, Carl" userId="d2b037bc-8fb4-4222-845c-61440543a456" providerId="ADAL" clId="{7CACC70D-A6A7-4797-9CB8-C4485CD93BEE}" dt="2024-05-24T22:56:44.021" v="10716" actId="2711"/>
-          <ac:spMkLst>
-            <pc:docMk/>
-            <pc:sldMk cId="2566493574" sldId="275"/>
-            <ac:spMk id="7" creationId="{56F98B9D-53CB-0D01-51DD-F6B452AAB6C5}"/>
-          </ac:spMkLst>
-        </pc:spChg>
-      </pc:sldChg>
-      <pc:sldChg chg="modSp add mod">
-        <pc:chgData name="Gibbons, Carl" userId="d2b037bc-8fb4-4222-845c-61440543a456" providerId="ADAL" clId="{7CACC70D-A6A7-4797-9CB8-C4485CD93BEE}" dt="2024-05-24T23:06:02.967" v="11403" actId="5793"/>
-        <pc:sldMkLst>
-          <pc:docMk/>
-          <pc:sldMk cId="2886391867" sldId="276"/>
-        </pc:sldMkLst>
-        <pc:spChg chg="mod">
-          <ac:chgData name="Gibbons, Carl" userId="d2b037bc-8fb4-4222-845c-61440543a456" providerId="ADAL" clId="{7CACC70D-A6A7-4797-9CB8-C4485CD93BEE}" dt="2024-05-24T23:02:27.840" v="11094" actId="20577"/>
-          <ac:spMkLst>
-            <pc:docMk/>
-            <pc:sldMk cId="2886391867" sldId="276"/>
-            <ac:spMk id="2" creationId="{F5533765-AE4D-3586-BFF0-C73FF51C6B9B}"/>
-          </ac:spMkLst>
-        </pc:spChg>
-        <pc:spChg chg="mod">
-          <ac:chgData name="Gibbons, Carl" userId="d2b037bc-8fb4-4222-845c-61440543a456" providerId="ADAL" clId="{7CACC70D-A6A7-4797-9CB8-C4485CD93BEE}" dt="2024-05-24T23:06:02.967" v="11403" actId="5793"/>
-          <ac:spMkLst>
-            <pc:docMk/>
-            <pc:sldMk cId="2886391867" sldId="276"/>
-            <ac:spMk id="7" creationId="{56F98B9D-53CB-0D01-51DD-F6B452AAB6C5}"/>
-          </ac:spMkLst>
-        </pc:spChg>
-      </pc:sldChg>
-      <pc:sldChg chg="addSp modSp add mod">
-        <pc:chgData name="Gibbons, Carl" userId="d2b037bc-8fb4-4222-845c-61440543a456" providerId="ADAL" clId="{7CACC70D-A6A7-4797-9CB8-C4485CD93BEE}" dt="2024-05-24T23:22:22.393" v="12978" actId="20577"/>
-        <pc:sldMkLst>
-          <pc:docMk/>
-          <pc:sldMk cId="3206843051" sldId="277"/>
-        </pc:sldMkLst>
-        <pc:spChg chg="mod">
-          <ac:chgData name="Gibbons, Carl" userId="d2b037bc-8fb4-4222-845c-61440543a456" providerId="ADAL" clId="{7CACC70D-A6A7-4797-9CB8-C4485CD93BEE}" dt="2024-05-24T23:07:06.487" v="11464" actId="20577"/>
-          <ac:spMkLst>
-            <pc:docMk/>
-            <pc:sldMk cId="3206843051" sldId="277"/>
-            <ac:spMk id="2" creationId="{F5533765-AE4D-3586-BFF0-C73FF51C6B9B}"/>
-          </ac:spMkLst>
-        </pc:spChg>
-        <pc:spChg chg="add mod">
-          <ac:chgData name="Gibbons, Carl" userId="d2b037bc-8fb4-4222-845c-61440543a456" providerId="ADAL" clId="{7CACC70D-A6A7-4797-9CB8-C4485CD93BEE}" dt="2024-05-24T23:19:36.700" v="12679" actId="1076"/>
-          <ac:spMkLst>
-            <pc:docMk/>
-            <pc:sldMk cId="3206843051" sldId="277"/>
-            <ac:spMk id="3" creationId="{B29E0926-5CB9-CEE8-7809-654AEB430393}"/>
-          </ac:spMkLst>
-        </pc:spChg>
-        <pc:spChg chg="add mod">
-          <ac:chgData name="Gibbons, Carl" userId="d2b037bc-8fb4-4222-845c-61440543a456" providerId="ADAL" clId="{7CACC70D-A6A7-4797-9CB8-C4485CD93BEE}" dt="2024-05-24T23:19:40.235" v="12680" actId="1076"/>
-          <ac:spMkLst>
-            <pc:docMk/>
-            <pc:sldMk cId="3206843051" sldId="277"/>
-            <ac:spMk id="4" creationId="{E38F0FD3-24FF-6375-500B-D729B3F19CFE}"/>
-          </ac:spMkLst>
-        </pc:spChg>
-        <pc:spChg chg="add mod">
-          <ac:chgData name="Gibbons, Carl" userId="d2b037bc-8fb4-4222-845c-61440543a456" providerId="ADAL" clId="{7CACC70D-A6A7-4797-9CB8-C4485CD93BEE}" dt="2024-05-24T23:22:22.393" v="12978" actId="20577"/>
-          <ac:spMkLst>
-            <pc:docMk/>
-            <pc:sldMk cId="3206843051" sldId="277"/>
-            <ac:spMk id="5" creationId="{6C0DFF94-9B52-BD01-5C6C-BF26DCD85C14}"/>
-          </ac:spMkLst>
-        </pc:spChg>
-        <pc:spChg chg="add mod">
-          <ac:chgData name="Gibbons, Carl" userId="d2b037bc-8fb4-4222-845c-61440543a456" providerId="ADAL" clId="{7CACC70D-A6A7-4797-9CB8-C4485CD93BEE}" dt="2024-05-24T23:19:57.642" v="12684"/>
-          <ac:spMkLst>
-            <pc:docMk/>
-            <pc:sldMk cId="3206843051" sldId="277"/>
-            <ac:spMk id="6" creationId="{DA5D4BDC-2C31-E0E9-0073-120A41329937}"/>
-          </ac:spMkLst>
-        </pc:spChg>
-        <pc:spChg chg="mod">
-          <ac:chgData name="Gibbons, Carl" userId="d2b037bc-8fb4-4222-845c-61440543a456" providerId="ADAL" clId="{7CACC70D-A6A7-4797-9CB8-C4485CD93BEE}" dt="2024-05-24T23:10:33.233" v="11796" actId="20577"/>
-          <ac:spMkLst>
-            <pc:docMk/>
-            <pc:sldMk cId="3206843051" sldId="277"/>
-            <ac:spMk id="7" creationId="{56F98B9D-53CB-0D01-51DD-F6B452AAB6C5}"/>
-          </ac:spMkLst>
-        </pc:spChg>
-      </pc:sldChg>
-      <pc:sldChg chg="delSp modSp add mod">
-        <pc:chgData name="Gibbons, Carl" userId="d2b037bc-8fb4-4222-845c-61440543a456" providerId="ADAL" clId="{7CACC70D-A6A7-4797-9CB8-C4485CD93BEE}" dt="2024-05-24T23:36:06.155" v="14304" actId="20577"/>
-        <pc:sldMkLst>
-          <pc:docMk/>
-          <pc:sldMk cId="1773917204" sldId="278"/>
-        </pc:sldMkLst>
-        <pc:spChg chg="mod">
-          <ac:chgData name="Gibbons, Carl" userId="d2b037bc-8fb4-4222-845c-61440543a456" providerId="ADAL" clId="{7CACC70D-A6A7-4797-9CB8-C4485CD93BEE}" dt="2024-05-24T23:23:01.783" v="13052" actId="20577"/>
-          <ac:spMkLst>
-            <pc:docMk/>
-            <pc:sldMk cId="1773917204" sldId="278"/>
-            <ac:spMk id="2" creationId="{F5533765-AE4D-3586-BFF0-C73FF51C6B9B}"/>
-          </ac:spMkLst>
-        </pc:spChg>
-        <pc:spChg chg="del">
-          <ac:chgData name="Gibbons, Carl" userId="d2b037bc-8fb4-4222-845c-61440543a456" providerId="ADAL" clId="{7CACC70D-A6A7-4797-9CB8-C4485CD93BEE}" dt="2024-05-24T23:26:16.795" v="13267" actId="478"/>
-          <ac:spMkLst>
-            <pc:docMk/>
-            <pc:sldMk cId="1773917204" sldId="278"/>
-            <ac:spMk id="3" creationId="{B29E0926-5CB9-CEE8-7809-654AEB430393}"/>
-          </ac:spMkLst>
-        </pc:spChg>
-        <pc:spChg chg="del mod">
-          <ac:chgData name="Gibbons, Carl" userId="d2b037bc-8fb4-4222-845c-61440543a456" providerId="ADAL" clId="{7CACC70D-A6A7-4797-9CB8-C4485CD93BEE}" dt="2024-05-24T23:26:13.964" v="13266" actId="478"/>
-          <ac:spMkLst>
-            <pc:docMk/>
-            <pc:sldMk cId="1773917204" sldId="278"/>
-            <ac:spMk id="4" creationId="{E38F0FD3-24FF-6375-500B-D729B3F19CFE}"/>
-          </ac:spMkLst>
-        </pc:spChg>
-        <pc:spChg chg="mod">
-          <ac:chgData name="Gibbons, Carl" userId="d2b037bc-8fb4-4222-845c-61440543a456" providerId="ADAL" clId="{7CACC70D-A6A7-4797-9CB8-C4485CD93BEE}" dt="2024-05-24T23:33:47.342" v="14106" actId="20577"/>
-          <ac:spMkLst>
-            <pc:docMk/>
-            <pc:sldMk cId="1773917204" sldId="278"/>
-            <ac:spMk id="5" creationId="{6C0DFF94-9B52-BD01-5C6C-BF26DCD85C14}"/>
-          </ac:spMkLst>
-        </pc:spChg>
-        <pc:spChg chg="mod">
-          <ac:chgData name="Gibbons, Carl" userId="d2b037bc-8fb4-4222-845c-61440543a456" providerId="ADAL" clId="{7CACC70D-A6A7-4797-9CB8-C4485CD93BEE}" dt="2024-05-24T23:36:06.155" v="14304" actId="20577"/>
-          <ac:spMkLst>
-            <pc:docMk/>
-            <pc:sldMk cId="1773917204" sldId="278"/>
-            <ac:spMk id="7" creationId="{56F98B9D-53CB-0D01-51DD-F6B452AAB6C5}"/>
-          </ac:spMkLst>
-        </pc:spChg>
-      </pc:sldChg>
-      <pc:sldChg chg="delSp modSp mod">
-        <pc:chgData name="Gibbons, Carl" userId="d2b037bc-8fb4-4222-845c-61440543a456" providerId="ADAL" clId="{7CACC70D-A6A7-4797-9CB8-C4485CD93BEE}" dt="2024-05-24T23:52:12.287" v="15332" actId="478"/>
-        <pc:sldMkLst>
-          <pc:docMk/>
-          <pc:sldMk cId="3134089708" sldId="279"/>
-        </pc:sldMkLst>
-        <pc:spChg chg="mod">
-          <ac:chgData name="Gibbons, Carl" userId="d2b037bc-8fb4-4222-845c-61440543a456" providerId="ADAL" clId="{7CACC70D-A6A7-4797-9CB8-C4485CD93BEE}" dt="2024-05-24T23:40:04.634" v="14333" actId="20577"/>
-          <ac:spMkLst>
-            <pc:docMk/>
-            <pc:sldMk cId="3134089708" sldId="279"/>
-            <ac:spMk id="2" creationId="{F5533765-AE4D-3586-BFF0-C73FF51C6B9B}"/>
-          </ac:spMkLst>
-        </pc:spChg>
-        <pc:spChg chg="del mod">
-          <ac:chgData name="Gibbons, Carl" userId="d2b037bc-8fb4-4222-845c-61440543a456" providerId="ADAL" clId="{7CACC70D-A6A7-4797-9CB8-C4485CD93BEE}" dt="2024-05-24T23:52:12.287" v="15332" actId="478"/>
-          <ac:spMkLst>
-            <pc:docMk/>
-            <pc:sldMk cId="3134089708" sldId="279"/>
-            <ac:spMk id="5" creationId="{6C0DFF94-9B52-BD01-5C6C-BF26DCD85C14}"/>
-          </ac:spMkLst>
-        </pc:spChg>
-        <pc:spChg chg="mod">
-          <ac:chgData name="Gibbons, Carl" userId="d2b037bc-8fb4-4222-845c-61440543a456" providerId="ADAL" clId="{7CACC70D-A6A7-4797-9CB8-C4485CD93BEE}" dt="2024-05-24T23:51:37.350" v="15330" actId="20577"/>
-          <ac:spMkLst>
-            <pc:docMk/>
-            <pc:sldMk cId="3134089708" sldId="279"/>
-            <ac:spMk id="7" creationId="{56F98B9D-53CB-0D01-51DD-F6B452AAB6C5}"/>
           </ac:spMkLst>
         </pc:spChg>
       </pc:sldChg>
@@ -4590,7 +4590,7 @@
           <a:p>
             <a:fld id="{421996D4-4A1C-4BBC-AA2B-FD5B7FC395A0}" type="datetime1">
               <a:rPr lang="en-US" smtClean="0"/>
-              <a:t>5/24/2024</a:t>
+              <a:t>9/26/2024</a:t>
             </a:fld>
             <a:endParaRPr lang="en-US"/>
           </a:p>
@@ -4788,7 +4788,7 @@
           <a:p>
             <a:fld id="{CB43818D-5554-4105-BE04-CEE32DEBDA0A}" type="datetime1">
               <a:rPr lang="en-US" smtClean="0"/>
-              <a:t>5/24/2024</a:t>
+              <a:t>9/26/2024</a:t>
             </a:fld>
             <a:endParaRPr lang="en-US"/>
           </a:p>
@@ -4996,7 +4996,7 @@
           <a:p>
             <a:fld id="{AFAC11C6-1708-41BC-9474-3D7842023D96}" type="datetime1">
               <a:rPr lang="en-US" smtClean="0"/>
-              <a:t>5/24/2024</a:t>
+              <a:t>9/26/2024</a:t>
             </a:fld>
             <a:endParaRPr lang="en-US"/>
           </a:p>
@@ -5275,7 +5275,7 @@
           <a:p>
             <a:fld id="{490605F8-8C86-41F5-9F5E-04EDB8C2540B}" type="datetime1">
               <a:rPr lang="en-US" smtClean="0"/>
-              <a:t>5/24/2024</a:t>
+              <a:t>9/26/2024</a:t>
             </a:fld>
             <a:endParaRPr lang="en-US"/>
           </a:p>
@@ -5550,7 +5550,7 @@
           <a:p>
             <a:fld id="{CA355DA2-1E89-41CC-B722-CBFC08F260AE}" type="datetime1">
               <a:rPr lang="en-US" smtClean="0"/>
-              <a:t>5/24/2024</a:t>
+              <a:t>9/26/2024</a:t>
             </a:fld>
             <a:endParaRPr lang="en-US"/>
           </a:p>
@@ -5815,7 +5815,7 @@
           <a:p>
             <a:fld id="{7F6AFD48-C472-404E-B7B5-BA44CCF2F55D}" type="datetime1">
               <a:rPr lang="en-US" smtClean="0"/>
-              <a:t>5/24/2024</a:t>
+              <a:t>9/26/2024</a:t>
             </a:fld>
             <a:endParaRPr lang="en-US"/>
           </a:p>
@@ -6227,7 +6227,7 @@
           <a:p>
             <a:fld id="{B33F52E9-9255-4CAF-909C-660126F1B079}" type="datetime1">
               <a:rPr lang="en-US" smtClean="0"/>
-              <a:t>5/24/2024</a:t>
+              <a:t>9/26/2024</a:t>
             </a:fld>
             <a:endParaRPr lang="en-US"/>
           </a:p>
@@ -6368,7 +6368,7 @@
           <a:p>
             <a:fld id="{67F9F019-D13C-4797-8A9F-7B02D5B8121E}" type="datetime1">
               <a:rPr lang="en-US" smtClean="0"/>
-              <a:t>5/24/2024</a:t>
+              <a:t>9/26/2024</a:t>
             </a:fld>
             <a:endParaRPr lang="en-US"/>
           </a:p>
@@ -6481,7 +6481,7 @@
           <a:p>
             <a:fld id="{FDA143B9-A6C4-436D-945A-FF5B3EA2EF39}" type="datetime1">
               <a:rPr lang="en-US" smtClean="0"/>
-              <a:t>5/24/2024</a:t>
+              <a:t>9/26/2024</a:t>
             </a:fld>
             <a:endParaRPr lang="en-US"/>
           </a:p>
@@ -6792,7 +6792,7 @@
           <a:p>
             <a:fld id="{457E18FE-B6F9-4F6A-835B-8251F04458A0}" type="datetime1">
               <a:rPr lang="en-US" smtClean="0"/>
-              <a:t>5/24/2024</a:t>
+              <a:t>9/26/2024</a:t>
             </a:fld>
             <a:endParaRPr lang="en-US"/>
           </a:p>
@@ -7080,7 +7080,7 @@
           <a:p>
             <a:fld id="{5F2690CE-112A-455B-AD5F-E26CEA6A5331}" type="datetime1">
               <a:rPr lang="en-US" smtClean="0"/>
-              <a:t>5/24/2024</a:t>
+              <a:t>9/26/2024</a:t>
             </a:fld>
             <a:endParaRPr lang="en-US"/>
           </a:p>
@@ -7321,7 +7321,7 @@
           <a:p>
             <a:fld id="{9C4E342D-98AB-407C-88D4-A20ED0F70E1C}" type="datetime1">
               <a:rPr lang="en-US" smtClean="0"/>
-              <a:t>5/24/2024</a:t>
+              <a:t>9/26/2024</a:t>
             </a:fld>
             <a:endParaRPr lang="en-US"/>
           </a:p>
@@ -8887,7 +8887,15 @@
             </a:pPr>
             <a:r>
               <a:rPr lang="en-US" dirty="0"/>
-              <a:t>An Organizational Unit (OU) in AD can also have and ACL attached.</a:t>
+              <a:t>An Organizational Unit (OU) in AD can also </a:t>
+            </a:r>
+            <a:r>
+              <a:rPr lang="en-US"/>
+              <a:t>have an </a:t>
+            </a:r>
+            <a:r>
+              <a:rPr lang="en-US" dirty="0"/>
+              <a:t>ACL attached.</a:t>
             </a:r>
           </a:p>
           <a:p>

--- a/CYBER360-6.3-6.4-AD.pptx
+++ b/CYBER360-6.3-6.4-AD.pptx
@@ -649,7 +649,7 @@
           <a:p>
             <a:fld id="{71087A05-F855-4434-8DDE-39A8542098A6}" type="datetimeFigureOut">
               <a:rPr lang="en-US" smtClean="0"/>
-              <a:t>11/21/2024</a:t>
+              <a:t>2/11/2025</a:t>
             </a:fld>
             <a:endParaRPr lang="en-US"/>
           </a:p>
@@ -887,7 +887,7 @@
           <a:p>
             <a:fld id="{71087A05-F855-4434-8DDE-39A8542098A6}" type="datetimeFigureOut">
               <a:rPr lang="en-US" smtClean="0"/>
-              <a:t>11/21/2024</a:t>
+              <a:t>2/11/2025</a:t>
             </a:fld>
             <a:endParaRPr lang="en-US"/>
           </a:p>
@@ -1123,7 +1123,7 @@
           <a:p>
             <a:fld id="{421996D4-4A1C-4BBC-AA2B-FD5B7FC395A0}" type="datetime1">
               <a:rPr lang="en-US" smtClean="0"/>
-              <a:t>11/21/2024</a:t>
+              <a:t>2/11/2025</a:t>
             </a:fld>
             <a:endParaRPr lang="en-US"/>
           </a:p>
@@ -1426,7 +1426,7 @@
           <a:p>
             <a:fld id="{71087A05-F855-4434-8DDE-39A8542098A6}" type="datetimeFigureOut">
               <a:rPr lang="en-US" smtClean="0"/>
-              <a:t>11/21/2024</a:t>
+              <a:t>2/11/2025</a:t>
             </a:fld>
             <a:endParaRPr lang="en-US"/>
           </a:p>
@@ -1731,7 +1731,7 @@
           <a:p>
             <a:fld id="{71087A05-F855-4434-8DDE-39A8542098A6}" type="datetimeFigureOut">
               <a:rPr lang="en-US" smtClean="0"/>
-              <a:t>11/21/2024</a:t>
+              <a:t>2/11/2025</a:t>
             </a:fld>
             <a:endParaRPr lang="en-US"/>
           </a:p>
@@ -2034,7 +2034,7 @@
           <a:p>
             <a:fld id="{71087A05-F855-4434-8DDE-39A8542098A6}" type="datetimeFigureOut">
               <a:rPr lang="en-US" smtClean="0"/>
-              <a:t>11/21/2024</a:t>
+              <a:t>2/11/2025</a:t>
             </a:fld>
             <a:endParaRPr lang="en-US"/>
           </a:p>
@@ -2485,7 +2485,7 @@
           <a:p>
             <a:fld id="{71087A05-F855-4434-8DDE-39A8542098A6}" type="datetimeFigureOut">
               <a:rPr lang="en-US" smtClean="0"/>
-              <a:t>11/21/2024</a:t>
+              <a:t>2/11/2025</a:t>
             </a:fld>
             <a:endParaRPr lang="en-US"/>
           </a:p>
@@ -2658,7 +2658,7 @@
           <a:p>
             <a:fld id="{71087A05-F855-4434-8DDE-39A8542098A6}" type="datetimeFigureOut">
               <a:rPr lang="en-US" smtClean="0"/>
-              <a:t>11/21/2024</a:t>
+              <a:t>2/11/2025</a:t>
             </a:fld>
             <a:endParaRPr lang="en-US"/>
           </a:p>
@@ -2795,7 +2795,7 @@
           <a:p>
             <a:fld id="{71087A05-F855-4434-8DDE-39A8542098A6}" type="datetimeFigureOut">
               <a:rPr lang="en-US" smtClean="0"/>
-              <a:t>11/21/2024</a:t>
+              <a:t>2/11/2025</a:t>
             </a:fld>
             <a:endParaRPr lang="en-US"/>
           </a:p>
@@ -3139,7 +3139,7 @@
           <a:p>
             <a:fld id="{71087A05-F855-4434-8DDE-39A8542098A6}" type="datetimeFigureOut">
               <a:rPr lang="en-US" smtClean="0"/>
-              <a:t>11/21/2024</a:t>
+              <a:t>2/11/2025</a:t>
             </a:fld>
             <a:endParaRPr lang="en-US"/>
           </a:p>
@@ -3463,7 +3463,7 @@
           <a:p>
             <a:fld id="{71087A05-F855-4434-8DDE-39A8542098A6}" type="datetimeFigureOut">
               <a:rPr lang="en-US" smtClean="0"/>
-              <a:t>11/21/2024</a:t>
+              <a:t>2/11/2025</a:t>
             </a:fld>
             <a:endParaRPr lang="en-US"/>
           </a:p>
@@ -5998,7 +5998,15 @@
             <a:pPr lvl="1"/>
             <a:r>
               <a:rPr lang="en-US" dirty="0"/>
-              <a:t>Domain Controllers 	Domains, Trees, and Forests 	Federated Services </a:t>
+              <a:t>Domain Controllers 	Domains, Trees</a:t>
+            </a:r>
+            <a:r>
+              <a:rPr lang="en-US"/>
+              <a:t>, Forests </a:t>
+            </a:r>
+            <a:r>
+              <a:rPr lang="en-US" dirty="0"/>
+              <a:t>	Federated Services </a:t>
             </a:r>
           </a:p>
           <a:p>

--- a/CYBER360-6.3-6.4-AD.pptx
+++ b/CYBER360-6.3-6.4-AD.pptx
@@ -649,7 +649,7 @@
           <a:p>
             <a:fld id="{71087A05-F855-4434-8DDE-39A8542098A6}" type="datetimeFigureOut">
               <a:rPr lang="en-US" smtClean="0"/>
-              <a:t>2/11/2025</a:t>
+              <a:t>3/25/2025</a:t>
             </a:fld>
             <a:endParaRPr lang="en-US"/>
           </a:p>
@@ -887,7 +887,7 @@
           <a:p>
             <a:fld id="{71087A05-F855-4434-8DDE-39A8542098A6}" type="datetimeFigureOut">
               <a:rPr lang="en-US" smtClean="0"/>
-              <a:t>2/11/2025</a:t>
+              <a:t>3/25/2025</a:t>
             </a:fld>
             <a:endParaRPr lang="en-US"/>
           </a:p>
@@ -1123,7 +1123,7 @@
           <a:p>
             <a:fld id="{421996D4-4A1C-4BBC-AA2B-FD5B7FC395A0}" type="datetime1">
               <a:rPr lang="en-US" smtClean="0"/>
-              <a:t>2/11/2025</a:t>
+              <a:t>3/25/2025</a:t>
             </a:fld>
             <a:endParaRPr lang="en-US"/>
           </a:p>
@@ -1426,7 +1426,7 @@
           <a:p>
             <a:fld id="{71087A05-F855-4434-8DDE-39A8542098A6}" type="datetimeFigureOut">
               <a:rPr lang="en-US" smtClean="0"/>
-              <a:t>2/11/2025</a:t>
+              <a:t>3/25/2025</a:t>
             </a:fld>
             <a:endParaRPr lang="en-US"/>
           </a:p>
@@ -1731,7 +1731,7 @@
           <a:p>
             <a:fld id="{71087A05-F855-4434-8DDE-39A8542098A6}" type="datetimeFigureOut">
               <a:rPr lang="en-US" smtClean="0"/>
-              <a:t>2/11/2025</a:t>
+              <a:t>3/25/2025</a:t>
             </a:fld>
             <a:endParaRPr lang="en-US"/>
           </a:p>
@@ -2034,7 +2034,7 @@
           <a:p>
             <a:fld id="{71087A05-F855-4434-8DDE-39A8542098A6}" type="datetimeFigureOut">
               <a:rPr lang="en-US" smtClean="0"/>
-              <a:t>2/11/2025</a:t>
+              <a:t>3/25/2025</a:t>
             </a:fld>
             <a:endParaRPr lang="en-US"/>
           </a:p>
@@ -2485,7 +2485,7 @@
           <a:p>
             <a:fld id="{71087A05-F855-4434-8DDE-39A8542098A6}" type="datetimeFigureOut">
               <a:rPr lang="en-US" smtClean="0"/>
-              <a:t>2/11/2025</a:t>
+              <a:t>3/25/2025</a:t>
             </a:fld>
             <a:endParaRPr lang="en-US"/>
           </a:p>
@@ -2658,7 +2658,7 @@
           <a:p>
             <a:fld id="{71087A05-F855-4434-8DDE-39A8542098A6}" type="datetimeFigureOut">
               <a:rPr lang="en-US" smtClean="0"/>
-              <a:t>2/11/2025</a:t>
+              <a:t>3/25/2025</a:t>
             </a:fld>
             <a:endParaRPr lang="en-US"/>
           </a:p>
@@ -2795,7 +2795,7 @@
           <a:p>
             <a:fld id="{71087A05-F855-4434-8DDE-39A8542098A6}" type="datetimeFigureOut">
               <a:rPr lang="en-US" smtClean="0"/>
-              <a:t>2/11/2025</a:t>
+              <a:t>3/25/2025</a:t>
             </a:fld>
             <a:endParaRPr lang="en-US"/>
           </a:p>
@@ -3139,7 +3139,7 @@
           <a:p>
             <a:fld id="{71087A05-F855-4434-8DDE-39A8542098A6}" type="datetimeFigureOut">
               <a:rPr lang="en-US" smtClean="0"/>
-              <a:t>2/11/2025</a:t>
+              <a:t>3/25/2025</a:t>
             </a:fld>
             <a:endParaRPr lang="en-US"/>
           </a:p>
@@ -3463,7 +3463,7 @@
           <a:p>
             <a:fld id="{71087A05-F855-4434-8DDE-39A8542098A6}" type="datetimeFigureOut">
               <a:rPr lang="en-US" smtClean="0"/>
-              <a:t>2/11/2025</a:t>
+              <a:t>3/25/2025</a:t>
             </a:fld>
             <a:endParaRPr lang="en-US"/>
           </a:p>
@@ -4048,8 +4048,27 @@
           <a:lstStyle/>
           <a:p>
             <a:r>
+              <a:rPr lang="en-US"/>
+              <a:t>CYBER </a:t>
+            </a:r>
+            <a:r>
               <a:rPr lang="en-US" dirty="0"/>
-              <a:t>CIT 361/CYBER 360: Advanced Scripting</a:t>
+              <a:t>360</a:t>
+            </a:r>
+            <a:r>
+              <a:rPr lang="en-US"/>
+              <a:t>: </a:t>
+            </a:r>
+            <a:br>
+              <a:rPr lang="en-US"/>
+            </a:br>
+            <a:r>
+              <a:rPr lang="en-US"/>
+              <a:t>Advanced </a:t>
+            </a:r>
+            <a:r>
+              <a:rPr lang="en-US" dirty="0"/>
+              <a:t>Scripting</a:t>
             </a:r>
           </a:p>
         </p:txBody>
@@ -5637,7 +5656,7 @@
               </a:pPr>
               <a:r>
                 <a:rPr lang="en-US" dirty="0"/>
-                <a:t>Given a particular device, which users may access that device, and what are the users permitted to do with that device?</a:t>
+                <a:t>Given a particular device, which users or computers may access that device, and what are the users or computers permitted to do with that device?</a:t>
               </a:r>
             </a:p>
             <a:p>
@@ -5662,7 +5681,15 @@
               </a:r>
               <a:r>
                 <a:rPr lang="en-US" dirty="0"/>
-                <a:t> among network resources. In an object-oriented manner, authorized subjects (agents) may be users or computers. Access-controlled/authorized objects may be:</a:t>
+                <a:t> among network resources. In an object-oriented manner, authorized subjects (agents) may be users (</a:t>
+              </a:r>
+              <a:r>
+                <a:rPr lang="en-US" i="1" dirty="0"/>
+                <a:t>trustees</a:t>
+              </a:r>
+              <a:r>
+                <a:rPr lang="en-US" dirty="0"/>
+                <a:t>) or computers. Access-controlled/authorized objects may be:</a:t>
               </a:r>
             </a:p>
           </p:txBody>
